--- a/project/project-presentation.pptx
+++ b/project/project-presentation.pptx
@@ -4,17 +4,22 @@
   <p:sldMasterIdLst>
     <p:sldMasterId id="2147483648" r:id="rId1"/>
   </p:sldMasterIdLst>
+  <p:notesMasterIdLst>
+    <p:notesMasterId r:id="rId14"/>
+  </p:notesMasterIdLst>
   <p:sldIdLst>
     <p:sldId id="256" r:id="rId2"/>
     <p:sldId id="260" r:id="rId3"/>
     <p:sldId id="262" r:id="rId4"/>
-    <p:sldId id="257" r:id="rId5"/>
-    <p:sldId id="258" r:id="rId6"/>
-    <p:sldId id="259" r:id="rId7"/>
-    <p:sldId id="261" r:id="rId8"/>
-    <p:sldId id="263" r:id="rId9"/>
-    <p:sldId id="264" r:id="rId10"/>
-    <p:sldId id="265" r:id="rId11"/>
+    <p:sldId id="258" r:id="rId5"/>
+    <p:sldId id="257" r:id="rId6"/>
+    <p:sldId id="266" r:id="rId7"/>
+    <p:sldId id="259" r:id="rId8"/>
+    <p:sldId id="261" r:id="rId9"/>
+    <p:sldId id="263" r:id="rId10"/>
+    <p:sldId id="267" r:id="rId11"/>
+    <p:sldId id="264" r:id="rId12"/>
+    <p:sldId id="265" r:id="rId13"/>
   </p:sldIdLst>
   <p:sldSz cx="12192000" cy="6858000"/>
   <p:notesSz cx="6858000" cy="9144000"/>
@@ -113,7 +118,483 @@
       </a:defRPr>
     </a:lvl9pPr>
   </p:defaultTextStyle>
+  <p:extLst>
+    <p:ext uri="{EFAFB233-063F-42B5-8137-9DF3F51BA10A}">
+      <p15:sldGuideLst xmlns:p15="http://schemas.microsoft.com/office/powerpoint/2012/main"/>
+    </p:ext>
+  </p:extLst>
 </p:presentation>
+</file>
+
+<file path=ppt/notesMasters/notesMaster1.xml><?xml version="1.0" encoding="utf-8"?>
+<p:notesMaster xmlns:a="http://schemas.openxmlformats.org/drawingml/2006/main" xmlns:r="http://schemas.openxmlformats.org/officeDocument/2006/relationships" xmlns:p="http://schemas.openxmlformats.org/presentationml/2006/main">
+  <p:cSld>
+    <p:bg>
+      <p:bgRef idx="1001">
+        <a:schemeClr val="bg1"/>
+      </p:bgRef>
+    </p:bg>
+    <p:spTree>
+      <p:nvGrpSpPr>
+        <p:cNvPr id="1" name=""/>
+        <p:cNvGrpSpPr/>
+        <p:nvPr/>
+      </p:nvGrpSpPr>
+      <p:grpSpPr>
+        <a:xfrm>
+          <a:off x="0" y="0"/>
+          <a:ext cx="0" cy="0"/>
+          <a:chOff x="0" y="0"/>
+          <a:chExt cx="0" cy="0"/>
+        </a:xfrm>
+      </p:grpSpPr>
+      <p:sp>
+        <p:nvSpPr>
+          <p:cNvPr id="2" name="Header Placeholder 1"/>
+          <p:cNvSpPr>
+            <a:spLocks noGrp="1"/>
+          </p:cNvSpPr>
+          <p:nvPr>
+            <p:ph type="hdr" sz="quarter"/>
+          </p:nvPr>
+        </p:nvSpPr>
+        <p:spPr>
+          <a:xfrm>
+            <a:off x="0" y="0"/>
+            <a:ext cx="2971800" cy="458788"/>
+          </a:xfrm>
+          <a:prstGeom prst="rect">
+            <a:avLst/>
+          </a:prstGeom>
+        </p:spPr>
+        <p:txBody>
+          <a:bodyPr vert="horz" lIns="91440" tIns="45720" rIns="91440" bIns="45720" rtlCol="0"/>
+          <a:lstStyle>
+            <a:lvl1pPr algn="l">
+              <a:defRPr sz="1200"/>
+            </a:lvl1pPr>
+          </a:lstStyle>
+          <a:p>
+            <a:endParaRPr lang="en-CH"/>
+          </a:p>
+        </p:txBody>
+      </p:sp>
+      <p:sp>
+        <p:nvSpPr>
+          <p:cNvPr id="3" name="Date Placeholder 2"/>
+          <p:cNvSpPr>
+            <a:spLocks noGrp="1"/>
+          </p:cNvSpPr>
+          <p:nvPr>
+            <p:ph type="dt" idx="1"/>
+          </p:nvPr>
+        </p:nvSpPr>
+        <p:spPr>
+          <a:xfrm>
+            <a:off x="3884613" y="0"/>
+            <a:ext cx="2971800" cy="458788"/>
+          </a:xfrm>
+          <a:prstGeom prst="rect">
+            <a:avLst/>
+          </a:prstGeom>
+        </p:spPr>
+        <p:txBody>
+          <a:bodyPr vert="horz" lIns="91440" tIns="45720" rIns="91440" bIns="45720" rtlCol="0"/>
+          <a:lstStyle>
+            <a:lvl1pPr algn="r">
+              <a:defRPr sz="1200"/>
+            </a:lvl1pPr>
+          </a:lstStyle>
+          <a:p>
+            <a:fld id="{11746ADE-9A98-6D48-9CB8-CA35B8B5C87D}" type="datetimeFigureOut">
+              <a:rPr lang="en-CH" smtClean="0"/>
+              <a:t>01.10.2025</a:t>
+            </a:fld>
+            <a:endParaRPr lang="en-CH"/>
+          </a:p>
+        </p:txBody>
+      </p:sp>
+      <p:sp>
+        <p:nvSpPr>
+          <p:cNvPr id="4" name="Slide Image Placeholder 3"/>
+          <p:cNvSpPr>
+            <a:spLocks noGrp="1" noRot="1" noChangeAspect="1"/>
+          </p:cNvSpPr>
+          <p:nvPr>
+            <p:ph type="sldImg" idx="2"/>
+          </p:nvPr>
+        </p:nvSpPr>
+        <p:spPr>
+          <a:xfrm>
+            <a:off x="685800" y="1143000"/>
+            <a:ext cx="5486400" cy="3086100"/>
+          </a:xfrm>
+          <a:prstGeom prst="rect">
+            <a:avLst/>
+          </a:prstGeom>
+          <a:noFill/>
+          <a:ln w="12700">
+            <a:solidFill>
+              <a:prstClr val="black"/>
+            </a:solidFill>
+          </a:ln>
+        </p:spPr>
+        <p:txBody>
+          <a:bodyPr vert="horz" lIns="91440" tIns="45720" rIns="91440" bIns="45720" rtlCol="0" anchor="ctr"/>
+          <a:lstStyle/>
+          <a:p>
+            <a:endParaRPr lang="en-CH"/>
+          </a:p>
+        </p:txBody>
+      </p:sp>
+      <p:sp>
+        <p:nvSpPr>
+          <p:cNvPr id="5" name="Notes Placeholder 4"/>
+          <p:cNvSpPr>
+            <a:spLocks noGrp="1"/>
+          </p:cNvSpPr>
+          <p:nvPr>
+            <p:ph type="body" sz="quarter" idx="3"/>
+          </p:nvPr>
+        </p:nvSpPr>
+        <p:spPr>
+          <a:xfrm>
+            <a:off x="685800" y="4400550"/>
+            <a:ext cx="5486400" cy="3600450"/>
+          </a:xfrm>
+          <a:prstGeom prst="rect">
+            <a:avLst/>
+          </a:prstGeom>
+        </p:spPr>
+        <p:txBody>
+          <a:bodyPr vert="horz" lIns="91440" tIns="45720" rIns="91440" bIns="45720" rtlCol="0"/>
+          <a:lstStyle/>
+          <a:p>
+            <a:pPr lvl="0"/>
+            <a:r>
+              <a:rPr lang="en-GB"/>
+              <a:t>Click to edit Master text styles</a:t>
+            </a:r>
+          </a:p>
+          <a:p>
+            <a:pPr lvl="1"/>
+            <a:r>
+              <a:rPr lang="en-GB"/>
+              <a:t>Second level</a:t>
+            </a:r>
+          </a:p>
+          <a:p>
+            <a:pPr lvl="2"/>
+            <a:r>
+              <a:rPr lang="en-GB"/>
+              <a:t>Third level</a:t>
+            </a:r>
+          </a:p>
+          <a:p>
+            <a:pPr lvl="3"/>
+            <a:r>
+              <a:rPr lang="en-GB"/>
+              <a:t>Fourth level</a:t>
+            </a:r>
+          </a:p>
+          <a:p>
+            <a:pPr lvl="4"/>
+            <a:r>
+              <a:rPr lang="en-GB"/>
+              <a:t>Fifth level</a:t>
+            </a:r>
+            <a:endParaRPr lang="en-CH"/>
+          </a:p>
+        </p:txBody>
+      </p:sp>
+      <p:sp>
+        <p:nvSpPr>
+          <p:cNvPr id="6" name="Footer Placeholder 5"/>
+          <p:cNvSpPr>
+            <a:spLocks noGrp="1"/>
+          </p:cNvSpPr>
+          <p:nvPr>
+            <p:ph type="ftr" sz="quarter" idx="4"/>
+          </p:nvPr>
+        </p:nvSpPr>
+        <p:spPr>
+          <a:xfrm>
+            <a:off x="0" y="8685213"/>
+            <a:ext cx="2971800" cy="458787"/>
+          </a:xfrm>
+          <a:prstGeom prst="rect">
+            <a:avLst/>
+          </a:prstGeom>
+        </p:spPr>
+        <p:txBody>
+          <a:bodyPr vert="horz" lIns="91440" tIns="45720" rIns="91440" bIns="45720" rtlCol="0" anchor="b"/>
+          <a:lstStyle>
+            <a:lvl1pPr algn="l">
+              <a:defRPr sz="1200"/>
+            </a:lvl1pPr>
+          </a:lstStyle>
+          <a:p>
+            <a:endParaRPr lang="en-CH"/>
+          </a:p>
+        </p:txBody>
+      </p:sp>
+      <p:sp>
+        <p:nvSpPr>
+          <p:cNvPr id="7" name="Slide Number Placeholder 6"/>
+          <p:cNvSpPr>
+            <a:spLocks noGrp="1"/>
+          </p:cNvSpPr>
+          <p:nvPr>
+            <p:ph type="sldNum" sz="quarter" idx="5"/>
+          </p:nvPr>
+        </p:nvSpPr>
+        <p:spPr>
+          <a:xfrm>
+            <a:off x="3884613" y="8685213"/>
+            <a:ext cx="2971800" cy="458787"/>
+          </a:xfrm>
+          <a:prstGeom prst="rect">
+            <a:avLst/>
+          </a:prstGeom>
+        </p:spPr>
+        <p:txBody>
+          <a:bodyPr vert="horz" lIns="91440" tIns="45720" rIns="91440" bIns="45720" rtlCol="0" anchor="b"/>
+          <a:lstStyle>
+            <a:lvl1pPr algn="r">
+              <a:defRPr sz="1200"/>
+            </a:lvl1pPr>
+          </a:lstStyle>
+          <a:p>
+            <a:fld id="{9D5711ED-9794-EB46-8888-A9216C3D6C48}" type="slidenum">
+              <a:rPr lang="en-CH" smtClean="0"/>
+              <a:t>‹#›</a:t>
+            </a:fld>
+            <a:endParaRPr lang="en-CH"/>
+          </a:p>
+        </p:txBody>
+      </p:sp>
+    </p:spTree>
+    <p:extLst>
+      <p:ext uri="{BB962C8B-B14F-4D97-AF65-F5344CB8AC3E}">
+        <p14:creationId xmlns:p14="http://schemas.microsoft.com/office/powerpoint/2010/main" val="1678970085"/>
+      </p:ext>
+    </p:extLst>
+  </p:cSld>
+  <p:clrMap bg1="lt1" tx1="dk1" bg2="lt2" tx2="dk2" accent1="accent1" accent2="accent2" accent3="accent3" accent4="accent4" accent5="accent5" accent6="accent6" hlink="hlink" folHlink="folHlink"/>
+  <p:notesStyle>
+    <a:lvl1pPr marL="0" algn="l" defTabSz="914400" rtl="0" eaLnBrk="1" latinLnBrk="0" hangingPunct="1">
+      <a:defRPr sz="1200" kern="1200">
+        <a:solidFill>
+          <a:schemeClr val="tx1"/>
+        </a:solidFill>
+        <a:latin typeface="+mn-lt"/>
+        <a:ea typeface="+mn-ea"/>
+        <a:cs typeface="+mn-cs"/>
+      </a:defRPr>
+    </a:lvl1pPr>
+    <a:lvl2pPr marL="457200" algn="l" defTabSz="914400" rtl="0" eaLnBrk="1" latinLnBrk="0" hangingPunct="1">
+      <a:defRPr sz="1200" kern="1200">
+        <a:solidFill>
+          <a:schemeClr val="tx1"/>
+        </a:solidFill>
+        <a:latin typeface="+mn-lt"/>
+        <a:ea typeface="+mn-ea"/>
+        <a:cs typeface="+mn-cs"/>
+      </a:defRPr>
+    </a:lvl2pPr>
+    <a:lvl3pPr marL="914400" algn="l" defTabSz="914400" rtl="0" eaLnBrk="1" latinLnBrk="0" hangingPunct="1">
+      <a:defRPr sz="1200" kern="1200">
+        <a:solidFill>
+          <a:schemeClr val="tx1"/>
+        </a:solidFill>
+        <a:latin typeface="+mn-lt"/>
+        <a:ea typeface="+mn-ea"/>
+        <a:cs typeface="+mn-cs"/>
+      </a:defRPr>
+    </a:lvl3pPr>
+    <a:lvl4pPr marL="1371600" algn="l" defTabSz="914400" rtl="0" eaLnBrk="1" latinLnBrk="0" hangingPunct="1">
+      <a:defRPr sz="1200" kern="1200">
+        <a:solidFill>
+          <a:schemeClr val="tx1"/>
+        </a:solidFill>
+        <a:latin typeface="+mn-lt"/>
+        <a:ea typeface="+mn-ea"/>
+        <a:cs typeface="+mn-cs"/>
+      </a:defRPr>
+    </a:lvl4pPr>
+    <a:lvl5pPr marL="1828800" algn="l" defTabSz="914400" rtl="0" eaLnBrk="1" latinLnBrk="0" hangingPunct="1">
+      <a:defRPr sz="1200" kern="1200">
+        <a:solidFill>
+          <a:schemeClr val="tx1"/>
+        </a:solidFill>
+        <a:latin typeface="+mn-lt"/>
+        <a:ea typeface="+mn-ea"/>
+        <a:cs typeface="+mn-cs"/>
+      </a:defRPr>
+    </a:lvl5pPr>
+    <a:lvl6pPr marL="2286000" algn="l" defTabSz="914400" rtl="0" eaLnBrk="1" latinLnBrk="0" hangingPunct="1">
+      <a:defRPr sz="1200" kern="1200">
+        <a:solidFill>
+          <a:schemeClr val="tx1"/>
+        </a:solidFill>
+        <a:latin typeface="+mn-lt"/>
+        <a:ea typeface="+mn-ea"/>
+        <a:cs typeface="+mn-cs"/>
+      </a:defRPr>
+    </a:lvl6pPr>
+    <a:lvl7pPr marL="2743200" algn="l" defTabSz="914400" rtl="0" eaLnBrk="1" latinLnBrk="0" hangingPunct="1">
+      <a:defRPr sz="1200" kern="1200">
+        <a:solidFill>
+          <a:schemeClr val="tx1"/>
+        </a:solidFill>
+        <a:latin typeface="+mn-lt"/>
+        <a:ea typeface="+mn-ea"/>
+        <a:cs typeface="+mn-cs"/>
+      </a:defRPr>
+    </a:lvl7pPr>
+    <a:lvl8pPr marL="3200400" algn="l" defTabSz="914400" rtl="0" eaLnBrk="1" latinLnBrk="0" hangingPunct="1">
+      <a:defRPr sz="1200" kern="1200">
+        <a:solidFill>
+          <a:schemeClr val="tx1"/>
+        </a:solidFill>
+        <a:latin typeface="+mn-lt"/>
+        <a:ea typeface="+mn-ea"/>
+        <a:cs typeface="+mn-cs"/>
+      </a:defRPr>
+    </a:lvl8pPr>
+    <a:lvl9pPr marL="3657600" algn="l" defTabSz="914400" rtl="0" eaLnBrk="1" latinLnBrk="0" hangingPunct="1">
+      <a:defRPr sz="1200" kern="1200">
+        <a:solidFill>
+          <a:schemeClr val="tx1"/>
+        </a:solidFill>
+        <a:latin typeface="+mn-lt"/>
+        <a:ea typeface="+mn-ea"/>
+        <a:cs typeface="+mn-cs"/>
+      </a:defRPr>
+    </a:lvl9pPr>
+  </p:notesStyle>
+</p:notesMaster>
+</file>
+
+<file path=ppt/notesSlides/notesSlide1.xml><?xml version="1.0" encoding="utf-8"?>
+<p:notes xmlns:a="http://schemas.openxmlformats.org/drawingml/2006/main" xmlns:r="http://schemas.openxmlformats.org/officeDocument/2006/relationships" xmlns:p="http://schemas.openxmlformats.org/presentationml/2006/main">
+  <p:cSld>
+    <p:spTree>
+      <p:nvGrpSpPr>
+        <p:cNvPr id="1" name=""/>
+        <p:cNvGrpSpPr/>
+        <p:nvPr/>
+      </p:nvGrpSpPr>
+      <p:grpSpPr>
+        <a:xfrm>
+          <a:off x="0" y="0"/>
+          <a:ext cx="0" cy="0"/>
+          <a:chOff x="0" y="0"/>
+          <a:chExt cx="0" cy="0"/>
+        </a:xfrm>
+      </p:grpSpPr>
+      <p:sp>
+        <p:nvSpPr>
+          <p:cNvPr id="2" name="Slide Image Placeholder 1"/>
+          <p:cNvSpPr>
+            <a:spLocks noGrp="1" noRot="1" noChangeAspect="1"/>
+          </p:cNvSpPr>
+          <p:nvPr>
+            <p:ph type="sldImg"/>
+          </p:nvPr>
+        </p:nvSpPr>
+        <p:spPr/>
+      </p:sp>
+      <p:sp>
+        <p:nvSpPr>
+          <p:cNvPr id="3" name="Notes Placeholder 2"/>
+          <p:cNvSpPr>
+            <a:spLocks noGrp="1"/>
+          </p:cNvSpPr>
+          <p:nvPr>
+            <p:ph type="body" idx="1"/>
+          </p:nvPr>
+        </p:nvSpPr>
+        <p:spPr/>
+        <p:txBody>
+          <a:bodyPr/>
+          <a:lstStyle/>
+          <a:p>
+            <a:pPr marL="0" marR="0" lvl="0" indent="0" algn="l" defTabSz="914400" rtl="0" eaLnBrk="1" fontAlgn="auto" latinLnBrk="0" hangingPunct="1">
+              <a:lnSpc>
+                <a:spcPct val="100000"/>
+              </a:lnSpc>
+              <a:spcBef>
+                <a:spcPts val="0"/>
+              </a:spcBef>
+              <a:spcAft>
+                <a:spcPts val="0"/>
+              </a:spcAft>
+              <a:buClrTx/>
+              <a:buSzTx/>
+              <a:buFontTx/>
+              <a:buNone/>
+              <a:tabLst/>
+              <a:defRPr/>
+            </a:pPr>
+            <a:r>
+              <a:rPr lang="en-CH" dirty="0"/>
+              <a:t>1. Starts with individual vertices</a:t>
+            </a:r>
+            <a:br>
+              <a:rPr lang="en-CH" dirty="0"/>
+            </a:br>
+            <a:r>
+              <a:rPr lang="en-CH" dirty="0"/>
+              <a:t>2. Merges vertices into neighboring communities</a:t>
+            </a:r>
+            <a:br>
+              <a:rPr lang="en-CH" dirty="0"/>
+            </a:br>
+            <a:r>
+              <a:rPr lang="en-CH" dirty="0"/>
+              <a:t>3. Creates a new hierarchy after each pass of merging </a:t>
+            </a:r>
+          </a:p>
+          <a:p>
+            <a:endParaRPr lang="en-CH" dirty="0"/>
+          </a:p>
+        </p:txBody>
+      </p:sp>
+      <p:sp>
+        <p:nvSpPr>
+          <p:cNvPr id="4" name="Slide Number Placeholder 3"/>
+          <p:cNvSpPr>
+            <a:spLocks noGrp="1"/>
+          </p:cNvSpPr>
+          <p:nvPr>
+            <p:ph type="sldNum" sz="quarter" idx="5"/>
+          </p:nvPr>
+        </p:nvSpPr>
+        <p:spPr/>
+        <p:txBody>
+          <a:bodyPr/>
+          <a:lstStyle/>
+          <a:p>
+            <a:fld id="{9D5711ED-9794-EB46-8888-A9216C3D6C48}" type="slidenum">
+              <a:rPr lang="en-CH" smtClean="0"/>
+              <a:t>8</a:t>
+            </a:fld>
+            <a:endParaRPr lang="en-CH"/>
+          </a:p>
+        </p:txBody>
+      </p:sp>
+    </p:spTree>
+    <p:extLst>
+      <p:ext uri="{BB962C8B-B14F-4D97-AF65-F5344CB8AC3E}">
+        <p14:creationId xmlns:p14="http://schemas.microsoft.com/office/powerpoint/2010/main" val="2689067036"/>
+      </p:ext>
+    </p:extLst>
+  </p:cSld>
+  <p:clrMapOvr>
+    <a:masterClrMapping/>
+  </p:clrMapOvr>
+</p:notes>
 </file>
 
 <file path=ppt/slideLayouts/slideLayout1.xml><?xml version="1.0" encoding="utf-8"?>
@@ -265,7 +746,7 @@
           <a:p>
             <a:fld id="{1F2A7D23-7EA9-894F-9EFE-458820C0BE85}" type="datetimeFigureOut">
               <a:rPr lang="en-CH" smtClean="0"/>
-              <a:t>25.09.2025</a:t>
+              <a:t>01.10.2025</a:t>
             </a:fld>
             <a:endParaRPr lang="en-CH"/>
           </a:p>
@@ -465,7 +946,7 @@
           <a:p>
             <a:fld id="{1F2A7D23-7EA9-894F-9EFE-458820C0BE85}" type="datetimeFigureOut">
               <a:rPr lang="en-CH" smtClean="0"/>
-              <a:t>25.09.2025</a:t>
+              <a:t>01.10.2025</a:t>
             </a:fld>
             <a:endParaRPr lang="en-CH"/>
           </a:p>
@@ -675,7 +1156,7 @@
           <a:p>
             <a:fld id="{1F2A7D23-7EA9-894F-9EFE-458820C0BE85}" type="datetimeFigureOut">
               <a:rPr lang="en-CH" smtClean="0"/>
-              <a:t>25.09.2025</a:t>
+              <a:t>01.10.2025</a:t>
             </a:fld>
             <a:endParaRPr lang="en-CH"/>
           </a:p>
@@ -875,7 +1356,7 @@
           <a:p>
             <a:fld id="{1F2A7D23-7EA9-894F-9EFE-458820C0BE85}" type="datetimeFigureOut">
               <a:rPr lang="en-CH" smtClean="0"/>
-              <a:t>25.09.2025</a:t>
+              <a:t>01.10.2025</a:t>
             </a:fld>
             <a:endParaRPr lang="en-CH"/>
           </a:p>
@@ -1151,7 +1632,7 @@
           <a:p>
             <a:fld id="{1F2A7D23-7EA9-894F-9EFE-458820C0BE85}" type="datetimeFigureOut">
               <a:rPr lang="en-CH" smtClean="0"/>
-              <a:t>25.09.2025</a:t>
+              <a:t>01.10.2025</a:t>
             </a:fld>
             <a:endParaRPr lang="en-CH"/>
           </a:p>
@@ -1419,7 +1900,7 @@
           <a:p>
             <a:fld id="{1F2A7D23-7EA9-894F-9EFE-458820C0BE85}" type="datetimeFigureOut">
               <a:rPr lang="en-CH" smtClean="0"/>
-              <a:t>25.09.2025</a:t>
+              <a:t>01.10.2025</a:t>
             </a:fld>
             <a:endParaRPr lang="en-CH"/>
           </a:p>
@@ -1834,7 +2315,7 @@
           <a:p>
             <a:fld id="{1F2A7D23-7EA9-894F-9EFE-458820C0BE85}" type="datetimeFigureOut">
               <a:rPr lang="en-CH" smtClean="0"/>
-              <a:t>25.09.2025</a:t>
+              <a:t>01.10.2025</a:t>
             </a:fld>
             <a:endParaRPr lang="en-CH"/>
           </a:p>
@@ -1976,7 +2457,7 @@
           <a:p>
             <a:fld id="{1F2A7D23-7EA9-894F-9EFE-458820C0BE85}" type="datetimeFigureOut">
               <a:rPr lang="en-CH" smtClean="0"/>
-              <a:t>25.09.2025</a:t>
+              <a:t>01.10.2025</a:t>
             </a:fld>
             <a:endParaRPr lang="en-CH"/>
           </a:p>
@@ -2089,7 +2570,7 @@
           <a:p>
             <a:fld id="{1F2A7D23-7EA9-894F-9EFE-458820C0BE85}" type="datetimeFigureOut">
               <a:rPr lang="en-CH" smtClean="0"/>
-              <a:t>25.09.2025</a:t>
+              <a:t>01.10.2025</a:t>
             </a:fld>
             <a:endParaRPr lang="en-CH"/>
           </a:p>
@@ -2402,7 +2883,7 @@
           <a:p>
             <a:fld id="{1F2A7D23-7EA9-894F-9EFE-458820C0BE85}" type="datetimeFigureOut">
               <a:rPr lang="en-CH" smtClean="0"/>
-              <a:t>25.09.2025</a:t>
+              <a:t>01.10.2025</a:t>
             </a:fld>
             <a:endParaRPr lang="en-CH"/>
           </a:p>
@@ -2691,7 +3172,7 @@
           <a:p>
             <a:fld id="{1F2A7D23-7EA9-894F-9EFE-458820C0BE85}" type="datetimeFigureOut">
               <a:rPr lang="en-CH" smtClean="0"/>
-              <a:t>25.09.2025</a:t>
+              <a:t>01.10.2025</a:t>
             </a:fld>
             <a:endParaRPr lang="en-CH"/>
           </a:p>
@@ -2934,7 +3415,7 @@
           <a:p>
             <a:fld id="{1F2A7D23-7EA9-894F-9EFE-458820C0BE85}" type="datetimeFigureOut">
               <a:rPr lang="en-CH" smtClean="0"/>
-              <a:t>25.09.2025</a:t>
+              <a:t>01.10.2025</a:t>
             </a:fld>
             <a:endParaRPr lang="en-CH"/>
           </a:p>
@@ -3422,6 +3903,248 @@
   <p:cSld>
     <p:spTree>
       <p:nvGrpSpPr>
+        <p:cNvPr id="1" name="">
+          <a:extLst>
+            <a:ext uri="{FF2B5EF4-FFF2-40B4-BE49-F238E27FC236}">
+              <a16:creationId xmlns:a16="http://schemas.microsoft.com/office/drawing/2014/main" id="{F9645429-A8B1-B535-47C4-089CEFD50F63}"/>
+            </a:ext>
+          </a:extLst>
+        </p:cNvPr>
+        <p:cNvGrpSpPr/>
+        <p:nvPr/>
+      </p:nvGrpSpPr>
+      <p:grpSpPr>
+        <a:xfrm>
+          <a:off x="0" y="0"/>
+          <a:ext cx="0" cy="0"/>
+          <a:chOff x="0" y="0"/>
+          <a:chExt cx="0" cy="0"/>
+        </a:xfrm>
+      </p:grpSpPr>
+      <p:sp>
+        <p:nvSpPr>
+          <p:cNvPr id="2" name="Title 1">
+            <a:extLst>
+              <a:ext uri="{FF2B5EF4-FFF2-40B4-BE49-F238E27FC236}">
+                <a16:creationId xmlns:a16="http://schemas.microsoft.com/office/drawing/2014/main" id="{448D0EC2-264B-491D-7FFA-3716C3B93CE9}"/>
+              </a:ext>
+            </a:extLst>
+          </p:cNvPr>
+          <p:cNvSpPr>
+            <a:spLocks noGrp="1"/>
+          </p:cNvSpPr>
+          <p:nvPr>
+            <p:ph type="title"/>
+          </p:nvPr>
+        </p:nvSpPr>
+        <p:spPr/>
+        <p:txBody>
+          <a:bodyPr/>
+          <a:lstStyle/>
+          <a:p>
+            <a:r>
+              <a:rPr lang="en-CH" dirty="0"/>
+              <a:t>Identified and Characterized Social Circles</a:t>
+            </a:r>
+          </a:p>
+        </p:txBody>
+      </p:sp>
+      <p:sp>
+        <p:nvSpPr>
+          <p:cNvPr id="3" name="Content Placeholder 2">
+            <a:extLst>
+              <a:ext uri="{FF2B5EF4-FFF2-40B4-BE49-F238E27FC236}">
+                <a16:creationId xmlns:a16="http://schemas.microsoft.com/office/drawing/2014/main" id="{09834E3C-CB46-A7D6-2C1C-5881324B4124}"/>
+              </a:ext>
+            </a:extLst>
+          </p:cNvPr>
+          <p:cNvSpPr>
+            <a:spLocks noGrp="1"/>
+          </p:cNvSpPr>
+          <p:nvPr>
+            <p:ph idx="1"/>
+          </p:nvPr>
+        </p:nvSpPr>
+        <p:spPr/>
+        <p:txBody>
+          <a:bodyPr/>
+          <a:lstStyle/>
+          <a:p>
+            <a:r>
+              <a:rPr lang="en-CH" dirty="0"/>
+              <a:t>-&gt; present statistics such as average follower/following count of the users in the group</a:t>
+            </a:r>
+          </a:p>
+          <a:p>
+            <a:r>
+              <a:rPr lang="en-CH" dirty="0"/>
+              <a:t>-&gt;present statistics such as average number of posts/likes received+given/comments received+given of the users in the group</a:t>
+            </a:r>
+          </a:p>
+          <a:p>
+            <a:endParaRPr lang="en-CH" dirty="0"/>
+          </a:p>
+        </p:txBody>
+      </p:sp>
+    </p:spTree>
+    <p:extLst>
+      <p:ext uri="{BB962C8B-B14F-4D97-AF65-F5344CB8AC3E}">
+        <p14:creationId xmlns:p14="http://schemas.microsoft.com/office/powerpoint/2010/main" val="1138123285"/>
+      </p:ext>
+    </p:extLst>
+  </p:cSld>
+  <p:clrMapOvr>
+    <a:masterClrMapping/>
+  </p:clrMapOvr>
+</p:sld>
+</file>
+
+<file path=ppt/slides/slide11.xml><?xml version="1.0" encoding="utf-8"?>
+<p:sld xmlns:a="http://schemas.openxmlformats.org/drawingml/2006/main" xmlns:r="http://schemas.openxmlformats.org/officeDocument/2006/relationships" xmlns:p="http://schemas.openxmlformats.org/presentationml/2006/main">
+  <p:cSld>
+    <p:spTree>
+      <p:nvGrpSpPr>
+        <p:cNvPr id="1" name=""/>
+        <p:cNvGrpSpPr/>
+        <p:nvPr/>
+      </p:nvGrpSpPr>
+      <p:grpSpPr>
+        <a:xfrm>
+          <a:off x="0" y="0"/>
+          <a:ext cx="0" cy="0"/>
+          <a:chOff x="0" y="0"/>
+          <a:chExt cx="0" cy="0"/>
+        </a:xfrm>
+      </p:grpSpPr>
+      <p:sp>
+        <p:nvSpPr>
+          <p:cNvPr id="2" name="Title 1">
+            <a:extLst>
+              <a:ext uri="{FF2B5EF4-FFF2-40B4-BE49-F238E27FC236}">
+                <a16:creationId xmlns:a16="http://schemas.microsoft.com/office/drawing/2014/main" id="{5F1FAA27-79D6-3629-5A1D-12FB7E6CE987}"/>
+              </a:ext>
+            </a:extLst>
+          </p:cNvPr>
+          <p:cNvSpPr>
+            <a:spLocks noGrp="1"/>
+          </p:cNvSpPr>
+          <p:nvPr>
+            <p:ph type="title"/>
+          </p:nvPr>
+        </p:nvSpPr>
+        <p:spPr/>
+        <p:txBody>
+          <a:bodyPr/>
+          <a:lstStyle/>
+          <a:p>
+            <a:r>
+              <a:rPr lang="en-CH" dirty="0"/>
+              <a:t>Algoithms used anomaly detection</a:t>
+            </a:r>
+          </a:p>
+        </p:txBody>
+      </p:sp>
+      <p:sp>
+        <p:nvSpPr>
+          <p:cNvPr id="3" name="Content Placeholder 2">
+            <a:extLst>
+              <a:ext uri="{FF2B5EF4-FFF2-40B4-BE49-F238E27FC236}">
+                <a16:creationId xmlns:a16="http://schemas.microsoft.com/office/drawing/2014/main" id="{147E3663-5B74-26A5-CA46-E69098C261B9}"/>
+              </a:ext>
+            </a:extLst>
+          </p:cNvPr>
+          <p:cNvSpPr>
+            <a:spLocks noGrp="1"/>
+          </p:cNvSpPr>
+          <p:nvPr>
+            <p:ph idx="1"/>
+          </p:nvPr>
+        </p:nvSpPr>
+        <p:spPr/>
+        <p:txBody>
+          <a:bodyPr/>
+          <a:lstStyle/>
+          <a:p>
+            <a:r>
+              <a:rPr lang="en-CH" dirty="0"/>
+              <a:t>-&gt; we can use multiple algorithms and see if all of them detect the same outlier users</a:t>
+            </a:r>
+          </a:p>
+          <a:p>
+            <a:r>
+              <a:rPr lang="en-CH" dirty="0"/>
+              <a:t>-&gt; do the outlier detection based on the 7 columns:</a:t>
+            </a:r>
+            <a:br>
+              <a:rPr lang="en-CH" dirty="0"/>
+            </a:br>
+            <a:r>
+              <a:rPr lang="en-CH" dirty="0"/>
+              <a:t>- Follower count</a:t>
+            </a:r>
+            <a:br>
+              <a:rPr lang="en-CH" dirty="0"/>
+            </a:br>
+            <a:r>
+              <a:rPr lang="en-CH" dirty="0"/>
+              <a:t>- Following count</a:t>
+            </a:r>
+            <a:br>
+              <a:rPr lang="en-CH" dirty="0"/>
+            </a:br>
+            <a:r>
+              <a:rPr lang="en-CH" dirty="0"/>
+              <a:t>- Posts created</a:t>
+            </a:r>
+            <a:br>
+              <a:rPr lang="en-CH" dirty="0"/>
+            </a:br>
+            <a:r>
+              <a:rPr lang="en-CH" dirty="0"/>
+              <a:t>- Likes received on average per post</a:t>
+            </a:r>
+            <a:br>
+              <a:rPr lang="en-CH" dirty="0"/>
+            </a:br>
+            <a:r>
+              <a:rPr lang="en-CH" dirty="0"/>
+              <a:t>- Likes given</a:t>
+            </a:r>
+            <a:br>
+              <a:rPr lang="en-CH" dirty="0"/>
+            </a:br>
+            <a:r>
+              <a:rPr lang="en-CH" dirty="0"/>
+              <a:t>- Comments received on average per post</a:t>
+            </a:r>
+            <a:br>
+              <a:rPr lang="en-CH" dirty="0"/>
+            </a:br>
+            <a:r>
+              <a:rPr lang="en-CH" dirty="0"/>
+              <a:t>- Comments given</a:t>
+            </a:r>
+          </a:p>
+        </p:txBody>
+      </p:sp>
+    </p:spTree>
+    <p:extLst>
+      <p:ext uri="{BB962C8B-B14F-4D97-AF65-F5344CB8AC3E}">
+        <p14:creationId xmlns:p14="http://schemas.microsoft.com/office/powerpoint/2010/main" val="2754087882"/>
+      </p:ext>
+    </p:extLst>
+  </p:cSld>
+  <p:clrMapOvr>
+    <a:masterClrMapping/>
+  </p:clrMapOvr>
+</p:sld>
+</file>
+
+<file path=ppt/slides/slide12.xml><?xml version="1.0" encoding="utf-8"?>
+<p:sld xmlns:a="http://schemas.openxmlformats.org/drawingml/2006/main" xmlns:r="http://schemas.openxmlformats.org/officeDocument/2006/relationships" xmlns:p="http://schemas.openxmlformats.org/presentationml/2006/main">
+  <p:cSld>
+    <p:spTree>
+      <p:nvGrpSpPr>
         <p:cNvPr id="1" name=""/>
         <p:cNvGrpSpPr/>
         <p:nvPr/>
@@ -3687,7 +4410,34 @@
           <a:bodyPr/>
           <a:lstStyle/>
           <a:p>
-            <a:endParaRPr lang="en-CH" dirty="0"/>
+            <a:r>
+              <a:rPr lang="en-CH" dirty="0"/>
+              <a:t>Number of users: 665’382</a:t>
+            </a:r>
+          </a:p>
+          <a:p>
+            <a:r>
+              <a:rPr lang="en-CH" dirty="0"/>
+              <a:t>Number of posts: 12’000’000</a:t>
+            </a:r>
+          </a:p>
+          <a:p>
+            <a:r>
+              <a:rPr lang="en-CH" dirty="0"/>
+              <a:t>Number of comments: 3’749’891</a:t>
+            </a:r>
+          </a:p>
+          <a:p>
+            <a:r>
+              <a:rPr lang="en-CH" dirty="0"/>
+              <a:t>Number of people following: 19’547’158</a:t>
+            </a:r>
+          </a:p>
+          <a:p>
+            <a:r>
+              <a:rPr lang="en-CH" dirty="0"/>
+              <a:t>Number of likes: 798’112</a:t>
+            </a:r>
           </a:p>
         </p:txBody>
       </p:sp>
@@ -3726,7 +4476,7 @@
           <p:cNvPr id="2" name="Title 1">
             <a:extLst>
               <a:ext uri="{FF2B5EF4-FFF2-40B4-BE49-F238E27FC236}">
-                <a16:creationId xmlns:a16="http://schemas.microsoft.com/office/drawing/2014/main" id="{3108730E-CB4B-A1CE-88EE-1506162CE5DB}"/>
+                <a16:creationId xmlns:a16="http://schemas.microsoft.com/office/drawing/2014/main" id="{E914D6B6-34B6-C3F5-A45D-C9ABF16DD735}"/>
               </a:ext>
             </a:extLst>
           </p:cNvPr>
@@ -3744,7 +4494,7 @@
           <a:p>
             <a:r>
               <a:rPr lang="en-CH" dirty="0"/>
-              <a:t>Initial Data Exploration</a:t>
+              <a:t>Preprocessing</a:t>
             </a:r>
           </a:p>
         </p:txBody>
@@ -3754,7 +4504,7 @@
           <p:cNvPr id="3" name="Content Placeholder 2">
             <a:extLst>
               <a:ext uri="{FF2B5EF4-FFF2-40B4-BE49-F238E27FC236}">
-                <a16:creationId xmlns:a16="http://schemas.microsoft.com/office/drawing/2014/main" id="{B9616FA7-5A4B-9210-89B3-876486F21DF9}"/>
+                <a16:creationId xmlns:a16="http://schemas.microsoft.com/office/drawing/2014/main" id="{9BF60156-5663-DF29-35DD-F4A9F6805B13}"/>
               </a:ext>
             </a:extLst>
           </p:cNvPr>
@@ -3770,14 +4520,51 @@
           <a:bodyPr/>
           <a:lstStyle/>
           <a:p>
-            <a:endParaRPr lang="en-CH"/>
+            <a:r>
+              <a:rPr lang="en-CH" dirty="0"/>
+              <a:t>Dataset has already been preprocessed before</a:t>
+            </a:r>
+          </a:p>
+          <a:p>
+            <a:r>
+              <a:rPr lang="en-CH" dirty="0"/>
+              <a:t>Remove “dead” accounts (accounts without any posts)</a:t>
+            </a:r>
+            <a:br>
+              <a:rPr lang="en-CH" dirty="0"/>
+            </a:br>
+            <a:r>
+              <a:rPr lang="en-CH" dirty="0"/>
+              <a:t>-&gt; Users removed: 160’792 (504’590 users remaining)</a:t>
+            </a:r>
+          </a:p>
+          <a:p>
+            <a:r>
+              <a:rPr lang="en-CH" dirty="0"/>
+              <a:t>Connect users following each other (via FollowedID and FollowerID)</a:t>
+            </a:r>
+          </a:p>
+          <a:p>
+            <a:r>
+              <a:rPr lang="en-CH" dirty="0"/>
+              <a:t>Connect users and their posts via UserID</a:t>
+            </a:r>
+          </a:p>
+          <a:p>
+            <a:r>
+              <a:rPr lang="en-CH" dirty="0"/>
+              <a:t>Connect posts, users and likes + comments via PostId and UserID</a:t>
+            </a:r>
+          </a:p>
+          <a:p>
+            <a:endParaRPr lang="en-CH" dirty="0"/>
           </a:p>
         </p:txBody>
       </p:sp>
     </p:spTree>
     <p:extLst>
       <p:ext uri="{BB962C8B-B14F-4D97-AF65-F5344CB8AC3E}">
-        <p14:creationId xmlns:p14="http://schemas.microsoft.com/office/powerpoint/2010/main" val="4092990420"/>
+        <p14:creationId xmlns:p14="http://schemas.microsoft.com/office/powerpoint/2010/main" val="2331160125"/>
       </p:ext>
     </p:extLst>
   </p:cSld>
@@ -3809,7 +4596,7 @@
           <p:cNvPr id="2" name="Title 1">
             <a:extLst>
               <a:ext uri="{FF2B5EF4-FFF2-40B4-BE49-F238E27FC236}">
-                <a16:creationId xmlns:a16="http://schemas.microsoft.com/office/drawing/2014/main" id="{E914D6B6-34B6-C3F5-A45D-C9ABF16DD735}"/>
+                <a16:creationId xmlns:a16="http://schemas.microsoft.com/office/drawing/2014/main" id="{3108730E-CB4B-A1CE-88EE-1506162CE5DB}"/>
               </a:ext>
             </a:extLst>
           </p:cNvPr>
@@ -3827,70 +4614,104 @@
           <a:p>
             <a:r>
               <a:rPr lang="en-CH" dirty="0"/>
-              <a:t>Preprocessing</a:t>
-            </a:r>
-          </a:p>
-        </p:txBody>
-      </p:sp>
-      <p:sp>
-        <p:nvSpPr>
-          <p:cNvPr id="3" name="Content Placeholder 2">
-            <a:extLst>
-              <a:ext uri="{FF2B5EF4-FFF2-40B4-BE49-F238E27FC236}">
-                <a16:creationId xmlns:a16="http://schemas.microsoft.com/office/drawing/2014/main" id="{9BF60156-5663-DF29-35DD-F4A9F6805B13}"/>
-              </a:ext>
-            </a:extLst>
-          </p:cNvPr>
-          <p:cNvSpPr>
-            <a:spLocks noGrp="1"/>
-          </p:cNvSpPr>
+              <a:t>Initial Data Exploration</a:t>
+            </a:r>
+          </a:p>
+        </p:txBody>
+      </p:sp>
+      <p:pic>
+        <p:nvPicPr>
+          <p:cNvPr id="5" name="Content Placeholder 4" descr="A graph of a number of posts&#10;&#10;AI-generated content may be incorrect.">
+            <a:extLst>
+              <a:ext uri="{FF2B5EF4-FFF2-40B4-BE49-F238E27FC236}">
+                <a16:creationId xmlns:a16="http://schemas.microsoft.com/office/drawing/2014/main" id="{512F95F2-1D99-48F4-60CC-712C6381F388}"/>
+              </a:ext>
+            </a:extLst>
+          </p:cNvPr>
+          <p:cNvPicPr>
+            <a:picLocks noGrp="1" noChangeAspect="1"/>
+          </p:cNvPicPr>
           <p:nvPr>
             <p:ph idx="1"/>
           </p:nvPr>
-        </p:nvSpPr>
-        <p:spPr/>
-        <p:txBody>
-          <a:bodyPr/>
-          <a:lstStyle/>
-          <a:p>
-            <a:r>
-              <a:rPr lang="en-CH" dirty="0"/>
-              <a:t>Dataset has already been preprocessed before</a:t>
-            </a:r>
-          </a:p>
-          <a:p>
-            <a:r>
-              <a:rPr lang="en-CH" dirty="0"/>
-              <a:t>Remove “dead” accounts –&gt; accounts without any posts or friends</a:t>
-            </a:r>
-          </a:p>
-          <a:p>
-            <a:r>
-              <a:rPr lang="en-CH" dirty="0"/>
-              <a:t>Connect users following each other via FollowedID and FollowerID</a:t>
-            </a:r>
-          </a:p>
-          <a:p>
-            <a:r>
-              <a:rPr lang="en-CH" dirty="0"/>
-              <a:t>Connect users and their posts via UserID</a:t>
-            </a:r>
-          </a:p>
-          <a:p>
-            <a:r>
-              <a:rPr lang="en-CH" dirty="0"/>
-              <a:t>Connect posts, users and likes + comments via PostId and UserID</a:t>
-            </a:r>
-          </a:p>
-          <a:p>
-            <a:endParaRPr lang="en-CH" dirty="0"/>
-          </a:p>
-        </p:txBody>
-      </p:sp>
+        </p:nvPicPr>
+        <p:blipFill>
+          <a:blip r:embed="rId2"/>
+          <a:stretch>
+            <a:fillRect/>
+          </a:stretch>
+        </p:blipFill>
+        <p:spPr>
+          <a:xfrm>
+            <a:off x="229954" y="1901115"/>
+            <a:ext cx="5194300" cy="4140200"/>
+          </a:xfrm>
+        </p:spPr>
+      </p:pic>
+      <p:pic>
+        <p:nvPicPr>
+          <p:cNvPr id="7" name="Picture 6" descr="A graph of a number of comments received&#10;&#10;AI-generated content may be incorrect.">
+            <a:extLst>
+              <a:ext uri="{FF2B5EF4-FFF2-40B4-BE49-F238E27FC236}">
+                <a16:creationId xmlns:a16="http://schemas.microsoft.com/office/drawing/2014/main" id="{737E4160-FDEF-68C8-7603-A14445440AE9}"/>
+              </a:ext>
+            </a:extLst>
+          </p:cNvPr>
+          <p:cNvPicPr>
+            <a:picLocks noChangeAspect="1"/>
+          </p:cNvPicPr>
+          <p:nvPr/>
+        </p:nvPicPr>
+        <p:blipFill>
+          <a:blip r:embed="rId3"/>
+          <a:stretch>
+            <a:fillRect/>
+          </a:stretch>
+        </p:blipFill>
+        <p:spPr>
+          <a:xfrm>
+            <a:off x="7590971" y="154698"/>
+            <a:ext cx="4060619" cy="3236581"/>
+          </a:xfrm>
+          <a:prstGeom prst="rect">
+            <a:avLst/>
+          </a:prstGeom>
+        </p:spPr>
+      </p:pic>
+      <p:pic>
+        <p:nvPicPr>
+          <p:cNvPr id="9" name="Picture 8" descr="A graph of a number of likes received&#10;&#10;AI-generated content may be incorrect.">
+            <a:extLst>
+              <a:ext uri="{FF2B5EF4-FFF2-40B4-BE49-F238E27FC236}">
+                <a16:creationId xmlns:a16="http://schemas.microsoft.com/office/drawing/2014/main" id="{47C9538D-C514-E33E-D134-F1F0E62A59B5}"/>
+              </a:ext>
+            </a:extLst>
+          </p:cNvPr>
+          <p:cNvPicPr>
+            <a:picLocks noChangeAspect="1"/>
+          </p:cNvPicPr>
+          <p:nvPr/>
+        </p:nvPicPr>
+        <p:blipFill>
+          <a:blip r:embed="rId4"/>
+          <a:stretch>
+            <a:fillRect/>
+          </a:stretch>
+        </p:blipFill>
+        <p:spPr>
+          <a:xfrm>
+            <a:off x="7474856" y="3528867"/>
+            <a:ext cx="4176733" cy="3329132"/>
+          </a:xfrm>
+          <a:prstGeom prst="rect">
+            <a:avLst/>
+          </a:prstGeom>
+        </p:spPr>
+      </p:pic>
     </p:spTree>
     <p:extLst>
       <p:ext uri="{BB962C8B-B14F-4D97-AF65-F5344CB8AC3E}">
-        <p14:creationId xmlns:p14="http://schemas.microsoft.com/office/powerpoint/2010/main" val="2331160125"/>
+        <p14:creationId xmlns:p14="http://schemas.microsoft.com/office/powerpoint/2010/main" val="4092990420"/>
       </p:ext>
     </p:extLst>
   </p:cSld>
@@ -3905,7 +4726,13 @@
   <p:cSld>
     <p:spTree>
       <p:nvGrpSpPr>
-        <p:cNvPr id="1" name=""/>
+        <p:cNvPr id="1" name="">
+          <a:extLst>
+            <a:ext uri="{FF2B5EF4-FFF2-40B4-BE49-F238E27FC236}">
+              <a16:creationId xmlns:a16="http://schemas.microsoft.com/office/drawing/2014/main" id="{237758C9-59A4-7EBF-0717-8F65A614C0D7}"/>
+            </a:ext>
+          </a:extLst>
+        </p:cNvPr>
         <p:cNvGrpSpPr/>
         <p:nvPr/>
       </p:nvGrpSpPr>
@@ -3922,7 +4749,7 @@
           <p:cNvPr id="2" name="Title 1">
             <a:extLst>
               <a:ext uri="{FF2B5EF4-FFF2-40B4-BE49-F238E27FC236}">
-                <a16:creationId xmlns:a16="http://schemas.microsoft.com/office/drawing/2014/main" id="{4AB292F6-FEDE-812D-ABE9-0D96A3C35EE0}"/>
+                <a16:creationId xmlns:a16="http://schemas.microsoft.com/office/drawing/2014/main" id="{73F3AD19-0CAF-8C20-4DC4-668EAEFF6A88}"/>
               </a:ext>
             </a:extLst>
           </p:cNvPr>
@@ -3940,52 +4767,74 @@
           <a:p>
             <a:r>
               <a:rPr lang="en-CH" dirty="0"/>
-              <a:t>Data After Prepocessing</a:t>
-            </a:r>
-          </a:p>
-        </p:txBody>
-      </p:sp>
-      <p:sp>
-        <p:nvSpPr>
-          <p:cNvPr id="3" name="Content Placeholder 2">
-            <a:extLst>
-              <a:ext uri="{FF2B5EF4-FFF2-40B4-BE49-F238E27FC236}">
-                <a16:creationId xmlns:a16="http://schemas.microsoft.com/office/drawing/2014/main" id="{1A219152-FFCB-7996-F6A5-8633F00776C8}"/>
-              </a:ext>
-            </a:extLst>
-          </p:cNvPr>
-          <p:cNvSpPr>
-            <a:spLocks noGrp="1"/>
-          </p:cNvSpPr>
+              <a:t>Initial Data Exploration</a:t>
+            </a:r>
+          </a:p>
+        </p:txBody>
+      </p:sp>
+      <p:pic>
+        <p:nvPicPr>
+          <p:cNvPr id="5" name="Content Placeholder 4" descr="A graph of followers&#10;&#10;AI-generated content may be incorrect.">
+            <a:extLst>
+              <a:ext uri="{FF2B5EF4-FFF2-40B4-BE49-F238E27FC236}">
+                <a16:creationId xmlns:a16="http://schemas.microsoft.com/office/drawing/2014/main" id="{90EB3819-DF25-3994-6754-B3C395F46EA8}"/>
+              </a:ext>
+            </a:extLst>
+          </p:cNvPr>
+          <p:cNvPicPr>
+            <a:picLocks noGrp="1" noChangeAspect="1"/>
+          </p:cNvPicPr>
           <p:nvPr>
             <p:ph idx="1"/>
           </p:nvPr>
-        </p:nvSpPr>
-        <p:spPr/>
-        <p:txBody>
-          <a:bodyPr/>
-          <a:lstStyle/>
-          <a:p>
-            <a:r>
-              <a:rPr lang="en-CH" dirty="0"/>
-              <a:t>-&gt; show histograms of the “connected” data </a:t>
-            </a:r>
-          </a:p>
-          <a:p>
-            <a:r>
-              <a:rPr lang="en-CH" dirty="0"/>
-              <a:t>-&gt; maybe also show a graph of following network</a:t>
-            </a:r>
-          </a:p>
-          <a:p>
-            <a:endParaRPr lang="en-CH" dirty="0"/>
-          </a:p>
-        </p:txBody>
-      </p:sp>
+        </p:nvPicPr>
+        <p:blipFill>
+          <a:blip r:embed="rId2"/>
+          <a:stretch>
+            <a:fillRect/>
+          </a:stretch>
+        </p:blipFill>
+        <p:spPr>
+          <a:xfrm>
+            <a:off x="363764" y="1931194"/>
+            <a:ext cx="5194300" cy="4140200"/>
+          </a:xfrm>
+        </p:spPr>
+      </p:pic>
+      <p:pic>
+        <p:nvPicPr>
+          <p:cNvPr id="7" name="Picture 6" descr="A graph of a number of users followed&#10;&#10;AI-generated content may be incorrect.">
+            <a:extLst>
+              <a:ext uri="{FF2B5EF4-FFF2-40B4-BE49-F238E27FC236}">
+                <a16:creationId xmlns:a16="http://schemas.microsoft.com/office/drawing/2014/main" id="{A2B5BBB0-1993-2B47-C341-31D9CE92DD09}"/>
+              </a:ext>
+            </a:extLst>
+          </p:cNvPr>
+          <p:cNvPicPr>
+            <a:picLocks noChangeAspect="1"/>
+          </p:cNvPicPr>
+          <p:nvPr/>
+        </p:nvPicPr>
+        <p:blipFill>
+          <a:blip r:embed="rId3"/>
+          <a:stretch>
+            <a:fillRect/>
+          </a:stretch>
+        </p:blipFill>
+        <p:spPr>
+          <a:xfrm>
+            <a:off x="6159500" y="1931194"/>
+            <a:ext cx="5194300" cy="4140200"/>
+          </a:xfrm>
+          <a:prstGeom prst="rect">
+            <a:avLst/>
+          </a:prstGeom>
+        </p:spPr>
+      </p:pic>
     </p:spTree>
     <p:extLst>
       <p:ext uri="{BB962C8B-B14F-4D97-AF65-F5344CB8AC3E}">
-        <p14:creationId xmlns:p14="http://schemas.microsoft.com/office/powerpoint/2010/main" val="1264526715"/>
+        <p14:creationId xmlns:p14="http://schemas.microsoft.com/office/powerpoint/2010/main" val="1285517734"/>
       </p:ext>
     </p:extLst>
   </p:cSld>
@@ -4017,7 +4866,7 @@
           <p:cNvPr id="2" name="Title 1">
             <a:extLst>
               <a:ext uri="{FF2B5EF4-FFF2-40B4-BE49-F238E27FC236}">
-                <a16:creationId xmlns:a16="http://schemas.microsoft.com/office/drawing/2014/main" id="{E3145D8C-5FDA-8D25-3D2C-826994AF2A91}"/>
+                <a16:creationId xmlns:a16="http://schemas.microsoft.com/office/drawing/2014/main" id="{4AB292F6-FEDE-812D-ABE9-0D96A3C35EE0}"/>
               </a:ext>
             </a:extLst>
           </p:cNvPr>
@@ -4035,7 +4884,7 @@
           <a:p>
             <a:r>
               <a:rPr lang="en-CH" dirty="0"/>
-              <a:t>Algorithm used for grouping users</a:t>
+              <a:t>Data After Prepocessing</a:t>
             </a:r>
           </a:p>
         </p:txBody>
@@ -4045,7 +4894,7 @@
           <p:cNvPr id="3" name="Content Placeholder 2">
             <a:extLst>
               <a:ext uri="{FF2B5EF4-FFF2-40B4-BE49-F238E27FC236}">
-                <a16:creationId xmlns:a16="http://schemas.microsoft.com/office/drawing/2014/main" id="{561BC1AD-468C-C3B5-3F1E-8B0637726EF4}"/>
+                <a16:creationId xmlns:a16="http://schemas.microsoft.com/office/drawing/2014/main" id="{1A219152-FFCB-7996-F6A5-8633F00776C8}"/>
               </a:ext>
             </a:extLst>
           </p:cNvPr>
@@ -4063,15 +4912,24 @@
           <a:p>
             <a:r>
               <a:rPr lang="en-CH" dirty="0"/>
-              <a:t>-&gt; ask Chatgpt what to do</a:t>
-            </a:r>
+              <a:t>-&gt; show histograms of the “connected” data </a:t>
+            </a:r>
+          </a:p>
+          <a:p>
+            <a:r>
+              <a:rPr lang="en-CH" dirty="0"/>
+              <a:t>-&gt; maybe also show a graph of following network</a:t>
+            </a:r>
+          </a:p>
+          <a:p>
+            <a:endParaRPr lang="en-CH" dirty="0"/>
           </a:p>
         </p:txBody>
       </p:sp>
     </p:spTree>
     <p:extLst>
       <p:ext uri="{BB962C8B-B14F-4D97-AF65-F5344CB8AC3E}">
-        <p14:creationId xmlns:p14="http://schemas.microsoft.com/office/powerpoint/2010/main" val="3808451876"/>
+        <p14:creationId xmlns:p14="http://schemas.microsoft.com/office/powerpoint/2010/main" val="1264526715"/>
       </p:ext>
     </p:extLst>
   </p:cSld>
@@ -4103,7 +4961,7 @@
           <p:cNvPr id="2" name="Title 1">
             <a:extLst>
               <a:ext uri="{FF2B5EF4-FFF2-40B4-BE49-F238E27FC236}">
-                <a16:creationId xmlns:a16="http://schemas.microsoft.com/office/drawing/2014/main" id="{CB965BD2-9463-0FBB-3BB4-607917695B18}"/>
+                <a16:creationId xmlns:a16="http://schemas.microsoft.com/office/drawing/2014/main" id="{E3145D8C-5FDA-8D25-3D2C-826994AF2A91}"/>
               </a:ext>
             </a:extLst>
           </p:cNvPr>
@@ -4121,7 +4979,7 @@
           <a:p>
             <a:r>
               <a:rPr lang="en-CH" dirty="0"/>
-              <a:t>Identified and Characterized Social Circles</a:t>
+              <a:t>Louvain Algorithm for community detection</a:t>
             </a:r>
           </a:p>
         </p:txBody>
@@ -4131,7 +4989,7 @@
           <p:cNvPr id="3" name="Content Placeholder 2">
             <a:extLst>
               <a:ext uri="{FF2B5EF4-FFF2-40B4-BE49-F238E27FC236}">
-                <a16:creationId xmlns:a16="http://schemas.microsoft.com/office/drawing/2014/main" id="{79FC8110-AF7A-102D-D14A-008F0C98B187}"/>
+                <a16:creationId xmlns:a16="http://schemas.microsoft.com/office/drawing/2014/main" id="{561BC1AD-468C-C3B5-3F1E-8B0637726EF4}"/>
               </a:ext>
             </a:extLst>
           </p:cNvPr>
@@ -4149,14 +5007,36 @@
           <a:p>
             <a:r>
               <a:rPr lang="en-CH" dirty="0"/>
-              <a:t>-&gt; present statistics such as average follower/following count of the users in the group</a:t>
-            </a:r>
-          </a:p>
-          <a:p>
-            <a:r>
-              <a:rPr lang="en-CH" dirty="0"/>
-              <a:t>-&gt;present statistics such as average number of posts/likes received+given/comments received+given of the users in the group</a:t>
-            </a:r>
+              <a:t>504’590 users/vertices</a:t>
+            </a:r>
+          </a:p>
+          <a:p>
+            <a:r>
+              <a:rPr lang="en-CH" dirty="0"/>
+              <a:t>19’547’158 followings/edges</a:t>
+            </a:r>
+          </a:p>
+          <a:p>
+            <a:r>
+              <a:rPr lang="en-CH" dirty="0"/>
+              <a:t>Invented in 2015</a:t>
+            </a:r>
+          </a:p>
+          <a:p>
+            <a:r>
+              <a:rPr lang="en-CH" dirty="0"/>
+              <a:t>Space and time complexity: O(|V| + |E|)</a:t>
+            </a:r>
+          </a:p>
+          <a:p>
+            <a:r>
+              <a:rPr lang="en-CH" dirty="0"/>
+              <a:t>Similar to agglomerative clustering: bottom-up, hierarchical and greedy</a:t>
+            </a:r>
+            <a:br>
+              <a:rPr lang="en-CH" dirty="0"/>
+            </a:br>
+            <a:endParaRPr lang="en-CH" dirty="0"/>
           </a:p>
           <a:p>
             <a:endParaRPr lang="en-CH" dirty="0"/>
@@ -4166,7 +5046,7 @@
     </p:spTree>
     <p:extLst>
       <p:ext uri="{BB962C8B-B14F-4D97-AF65-F5344CB8AC3E}">
-        <p14:creationId xmlns:p14="http://schemas.microsoft.com/office/powerpoint/2010/main" val="1622907915"/>
+        <p14:creationId xmlns:p14="http://schemas.microsoft.com/office/powerpoint/2010/main" val="3808451876"/>
       </p:ext>
     </p:extLst>
   </p:cSld>
@@ -4198,7 +5078,7 @@
           <p:cNvPr id="2" name="Title 1">
             <a:extLst>
               <a:ext uri="{FF2B5EF4-FFF2-40B4-BE49-F238E27FC236}">
-                <a16:creationId xmlns:a16="http://schemas.microsoft.com/office/drawing/2014/main" id="{5F1FAA27-79D6-3629-5A1D-12FB7E6CE987}"/>
+                <a16:creationId xmlns:a16="http://schemas.microsoft.com/office/drawing/2014/main" id="{CB965BD2-9463-0FBB-3BB4-607917695B18}"/>
               </a:ext>
             </a:extLst>
           </p:cNvPr>
@@ -4216,7 +5096,7 @@
           <a:p>
             <a:r>
               <a:rPr lang="en-CH" dirty="0"/>
-              <a:t>Algoithms used anomaly detection</a:t>
+              <a:t>Identified and Characterized Social Circles</a:t>
             </a:r>
           </a:p>
         </p:txBody>
@@ -4226,7 +5106,7 @@
           <p:cNvPr id="3" name="Content Placeholder 2">
             <a:extLst>
               <a:ext uri="{FF2B5EF4-FFF2-40B4-BE49-F238E27FC236}">
-                <a16:creationId xmlns:a16="http://schemas.microsoft.com/office/drawing/2014/main" id="{147E3663-5B74-26A5-CA46-E69098C261B9}"/>
+                <a16:creationId xmlns:a16="http://schemas.microsoft.com/office/drawing/2014/main" id="{79FC8110-AF7A-102D-D14A-008F0C98B187}"/>
               </a:ext>
             </a:extLst>
           </p:cNvPr>
@@ -4244,70 +5124,24 @@
           <a:p>
             <a:r>
               <a:rPr lang="en-CH" dirty="0"/>
-              <a:t>-&gt; we can use multiple algorithms and see if all of them detect the same outlier users</a:t>
-            </a:r>
-          </a:p>
-          <a:p>
-            <a:r>
-              <a:rPr lang="en-CH" dirty="0"/>
-              <a:t>-&gt; do the outlier detection based on the 7 columns:</a:t>
-            </a:r>
-            <a:br>
-              <a:rPr lang="en-CH" dirty="0"/>
-            </a:br>
-            <a:r>
-              <a:rPr lang="en-CH" dirty="0"/>
-              <a:t>- Follower count</a:t>
-            </a:r>
-            <a:br>
-              <a:rPr lang="en-CH" dirty="0"/>
-            </a:br>
-            <a:r>
-              <a:rPr lang="en-CH" dirty="0"/>
-              <a:t>- Following count</a:t>
-            </a:r>
-            <a:br>
-              <a:rPr lang="en-CH" dirty="0"/>
-            </a:br>
-            <a:r>
-              <a:rPr lang="en-CH" dirty="0"/>
-              <a:t>- Posts created</a:t>
-            </a:r>
-            <a:br>
-              <a:rPr lang="en-CH" dirty="0"/>
-            </a:br>
-            <a:r>
-              <a:rPr lang="en-CH" dirty="0"/>
-              <a:t>- Likes received on average per post</a:t>
-            </a:r>
-            <a:br>
-              <a:rPr lang="en-CH" dirty="0"/>
-            </a:br>
-            <a:r>
-              <a:rPr lang="en-CH" dirty="0"/>
-              <a:t>- Likes given</a:t>
-            </a:r>
-            <a:br>
-              <a:rPr lang="en-CH" dirty="0"/>
-            </a:br>
-            <a:r>
-              <a:rPr lang="en-CH" dirty="0"/>
-              <a:t>- Comments received on average per post</a:t>
-            </a:r>
-            <a:br>
-              <a:rPr lang="en-CH" dirty="0"/>
-            </a:br>
-            <a:r>
-              <a:rPr lang="en-CH" dirty="0"/>
-              <a:t>- Comments given</a:t>
-            </a:r>
+              <a:t>-&gt; present statistics such as average follower/following count of the users in the group</a:t>
+            </a:r>
+          </a:p>
+          <a:p>
+            <a:r>
+              <a:rPr lang="en-CH" dirty="0"/>
+              <a:t>-&gt;present statistics such as average number of posts/likes received+given/comments received+given of the users in the group</a:t>
+            </a:r>
+          </a:p>
+          <a:p>
+            <a:endParaRPr lang="en-CH" dirty="0"/>
           </a:p>
         </p:txBody>
       </p:sp>
     </p:spTree>
     <p:extLst>
       <p:ext uri="{BB962C8B-B14F-4D97-AF65-F5344CB8AC3E}">
-        <p14:creationId xmlns:p14="http://schemas.microsoft.com/office/powerpoint/2010/main" val="2754087882"/>
+        <p14:creationId xmlns:p14="http://schemas.microsoft.com/office/powerpoint/2010/main" val="1622907915"/>
       </p:ext>
     </p:extLst>
   </p:cSld>
@@ -4630,4 +5464,319 @@
     </a:ext>
   </a:extLst>
 </a:theme>
+</file>
+
+<file path=ppt/theme/theme2.xml><?xml version="1.0" encoding="utf-8"?>
+<a:theme xmlns:a="http://schemas.openxmlformats.org/drawingml/2006/main" name="Office Theme">
+  <a:themeElements>
+    <a:clrScheme name="Office">
+      <a:dk1>
+        <a:sysClr val="windowText" lastClr="000000"/>
+      </a:dk1>
+      <a:lt1>
+        <a:sysClr val="window" lastClr="FFFFFF"/>
+      </a:lt1>
+      <a:dk2>
+        <a:srgbClr val="0E2841"/>
+      </a:dk2>
+      <a:lt2>
+        <a:srgbClr val="E8E8E8"/>
+      </a:lt2>
+      <a:accent1>
+        <a:srgbClr val="156082"/>
+      </a:accent1>
+      <a:accent2>
+        <a:srgbClr val="E97132"/>
+      </a:accent2>
+      <a:accent3>
+        <a:srgbClr val="196B24"/>
+      </a:accent3>
+      <a:accent4>
+        <a:srgbClr val="0F9ED5"/>
+      </a:accent4>
+      <a:accent5>
+        <a:srgbClr val="A02B93"/>
+      </a:accent5>
+      <a:accent6>
+        <a:srgbClr val="4EA72E"/>
+      </a:accent6>
+      <a:hlink>
+        <a:srgbClr val="467886"/>
+      </a:hlink>
+      <a:folHlink>
+        <a:srgbClr val="96607D"/>
+      </a:folHlink>
+    </a:clrScheme>
+    <a:fontScheme name="Office">
+      <a:majorFont>
+        <a:latin typeface="Aptos Display" panose="02110004020202020204"/>
+        <a:ea typeface=""/>
+        <a:cs typeface=""/>
+        <a:font script="Jpan" typeface="游ゴシック Light"/>
+        <a:font script="Hang" typeface="맑은 고딕"/>
+        <a:font script="Hans" typeface="等线 Light"/>
+        <a:font script="Hant" typeface="新細明體"/>
+        <a:font script="Arab" typeface="Times New Roman"/>
+        <a:font script="Hebr" typeface="Times New Roman"/>
+        <a:font script="Thai" typeface="Angsana New"/>
+        <a:font script="Ethi" typeface="Nyala"/>
+        <a:font script="Beng" typeface="Vrinda"/>
+        <a:font script="Gujr" typeface="Shruti"/>
+        <a:font script="Khmr" typeface="MoolBoran"/>
+        <a:font script="Knda" typeface="Tunga"/>
+        <a:font script="Guru" typeface="Raavi"/>
+        <a:font script="Cans" typeface="Euphemia"/>
+        <a:font script="Cher" typeface="Plantagenet Cherokee"/>
+        <a:font script="Yiii" typeface="Microsoft Yi Baiti"/>
+        <a:font script="Tibt" typeface="Microsoft Himalaya"/>
+        <a:font script="Thaa" typeface="MV Boli"/>
+        <a:font script="Deva" typeface="Mangal"/>
+        <a:font script="Telu" typeface="Gautami"/>
+        <a:font script="Taml" typeface="Latha"/>
+        <a:font script="Syrc" typeface="Estrangelo Edessa"/>
+        <a:font script="Orya" typeface="Kalinga"/>
+        <a:font script="Mlym" typeface="Kartika"/>
+        <a:font script="Laoo" typeface="DokChampa"/>
+        <a:font script="Sinh" typeface="Iskoola Pota"/>
+        <a:font script="Mong" typeface="Mongolian Baiti"/>
+        <a:font script="Viet" typeface="Times New Roman"/>
+        <a:font script="Uigh" typeface="Microsoft Uighur"/>
+        <a:font script="Geor" typeface="Sylfaen"/>
+        <a:font script="Armn" typeface="Arial"/>
+        <a:font script="Bugi" typeface="Leelawadee UI"/>
+        <a:font script="Bopo" typeface="Microsoft JhengHei"/>
+        <a:font script="Java" typeface="Javanese Text"/>
+        <a:font script="Lisu" typeface="Segoe UI"/>
+        <a:font script="Mymr" typeface="Myanmar Text"/>
+        <a:font script="Nkoo" typeface="Ebrima"/>
+        <a:font script="Olck" typeface="Nirmala UI"/>
+        <a:font script="Osma" typeface="Ebrima"/>
+        <a:font script="Phag" typeface="Phagspa"/>
+        <a:font script="Syrn" typeface="Estrangelo Edessa"/>
+        <a:font script="Syrj" typeface="Estrangelo Edessa"/>
+        <a:font script="Syre" typeface="Estrangelo Edessa"/>
+        <a:font script="Sora" typeface="Nirmala UI"/>
+        <a:font script="Tale" typeface="Microsoft Tai Le"/>
+        <a:font script="Talu" typeface="Microsoft New Tai Lue"/>
+        <a:font script="Tfng" typeface="Ebrima"/>
+      </a:majorFont>
+      <a:minorFont>
+        <a:latin typeface="Aptos" panose="02110004020202020204"/>
+        <a:ea typeface=""/>
+        <a:cs typeface=""/>
+        <a:font script="Jpan" typeface="游ゴシック"/>
+        <a:font script="Hang" typeface="맑은 고딕"/>
+        <a:font script="Hans" typeface="等线"/>
+        <a:font script="Hant" typeface="新細明體"/>
+        <a:font script="Arab" typeface="Arial"/>
+        <a:font script="Hebr" typeface="Arial"/>
+        <a:font script="Thai" typeface="Cordia New"/>
+        <a:font script="Ethi" typeface="Nyala"/>
+        <a:font script="Beng" typeface="Vrinda"/>
+        <a:font script="Gujr" typeface="Shruti"/>
+        <a:font script="Khmr" typeface="DaunPenh"/>
+        <a:font script="Knda" typeface="Tunga"/>
+        <a:font script="Guru" typeface="Raavi"/>
+        <a:font script="Cans" typeface="Euphemia"/>
+        <a:font script="Cher" typeface="Plantagenet Cherokee"/>
+        <a:font script="Yiii" typeface="Microsoft Yi Baiti"/>
+        <a:font script="Tibt" typeface="Microsoft Himalaya"/>
+        <a:font script="Thaa" typeface="MV Boli"/>
+        <a:font script="Deva" typeface="Mangal"/>
+        <a:font script="Telu" typeface="Gautami"/>
+        <a:font script="Taml" typeface="Latha"/>
+        <a:font script="Syrc" typeface="Estrangelo Edessa"/>
+        <a:font script="Orya" typeface="Kalinga"/>
+        <a:font script="Mlym" typeface="Kartika"/>
+        <a:font script="Laoo" typeface="DokChampa"/>
+        <a:font script="Sinh" typeface="Iskoola Pota"/>
+        <a:font script="Mong" typeface="Mongolian Baiti"/>
+        <a:font script="Viet" typeface="Arial"/>
+        <a:font script="Uigh" typeface="Microsoft Uighur"/>
+        <a:font script="Geor" typeface="Sylfaen"/>
+        <a:font script="Armn" typeface="Arial"/>
+        <a:font script="Bugi" typeface="Leelawadee UI"/>
+        <a:font script="Bopo" typeface="Microsoft JhengHei"/>
+        <a:font script="Java" typeface="Javanese Text"/>
+        <a:font script="Lisu" typeface="Segoe UI"/>
+        <a:font script="Mymr" typeface="Myanmar Text"/>
+        <a:font script="Nkoo" typeface="Ebrima"/>
+        <a:font script="Olck" typeface="Nirmala UI"/>
+        <a:font script="Osma" typeface="Ebrima"/>
+        <a:font script="Phag" typeface="Phagspa"/>
+        <a:font script="Syrn" typeface="Estrangelo Edessa"/>
+        <a:font script="Syrj" typeface="Estrangelo Edessa"/>
+        <a:font script="Syre" typeface="Estrangelo Edessa"/>
+        <a:font script="Sora" typeface="Nirmala UI"/>
+        <a:font script="Tale" typeface="Microsoft Tai Le"/>
+        <a:font script="Talu" typeface="Microsoft New Tai Lue"/>
+        <a:font script="Tfng" typeface="Ebrima"/>
+      </a:minorFont>
+    </a:fontScheme>
+    <a:fmtScheme name="Office">
+      <a:fillStyleLst>
+        <a:solidFill>
+          <a:schemeClr val="phClr"/>
+        </a:solidFill>
+        <a:gradFill rotWithShape="1">
+          <a:gsLst>
+            <a:gs pos="0">
+              <a:schemeClr val="phClr">
+                <a:lumMod val="110000"/>
+                <a:satMod val="105000"/>
+                <a:tint val="67000"/>
+              </a:schemeClr>
+            </a:gs>
+            <a:gs pos="50000">
+              <a:schemeClr val="phClr">
+                <a:lumMod val="105000"/>
+                <a:satMod val="103000"/>
+                <a:tint val="73000"/>
+              </a:schemeClr>
+            </a:gs>
+            <a:gs pos="100000">
+              <a:schemeClr val="phClr">
+                <a:lumMod val="105000"/>
+                <a:satMod val="109000"/>
+                <a:tint val="81000"/>
+              </a:schemeClr>
+            </a:gs>
+          </a:gsLst>
+          <a:lin ang="5400000" scaled="0"/>
+        </a:gradFill>
+        <a:gradFill rotWithShape="1">
+          <a:gsLst>
+            <a:gs pos="0">
+              <a:schemeClr val="phClr">
+                <a:satMod val="103000"/>
+                <a:lumMod val="102000"/>
+                <a:tint val="94000"/>
+              </a:schemeClr>
+            </a:gs>
+            <a:gs pos="50000">
+              <a:schemeClr val="phClr">
+                <a:satMod val="110000"/>
+                <a:lumMod val="100000"/>
+                <a:shade val="100000"/>
+              </a:schemeClr>
+            </a:gs>
+            <a:gs pos="100000">
+              <a:schemeClr val="phClr">
+                <a:lumMod val="99000"/>
+                <a:satMod val="120000"/>
+                <a:shade val="78000"/>
+              </a:schemeClr>
+            </a:gs>
+          </a:gsLst>
+          <a:lin ang="5400000" scaled="0"/>
+        </a:gradFill>
+      </a:fillStyleLst>
+      <a:lnStyleLst>
+        <a:ln w="12700" cap="flat" cmpd="sng" algn="ctr">
+          <a:solidFill>
+            <a:schemeClr val="phClr"/>
+          </a:solidFill>
+          <a:prstDash val="solid"/>
+          <a:miter lim="800000"/>
+        </a:ln>
+        <a:ln w="19050" cap="flat" cmpd="sng" algn="ctr">
+          <a:solidFill>
+            <a:schemeClr val="phClr"/>
+          </a:solidFill>
+          <a:prstDash val="solid"/>
+          <a:miter lim="800000"/>
+        </a:ln>
+        <a:ln w="25400" cap="flat" cmpd="sng" algn="ctr">
+          <a:solidFill>
+            <a:schemeClr val="phClr"/>
+          </a:solidFill>
+          <a:prstDash val="solid"/>
+          <a:miter lim="800000"/>
+        </a:ln>
+      </a:lnStyleLst>
+      <a:effectStyleLst>
+        <a:effectStyle>
+          <a:effectLst/>
+        </a:effectStyle>
+        <a:effectStyle>
+          <a:effectLst/>
+        </a:effectStyle>
+        <a:effectStyle>
+          <a:effectLst>
+            <a:outerShdw blurRad="57150" dist="19050" dir="5400000" algn="ctr" rotWithShape="0">
+              <a:srgbClr val="000000">
+                <a:alpha val="63000"/>
+              </a:srgbClr>
+            </a:outerShdw>
+          </a:effectLst>
+        </a:effectStyle>
+      </a:effectStyleLst>
+      <a:bgFillStyleLst>
+        <a:solidFill>
+          <a:schemeClr val="phClr"/>
+        </a:solidFill>
+        <a:solidFill>
+          <a:schemeClr val="phClr">
+            <a:tint val="95000"/>
+            <a:satMod val="170000"/>
+          </a:schemeClr>
+        </a:solidFill>
+        <a:gradFill rotWithShape="1">
+          <a:gsLst>
+            <a:gs pos="0">
+              <a:schemeClr val="phClr">
+                <a:tint val="93000"/>
+                <a:satMod val="150000"/>
+                <a:shade val="98000"/>
+                <a:lumMod val="102000"/>
+              </a:schemeClr>
+            </a:gs>
+            <a:gs pos="50000">
+              <a:schemeClr val="phClr">
+                <a:tint val="98000"/>
+                <a:satMod val="130000"/>
+                <a:shade val="90000"/>
+                <a:lumMod val="103000"/>
+              </a:schemeClr>
+            </a:gs>
+            <a:gs pos="100000">
+              <a:schemeClr val="phClr">
+                <a:shade val="63000"/>
+                <a:satMod val="120000"/>
+              </a:schemeClr>
+            </a:gs>
+          </a:gsLst>
+          <a:lin ang="5400000" scaled="0"/>
+        </a:gradFill>
+      </a:bgFillStyleLst>
+    </a:fmtScheme>
+  </a:themeElements>
+  <a:objectDefaults>
+    <a:lnDef>
+      <a:spPr/>
+      <a:bodyPr/>
+      <a:lstStyle/>
+      <a:style>
+        <a:lnRef idx="2">
+          <a:schemeClr val="accent1"/>
+        </a:lnRef>
+        <a:fillRef idx="0">
+          <a:schemeClr val="accent1"/>
+        </a:fillRef>
+        <a:effectRef idx="1">
+          <a:schemeClr val="accent1"/>
+        </a:effectRef>
+        <a:fontRef idx="minor">
+          <a:schemeClr val="tx1"/>
+        </a:fontRef>
+      </a:style>
+    </a:lnDef>
+  </a:objectDefaults>
+  <a:extraClrSchemeLst/>
+  <a:extLst>
+    <a:ext uri="{05A4C25C-085E-4340-85A3-A5531E510DB2}">
+      <thm15:themeFamily xmlns:thm15="http://schemas.microsoft.com/office/thememl/2012/main" name="Office Theme" id="{2E142A2C-CD16-42D6-873A-C26D2A0506FA}" vid="{1BDDFF52-6CD6-40A5-AB3C-68EB2F1E4D0A}"/>
+    </a:ext>
+  </a:extLst>
+</a:theme>
 </file>
--- a/project/project-presentation.pptx
+++ b/project/project-presentation.pptx
@@ -5,7 +5,7 @@
     <p:sldMasterId id="2147483648" r:id="rId1"/>
   </p:sldMasterIdLst>
   <p:notesMasterIdLst>
-    <p:notesMasterId r:id="rId14"/>
+    <p:notesMasterId r:id="rId19"/>
   </p:notesMasterIdLst>
   <p:sldIdLst>
     <p:sldId id="256" r:id="rId2"/>
@@ -14,12 +14,17 @@
     <p:sldId id="258" r:id="rId5"/>
     <p:sldId id="257" r:id="rId6"/>
     <p:sldId id="266" r:id="rId7"/>
-    <p:sldId id="259" r:id="rId8"/>
+    <p:sldId id="268" r:id="rId8"/>
     <p:sldId id="261" r:id="rId9"/>
     <p:sldId id="263" r:id="rId10"/>
     <p:sldId id="267" r:id="rId11"/>
     <p:sldId id="264" r:id="rId12"/>
-    <p:sldId id="265" r:id="rId13"/>
+    <p:sldId id="269" r:id="rId13"/>
+    <p:sldId id="265" r:id="rId14"/>
+    <p:sldId id="270" r:id="rId15"/>
+    <p:sldId id="271" r:id="rId16"/>
+    <p:sldId id="272" r:id="rId17"/>
+    <p:sldId id="273" r:id="rId18"/>
   </p:sldIdLst>
   <p:sldSz cx="12192000" cy="6858000"/>
   <p:notesSz cx="6858000" cy="9144000"/>
@@ -208,7 +213,7 @@
           <a:p>
             <a:fld id="{11746ADE-9A98-6D48-9CB8-CA35B8B5C87D}" type="datetimeFigureOut">
               <a:rPr lang="en-CH" smtClean="0"/>
-              <a:t>01.10.2025</a:t>
+              <a:t>02.10.2025</a:t>
             </a:fld>
             <a:endParaRPr lang="en-CH"/>
           </a:p>
@@ -746,7 +751,7 @@
           <a:p>
             <a:fld id="{1F2A7D23-7EA9-894F-9EFE-458820C0BE85}" type="datetimeFigureOut">
               <a:rPr lang="en-CH" smtClean="0"/>
-              <a:t>01.10.2025</a:t>
+              <a:t>02.10.2025</a:t>
             </a:fld>
             <a:endParaRPr lang="en-CH"/>
           </a:p>
@@ -946,7 +951,7 @@
           <a:p>
             <a:fld id="{1F2A7D23-7EA9-894F-9EFE-458820C0BE85}" type="datetimeFigureOut">
               <a:rPr lang="en-CH" smtClean="0"/>
-              <a:t>01.10.2025</a:t>
+              <a:t>02.10.2025</a:t>
             </a:fld>
             <a:endParaRPr lang="en-CH"/>
           </a:p>
@@ -1156,7 +1161,7 @@
           <a:p>
             <a:fld id="{1F2A7D23-7EA9-894F-9EFE-458820C0BE85}" type="datetimeFigureOut">
               <a:rPr lang="en-CH" smtClean="0"/>
-              <a:t>01.10.2025</a:t>
+              <a:t>02.10.2025</a:t>
             </a:fld>
             <a:endParaRPr lang="en-CH"/>
           </a:p>
@@ -1356,7 +1361,7 @@
           <a:p>
             <a:fld id="{1F2A7D23-7EA9-894F-9EFE-458820C0BE85}" type="datetimeFigureOut">
               <a:rPr lang="en-CH" smtClean="0"/>
-              <a:t>01.10.2025</a:t>
+              <a:t>02.10.2025</a:t>
             </a:fld>
             <a:endParaRPr lang="en-CH"/>
           </a:p>
@@ -1632,7 +1637,7 @@
           <a:p>
             <a:fld id="{1F2A7D23-7EA9-894F-9EFE-458820C0BE85}" type="datetimeFigureOut">
               <a:rPr lang="en-CH" smtClean="0"/>
-              <a:t>01.10.2025</a:t>
+              <a:t>02.10.2025</a:t>
             </a:fld>
             <a:endParaRPr lang="en-CH"/>
           </a:p>
@@ -1900,7 +1905,7 @@
           <a:p>
             <a:fld id="{1F2A7D23-7EA9-894F-9EFE-458820C0BE85}" type="datetimeFigureOut">
               <a:rPr lang="en-CH" smtClean="0"/>
-              <a:t>01.10.2025</a:t>
+              <a:t>02.10.2025</a:t>
             </a:fld>
             <a:endParaRPr lang="en-CH"/>
           </a:p>
@@ -2315,7 +2320,7 @@
           <a:p>
             <a:fld id="{1F2A7D23-7EA9-894F-9EFE-458820C0BE85}" type="datetimeFigureOut">
               <a:rPr lang="en-CH" smtClean="0"/>
-              <a:t>01.10.2025</a:t>
+              <a:t>02.10.2025</a:t>
             </a:fld>
             <a:endParaRPr lang="en-CH"/>
           </a:p>
@@ -2457,7 +2462,7 @@
           <a:p>
             <a:fld id="{1F2A7D23-7EA9-894F-9EFE-458820C0BE85}" type="datetimeFigureOut">
               <a:rPr lang="en-CH" smtClean="0"/>
-              <a:t>01.10.2025</a:t>
+              <a:t>02.10.2025</a:t>
             </a:fld>
             <a:endParaRPr lang="en-CH"/>
           </a:p>
@@ -2570,7 +2575,7 @@
           <a:p>
             <a:fld id="{1F2A7D23-7EA9-894F-9EFE-458820C0BE85}" type="datetimeFigureOut">
               <a:rPr lang="en-CH" smtClean="0"/>
-              <a:t>01.10.2025</a:t>
+              <a:t>02.10.2025</a:t>
             </a:fld>
             <a:endParaRPr lang="en-CH"/>
           </a:p>
@@ -2883,7 +2888,7 @@
           <a:p>
             <a:fld id="{1F2A7D23-7EA9-894F-9EFE-458820C0BE85}" type="datetimeFigureOut">
               <a:rPr lang="en-CH" smtClean="0"/>
-              <a:t>01.10.2025</a:t>
+              <a:t>02.10.2025</a:t>
             </a:fld>
             <a:endParaRPr lang="en-CH"/>
           </a:p>
@@ -3172,7 +3177,7 @@
           <a:p>
             <a:fld id="{1F2A7D23-7EA9-894F-9EFE-458820C0BE85}" type="datetimeFigureOut">
               <a:rPr lang="en-CH" smtClean="0"/>
-              <a:t>01.10.2025</a:t>
+              <a:t>02.10.2025</a:t>
             </a:fld>
             <a:endParaRPr lang="en-CH"/>
           </a:p>
@@ -3415,7 +3420,7 @@
           <a:p>
             <a:fld id="{1F2A7D23-7EA9-894F-9EFE-458820C0BE85}" type="datetimeFigureOut">
               <a:rPr lang="en-CH" smtClean="0"/>
-              <a:t>01.10.2025</a:t>
+              <a:t>02.10.2025</a:t>
             </a:fld>
             <a:endParaRPr lang="en-CH"/>
           </a:p>
@@ -4039,7 +4044,7 @@
           <a:p>
             <a:r>
               <a:rPr lang="en-CH" dirty="0"/>
-              <a:t>Algoithms used anomaly detection</a:t>
+              <a:t>Algorithms used for Anomaly Detection</a:t>
             </a:r>
           </a:p>
         </p:txBody>
@@ -4062,68 +4067,77 @@
         </p:nvSpPr>
         <p:spPr/>
         <p:txBody>
-          <a:bodyPr/>
+          <a:bodyPr>
+            <a:normAutofit/>
+          </a:bodyPr>
           <a:lstStyle/>
           <a:p>
             <a:r>
-              <a:rPr lang="en-CH" dirty="0"/>
-              <a:t>-&gt; we can use multiple algorithms and see if all of them detect the same outlier users</a:t>
-            </a:r>
-          </a:p>
-          <a:p>
-            <a:r>
-              <a:rPr lang="en-CH" dirty="0"/>
-              <a:t>-&gt; do the outlier detection based on the 7 columns:</a:t>
-            </a:r>
-            <a:br>
-              <a:rPr lang="en-CH" dirty="0"/>
-            </a:br>
-            <a:r>
-              <a:rPr lang="en-CH" dirty="0"/>
-              <a:t>- Follower count</a:t>
-            </a:r>
-            <a:br>
-              <a:rPr lang="en-CH" dirty="0"/>
-            </a:br>
-            <a:r>
-              <a:rPr lang="en-CH" dirty="0"/>
-              <a:t>- Following count</a:t>
-            </a:r>
-            <a:br>
-              <a:rPr lang="en-CH" dirty="0"/>
-            </a:br>
-            <a:r>
-              <a:rPr lang="en-CH" dirty="0"/>
-              <a:t>- Posts created</a:t>
-            </a:r>
-            <a:br>
-              <a:rPr lang="en-CH" dirty="0"/>
-            </a:br>
-            <a:r>
-              <a:rPr lang="en-CH" dirty="0"/>
-              <a:t>- Likes received on average per post</a:t>
-            </a:r>
-            <a:br>
-              <a:rPr lang="en-CH" dirty="0"/>
-            </a:br>
-            <a:r>
-              <a:rPr lang="en-CH" dirty="0"/>
-              <a:t>- Likes given</a:t>
-            </a:r>
-            <a:br>
-              <a:rPr lang="en-CH" dirty="0"/>
-            </a:br>
-            <a:r>
-              <a:rPr lang="en-CH" dirty="0"/>
-              <a:t>- Comments received on average per post</a:t>
-            </a:r>
-            <a:br>
-              <a:rPr lang="en-CH" dirty="0"/>
-            </a:br>
-            <a:r>
-              <a:rPr lang="en-CH" dirty="0"/>
-              <a:t>- Comments given</a:t>
-            </a:r>
+              <a:rPr lang="en-GB" dirty="0"/>
+              <a:t>Statistical based Approach: Multivariate Gaussian distribution + Likelihood </a:t>
+            </a:r>
+          </a:p>
+          <a:p>
+            <a:r>
+              <a:rPr lang="en-GB" dirty="0"/>
+              <a:t>Clustering-based: small clusters = outliers</a:t>
+            </a:r>
+          </a:p>
+          <a:p>
+            <a:r>
+              <a:rPr lang="en-GB" dirty="0"/>
+              <a:t>Distance-based Approach: largest distances = outliers </a:t>
+            </a:r>
+          </a:p>
+          <a:p>
+            <a:r>
+              <a:rPr lang="en-GB" dirty="0"/>
+              <a:t>Density-based Approach: LOF</a:t>
+            </a:r>
+          </a:p>
+          <a:p>
+            <a:r>
+              <a:rPr lang="en-GB" dirty="0"/>
+              <a:t>Isolation-based Approach: </a:t>
+            </a:r>
+            <a:r>
+              <a:rPr lang="en-GB" dirty="0" err="1"/>
+              <a:t>iForest</a:t>
+            </a:r>
+            <a:endParaRPr lang="en-GB" dirty="0"/>
+          </a:p>
+          <a:p>
+            <a:r>
+              <a:rPr lang="en-GB" dirty="0"/>
+              <a:t>One Class SVM</a:t>
+            </a:r>
+          </a:p>
+          <a:p>
+            <a:r>
+              <a:rPr lang="en-GB" dirty="0"/>
+              <a:t>Reconstruction Error</a:t>
+            </a:r>
+          </a:p>
+          <a:p>
+            <a:endParaRPr lang="en-GB" dirty="0"/>
+          </a:p>
+          <a:p>
+            <a:endParaRPr lang="en-GB" dirty="0"/>
+          </a:p>
+          <a:p>
+            <a:endParaRPr lang="en-GB" dirty="0"/>
+          </a:p>
+          <a:p>
+            <a:endParaRPr lang="en-GB" dirty="0"/>
+          </a:p>
+          <a:p>
+            <a:endParaRPr lang="en-GB" dirty="0"/>
+          </a:p>
+          <a:p>
+            <a:endParaRPr lang="en-GB" dirty="0"/>
+          </a:p>
+          <a:p>
+            <a:endParaRPr lang="en-CH" dirty="0"/>
           </a:p>
         </p:txBody>
       </p:sp>
@@ -4141,6 +4155,150 @@
 </file>
 
 <file path=ppt/slides/slide12.xml><?xml version="1.0" encoding="utf-8"?>
+<p:sld xmlns:a="http://schemas.openxmlformats.org/drawingml/2006/main" xmlns:r="http://schemas.openxmlformats.org/officeDocument/2006/relationships" xmlns:p="http://schemas.openxmlformats.org/presentationml/2006/main">
+  <p:cSld>
+    <p:spTree>
+      <p:nvGrpSpPr>
+        <p:cNvPr id="1" name="">
+          <a:extLst>
+            <a:ext uri="{FF2B5EF4-FFF2-40B4-BE49-F238E27FC236}">
+              <a16:creationId xmlns:a16="http://schemas.microsoft.com/office/drawing/2014/main" id="{9D439295-D45B-16B8-26AC-8CD7055F8615}"/>
+            </a:ext>
+          </a:extLst>
+        </p:cNvPr>
+        <p:cNvGrpSpPr/>
+        <p:nvPr/>
+      </p:nvGrpSpPr>
+      <p:grpSpPr>
+        <a:xfrm>
+          <a:off x="0" y="0"/>
+          <a:ext cx="0" cy="0"/>
+          <a:chOff x="0" y="0"/>
+          <a:chExt cx="0" cy="0"/>
+        </a:xfrm>
+      </p:grpSpPr>
+      <p:sp>
+        <p:nvSpPr>
+          <p:cNvPr id="2" name="Title 1">
+            <a:extLst>
+              <a:ext uri="{FF2B5EF4-FFF2-40B4-BE49-F238E27FC236}">
+                <a16:creationId xmlns:a16="http://schemas.microsoft.com/office/drawing/2014/main" id="{6E811F8D-AC38-D45E-EBA0-164A369F3C15}"/>
+              </a:ext>
+            </a:extLst>
+          </p:cNvPr>
+          <p:cNvSpPr>
+            <a:spLocks noGrp="1"/>
+          </p:cNvSpPr>
+          <p:nvPr>
+            <p:ph type="title"/>
+          </p:nvPr>
+        </p:nvSpPr>
+        <p:spPr/>
+        <p:txBody>
+          <a:bodyPr/>
+          <a:lstStyle/>
+          <a:p>
+            <a:r>
+              <a:rPr lang="en-CH" dirty="0"/>
+              <a:t>Features used for Anomaly Detection</a:t>
+            </a:r>
+          </a:p>
+        </p:txBody>
+      </p:sp>
+      <p:sp>
+        <p:nvSpPr>
+          <p:cNvPr id="3" name="Content Placeholder 2">
+            <a:extLst>
+              <a:ext uri="{FF2B5EF4-FFF2-40B4-BE49-F238E27FC236}">
+                <a16:creationId xmlns:a16="http://schemas.microsoft.com/office/drawing/2014/main" id="{48022B97-C43E-99D9-D63E-B415CC381B9D}"/>
+              </a:ext>
+            </a:extLst>
+          </p:cNvPr>
+          <p:cNvSpPr>
+            <a:spLocks noGrp="1"/>
+          </p:cNvSpPr>
+          <p:nvPr>
+            <p:ph idx="1"/>
+          </p:nvPr>
+        </p:nvSpPr>
+        <p:spPr/>
+        <p:txBody>
+          <a:bodyPr>
+            <a:normAutofit/>
+          </a:bodyPr>
+          <a:lstStyle/>
+          <a:p>
+            <a:pPr fontAlgn="t"/>
+            <a:r>
+              <a:rPr lang="en-GB" dirty="0"/>
+              <a:t>Follower Count per User</a:t>
+            </a:r>
+            <a:endParaRPr lang="en-CH" dirty="0"/>
+          </a:p>
+          <a:p>
+            <a:pPr fontAlgn="t"/>
+            <a:r>
+              <a:rPr lang="en-GB" dirty="0"/>
+              <a:t>Following Count per User</a:t>
+            </a:r>
+            <a:endParaRPr lang="en-CH" dirty="0"/>
+          </a:p>
+          <a:p>
+            <a:pPr fontAlgn="t"/>
+            <a:r>
+              <a:rPr lang="en-GB" dirty="0"/>
+              <a:t>Posts Created per User</a:t>
+            </a:r>
+            <a:endParaRPr lang="en-CH" dirty="0"/>
+          </a:p>
+          <a:p>
+            <a:pPr fontAlgn="t"/>
+            <a:r>
+              <a:rPr lang="en-GB" dirty="0"/>
+              <a:t>Likes Received per Post per User</a:t>
+            </a:r>
+            <a:endParaRPr lang="en-CH" dirty="0"/>
+          </a:p>
+          <a:p>
+            <a:pPr fontAlgn="t"/>
+            <a:r>
+              <a:rPr lang="en-GB" dirty="0"/>
+              <a:t>Likes Given per User</a:t>
+            </a:r>
+            <a:endParaRPr lang="en-CH" dirty="0"/>
+          </a:p>
+          <a:p>
+            <a:pPr fontAlgn="t"/>
+            <a:r>
+              <a:rPr lang="en-GB" dirty="0"/>
+              <a:t>Comments Received per Post per User</a:t>
+            </a:r>
+            <a:endParaRPr lang="en-CH" dirty="0"/>
+          </a:p>
+          <a:p>
+            <a:pPr fontAlgn="t"/>
+            <a:r>
+              <a:rPr lang="en-GB" dirty="0"/>
+              <a:t>Comments Given per User</a:t>
+            </a:r>
+            <a:endParaRPr lang="en-CH" dirty="0"/>
+          </a:p>
+        </p:txBody>
+      </p:sp>
+    </p:spTree>
+    <p:extLst>
+      <p:ext uri="{BB962C8B-B14F-4D97-AF65-F5344CB8AC3E}">
+        <p14:creationId xmlns:p14="http://schemas.microsoft.com/office/powerpoint/2010/main" val="2660484522"/>
+      </p:ext>
+    </p:extLst>
+  </p:cSld>
+  <p:clrMapOvr>
+    <a:masterClrMapping/>
+  </p:clrMapOvr>
+</p:sld>
+</file>
+
+<file path=ppt/slides/slide13.xml><?xml version="1.0" encoding="utf-8"?>
 <p:sld xmlns:a="http://schemas.openxmlformats.org/drawingml/2006/main" xmlns:r="http://schemas.openxmlformats.org/officeDocument/2006/relationships" xmlns:p="http://schemas.openxmlformats.org/presentationml/2006/main">
   <p:cSld>
     <p:spTree>
@@ -4180,17 +4338,26 @@
           <a:p>
             <a:r>
               <a:rPr lang="en-CH" dirty="0"/>
-              <a:t>Outlier users</a:t>
-            </a:r>
+              <a:t>Outlier User ”</a:t>
+            </a:r>
+            <a:r>
+              <a:rPr lang="en-GB" dirty="0" err="1"/>
+              <a:t>mashable</a:t>
+            </a:r>
+            <a:r>
+              <a:rPr lang="en-GB" dirty="0"/>
+              <a:t>”</a:t>
+            </a:r>
+            <a:endParaRPr lang="en-CH" dirty="0"/>
           </a:p>
         </p:txBody>
       </p:sp>
       <p:sp>
         <p:nvSpPr>
-          <p:cNvPr id="3" name="Content Placeholder 2">
+          <p:cNvPr id="5" name="Content Placeholder 4">
             <a:extLst>
               <a:ext uri="{FF2B5EF4-FFF2-40B4-BE49-F238E27FC236}">
-                <a16:creationId xmlns:a16="http://schemas.microsoft.com/office/drawing/2014/main" id="{B60B0D03-A8AB-A89B-EF0B-08F418A16126}"/>
+                <a16:creationId xmlns:a16="http://schemas.microsoft.com/office/drawing/2014/main" id="{27B65D11-A6B1-26DD-7D65-C1E6CCEABE07}"/>
               </a:ext>
             </a:extLst>
           </p:cNvPr>
@@ -4206,24 +4373,4326 @@
           <a:bodyPr/>
           <a:lstStyle/>
           <a:p>
-            <a:r>
-              <a:rPr lang="en-CH" dirty="0"/>
-              <a:t>-&gt; present the top 5 outlier users and why they are outliers </a:t>
-            </a:r>
-            <a:br>
-              <a:rPr lang="en-CH" dirty="0"/>
-            </a:br>
-            <a:r>
-              <a:rPr lang="en-CH" dirty="0"/>
-              <a:t>-&gt; which characteristic/s makes those users outliers</a:t>
-            </a:r>
+            <a:endParaRPr lang="en-CH" dirty="0"/>
           </a:p>
         </p:txBody>
       </p:sp>
+      <p:graphicFrame>
+        <p:nvGraphicFramePr>
+          <p:cNvPr id="6" name="Content Placeholder 8">
+            <a:extLst>
+              <a:ext uri="{FF2B5EF4-FFF2-40B4-BE49-F238E27FC236}">
+                <a16:creationId xmlns:a16="http://schemas.microsoft.com/office/drawing/2014/main" id="{31FA10B9-26EE-C976-CB1E-6136EDBC2BAA}"/>
+              </a:ext>
+            </a:extLst>
+          </p:cNvPr>
+          <p:cNvGraphicFramePr>
+            <a:graphicFrameLocks/>
+          </p:cNvGraphicFramePr>
+          <p:nvPr>
+            <p:extLst>
+              <p:ext uri="{D42A27DB-BD31-4B8C-83A1-F6EECF244321}">
+                <p14:modId xmlns:p14="http://schemas.microsoft.com/office/powerpoint/2010/main" val="249292590"/>
+              </p:ext>
+            </p:extLst>
+          </p:nvPr>
+        </p:nvGraphicFramePr>
+        <p:xfrm>
+          <a:off x="838200" y="1779000"/>
+          <a:ext cx="7537546" cy="2961640"/>
+        </p:xfrm>
+        <a:graphic>
+          <a:graphicData uri="http://schemas.openxmlformats.org/drawingml/2006/table">
+            <a:tbl>
+              <a:tblPr firstRow="1" bandRow="1">
+                <a:tableStyleId>{5C22544A-7EE6-4342-B048-85BDC9FD1C3A}</a:tableStyleId>
+              </a:tblPr>
+              <a:tblGrid>
+                <a:gridCol w="4660726">
+                  <a:extLst>
+                    <a:ext uri="{9D8B030D-6E8A-4147-A177-3AD203B41FA5}">
+                      <a16:colId xmlns:a16="http://schemas.microsoft.com/office/drawing/2014/main" val="1579397185"/>
+                    </a:ext>
+                  </a:extLst>
+                </a:gridCol>
+                <a:gridCol w="905193">
+                  <a:extLst>
+                    <a:ext uri="{9D8B030D-6E8A-4147-A177-3AD203B41FA5}">
+                      <a16:colId xmlns:a16="http://schemas.microsoft.com/office/drawing/2014/main" val="3387484400"/>
+                    </a:ext>
+                  </a:extLst>
+                </a:gridCol>
+                <a:gridCol w="840105">
+                  <a:extLst>
+                    <a:ext uri="{9D8B030D-6E8A-4147-A177-3AD203B41FA5}">
+                      <a16:colId xmlns:a16="http://schemas.microsoft.com/office/drawing/2014/main" val="2302475020"/>
+                    </a:ext>
+                  </a:extLst>
+                </a:gridCol>
+                <a:gridCol w="1131522">
+                  <a:extLst>
+                    <a:ext uri="{9D8B030D-6E8A-4147-A177-3AD203B41FA5}">
+                      <a16:colId xmlns:a16="http://schemas.microsoft.com/office/drawing/2014/main" val="486441688"/>
+                    </a:ext>
+                  </a:extLst>
+                </a:gridCol>
+              </a:tblGrid>
+              <a:tr h="0">
+                <a:tc>
+                  <a:txBody>
+                    <a:bodyPr/>
+                    <a:lstStyle/>
+                    <a:p>
+                      <a:r>
+                        <a:rPr lang="en-CH" dirty="0"/>
+                        <a:t>Type</a:t>
+                      </a:r>
+                    </a:p>
+                  </a:txBody>
+                  <a:tcPr/>
+                </a:tc>
+                <a:tc>
+                  <a:txBody>
+                    <a:bodyPr/>
+                    <a:lstStyle/>
+                    <a:p>
+                      <a:r>
+                        <a:rPr lang="en-CH" dirty="0"/>
+                        <a:t>Value</a:t>
+                      </a:r>
+                    </a:p>
+                  </a:txBody>
+                  <a:tcPr/>
+                </a:tc>
+                <a:tc>
+                  <a:txBody>
+                    <a:bodyPr/>
+                    <a:lstStyle/>
+                    <a:p>
+                      <a:r>
+                        <a:rPr lang="en-CH" dirty="0"/>
+                        <a:t>Rank</a:t>
+                      </a:r>
+                    </a:p>
+                  </a:txBody>
+                  <a:tcPr/>
+                </a:tc>
+                <a:tc>
+                  <a:txBody>
+                    <a:bodyPr/>
+                    <a:lstStyle/>
+                    <a:p>
+                      <a:r>
+                        <a:rPr lang="en-CH" dirty="0"/>
+                        <a:t>Top in %</a:t>
+                      </a:r>
+                    </a:p>
+                  </a:txBody>
+                  <a:tcPr/>
+                </a:tc>
+                <a:extLst>
+                  <a:ext uri="{0D108BD9-81ED-4DB2-BD59-A6C34878D82A}">
+                    <a16:rowId xmlns:a16="http://schemas.microsoft.com/office/drawing/2014/main" val="2548069031"/>
+                  </a:ext>
+                </a:extLst>
+              </a:tr>
+              <a:tr h="370840">
+                <a:tc>
+                  <a:txBody>
+                    <a:bodyPr/>
+                    <a:lstStyle/>
+                    <a:p>
+                      <a:r>
+                        <a:rPr lang="en-GB" sz="1800" b="1" i="0" kern="1200" dirty="0">
+                          <a:solidFill>
+                            <a:schemeClr val="dk1"/>
+                          </a:solidFill>
+                          <a:effectLst/>
+                          <a:latin typeface="+mn-lt"/>
+                          <a:ea typeface="+mn-ea"/>
+                          <a:cs typeface="+mn-cs"/>
+                        </a:rPr>
+                        <a:t>Follower Count</a:t>
+                      </a:r>
+                      <a:endParaRPr lang="en-CH" b="1" dirty="0"/>
+                    </a:p>
+                  </a:txBody>
+                  <a:tcPr/>
+                </a:tc>
+                <a:tc>
+                  <a:txBody>
+                    <a:bodyPr/>
+                    <a:lstStyle/>
+                    <a:p>
+                      <a:r>
+                        <a:rPr lang="en-CH" sz="1800" b="0" i="0" kern="1200" dirty="0">
+                          <a:solidFill>
+                            <a:schemeClr val="dk1"/>
+                          </a:solidFill>
+                          <a:effectLst/>
+                          <a:latin typeface="+mn-lt"/>
+                          <a:ea typeface="+mn-ea"/>
+                          <a:cs typeface="+mn-cs"/>
+                        </a:rPr>
+                        <a:t>42,487</a:t>
+                      </a:r>
+                      <a:endParaRPr lang="en-CH" dirty="0"/>
+                    </a:p>
+                  </a:txBody>
+                  <a:tcPr/>
+                </a:tc>
+                <a:tc>
+                  <a:txBody>
+                    <a:bodyPr/>
+                    <a:lstStyle/>
+                    <a:p>
+                      <a:r>
+                        <a:rPr lang="en-CH" sz="1800" b="0" i="0" kern="1200" dirty="0">
+                          <a:solidFill>
+                            <a:schemeClr val="dk1"/>
+                          </a:solidFill>
+                          <a:effectLst/>
+                          <a:latin typeface="+mn-lt"/>
+                          <a:ea typeface="+mn-ea"/>
+                          <a:cs typeface="+mn-cs"/>
+                        </a:rPr>
+                        <a:t>1</a:t>
+                      </a:r>
+                      <a:endParaRPr lang="en-CH" dirty="0"/>
+                    </a:p>
+                  </a:txBody>
+                  <a:tcPr/>
+                </a:tc>
+                <a:tc>
+                  <a:txBody>
+                    <a:bodyPr/>
+                    <a:lstStyle/>
+                    <a:p>
+                      <a:r>
+                        <a:rPr lang="en-CH" sz="1800" b="0" i="0" kern="1200" dirty="0">
+                          <a:solidFill>
+                            <a:schemeClr val="dk1"/>
+                          </a:solidFill>
+                          <a:effectLst/>
+                          <a:latin typeface="+mn-lt"/>
+                          <a:ea typeface="+mn-ea"/>
+                          <a:cs typeface="+mn-cs"/>
+                        </a:rPr>
+                        <a:t>0</a:t>
+                      </a:r>
+                      <a:endParaRPr lang="en-CH" dirty="0"/>
+                    </a:p>
+                  </a:txBody>
+                  <a:tcPr/>
+                </a:tc>
+                <a:extLst>
+                  <a:ext uri="{0D108BD9-81ED-4DB2-BD59-A6C34878D82A}">
+                    <a16:rowId xmlns:a16="http://schemas.microsoft.com/office/drawing/2014/main" val="2466234763"/>
+                  </a:ext>
+                </a:extLst>
+              </a:tr>
+              <a:tr h="370840">
+                <a:tc>
+                  <a:txBody>
+                    <a:bodyPr/>
+                    <a:lstStyle/>
+                    <a:p>
+                      <a:r>
+                        <a:rPr lang="en-GB" sz="1800" b="1" i="0" kern="1200" dirty="0">
+                          <a:solidFill>
+                            <a:schemeClr val="dk1"/>
+                          </a:solidFill>
+                          <a:effectLst/>
+                          <a:latin typeface="+mn-lt"/>
+                          <a:ea typeface="+mn-ea"/>
+                          <a:cs typeface="+mn-cs"/>
+                        </a:rPr>
+                        <a:t>Following Count</a:t>
+                      </a:r>
+                      <a:endParaRPr lang="en-CH" b="1" dirty="0"/>
+                    </a:p>
+                  </a:txBody>
+                  <a:tcPr/>
+                </a:tc>
+                <a:tc>
+                  <a:txBody>
+                    <a:bodyPr/>
+                    <a:lstStyle/>
+                    <a:p>
+                      <a:r>
+                        <a:rPr lang="en-CH" sz="1800" b="0" i="0" kern="1200" dirty="0">
+                          <a:solidFill>
+                            <a:schemeClr val="dk1"/>
+                          </a:solidFill>
+                          <a:effectLst/>
+                          <a:latin typeface="+mn-lt"/>
+                          <a:ea typeface="+mn-ea"/>
+                          <a:cs typeface="+mn-cs"/>
+                        </a:rPr>
+                        <a:t>9,938</a:t>
+                      </a:r>
+                      <a:endParaRPr lang="en-CH" dirty="0"/>
+                    </a:p>
+                  </a:txBody>
+                  <a:tcPr/>
+                </a:tc>
+                <a:tc>
+                  <a:txBody>
+                    <a:bodyPr/>
+                    <a:lstStyle/>
+                    <a:p>
+                      <a:r>
+                        <a:rPr lang="en-CH" sz="1800" b="0" i="0" kern="1200" dirty="0">
+                          <a:solidFill>
+                            <a:schemeClr val="dk1"/>
+                          </a:solidFill>
+                          <a:effectLst/>
+                          <a:latin typeface="+mn-lt"/>
+                          <a:ea typeface="+mn-ea"/>
+                          <a:cs typeface="+mn-cs"/>
+                        </a:rPr>
+                        <a:t>158</a:t>
+                      </a:r>
+                      <a:endParaRPr lang="en-CH" dirty="0"/>
+                    </a:p>
+                  </a:txBody>
+                  <a:tcPr/>
+                </a:tc>
+                <a:tc>
+                  <a:txBody>
+                    <a:bodyPr/>
+                    <a:lstStyle/>
+                    <a:p>
+                      <a:r>
+                        <a:rPr lang="en-CH" sz="1800" b="0" i="0" kern="1200" dirty="0">
+                          <a:solidFill>
+                            <a:schemeClr val="dk1"/>
+                          </a:solidFill>
+                          <a:effectLst/>
+                          <a:latin typeface="+mn-lt"/>
+                          <a:ea typeface="+mn-ea"/>
+                          <a:cs typeface="+mn-cs"/>
+                        </a:rPr>
+                        <a:t>0.03</a:t>
+                      </a:r>
+                      <a:endParaRPr lang="en-CH" dirty="0"/>
+                    </a:p>
+                  </a:txBody>
+                  <a:tcPr/>
+                </a:tc>
+                <a:extLst>
+                  <a:ext uri="{0D108BD9-81ED-4DB2-BD59-A6C34878D82A}">
+                    <a16:rowId xmlns:a16="http://schemas.microsoft.com/office/drawing/2014/main" val="2686426370"/>
+                  </a:ext>
+                </a:extLst>
+              </a:tr>
+              <a:tr h="370840">
+                <a:tc>
+                  <a:txBody>
+                    <a:bodyPr/>
+                    <a:lstStyle/>
+                    <a:p>
+                      <a:r>
+                        <a:rPr lang="en-GB" sz="1800" b="1" i="0" kern="1200" dirty="0">
+                          <a:solidFill>
+                            <a:schemeClr val="dk1"/>
+                          </a:solidFill>
+                          <a:effectLst/>
+                          <a:latin typeface="+mn-lt"/>
+                          <a:ea typeface="+mn-ea"/>
+                          <a:cs typeface="+mn-cs"/>
+                        </a:rPr>
+                        <a:t>Posts Created</a:t>
+                      </a:r>
+                      <a:endParaRPr lang="en-CH" b="1" dirty="0"/>
+                    </a:p>
+                  </a:txBody>
+                  <a:tcPr/>
+                </a:tc>
+                <a:tc>
+                  <a:txBody>
+                    <a:bodyPr/>
+                    <a:lstStyle/>
+                    <a:p>
+                      <a:r>
+                        <a:rPr lang="en-CH" sz="1800" b="0" i="0" kern="1200" dirty="0">
+                          <a:solidFill>
+                            <a:schemeClr val="dk1"/>
+                          </a:solidFill>
+                          <a:effectLst/>
+                          <a:latin typeface="+mn-lt"/>
+                          <a:ea typeface="+mn-ea"/>
+                          <a:cs typeface="+mn-cs"/>
+                        </a:rPr>
+                        <a:t>113</a:t>
+                      </a:r>
+                      <a:endParaRPr lang="en-CH" dirty="0"/>
+                    </a:p>
+                  </a:txBody>
+                  <a:tcPr/>
+                </a:tc>
+                <a:tc>
+                  <a:txBody>
+                    <a:bodyPr/>
+                    <a:lstStyle/>
+                    <a:p>
+                      <a:r>
+                        <a:rPr lang="en-CH" sz="1800" b="0" i="0" kern="1200" dirty="0">
+                          <a:solidFill>
+                            <a:schemeClr val="dk1"/>
+                          </a:solidFill>
+                          <a:effectLst/>
+                          <a:latin typeface="+mn-lt"/>
+                          <a:ea typeface="+mn-ea"/>
+                          <a:cs typeface="+mn-cs"/>
+                        </a:rPr>
+                        <a:t>17469</a:t>
+                      </a:r>
+                      <a:endParaRPr lang="en-CH" dirty="0"/>
+                    </a:p>
+                  </a:txBody>
+                  <a:tcPr/>
+                </a:tc>
+                <a:tc>
+                  <a:txBody>
+                    <a:bodyPr/>
+                    <a:lstStyle/>
+                    <a:p>
+                      <a:r>
+                        <a:rPr lang="en-CH" sz="1800" b="0" i="0" kern="1200" dirty="0">
+                          <a:solidFill>
+                            <a:schemeClr val="dk1"/>
+                          </a:solidFill>
+                          <a:effectLst/>
+                          <a:latin typeface="+mn-lt"/>
+                          <a:ea typeface="+mn-ea"/>
+                          <a:cs typeface="+mn-cs"/>
+                        </a:rPr>
+                        <a:t>3.62</a:t>
+                      </a:r>
+                      <a:endParaRPr lang="en-CH" dirty="0"/>
+                    </a:p>
+                  </a:txBody>
+                  <a:tcPr/>
+                </a:tc>
+                <a:extLst>
+                  <a:ext uri="{0D108BD9-81ED-4DB2-BD59-A6C34878D82A}">
+                    <a16:rowId xmlns:a16="http://schemas.microsoft.com/office/drawing/2014/main" val="172960152"/>
+                  </a:ext>
+                </a:extLst>
+              </a:tr>
+              <a:tr h="370840">
+                <a:tc>
+                  <a:txBody>
+                    <a:bodyPr/>
+                    <a:lstStyle/>
+                    <a:p>
+                      <a:r>
+                        <a:rPr lang="en-GB" sz="1800" b="1" i="0" kern="1200" dirty="0">
+                          <a:solidFill>
+                            <a:schemeClr val="dk1"/>
+                          </a:solidFill>
+                          <a:effectLst/>
+                          <a:latin typeface="+mn-lt"/>
+                          <a:ea typeface="+mn-ea"/>
+                          <a:cs typeface="+mn-cs"/>
+                        </a:rPr>
+                        <a:t>Likes Received per Post (on average)</a:t>
+                      </a:r>
+                      <a:endParaRPr lang="en-CH" b="1" dirty="0"/>
+                    </a:p>
+                  </a:txBody>
+                  <a:tcPr/>
+                </a:tc>
+                <a:tc>
+                  <a:txBody>
+                    <a:bodyPr/>
+                    <a:lstStyle/>
+                    <a:p>
+                      <a:r>
+                        <a:rPr lang="en-CH" sz="1800" b="0" i="0" kern="1200" dirty="0">
+                          <a:solidFill>
+                            <a:schemeClr val="dk1"/>
+                          </a:solidFill>
+                          <a:effectLst/>
+                          <a:latin typeface="+mn-lt"/>
+                          <a:ea typeface="+mn-ea"/>
+                          <a:cs typeface="+mn-cs"/>
+                        </a:rPr>
+                        <a:t>0.22</a:t>
+                      </a:r>
+                      <a:endParaRPr lang="en-CH" dirty="0"/>
+                    </a:p>
+                  </a:txBody>
+                  <a:tcPr/>
+                </a:tc>
+                <a:tc>
+                  <a:txBody>
+                    <a:bodyPr/>
+                    <a:lstStyle/>
+                    <a:p>
+                      <a:r>
+                        <a:rPr lang="en-CH" sz="1800" b="0" i="0" kern="1200" dirty="0">
+                          <a:solidFill>
+                            <a:schemeClr val="dk1"/>
+                          </a:solidFill>
+                          <a:effectLst/>
+                          <a:latin typeface="+mn-lt"/>
+                          <a:ea typeface="+mn-ea"/>
+                          <a:cs typeface="+mn-cs"/>
+                        </a:rPr>
+                        <a:t>7575</a:t>
+                      </a:r>
+                      <a:endParaRPr lang="en-CH" dirty="0"/>
+                    </a:p>
+                  </a:txBody>
+                  <a:tcPr/>
+                </a:tc>
+                <a:tc>
+                  <a:txBody>
+                    <a:bodyPr/>
+                    <a:lstStyle/>
+                    <a:p>
+                      <a:r>
+                        <a:rPr lang="en-CH" sz="1800" b="0" i="0" kern="1200" dirty="0">
+                          <a:solidFill>
+                            <a:schemeClr val="dk1"/>
+                          </a:solidFill>
+                          <a:effectLst/>
+                          <a:latin typeface="+mn-lt"/>
+                          <a:ea typeface="+mn-ea"/>
+                          <a:cs typeface="+mn-cs"/>
+                        </a:rPr>
+                        <a:t>1.56</a:t>
+                      </a:r>
+                      <a:endParaRPr lang="en-CH" dirty="0"/>
+                    </a:p>
+                  </a:txBody>
+                  <a:tcPr/>
+                </a:tc>
+                <a:extLst>
+                  <a:ext uri="{0D108BD9-81ED-4DB2-BD59-A6C34878D82A}">
+                    <a16:rowId xmlns:a16="http://schemas.microsoft.com/office/drawing/2014/main" val="234692276"/>
+                  </a:ext>
+                </a:extLst>
+              </a:tr>
+              <a:tr h="370840">
+                <a:tc>
+                  <a:txBody>
+                    <a:bodyPr/>
+                    <a:lstStyle/>
+                    <a:p>
+                      <a:r>
+                        <a:rPr lang="en-GB" sz="1800" b="1" i="0" kern="1200" dirty="0">
+                          <a:solidFill>
+                            <a:schemeClr val="dk1"/>
+                          </a:solidFill>
+                          <a:effectLst/>
+                          <a:latin typeface="+mn-lt"/>
+                          <a:ea typeface="+mn-ea"/>
+                          <a:cs typeface="+mn-cs"/>
+                        </a:rPr>
+                        <a:t>Likes Given</a:t>
+                      </a:r>
+                      <a:endParaRPr lang="en-CH" b="1" dirty="0"/>
+                    </a:p>
+                  </a:txBody>
+                  <a:tcPr/>
+                </a:tc>
+                <a:tc>
+                  <a:txBody>
+                    <a:bodyPr/>
+                    <a:lstStyle/>
+                    <a:p>
+                      <a:r>
+                        <a:rPr lang="en-CH" sz="1800" b="0" i="0" kern="1200" dirty="0">
+                          <a:solidFill>
+                            <a:schemeClr val="dk1"/>
+                          </a:solidFill>
+                          <a:effectLst/>
+                          <a:latin typeface="+mn-lt"/>
+                          <a:ea typeface="+mn-ea"/>
+                          <a:cs typeface="+mn-cs"/>
+                        </a:rPr>
+                        <a:t>1</a:t>
+                      </a:r>
+                      <a:endParaRPr lang="en-CH" dirty="0"/>
+                    </a:p>
+                  </a:txBody>
+                  <a:tcPr/>
+                </a:tc>
+                <a:tc>
+                  <a:txBody>
+                    <a:bodyPr/>
+                    <a:lstStyle/>
+                    <a:p>
+                      <a:r>
+                        <a:rPr lang="en-CH" sz="1800" b="0" i="0" kern="1200" dirty="0">
+                          <a:solidFill>
+                            <a:schemeClr val="dk1"/>
+                          </a:solidFill>
+                          <a:effectLst/>
+                          <a:latin typeface="+mn-lt"/>
+                          <a:ea typeface="+mn-ea"/>
+                          <a:cs typeface="+mn-cs"/>
+                        </a:rPr>
+                        <a:t>10381</a:t>
+                      </a:r>
+                      <a:endParaRPr lang="en-CH" dirty="0"/>
+                    </a:p>
+                  </a:txBody>
+                  <a:tcPr/>
+                </a:tc>
+                <a:tc>
+                  <a:txBody>
+                    <a:bodyPr/>
+                    <a:lstStyle/>
+                    <a:p>
+                      <a:r>
+                        <a:rPr lang="en-CH" sz="1800" b="0" i="0" kern="1200" dirty="0">
+                          <a:solidFill>
+                            <a:schemeClr val="dk1"/>
+                          </a:solidFill>
+                          <a:effectLst/>
+                          <a:latin typeface="+mn-lt"/>
+                          <a:ea typeface="+mn-ea"/>
+                          <a:cs typeface="+mn-cs"/>
+                        </a:rPr>
+                        <a:t>2.63</a:t>
+                      </a:r>
+                      <a:endParaRPr lang="en-CH" dirty="0"/>
+                    </a:p>
+                  </a:txBody>
+                  <a:tcPr/>
+                </a:tc>
+                <a:extLst>
+                  <a:ext uri="{0D108BD9-81ED-4DB2-BD59-A6C34878D82A}">
+                    <a16:rowId xmlns:a16="http://schemas.microsoft.com/office/drawing/2014/main" val="406300939"/>
+                  </a:ext>
+                </a:extLst>
+              </a:tr>
+              <a:tr h="370840">
+                <a:tc>
+                  <a:txBody>
+                    <a:bodyPr/>
+                    <a:lstStyle/>
+                    <a:p>
+                      <a:r>
+                        <a:rPr lang="en-GB" sz="1800" b="1" i="0" kern="1200" dirty="0">
+                          <a:solidFill>
+                            <a:schemeClr val="dk1"/>
+                          </a:solidFill>
+                          <a:effectLst/>
+                          <a:latin typeface="+mn-lt"/>
+                          <a:ea typeface="+mn-ea"/>
+                          <a:cs typeface="+mn-cs"/>
+                        </a:rPr>
+                        <a:t>Comments Received per Post (on average)</a:t>
+                      </a:r>
+                      <a:endParaRPr lang="en-CH" b="1" dirty="0"/>
+                    </a:p>
+                  </a:txBody>
+                  <a:tcPr/>
+                </a:tc>
+                <a:tc>
+                  <a:txBody>
+                    <a:bodyPr/>
+                    <a:lstStyle/>
+                    <a:p>
+                      <a:r>
+                        <a:rPr lang="en-CH" sz="1800" b="0" i="0" kern="1200" dirty="0">
+                          <a:solidFill>
+                            <a:schemeClr val="dk1"/>
+                          </a:solidFill>
+                          <a:effectLst/>
+                          <a:latin typeface="+mn-lt"/>
+                          <a:ea typeface="+mn-ea"/>
+                          <a:cs typeface="+mn-cs"/>
+                        </a:rPr>
+                        <a:t>0.04</a:t>
+                      </a:r>
+                      <a:endParaRPr lang="en-CH" dirty="0"/>
+                    </a:p>
+                  </a:txBody>
+                  <a:tcPr/>
+                </a:tc>
+                <a:tc>
+                  <a:txBody>
+                    <a:bodyPr/>
+                    <a:lstStyle/>
+                    <a:p>
+                      <a:r>
+                        <a:rPr lang="en-CH" sz="1800" b="0" i="0" kern="1200" dirty="0">
+                          <a:solidFill>
+                            <a:schemeClr val="dk1"/>
+                          </a:solidFill>
+                          <a:effectLst/>
+                          <a:latin typeface="+mn-lt"/>
+                          <a:ea typeface="+mn-ea"/>
+                          <a:cs typeface="+mn-cs"/>
+                        </a:rPr>
+                        <a:t>31310</a:t>
+                      </a:r>
+                      <a:endParaRPr lang="en-CH" dirty="0"/>
+                    </a:p>
+                  </a:txBody>
+                  <a:tcPr/>
+                </a:tc>
+                <a:tc>
+                  <a:txBody>
+                    <a:bodyPr/>
+                    <a:lstStyle/>
+                    <a:p>
+                      <a:r>
+                        <a:rPr lang="en-CH" sz="1800" b="0" i="0" kern="1200" dirty="0">
+                          <a:solidFill>
+                            <a:schemeClr val="dk1"/>
+                          </a:solidFill>
+                          <a:effectLst/>
+                          <a:latin typeface="+mn-lt"/>
+                          <a:ea typeface="+mn-ea"/>
+                          <a:cs typeface="+mn-cs"/>
+                        </a:rPr>
+                        <a:t>6.46</a:t>
+                      </a:r>
+                      <a:endParaRPr lang="en-CH" dirty="0"/>
+                    </a:p>
+                  </a:txBody>
+                  <a:tcPr/>
+                </a:tc>
+                <a:extLst>
+                  <a:ext uri="{0D108BD9-81ED-4DB2-BD59-A6C34878D82A}">
+                    <a16:rowId xmlns:a16="http://schemas.microsoft.com/office/drawing/2014/main" val="364686254"/>
+                  </a:ext>
+                </a:extLst>
+              </a:tr>
+              <a:tr h="370840">
+                <a:tc>
+                  <a:txBody>
+                    <a:bodyPr/>
+                    <a:lstStyle/>
+                    <a:p>
+                      <a:r>
+                        <a:rPr lang="en-GB" sz="1800" b="1" i="0" kern="1200" dirty="0">
+                          <a:solidFill>
+                            <a:schemeClr val="dk1"/>
+                          </a:solidFill>
+                          <a:effectLst/>
+                          <a:latin typeface="+mn-lt"/>
+                          <a:ea typeface="+mn-ea"/>
+                          <a:cs typeface="+mn-cs"/>
+                        </a:rPr>
+                        <a:t>Comments Given</a:t>
+                      </a:r>
+                      <a:endParaRPr lang="en-CH" b="1" dirty="0"/>
+                    </a:p>
+                  </a:txBody>
+                  <a:tcPr/>
+                </a:tc>
+                <a:tc>
+                  <a:txBody>
+                    <a:bodyPr/>
+                    <a:lstStyle/>
+                    <a:p>
+                      <a:r>
+                        <a:rPr lang="en-CH" sz="1800" b="0" i="0" kern="1200" dirty="0">
+                          <a:solidFill>
+                            <a:schemeClr val="dk1"/>
+                          </a:solidFill>
+                          <a:effectLst/>
+                          <a:latin typeface="+mn-lt"/>
+                          <a:ea typeface="+mn-ea"/>
+                          <a:cs typeface="+mn-cs"/>
+                        </a:rPr>
+                        <a:t>2</a:t>
+                      </a:r>
+                      <a:endParaRPr lang="en-CH" dirty="0"/>
+                    </a:p>
+                  </a:txBody>
+                  <a:tcPr/>
+                </a:tc>
+                <a:tc>
+                  <a:txBody>
+                    <a:bodyPr/>
+                    <a:lstStyle/>
+                    <a:p>
+                      <a:r>
+                        <a:rPr lang="en-CH" sz="1800" b="0" i="0" kern="1200" dirty="0">
+                          <a:solidFill>
+                            <a:schemeClr val="dk1"/>
+                          </a:solidFill>
+                          <a:effectLst/>
+                          <a:latin typeface="+mn-lt"/>
+                          <a:ea typeface="+mn-ea"/>
+                          <a:cs typeface="+mn-cs"/>
+                        </a:rPr>
+                        <a:t>24997</a:t>
+                      </a:r>
+                      <a:endParaRPr lang="en-CH" dirty="0"/>
+                    </a:p>
+                  </a:txBody>
+                  <a:tcPr/>
+                </a:tc>
+                <a:tc>
+                  <a:txBody>
+                    <a:bodyPr/>
+                    <a:lstStyle/>
+                    <a:p>
+                      <a:r>
+                        <a:rPr lang="en-CH" sz="1800" b="0" i="0" kern="1200" dirty="0">
+                          <a:solidFill>
+                            <a:schemeClr val="dk1"/>
+                          </a:solidFill>
+                          <a:effectLst/>
+                          <a:latin typeface="+mn-lt"/>
+                          <a:ea typeface="+mn-ea"/>
+                          <a:cs typeface="+mn-cs"/>
+                        </a:rPr>
+                        <a:t>5.67</a:t>
+                      </a:r>
+                      <a:endParaRPr lang="en-CH" dirty="0"/>
+                    </a:p>
+                  </a:txBody>
+                  <a:tcPr/>
+                </a:tc>
+                <a:extLst>
+                  <a:ext uri="{0D108BD9-81ED-4DB2-BD59-A6C34878D82A}">
+                    <a16:rowId xmlns:a16="http://schemas.microsoft.com/office/drawing/2014/main" val="1914626699"/>
+                  </a:ext>
+                </a:extLst>
+              </a:tr>
+            </a:tbl>
+          </a:graphicData>
+        </a:graphic>
+      </p:graphicFrame>
     </p:spTree>
     <p:extLst>
       <p:ext uri="{BB962C8B-B14F-4D97-AF65-F5344CB8AC3E}">
         <p14:creationId xmlns:p14="http://schemas.microsoft.com/office/powerpoint/2010/main" val="3987355141"/>
+      </p:ext>
+    </p:extLst>
+  </p:cSld>
+  <p:clrMapOvr>
+    <a:masterClrMapping/>
+  </p:clrMapOvr>
+</p:sld>
+</file>
+
+<file path=ppt/slides/slide14.xml><?xml version="1.0" encoding="utf-8"?>
+<p:sld xmlns:a="http://schemas.openxmlformats.org/drawingml/2006/main" xmlns:r="http://schemas.openxmlformats.org/officeDocument/2006/relationships" xmlns:p="http://schemas.openxmlformats.org/presentationml/2006/main">
+  <p:cSld>
+    <p:spTree>
+      <p:nvGrpSpPr>
+        <p:cNvPr id="1" name="">
+          <a:extLst>
+            <a:ext uri="{FF2B5EF4-FFF2-40B4-BE49-F238E27FC236}">
+              <a16:creationId xmlns:a16="http://schemas.microsoft.com/office/drawing/2014/main" id="{4A2A3EB7-5F87-D29C-397E-4B887404B947}"/>
+            </a:ext>
+          </a:extLst>
+        </p:cNvPr>
+        <p:cNvGrpSpPr/>
+        <p:nvPr/>
+      </p:nvGrpSpPr>
+      <p:grpSpPr>
+        <a:xfrm>
+          <a:off x="0" y="0"/>
+          <a:ext cx="0" cy="0"/>
+          <a:chOff x="0" y="0"/>
+          <a:chExt cx="0" cy="0"/>
+        </a:xfrm>
+      </p:grpSpPr>
+      <p:sp>
+        <p:nvSpPr>
+          <p:cNvPr id="2" name="Title 1">
+            <a:extLst>
+              <a:ext uri="{FF2B5EF4-FFF2-40B4-BE49-F238E27FC236}">
+                <a16:creationId xmlns:a16="http://schemas.microsoft.com/office/drawing/2014/main" id="{38C282F5-CC3F-DA62-A83F-5FAB0FB51BB5}"/>
+              </a:ext>
+            </a:extLst>
+          </p:cNvPr>
+          <p:cNvSpPr>
+            <a:spLocks noGrp="1"/>
+          </p:cNvSpPr>
+          <p:nvPr>
+            <p:ph type="title"/>
+          </p:nvPr>
+        </p:nvSpPr>
+        <p:spPr/>
+        <p:txBody>
+          <a:bodyPr/>
+          <a:lstStyle/>
+          <a:p>
+            <a:r>
+              <a:rPr lang="en-CH" dirty="0"/>
+              <a:t>Outlier User ”</a:t>
+            </a:r>
+            <a:r>
+              <a:rPr lang="en-GB" dirty="0"/>
+              <a:t> </a:t>
+            </a:r>
+            <a:r>
+              <a:rPr lang="en-GB" dirty="0" err="1"/>
+              <a:t>ikaro</a:t>
+            </a:r>
+            <a:r>
+              <a:rPr lang="en-GB" dirty="0"/>
+              <a:t>”</a:t>
+            </a:r>
+            <a:endParaRPr lang="en-CH" dirty="0"/>
+          </a:p>
+        </p:txBody>
+      </p:sp>
+      <p:sp>
+        <p:nvSpPr>
+          <p:cNvPr id="5" name="Content Placeholder 4">
+            <a:extLst>
+              <a:ext uri="{FF2B5EF4-FFF2-40B4-BE49-F238E27FC236}">
+                <a16:creationId xmlns:a16="http://schemas.microsoft.com/office/drawing/2014/main" id="{866FE8B1-AFAD-0E97-B97E-65AC5B1A70D8}"/>
+              </a:ext>
+            </a:extLst>
+          </p:cNvPr>
+          <p:cNvSpPr>
+            <a:spLocks noGrp="1"/>
+          </p:cNvSpPr>
+          <p:nvPr>
+            <p:ph idx="1"/>
+          </p:nvPr>
+        </p:nvSpPr>
+        <p:spPr/>
+        <p:txBody>
+          <a:bodyPr/>
+          <a:lstStyle/>
+          <a:p>
+            <a:endParaRPr lang="en-CH" dirty="0"/>
+          </a:p>
+        </p:txBody>
+      </p:sp>
+      <p:graphicFrame>
+        <p:nvGraphicFramePr>
+          <p:cNvPr id="6" name="Content Placeholder 8">
+            <a:extLst>
+              <a:ext uri="{FF2B5EF4-FFF2-40B4-BE49-F238E27FC236}">
+                <a16:creationId xmlns:a16="http://schemas.microsoft.com/office/drawing/2014/main" id="{4BC770E2-5F40-E874-A71B-A0BF88403BAB}"/>
+              </a:ext>
+            </a:extLst>
+          </p:cNvPr>
+          <p:cNvGraphicFramePr>
+            <a:graphicFrameLocks/>
+          </p:cNvGraphicFramePr>
+          <p:nvPr/>
+        </p:nvGraphicFramePr>
+        <p:xfrm>
+          <a:off x="838200" y="1779000"/>
+          <a:ext cx="7537546" cy="2961640"/>
+        </p:xfrm>
+        <a:graphic>
+          <a:graphicData uri="http://schemas.openxmlformats.org/drawingml/2006/table">
+            <a:tbl>
+              <a:tblPr firstRow="1" bandRow="1">
+                <a:tableStyleId>{5C22544A-7EE6-4342-B048-85BDC9FD1C3A}</a:tableStyleId>
+              </a:tblPr>
+              <a:tblGrid>
+                <a:gridCol w="4660726">
+                  <a:extLst>
+                    <a:ext uri="{9D8B030D-6E8A-4147-A177-3AD203B41FA5}">
+                      <a16:colId xmlns:a16="http://schemas.microsoft.com/office/drawing/2014/main" val="1579397185"/>
+                    </a:ext>
+                  </a:extLst>
+                </a:gridCol>
+                <a:gridCol w="905193">
+                  <a:extLst>
+                    <a:ext uri="{9D8B030D-6E8A-4147-A177-3AD203B41FA5}">
+                      <a16:colId xmlns:a16="http://schemas.microsoft.com/office/drawing/2014/main" val="3387484400"/>
+                    </a:ext>
+                  </a:extLst>
+                </a:gridCol>
+                <a:gridCol w="840105">
+                  <a:extLst>
+                    <a:ext uri="{9D8B030D-6E8A-4147-A177-3AD203B41FA5}">
+                      <a16:colId xmlns:a16="http://schemas.microsoft.com/office/drawing/2014/main" val="2302475020"/>
+                    </a:ext>
+                  </a:extLst>
+                </a:gridCol>
+                <a:gridCol w="1131522">
+                  <a:extLst>
+                    <a:ext uri="{9D8B030D-6E8A-4147-A177-3AD203B41FA5}">
+                      <a16:colId xmlns:a16="http://schemas.microsoft.com/office/drawing/2014/main" val="486441688"/>
+                    </a:ext>
+                  </a:extLst>
+                </a:gridCol>
+              </a:tblGrid>
+              <a:tr h="0">
+                <a:tc>
+                  <a:txBody>
+                    <a:bodyPr/>
+                    <a:lstStyle/>
+                    <a:p>
+                      <a:r>
+                        <a:rPr lang="en-CH" dirty="0"/>
+                        <a:t>Type</a:t>
+                      </a:r>
+                    </a:p>
+                  </a:txBody>
+                  <a:tcPr/>
+                </a:tc>
+                <a:tc>
+                  <a:txBody>
+                    <a:bodyPr/>
+                    <a:lstStyle/>
+                    <a:p>
+                      <a:r>
+                        <a:rPr lang="en-CH" dirty="0"/>
+                        <a:t>Value</a:t>
+                      </a:r>
+                    </a:p>
+                  </a:txBody>
+                  <a:tcPr/>
+                </a:tc>
+                <a:tc>
+                  <a:txBody>
+                    <a:bodyPr/>
+                    <a:lstStyle/>
+                    <a:p>
+                      <a:r>
+                        <a:rPr lang="en-CH" dirty="0"/>
+                        <a:t>Rank</a:t>
+                      </a:r>
+                    </a:p>
+                  </a:txBody>
+                  <a:tcPr/>
+                </a:tc>
+                <a:tc>
+                  <a:txBody>
+                    <a:bodyPr/>
+                    <a:lstStyle/>
+                    <a:p>
+                      <a:r>
+                        <a:rPr lang="en-CH" dirty="0"/>
+                        <a:t>Top in %</a:t>
+                      </a:r>
+                    </a:p>
+                  </a:txBody>
+                  <a:tcPr/>
+                </a:tc>
+                <a:extLst>
+                  <a:ext uri="{0D108BD9-81ED-4DB2-BD59-A6C34878D82A}">
+                    <a16:rowId xmlns:a16="http://schemas.microsoft.com/office/drawing/2014/main" val="2548069031"/>
+                  </a:ext>
+                </a:extLst>
+              </a:tr>
+              <a:tr h="370840">
+                <a:tc>
+                  <a:txBody>
+                    <a:bodyPr/>
+                    <a:lstStyle/>
+                    <a:p>
+                      <a:r>
+                        <a:rPr lang="en-GB" sz="1800" b="1" i="0" kern="1200" dirty="0">
+                          <a:solidFill>
+                            <a:schemeClr val="dk1"/>
+                          </a:solidFill>
+                          <a:effectLst/>
+                          <a:latin typeface="+mn-lt"/>
+                          <a:ea typeface="+mn-ea"/>
+                          <a:cs typeface="+mn-cs"/>
+                        </a:rPr>
+                        <a:t>Follower Count</a:t>
+                      </a:r>
+                      <a:endParaRPr lang="en-CH" b="1" dirty="0"/>
+                    </a:p>
+                  </a:txBody>
+                  <a:tcPr/>
+                </a:tc>
+                <a:tc>
+                  <a:txBody>
+                    <a:bodyPr/>
+                    <a:lstStyle/>
+                    <a:p>
+                      <a:r>
+                        <a:rPr lang="en-CH" sz="1800" b="0" i="0" kern="1200" dirty="0">
+                          <a:solidFill>
+                            <a:schemeClr val="dk1"/>
+                          </a:solidFill>
+                          <a:effectLst/>
+                          <a:latin typeface="+mn-lt"/>
+                          <a:ea typeface="+mn-ea"/>
+                          <a:cs typeface="+mn-cs"/>
+                        </a:rPr>
+                        <a:t>42,487</a:t>
+                      </a:r>
+                      <a:endParaRPr lang="en-CH" dirty="0"/>
+                    </a:p>
+                  </a:txBody>
+                  <a:tcPr/>
+                </a:tc>
+                <a:tc>
+                  <a:txBody>
+                    <a:bodyPr/>
+                    <a:lstStyle/>
+                    <a:p>
+                      <a:r>
+                        <a:rPr lang="en-CH" sz="1800" b="0" i="0" kern="1200" dirty="0">
+                          <a:solidFill>
+                            <a:schemeClr val="dk1"/>
+                          </a:solidFill>
+                          <a:effectLst/>
+                          <a:latin typeface="+mn-lt"/>
+                          <a:ea typeface="+mn-ea"/>
+                          <a:cs typeface="+mn-cs"/>
+                        </a:rPr>
+                        <a:t>1</a:t>
+                      </a:r>
+                      <a:endParaRPr lang="en-CH" dirty="0"/>
+                    </a:p>
+                  </a:txBody>
+                  <a:tcPr/>
+                </a:tc>
+                <a:tc>
+                  <a:txBody>
+                    <a:bodyPr/>
+                    <a:lstStyle/>
+                    <a:p>
+                      <a:r>
+                        <a:rPr lang="en-CH" sz="1800" b="0" i="0" kern="1200" dirty="0">
+                          <a:solidFill>
+                            <a:schemeClr val="dk1"/>
+                          </a:solidFill>
+                          <a:effectLst/>
+                          <a:latin typeface="+mn-lt"/>
+                          <a:ea typeface="+mn-ea"/>
+                          <a:cs typeface="+mn-cs"/>
+                        </a:rPr>
+                        <a:t>0</a:t>
+                      </a:r>
+                      <a:endParaRPr lang="en-CH" dirty="0"/>
+                    </a:p>
+                  </a:txBody>
+                  <a:tcPr/>
+                </a:tc>
+                <a:extLst>
+                  <a:ext uri="{0D108BD9-81ED-4DB2-BD59-A6C34878D82A}">
+                    <a16:rowId xmlns:a16="http://schemas.microsoft.com/office/drawing/2014/main" val="2466234763"/>
+                  </a:ext>
+                </a:extLst>
+              </a:tr>
+              <a:tr h="370840">
+                <a:tc>
+                  <a:txBody>
+                    <a:bodyPr/>
+                    <a:lstStyle/>
+                    <a:p>
+                      <a:r>
+                        <a:rPr lang="en-GB" sz="1800" b="1" i="0" kern="1200" dirty="0">
+                          <a:solidFill>
+                            <a:schemeClr val="dk1"/>
+                          </a:solidFill>
+                          <a:effectLst/>
+                          <a:latin typeface="+mn-lt"/>
+                          <a:ea typeface="+mn-ea"/>
+                          <a:cs typeface="+mn-cs"/>
+                        </a:rPr>
+                        <a:t>Following Count</a:t>
+                      </a:r>
+                      <a:endParaRPr lang="en-CH" b="1" dirty="0"/>
+                    </a:p>
+                  </a:txBody>
+                  <a:tcPr/>
+                </a:tc>
+                <a:tc>
+                  <a:txBody>
+                    <a:bodyPr/>
+                    <a:lstStyle/>
+                    <a:p>
+                      <a:r>
+                        <a:rPr lang="en-CH" sz="1800" b="0" i="0" kern="1200" dirty="0">
+                          <a:solidFill>
+                            <a:schemeClr val="dk1"/>
+                          </a:solidFill>
+                          <a:effectLst/>
+                          <a:latin typeface="+mn-lt"/>
+                          <a:ea typeface="+mn-ea"/>
+                          <a:cs typeface="+mn-cs"/>
+                        </a:rPr>
+                        <a:t>9,938</a:t>
+                      </a:r>
+                      <a:endParaRPr lang="en-CH" dirty="0"/>
+                    </a:p>
+                  </a:txBody>
+                  <a:tcPr/>
+                </a:tc>
+                <a:tc>
+                  <a:txBody>
+                    <a:bodyPr/>
+                    <a:lstStyle/>
+                    <a:p>
+                      <a:r>
+                        <a:rPr lang="en-CH" sz="1800" b="0" i="0" kern="1200" dirty="0">
+                          <a:solidFill>
+                            <a:schemeClr val="dk1"/>
+                          </a:solidFill>
+                          <a:effectLst/>
+                          <a:latin typeface="+mn-lt"/>
+                          <a:ea typeface="+mn-ea"/>
+                          <a:cs typeface="+mn-cs"/>
+                        </a:rPr>
+                        <a:t>158</a:t>
+                      </a:r>
+                      <a:endParaRPr lang="en-CH" dirty="0"/>
+                    </a:p>
+                  </a:txBody>
+                  <a:tcPr/>
+                </a:tc>
+                <a:tc>
+                  <a:txBody>
+                    <a:bodyPr/>
+                    <a:lstStyle/>
+                    <a:p>
+                      <a:r>
+                        <a:rPr lang="en-CH" sz="1800" b="0" i="0" kern="1200" dirty="0">
+                          <a:solidFill>
+                            <a:schemeClr val="dk1"/>
+                          </a:solidFill>
+                          <a:effectLst/>
+                          <a:latin typeface="+mn-lt"/>
+                          <a:ea typeface="+mn-ea"/>
+                          <a:cs typeface="+mn-cs"/>
+                        </a:rPr>
+                        <a:t>0.03</a:t>
+                      </a:r>
+                      <a:endParaRPr lang="en-CH" dirty="0"/>
+                    </a:p>
+                  </a:txBody>
+                  <a:tcPr/>
+                </a:tc>
+                <a:extLst>
+                  <a:ext uri="{0D108BD9-81ED-4DB2-BD59-A6C34878D82A}">
+                    <a16:rowId xmlns:a16="http://schemas.microsoft.com/office/drawing/2014/main" val="2686426370"/>
+                  </a:ext>
+                </a:extLst>
+              </a:tr>
+              <a:tr h="370840">
+                <a:tc>
+                  <a:txBody>
+                    <a:bodyPr/>
+                    <a:lstStyle/>
+                    <a:p>
+                      <a:r>
+                        <a:rPr lang="en-GB" sz="1800" b="1" i="0" kern="1200" dirty="0">
+                          <a:solidFill>
+                            <a:schemeClr val="dk1"/>
+                          </a:solidFill>
+                          <a:effectLst/>
+                          <a:latin typeface="+mn-lt"/>
+                          <a:ea typeface="+mn-ea"/>
+                          <a:cs typeface="+mn-cs"/>
+                        </a:rPr>
+                        <a:t>Posts Created</a:t>
+                      </a:r>
+                      <a:endParaRPr lang="en-CH" b="1" dirty="0"/>
+                    </a:p>
+                  </a:txBody>
+                  <a:tcPr/>
+                </a:tc>
+                <a:tc>
+                  <a:txBody>
+                    <a:bodyPr/>
+                    <a:lstStyle/>
+                    <a:p>
+                      <a:r>
+                        <a:rPr lang="en-CH" sz="1800" b="0" i="0" kern="1200" dirty="0">
+                          <a:solidFill>
+                            <a:schemeClr val="dk1"/>
+                          </a:solidFill>
+                          <a:effectLst/>
+                          <a:latin typeface="+mn-lt"/>
+                          <a:ea typeface="+mn-ea"/>
+                          <a:cs typeface="+mn-cs"/>
+                        </a:rPr>
+                        <a:t>113</a:t>
+                      </a:r>
+                      <a:endParaRPr lang="en-CH" dirty="0"/>
+                    </a:p>
+                  </a:txBody>
+                  <a:tcPr/>
+                </a:tc>
+                <a:tc>
+                  <a:txBody>
+                    <a:bodyPr/>
+                    <a:lstStyle/>
+                    <a:p>
+                      <a:r>
+                        <a:rPr lang="en-CH" sz="1800" b="0" i="0" kern="1200" dirty="0">
+                          <a:solidFill>
+                            <a:schemeClr val="dk1"/>
+                          </a:solidFill>
+                          <a:effectLst/>
+                          <a:latin typeface="+mn-lt"/>
+                          <a:ea typeface="+mn-ea"/>
+                          <a:cs typeface="+mn-cs"/>
+                        </a:rPr>
+                        <a:t>17469</a:t>
+                      </a:r>
+                      <a:endParaRPr lang="en-CH" dirty="0"/>
+                    </a:p>
+                  </a:txBody>
+                  <a:tcPr/>
+                </a:tc>
+                <a:tc>
+                  <a:txBody>
+                    <a:bodyPr/>
+                    <a:lstStyle/>
+                    <a:p>
+                      <a:r>
+                        <a:rPr lang="en-CH" sz="1800" b="0" i="0" kern="1200" dirty="0">
+                          <a:solidFill>
+                            <a:schemeClr val="dk1"/>
+                          </a:solidFill>
+                          <a:effectLst/>
+                          <a:latin typeface="+mn-lt"/>
+                          <a:ea typeface="+mn-ea"/>
+                          <a:cs typeface="+mn-cs"/>
+                        </a:rPr>
+                        <a:t>3.62</a:t>
+                      </a:r>
+                      <a:endParaRPr lang="en-CH" dirty="0"/>
+                    </a:p>
+                  </a:txBody>
+                  <a:tcPr/>
+                </a:tc>
+                <a:extLst>
+                  <a:ext uri="{0D108BD9-81ED-4DB2-BD59-A6C34878D82A}">
+                    <a16:rowId xmlns:a16="http://schemas.microsoft.com/office/drawing/2014/main" val="172960152"/>
+                  </a:ext>
+                </a:extLst>
+              </a:tr>
+              <a:tr h="370840">
+                <a:tc>
+                  <a:txBody>
+                    <a:bodyPr/>
+                    <a:lstStyle/>
+                    <a:p>
+                      <a:r>
+                        <a:rPr lang="en-GB" sz="1800" b="1" i="0" kern="1200" dirty="0">
+                          <a:solidFill>
+                            <a:schemeClr val="dk1"/>
+                          </a:solidFill>
+                          <a:effectLst/>
+                          <a:latin typeface="+mn-lt"/>
+                          <a:ea typeface="+mn-ea"/>
+                          <a:cs typeface="+mn-cs"/>
+                        </a:rPr>
+                        <a:t>Likes Received per Post (on average)</a:t>
+                      </a:r>
+                      <a:endParaRPr lang="en-CH" b="1" dirty="0"/>
+                    </a:p>
+                  </a:txBody>
+                  <a:tcPr/>
+                </a:tc>
+                <a:tc>
+                  <a:txBody>
+                    <a:bodyPr/>
+                    <a:lstStyle/>
+                    <a:p>
+                      <a:r>
+                        <a:rPr lang="en-CH" sz="1800" b="0" i="0" kern="1200" dirty="0">
+                          <a:solidFill>
+                            <a:schemeClr val="dk1"/>
+                          </a:solidFill>
+                          <a:effectLst/>
+                          <a:latin typeface="+mn-lt"/>
+                          <a:ea typeface="+mn-ea"/>
+                          <a:cs typeface="+mn-cs"/>
+                        </a:rPr>
+                        <a:t>0.22</a:t>
+                      </a:r>
+                      <a:endParaRPr lang="en-CH" dirty="0"/>
+                    </a:p>
+                  </a:txBody>
+                  <a:tcPr/>
+                </a:tc>
+                <a:tc>
+                  <a:txBody>
+                    <a:bodyPr/>
+                    <a:lstStyle/>
+                    <a:p>
+                      <a:r>
+                        <a:rPr lang="en-CH" sz="1800" b="0" i="0" kern="1200" dirty="0">
+                          <a:solidFill>
+                            <a:schemeClr val="dk1"/>
+                          </a:solidFill>
+                          <a:effectLst/>
+                          <a:latin typeface="+mn-lt"/>
+                          <a:ea typeface="+mn-ea"/>
+                          <a:cs typeface="+mn-cs"/>
+                        </a:rPr>
+                        <a:t>7575</a:t>
+                      </a:r>
+                      <a:endParaRPr lang="en-CH" dirty="0"/>
+                    </a:p>
+                  </a:txBody>
+                  <a:tcPr/>
+                </a:tc>
+                <a:tc>
+                  <a:txBody>
+                    <a:bodyPr/>
+                    <a:lstStyle/>
+                    <a:p>
+                      <a:r>
+                        <a:rPr lang="en-CH" sz="1800" b="0" i="0" kern="1200" dirty="0">
+                          <a:solidFill>
+                            <a:schemeClr val="dk1"/>
+                          </a:solidFill>
+                          <a:effectLst/>
+                          <a:latin typeface="+mn-lt"/>
+                          <a:ea typeface="+mn-ea"/>
+                          <a:cs typeface="+mn-cs"/>
+                        </a:rPr>
+                        <a:t>1.56</a:t>
+                      </a:r>
+                      <a:endParaRPr lang="en-CH" dirty="0"/>
+                    </a:p>
+                  </a:txBody>
+                  <a:tcPr/>
+                </a:tc>
+                <a:extLst>
+                  <a:ext uri="{0D108BD9-81ED-4DB2-BD59-A6C34878D82A}">
+                    <a16:rowId xmlns:a16="http://schemas.microsoft.com/office/drawing/2014/main" val="234692276"/>
+                  </a:ext>
+                </a:extLst>
+              </a:tr>
+              <a:tr h="370840">
+                <a:tc>
+                  <a:txBody>
+                    <a:bodyPr/>
+                    <a:lstStyle/>
+                    <a:p>
+                      <a:r>
+                        <a:rPr lang="en-GB" sz="1800" b="1" i="0" kern="1200" dirty="0">
+                          <a:solidFill>
+                            <a:schemeClr val="dk1"/>
+                          </a:solidFill>
+                          <a:effectLst/>
+                          <a:latin typeface="+mn-lt"/>
+                          <a:ea typeface="+mn-ea"/>
+                          <a:cs typeface="+mn-cs"/>
+                        </a:rPr>
+                        <a:t>Likes Given</a:t>
+                      </a:r>
+                      <a:endParaRPr lang="en-CH" b="1" dirty="0"/>
+                    </a:p>
+                  </a:txBody>
+                  <a:tcPr/>
+                </a:tc>
+                <a:tc>
+                  <a:txBody>
+                    <a:bodyPr/>
+                    <a:lstStyle/>
+                    <a:p>
+                      <a:r>
+                        <a:rPr lang="en-CH" sz="1800" b="0" i="0" kern="1200" dirty="0">
+                          <a:solidFill>
+                            <a:schemeClr val="dk1"/>
+                          </a:solidFill>
+                          <a:effectLst/>
+                          <a:latin typeface="+mn-lt"/>
+                          <a:ea typeface="+mn-ea"/>
+                          <a:cs typeface="+mn-cs"/>
+                        </a:rPr>
+                        <a:t>1</a:t>
+                      </a:r>
+                      <a:endParaRPr lang="en-CH" dirty="0"/>
+                    </a:p>
+                  </a:txBody>
+                  <a:tcPr/>
+                </a:tc>
+                <a:tc>
+                  <a:txBody>
+                    <a:bodyPr/>
+                    <a:lstStyle/>
+                    <a:p>
+                      <a:r>
+                        <a:rPr lang="en-CH" sz="1800" b="0" i="0" kern="1200" dirty="0">
+                          <a:solidFill>
+                            <a:schemeClr val="dk1"/>
+                          </a:solidFill>
+                          <a:effectLst/>
+                          <a:latin typeface="+mn-lt"/>
+                          <a:ea typeface="+mn-ea"/>
+                          <a:cs typeface="+mn-cs"/>
+                        </a:rPr>
+                        <a:t>10381</a:t>
+                      </a:r>
+                      <a:endParaRPr lang="en-CH" dirty="0"/>
+                    </a:p>
+                  </a:txBody>
+                  <a:tcPr/>
+                </a:tc>
+                <a:tc>
+                  <a:txBody>
+                    <a:bodyPr/>
+                    <a:lstStyle/>
+                    <a:p>
+                      <a:r>
+                        <a:rPr lang="en-CH" sz="1800" b="0" i="0" kern="1200" dirty="0">
+                          <a:solidFill>
+                            <a:schemeClr val="dk1"/>
+                          </a:solidFill>
+                          <a:effectLst/>
+                          <a:latin typeface="+mn-lt"/>
+                          <a:ea typeface="+mn-ea"/>
+                          <a:cs typeface="+mn-cs"/>
+                        </a:rPr>
+                        <a:t>2.63</a:t>
+                      </a:r>
+                      <a:endParaRPr lang="en-CH" dirty="0"/>
+                    </a:p>
+                  </a:txBody>
+                  <a:tcPr/>
+                </a:tc>
+                <a:extLst>
+                  <a:ext uri="{0D108BD9-81ED-4DB2-BD59-A6C34878D82A}">
+                    <a16:rowId xmlns:a16="http://schemas.microsoft.com/office/drawing/2014/main" val="406300939"/>
+                  </a:ext>
+                </a:extLst>
+              </a:tr>
+              <a:tr h="370840">
+                <a:tc>
+                  <a:txBody>
+                    <a:bodyPr/>
+                    <a:lstStyle/>
+                    <a:p>
+                      <a:r>
+                        <a:rPr lang="en-GB" sz="1800" b="1" i="0" kern="1200" dirty="0">
+                          <a:solidFill>
+                            <a:schemeClr val="dk1"/>
+                          </a:solidFill>
+                          <a:effectLst/>
+                          <a:latin typeface="+mn-lt"/>
+                          <a:ea typeface="+mn-ea"/>
+                          <a:cs typeface="+mn-cs"/>
+                        </a:rPr>
+                        <a:t>Comments Received per Post (on average)</a:t>
+                      </a:r>
+                      <a:endParaRPr lang="en-CH" b="1" dirty="0"/>
+                    </a:p>
+                  </a:txBody>
+                  <a:tcPr/>
+                </a:tc>
+                <a:tc>
+                  <a:txBody>
+                    <a:bodyPr/>
+                    <a:lstStyle/>
+                    <a:p>
+                      <a:r>
+                        <a:rPr lang="en-CH" sz="1800" b="0" i="0" kern="1200" dirty="0">
+                          <a:solidFill>
+                            <a:schemeClr val="dk1"/>
+                          </a:solidFill>
+                          <a:effectLst/>
+                          <a:latin typeface="+mn-lt"/>
+                          <a:ea typeface="+mn-ea"/>
+                          <a:cs typeface="+mn-cs"/>
+                        </a:rPr>
+                        <a:t>0.04</a:t>
+                      </a:r>
+                      <a:endParaRPr lang="en-CH" dirty="0"/>
+                    </a:p>
+                  </a:txBody>
+                  <a:tcPr/>
+                </a:tc>
+                <a:tc>
+                  <a:txBody>
+                    <a:bodyPr/>
+                    <a:lstStyle/>
+                    <a:p>
+                      <a:r>
+                        <a:rPr lang="en-CH" sz="1800" b="0" i="0" kern="1200" dirty="0">
+                          <a:solidFill>
+                            <a:schemeClr val="dk1"/>
+                          </a:solidFill>
+                          <a:effectLst/>
+                          <a:latin typeface="+mn-lt"/>
+                          <a:ea typeface="+mn-ea"/>
+                          <a:cs typeface="+mn-cs"/>
+                        </a:rPr>
+                        <a:t>31310</a:t>
+                      </a:r>
+                      <a:endParaRPr lang="en-CH" dirty="0"/>
+                    </a:p>
+                  </a:txBody>
+                  <a:tcPr/>
+                </a:tc>
+                <a:tc>
+                  <a:txBody>
+                    <a:bodyPr/>
+                    <a:lstStyle/>
+                    <a:p>
+                      <a:r>
+                        <a:rPr lang="en-CH" sz="1800" b="0" i="0" kern="1200" dirty="0">
+                          <a:solidFill>
+                            <a:schemeClr val="dk1"/>
+                          </a:solidFill>
+                          <a:effectLst/>
+                          <a:latin typeface="+mn-lt"/>
+                          <a:ea typeface="+mn-ea"/>
+                          <a:cs typeface="+mn-cs"/>
+                        </a:rPr>
+                        <a:t>6.46</a:t>
+                      </a:r>
+                      <a:endParaRPr lang="en-CH" dirty="0"/>
+                    </a:p>
+                  </a:txBody>
+                  <a:tcPr/>
+                </a:tc>
+                <a:extLst>
+                  <a:ext uri="{0D108BD9-81ED-4DB2-BD59-A6C34878D82A}">
+                    <a16:rowId xmlns:a16="http://schemas.microsoft.com/office/drawing/2014/main" val="364686254"/>
+                  </a:ext>
+                </a:extLst>
+              </a:tr>
+              <a:tr h="370840">
+                <a:tc>
+                  <a:txBody>
+                    <a:bodyPr/>
+                    <a:lstStyle/>
+                    <a:p>
+                      <a:r>
+                        <a:rPr lang="en-GB" sz="1800" b="1" i="0" kern="1200" dirty="0">
+                          <a:solidFill>
+                            <a:schemeClr val="dk1"/>
+                          </a:solidFill>
+                          <a:effectLst/>
+                          <a:latin typeface="+mn-lt"/>
+                          <a:ea typeface="+mn-ea"/>
+                          <a:cs typeface="+mn-cs"/>
+                        </a:rPr>
+                        <a:t>Comments Given</a:t>
+                      </a:r>
+                      <a:endParaRPr lang="en-CH" b="1" dirty="0"/>
+                    </a:p>
+                  </a:txBody>
+                  <a:tcPr/>
+                </a:tc>
+                <a:tc>
+                  <a:txBody>
+                    <a:bodyPr/>
+                    <a:lstStyle/>
+                    <a:p>
+                      <a:r>
+                        <a:rPr lang="en-CH" sz="1800" b="0" i="0" kern="1200" dirty="0">
+                          <a:solidFill>
+                            <a:schemeClr val="dk1"/>
+                          </a:solidFill>
+                          <a:effectLst/>
+                          <a:latin typeface="+mn-lt"/>
+                          <a:ea typeface="+mn-ea"/>
+                          <a:cs typeface="+mn-cs"/>
+                        </a:rPr>
+                        <a:t>2</a:t>
+                      </a:r>
+                      <a:endParaRPr lang="en-CH" dirty="0"/>
+                    </a:p>
+                  </a:txBody>
+                  <a:tcPr/>
+                </a:tc>
+                <a:tc>
+                  <a:txBody>
+                    <a:bodyPr/>
+                    <a:lstStyle/>
+                    <a:p>
+                      <a:r>
+                        <a:rPr lang="en-CH" sz="1800" b="0" i="0" kern="1200" dirty="0">
+                          <a:solidFill>
+                            <a:schemeClr val="dk1"/>
+                          </a:solidFill>
+                          <a:effectLst/>
+                          <a:latin typeface="+mn-lt"/>
+                          <a:ea typeface="+mn-ea"/>
+                          <a:cs typeface="+mn-cs"/>
+                        </a:rPr>
+                        <a:t>24997</a:t>
+                      </a:r>
+                      <a:endParaRPr lang="en-CH" dirty="0"/>
+                    </a:p>
+                  </a:txBody>
+                  <a:tcPr/>
+                </a:tc>
+                <a:tc>
+                  <a:txBody>
+                    <a:bodyPr/>
+                    <a:lstStyle/>
+                    <a:p>
+                      <a:r>
+                        <a:rPr lang="en-CH" sz="1800" b="0" i="0" kern="1200" dirty="0">
+                          <a:solidFill>
+                            <a:schemeClr val="dk1"/>
+                          </a:solidFill>
+                          <a:effectLst/>
+                          <a:latin typeface="+mn-lt"/>
+                          <a:ea typeface="+mn-ea"/>
+                          <a:cs typeface="+mn-cs"/>
+                        </a:rPr>
+                        <a:t>5.67</a:t>
+                      </a:r>
+                      <a:endParaRPr lang="en-CH" dirty="0"/>
+                    </a:p>
+                  </a:txBody>
+                  <a:tcPr/>
+                </a:tc>
+                <a:extLst>
+                  <a:ext uri="{0D108BD9-81ED-4DB2-BD59-A6C34878D82A}">
+                    <a16:rowId xmlns:a16="http://schemas.microsoft.com/office/drawing/2014/main" val="1914626699"/>
+                  </a:ext>
+                </a:extLst>
+              </a:tr>
+            </a:tbl>
+          </a:graphicData>
+        </a:graphic>
+      </p:graphicFrame>
+    </p:spTree>
+    <p:extLst>
+      <p:ext uri="{BB962C8B-B14F-4D97-AF65-F5344CB8AC3E}">
+        <p14:creationId xmlns:p14="http://schemas.microsoft.com/office/powerpoint/2010/main" val="3203873567"/>
+      </p:ext>
+    </p:extLst>
+  </p:cSld>
+  <p:clrMapOvr>
+    <a:masterClrMapping/>
+  </p:clrMapOvr>
+</p:sld>
+</file>
+
+<file path=ppt/slides/slide15.xml><?xml version="1.0" encoding="utf-8"?>
+<p:sld xmlns:a="http://schemas.openxmlformats.org/drawingml/2006/main" xmlns:r="http://schemas.openxmlformats.org/officeDocument/2006/relationships" xmlns:p="http://schemas.openxmlformats.org/presentationml/2006/main">
+  <p:cSld>
+    <p:spTree>
+      <p:nvGrpSpPr>
+        <p:cNvPr id="1" name="">
+          <a:extLst>
+            <a:ext uri="{FF2B5EF4-FFF2-40B4-BE49-F238E27FC236}">
+              <a16:creationId xmlns:a16="http://schemas.microsoft.com/office/drawing/2014/main" id="{06B14EB3-2D16-6120-4FB3-F66FA8D0D7EC}"/>
+            </a:ext>
+          </a:extLst>
+        </p:cNvPr>
+        <p:cNvGrpSpPr/>
+        <p:nvPr/>
+      </p:nvGrpSpPr>
+      <p:grpSpPr>
+        <a:xfrm>
+          <a:off x="0" y="0"/>
+          <a:ext cx="0" cy="0"/>
+          <a:chOff x="0" y="0"/>
+          <a:chExt cx="0" cy="0"/>
+        </a:xfrm>
+      </p:grpSpPr>
+      <p:sp>
+        <p:nvSpPr>
+          <p:cNvPr id="2" name="Title 1">
+            <a:extLst>
+              <a:ext uri="{FF2B5EF4-FFF2-40B4-BE49-F238E27FC236}">
+                <a16:creationId xmlns:a16="http://schemas.microsoft.com/office/drawing/2014/main" id="{64C19E71-EF51-7BB6-BE1E-94E276604811}"/>
+              </a:ext>
+            </a:extLst>
+          </p:cNvPr>
+          <p:cNvSpPr>
+            <a:spLocks noGrp="1"/>
+          </p:cNvSpPr>
+          <p:nvPr>
+            <p:ph type="title"/>
+          </p:nvPr>
+        </p:nvSpPr>
+        <p:spPr/>
+        <p:txBody>
+          <a:bodyPr/>
+          <a:lstStyle/>
+          <a:p>
+            <a:r>
+              <a:rPr lang="en-CH" dirty="0"/>
+              <a:t>Outlier User ”</a:t>
+            </a:r>
+            <a:r>
+              <a:rPr lang="en-GB" dirty="0" err="1"/>
+              <a:t>angelofissore</a:t>
+            </a:r>
+            <a:r>
+              <a:rPr lang="en-GB" dirty="0"/>
+              <a:t>”</a:t>
+            </a:r>
+            <a:endParaRPr lang="en-CH" dirty="0"/>
+          </a:p>
+        </p:txBody>
+      </p:sp>
+      <p:sp>
+        <p:nvSpPr>
+          <p:cNvPr id="5" name="Content Placeholder 4">
+            <a:extLst>
+              <a:ext uri="{FF2B5EF4-FFF2-40B4-BE49-F238E27FC236}">
+                <a16:creationId xmlns:a16="http://schemas.microsoft.com/office/drawing/2014/main" id="{25922D1F-6530-8FBE-B0AC-3D699671B72A}"/>
+              </a:ext>
+            </a:extLst>
+          </p:cNvPr>
+          <p:cNvSpPr>
+            <a:spLocks noGrp="1"/>
+          </p:cNvSpPr>
+          <p:nvPr>
+            <p:ph idx="1"/>
+          </p:nvPr>
+        </p:nvSpPr>
+        <p:spPr/>
+        <p:txBody>
+          <a:bodyPr/>
+          <a:lstStyle/>
+          <a:p>
+            <a:endParaRPr lang="en-CH" dirty="0"/>
+          </a:p>
+        </p:txBody>
+      </p:sp>
+      <p:graphicFrame>
+        <p:nvGraphicFramePr>
+          <p:cNvPr id="6" name="Content Placeholder 8">
+            <a:extLst>
+              <a:ext uri="{FF2B5EF4-FFF2-40B4-BE49-F238E27FC236}">
+                <a16:creationId xmlns:a16="http://schemas.microsoft.com/office/drawing/2014/main" id="{AD65F0D3-3F25-157F-BBC5-8A490B87BC88}"/>
+              </a:ext>
+            </a:extLst>
+          </p:cNvPr>
+          <p:cNvGraphicFramePr>
+            <a:graphicFrameLocks/>
+          </p:cNvGraphicFramePr>
+          <p:nvPr/>
+        </p:nvGraphicFramePr>
+        <p:xfrm>
+          <a:off x="838200" y="1779000"/>
+          <a:ext cx="7537546" cy="2961640"/>
+        </p:xfrm>
+        <a:graphic>
+          <a:graphicData uri="http://schemas.openxmlformats.org/drawingml/2006/table">
+            <a:tbl>
+              <a:tblPr firstRow="1" bandRow="1">
+                <a:tableStyleId>{5C22544A-7EE6-4342-B048-85BDC9FD1C3A}</a:tableStyleId>
+              </a:tblPr>
+              <a:tblGrid>
+                <a:gridCol w="4660726">
+                  <a:extLst>
+                    <a:ext uri="{9D8B030D-6E8A-4147-A177-3AD203B41FA5}">
+                      <a16:colId xmlns:a16="http://schemas.microsoft.com/office/drawing/2014/main" val="1579397185"/>
+                    </a:ext>
+                  </a:extLst>
+                </a:gridCol>
+                <a:gridCol w="905193">
+                  <a:extLst>
+                    <a:ext uri="{9D8B030D-6E8A-4147-A177-3AD203B41FA5}">
+                      <a16:colId xmlns:a16="http://schemas.microsoft.com/office/drawing/2014/main" val="3387484400"/>
+                    </a:ext>
+                  </a:extLst>
+                </a:gridCol>
+                <a:gridCol w="840105">
+                  <a:extLst>
+                    <a:ext uri="{9D8B030D-6E8A-4147-A177-3AD203B41FA5}">
+                      <a16:colId xmlns:a16="http://schemas.microsoft.com/office/drawing/2014/main" val="2302475020"/>
+                    </a:ext>
+                  </a:extLst>
+                </a:gridCol>
+                <a:gridCol w="1131522">
+                  <a:extLst>
+                    <a:ext uri="{9D8B030D-6E8A-4147-A177-3AD203B41FA5}">
+                      <a16:colId xmlns:a16="http://schemas.microsoft.com/office/drawing/2014/main" val="486441688"/>
+                    </a:ext>
+                  </a:extLst>
+                </a:gridCol>
+              </a:tblGrid>
+              <a:tr h="0">
+                <a:tc>
+                  <a:txBody>
+                    <a:bodyPr/>
+                    <a:lstStyle/>
+                    <a:p>
+                      <a:r>
+                        <a:rPr lang="en-CH" dirty="0"/>
+                        <a:t>Type</a:t>
+                      </a:r>
+                    </a:p>
+                  </a:txBody>
+                  <a:tcPr/>
+                </a:tc>
+                <a:tc>
+                  <a:txBody>
+                    <a:bodyPr/>
+                    <a:lstStyle/>
+                    <a:p>
+                      <a:r>
+                        <a:rPr lang="en-CH" dirty="0"/>
+                        <a:t>Value</a:t>
+                      </a:r>
+                    </a:p>
+                  </a:txBody>
+                  <a:tcPr/>
+                </a:tc>
+                <a:tc>
+                  <a:txBody>
+                    <a:bodyPr/>
+                    <a:lstStyle/>
+                    <a:p>
+                      <a:r>
+                        <a:rPr lang="en-CH" dirty="0"/>
+                        <a:t>Rank</a:t>
+                      </a:r>
+                    </a:p>
+                  </a:txBody>
+                  <a:tcPr/>
+                </a:tc>
+                <a:tc>
+                  <a:txBody>
+                    <a:bodyPr/>
+                    <a:lstStyle/>
+                    <a:p>
+                      <a:r>
+                        <a:rPr lang="en-CH" dirty="0"/>
+                        <a:t>Top in %</a:t>
+                      </a:r>
+                    </a:p>
+                  </a:txBody>
+                  <a:tcPr/>
+                </a:tc>
+                <a:extLst>
+                  <a:ext uri="{0D108BD9-81ED-4DB2-BD59-A6C34878D82A}">
+                    <a16:rowId xmlns:a16="http://schemas.microsoft.com/office/drawing/2014/main" val="2548069031"/>
+                  </a:ext>
+                </a:extLst>
+              </a:tr>
+              <a:tr h="370840">
+                <a:tc>
+                  <a:txBody>
+                    <a:bodyPr/>
+                    <a:lstStyle/>
+                    <a:p>
+                      <a:r>
+                        <a:rPr lang="en-GB" sz="1800" b="1" i="0" kern="1200" dirty="0">
+                          <a:solidFill>
+                            <a:schemeClr val="dk1"/>
+                          </a:solidFill>
+                          <a:effectLst/>
+                          <a:latin typeface="+mn-lt"/>
+                          <a:ea typeface="+mn-ea"/>
+                          <a:cs typeface="+mn-cs"/>
+                        </a:rPr>
+                        <a:t>Follower Count</a:t>
+                      </a:r>
+                      <a:endParaRPr lang="en-CH" b="1" dirty="0"/>
+                    </a:p>
+                  </a:txBody>
+                  <a:tcPr/>
+                </a:tc>
+                <a:tc>
+                  <a:txBody>
+                    <a:bodyPr/>
+                    <a:lstStyle/>
+                    <a:p>
+                      <a:r>
+                        <a:rPr lang="en-CH" sz="1800" b="0" i="0" kern="1200" dirty="0">
+                          <a:solidFill>
+                            <a:schemeClr val="dk1"/>
+                          </a:solidFill>
+                          <a:effectLst/>
+                          <a:latin typeface="+mn-lt"/>
+                          <a:ea typeface="+mn-ea"/>
+                          <a:cs typeface="+mn-cs"/>
+                        </a:rPr>
+                        <a:t>42,487</a:t>
+                      </a:r>
+                      <a:endParaRPr lang="en-CH" dirty="0"/>
+                    </a:p>
+                  </a:txBody>
+                  <a:tcPr/>
+                </a:tc>
+                <a:tc>
+                  <a:txBody>
+                    <a:bodyPr/>
+                    <a:lstStyle/>
+                    <a:p>
+                      <a:r>
+                        <a:rPr lang="en-CH" sz="1800" b="0" i="0" kern="1200" dirty="0">
+                          <a:solidFill>
+                            <a:schemeClr val="dk1"/>
+                          </a:solidFill>
+                          <a:effectLst/>
+                          <a:latin typeface="+mn-lt"/>
+                          <a:ea typeface="+mn-ea"/>
+                          <a:cs typeface="+mn-cs"/>
+                        </a:rPr>
+                        <a:t>1</a:t>
+                      </a:r>
+                      <a:endParaRPr lang="en-CH" dirty="0"/>
+                    </a:p>
+                  </a:txBody>
+                  <a:tcPr/>
+                </a:tc>
+                <a:tc>
+                  <a:txBody>
+                    <a:bodyPr/>
+                    <a:lstStyle/>
+                    <a:p>
+                      <a:r>
+                        <a:rPr lang="en-CH" sz="1800" b="0" i="0" kern="1200" dirty="0">
+                          <a:solidFill>
+                            <a:schemeClr val="dk1"/>
+                          </a:solidFill>
+                          <a:effectLst/>
+                          <a:latin typeface="+mn-lt"/>
+                          <a:ea typeface="+mn-ea"/>
+                          <a:cs typeface="+mn-cs"/>
+                        </a:rPr>
+                        <a:t>0</a:t>
+                      </a:r>
+                      <a:endParaRPr lang="en-CH" dirty="0"/>
+                    </a:p>
+                  </a:txBody>
+                  <a:tcPr/>
+                </a:tc>
+                <a:extLst>
+                  <a:ext uri="{0D108BD9-81ED-4DB2-BD59-A6C34878D82A}">
+                    <a16:rowId xmlns:a16="http://schemas.microsoft.com/office/drawing/2014/main" val="2466234763"/>
+                  </a:ext>
+                </a:extLst>
+              </a:tr>
+              <a:tr h="370840">
+                <a:tc>
+                  <a:txBody>
+                    <a:bodyPr/>
+                    <a:lstStyle/>
+                    <a:p>
+                      <a:r>
+                        <a:rPr lang="en-GB" sz="1800" b="1" i="0" kern="1200" dirty="0">
+                          <a:solidFill>
+                            <a:schemeClr val="dk1"/>
+                          </a:solidFill>
+                          <a:effectLst/>
+                          <a:latin typeface="+mn-lt"/>
+                          <a:ea typeface="+mn-ea"/>
+                          <a:cs typeface="+mn-cs"/>
+                        </a:rPr>
+                        <a:t>Following Count</a:t>
+                      </a:r>
+                      <a:endParaRPr lang="en-CH" b="1" dirty="0"/>
+                    </a:p>
+                  </a:txBody>
+                  <a:tcPr/>
+                </a:tc>
+                <a:tc>
+                  <a:txBody>
+                    <a:bodyPr/>
+                    <a:lstStyle/>
+                    <a:p>
+                      <a:r>
+                        <a:rPr lang="en-CH" sz="1800" b="0" i="0" kern="1200" dirty="0">
+                          <a:solidFill>
+                            <a:schemeClr val="dk1"/>
+                          </a:solidFill>
+                          <a:effectLst/>
+                          <a:latin typeface="+mn-lt"/>
+                          <a:ea typeface="+mn-ea"/>
+                          <a:cs typeface="+mn-cs"/>
+                        </a:rPr>
+                        <a:t>9,938</a:t>
+                      </a:r>
+                      <a:endParaRPr lang="en-CH" dirty="0"/>
+                    </a:p>
+                  </a:txBody>
+                  <a:tcPr/>
+                </a:tc>
+                <a:tc>
+                  <a:txBody>
+                    <a:bodyPr/>
+                    <a:lstStyle/>
+                    <a:p>
+                      <a:r>
+                        <a:rPr lang="en-CH" sz="1800" b="0" i="0" kern="1200" dirty="0">
+                          <a:solidFill>
+                            <a:schemeClr val="dk1"/>
+                          </a:solidFill>
+                          <a:effectLst/>
+                          <a:latin typeface="+mn-lt"/>
+                          <a:ea typeface="+mn-ea"/>
+                          <a:cs typeface="+mn-cs"/>
+                        </a:rPr>
+                        <a:t>158</a:t>
+                      </a:r>
+                      <a:endParaRPr lang="en-CH" dirty="0"/>
+                    </a:p>
+                  </a:txBody>
+                  <a:tcPr/>
+                </a:tc>
+                <a:tc>
+                  <a:txBody>
+                    <a:bodyPr/>
+                    <a:lstStyle/>
+                    <a:p>
+                      <a:r>
+                        <a:rPr lang="en-CH" sz="1800" b="0" i="0" kern="1200" dirty="0">
+                          <a:solidFill>
+                            <a:schemeClr val="dk1"/>
+                          </a:solidFill>
+                          <a:effectLst/>
+                          <a:latin typeface="+mn-lt"/>
+                          <a:ea typeface="+mn-ea"/>
+                          <a:cs typeface="+mn-cs"/>
+                        </a:rPr>
+                        <a:t>0.03</a:t>
+                      </a:r>
+                      <a:endParaRPr lang="en-CH" dirty="0"/>
+                    </a:p>
+                  </a:txBody>
+                  <a:tcPr/>
+                </a:tc>
+                <a:extLst>
+                  <a:ext uri="{0D108BD9-81ED-4DB2-BD59-A6C34878D82A}">
+                    <a16:rowId xmlns:a16="http://schemas.microsoft.com/office/drawing/2014/main" val="2686426370"/>
+                  </a:ext>
+                </a:extLst>
+              </a:tr>
+              <a:tr h="370840">
+                <a:tc>
+                  <a:txBody>
+                    <a:bodyPr/>
+                    <a:lstStyle/>
+                    <a:p>
+                      <a:r>
+                        <a:rPr lang="en-GB" sz="1800" b="1" i="0" kern="1200" dirty="0">
+                          <a:solidFill>
+                            <a:schemeClr val="dk1"/>
+                          </a:solidFill>
+                          <a:effectLst/>
+                          <a:latin typeface="+mn-lt"/>
+                          <a:ea typeface="+mn-ea"/>
+                          <a:cs typeface="+mn-cs"/>
+                        </a:rPr>
+                        <a:t>Posts Created</a:t>
+                      </a:r>
+                      <a:endParaRPr lang="en-CH" b="1" dirty="0"/>
+                    </a:p>
+                  </a:txBody>
+                  <a:tcPr/>
+                </a:tc>
+                <a:tc>
+                  <a:txBody>
+                    <a:bodyPr/>
+                    <a:lstStyle/>
+                    <a:p>
+                      <a:r>
+                        <a:rPr lang="en-CH" sz="1800" b="0" i="0" kern="1200" dirty="0">
+                          <a:solidFill>
+                            <a:schemeClr val="dk1"/>
+                          </a:solidFill>
+                          <a:effectLst/>
+                          <a:latin typeface="+mn-lt"/>
+                          <a:ea typeface="+mn-ea"/>
+                          <a:cs typeface="+mn-cs"/>
+                        </a:rPr>
+                        <a:t>113</a:t>
+                      </a:r>
+                      <a:endParaRPr lang="en-CH" dirty="0"/>
+                    </a:p>
+                  </a:txBody>
+                  <a:tcPr/>
+                </a:tc>
+                <a:tc>
+                  <a:txBody>
+                    <a:bodyPr/>
+                    <a:lstStyle/>
+                    <a:p>
+                      <a:r>
+                        <a:rPr lang="en-CH" sz="1800" b="0" i="0" kern="1200" dirty="0">
+                          <a:solidFill>
+                            <a:schemeClr val="dk1"/>
+                          </a:solidFill>
+                          <a:effectLst/>
+                          <a:latin typeface="+mn-lt"/>
+                          <a:ea typeface="+mn-ea"/>
+                          <a:cs typeface="+mn-cs"/>
+                        </a:rPr>
+                        <a:t>17469</a:t>
+                      </a:r>
+                      <a:endParaRPr lang="en-CH" dirty="0"/>
+                    </a:p>
+                  </a:txBody>
+                  <a:tcPr/>
+                </a:tc>
+                <a:tc>
+                  <a:txBody>
+                    <a:bodyPr/>
+                    <a:lstStyle/>
+                    <a:p>
+                      <a:r>
+                        <a:rPr lang="en-CH" sz="1800" b="0" i="0" kern="1200" dirty="0">
+                          <a:solidFill>
+                            <a:schemeClr val="dk1"/>
+                          </a:solidFill>
+                          <a:effectLst/>
+                          <a:latin typeface="+mn-lt"/>
+                          <a:ea typeface="+mn-ea"/>
+                          <a:cs typeface="+mn-cs"/>
+                        </a:rPr>
+                        <a:t>3.62</a:t>
+                      </a:r>
+                      <a:endParaRPr lang="en-CH" dirty="0"/>
+                    </a:p>
+                  </a:txBody>
+                  <a:tcPr/>
+                </a:tc>
+                <a:extLst>
+                  <a:ext uri="{0D108BD9-81ED-4DB2-BD59-A6C34878D82A}">
+                    <a16:rowId xmlns:a16="http://schemas.microsoft.com/office/drawing/2014/main" val="172960152"/>
+                  </a:ext>
+                </a:extLst>
+              </a:tr>
+              <a:tr h="370840">
+                <a:tc>
+                  <a:txBody>
+                    <a:bodyPr/>
+                    <a:lstStyle/>
+                    <a:p>
+                      <a:r>
+                        <a:rPr lang="en-GB" sz="1800" b="1" i="0" kern="1200" dirty="0">
+                          <a:solidFill>
+                            <a:schemeClr val="dk1"/>
+                          </a:solidFill>
+                          <a:effectLst/>
+                          <a:latin typeface="+mn-lt"/>
+                          <a:ea typeface="+mn-ea"/>
+                          <a:cs typeface="+mn-cs"/>
+                        </a:rPr>
+                        <a:t>Likes Received per Post (on average)</a:t>
+                      </a:r>
+                      <a:endParaRPr lang="en-CH" b="1" dirty="0"/>
+                    </a:p>
+                  </a:txBody>
+                  <a:tcPr/>
+                </a:tc>
+                <a:tc>
+                  <a:txBody>
+                    <a:bodyPr/>
+                    <a:lstStyle/>
+                    <a:p>
+                      <a:r>
+                        <a:rPr lang="en-CH" sz="1800" b="0" i="0" kern="1200" dirty="0">
+                          <a:solidFill>
+                            <a:schemeClr val="dk1"/>
+                          </a:solidFill>
+                          <a:effectLst/>
+                          <a:latin typeface="+mn-lt"/>
+                          <a:ea typeface="+mn-ea"/>
+                          <a:cs typeface="+mn-cs"/>
+                        </a:rPr>
+                        <a:t>0.22</a:t>
+                      </a:r>
+                      <a:endParaRPr lang="en-CH" dirty="0"/>
+                    </a:p>
+                  </a:txBody>
+                  <a:tcPr/>
+                </a:tc>
+                <a:tc>
+                  <a:txBody>
+                    <a:bodyPr/>
+                    <a:lstStyle/>
+                    <a:p>
+                      <a:r>
+                        <a:rPr lang="en-CH" sz="1800" b="0" i="0" kern="1200" dirty="0">
+                          <a:solidFill>
+                            <a:schemeClr val="dk1"/>
+                          </a:solidFill>
+                          <a:effectLst/>
+                          <a:latin typeface="+mn-lt"/>
+                          <a:ea typeface="+mn-ea"/>
+                          <a:cs typeface="+mn-cs"/>
+                        </a:rPr>
+                        <a:t>7575</a:t>
+                      </a:r>
+                      <a:endParaRPr lang="en-CH" dirty="0"/>
+                    </a:p>
+                  </a:txBody>
+                  <a:tcPr/>
+                </a:tc>
+                <a:tc>
+                  <a:txBody>
+                    <a:bodyPr/>
+                    <a:lstStyle/>
+                    <a:p>
+                      <a:r>
+                        <a:rPr lang="en-CH" sz="1800" b="0" i="0" kern="1200" dirty="0">
+                          <a:solidFill>
+                            <a:schemeClr val="dk1"/>
+                          </a:solidFill>
+                          <a:effectLst/>
+                          <a:latin typeface="+mn-lt"/>
+                          <a:ea typeface="+mn-ea"/>
+                          <a:cs typeface="+mn-cs"/>
+                        </a:rPr>
+                        <a:t>1.56</a:t>
+                      </a:r>
+                      <a:endParaRPr lang="en-CH" dirty="0"/>
+                    </a:p>
+                  </a:txBody>
+                  <a:tcPr/>
+                </a:tc>
+                <a:extLst>
+                  <a:ext uri="{0D108BD9-81ED-4DB2-BD59-A6C34878D82A}">
+                    <a16:rowId xmlns:a16="http://schemas.microsoft.com/office/drawing/2014/main" val="234692276"/>
+                  </a:ext>
+                </a:extLst>
+              </a:tr>
+              <a:tr h="370840">
+                <a:tc>
+                  <a:txBody>
+                    <a:bodyPr/>
+                    <a:lstStyle/>
+                    <a:p>
+                      <a:r>
+                        <a:rPr lang="en-GB" sz="1800" b="1" i="0" kern="1200" dirty="0">
+                          <a:solidFill>
+                            <a:schemeClr val="dk1"/>
+                          </a:solidFill>
+                          <a:effectLst/>
+                          <a:latin typeface="+mn-lt"/>
+                          <a:ea typeface="+mn-ea"/>
+                          <a:cs typeface="+mn-cs"/>
+                        </a:rPr>
+                        <a:t>Likes Given</a:t>
+                      </a:r>
+                      <a:endParaRPr lang="en-CH" b="1" dirty="0"/>
+                    </a:p>
+                  </a:txBody>
+                  <a:tcPr/>
+                </a:tc>
+                <a:tc>
+                  <a:txBody>
+                    <a:bodyPr/>
+                    <a:lstStyle/>
+                    <a:p>
+                      <a:r>
+                        <a:rPr lang="en-CH" sz="1800" b="0" i="0" kern="1200" dirty="0">
+                          <a:solidFill>
+                            <a:schemeClr val="dk1"/>
+                          </a:solidFill>
+                          <a:effectLst/>
+                          <a:latin typeface="+mn-lt"/>
+                          <a:ea typeface="+mn-ea"/>
+                          <a:cs typeface="+mn-cs"/>
+                        </a:rPr>
+                        <a:t>1</a:t>
+                      </a:r>
+                      <a:endParaRPr lang="en-CH" dirty="0"/>
+                    </a:p>
+                  </a:txBody>
+                  <a:tcPr/>
+                </a:tc>
+                <a:tc>
+                  <a:txBody>
+                    <a:bodyPr/>
+                    <a:lstStyle/>
+                    <a:p>
+                      <a:r>
+                        <a:rPr lang="en-CH" sz="1800" b="0" i="0" kern="1200" dirty="0">
+                          <a:solidFill>
+                            <a:schemeClr val="dk1"/>
+                          </a:solidFill>
+                          <a:effectLst/>
+                          <a:latin typeface="+mn-lt"/>
+                          <a:ea typeface="+mn-ea"/>
+                          <a:cs typeface="+mn-cs"/>
+                        </a:rPr>
+                        <a:t>10381</a:t>
+                      </a:r>
+                      <a:endParaRPr lang="en-CH" dirty="0"/>
+                    </a:p>
+                  </a:txBody>
+                  <a:tcPr/>
+                </a:tc>
+                <a:tc>
+                  <a:txBody>
+                    <a:bodyPr/>
+                    <a:lstStyle/>
+                    <a:p>
+                      <a:r>
+                        <a:rPr lang="en-CH" sz="1800" b="0" i="0" kern="1200" dirty="0">
+                          <a:solidFill>
+                            <a:schemeClr val="dk1"/>
+                          </a:solidFill>
+                          <a:effectLst/>
+                          <a:latin typeface="+mn-lt"/>
+                          <a:ea typeface="+mn-ea"/>
+                          <a:cs typeface="+mn-cs"/>
+                        </a:rPr>
+                        <a:t>2.63</a:t>
+                      </a:r>
+                      <a:endParaRPr lang="en-CH" dirty="0"/>
+                    </a:p>
+                  </a:txBody>
+                  <a:tcPr/>
+                </a:tc>
+                <a:extLst>
+                  <a:ext uri="{0D108BD9-81ED-4DB2-BD59-A6C34878D82A}">
+                    <a16:rowId xmlns:a16="http://schemas.microsoft.com/office/drawing/2014/main" val="406300939"/>
+                  </a:ext>
+                </a:extLst>
+              </a:tr>
+              <a:tr h="370840">
+                <a:tc>
+                  <a:txBody>
+                    <a:bodyPr/>
+                    <a:lstStyle/>
+                    <a:p>
+                      <a:r>
+                        <a:rPr lang="en-GB" sz="1800" b="1" i="0" kern="1200" dirty="0">
+                          <a:solidFill>
+                            <a:schemeClr val="dk1"/>
+                          </a:solidFill>
+                          <a:effectLst/>
+                          <a:latin typeface="+mn-lt"/>
+                          <a:ea typeface="+mn-ea"/>
+                          <a:cs typeface="+mn-cs"/>
+                        </a:rPr>
+                        <a:t>Comments Received per Post (on average)</a:t>
+                      </a:r>
+                      <a:endParaRPr lang="en-CH" b="1" dirty="0"/>
+                    </a:p>
+                  </a:txBody>
+                  <a:tcPr/>
+                </a:tc>
+                <a:tc>
+                  <a:txBody>
+                    <a:bodyPr/>
+                    <a:lstStyle/>
+                    <a:p>
+                      <a:r>
+                        <a:rPr lang="en-CH" sz="1800" b="0" i="0" kern="1200" dirty="0">
+                          <a:solidFill>
+                            <a:schemeClr val="dk1"/>
+                          </a:solidFill>
+                          <a:effectLst/>
+                          <a:latin typeface="+mn-lt"/>
+                          <a:ea typeface="+mn-ea"/>
+                          <a:cs typeface="+mn-cs"/>
+                        </a:rPr>
+                        <a:t>0.04</a:t>
+                      </a:r>
+                      <a:endParaRPr lang="en-CH" dirty="0"/>
+                    </a:p>
+                  </a:txBody>
+                  <a:tcPr/>
+                </a:tc>
+                <a:tc>
+                  <a:txBody>
+                    <a:bodyPr/>
+                    <a:lstStyle/>
+                    <a:p>
+                      <a:r>
+                        <a:rPr lang="en-CH" sz="1800" b="0" i="0" kern="1200" dirty="0">
+                          <a:solidFill>
+                            <a:schemeClr val="dk1"/>
+                          </a:solidFill>
+                          <a:effectLst/>
+                          <a:latin typeface="+mn-lt"/>
+                          <a:ea typeface="+mn-ea"/>
+                          <a:cs typeface="+mn-cs"/>
+                        </a:rPr>
+                        <a:t>31310</a:t>
+                      </a:r>
+                      <a:endParaRPr lang="en-CH" dirty="0"/>
+                    </a:p>
+                  </a:txBody>
+                  <a:tcPr/>
+                </a:tc>
+                <a:tc>
+                  <a:txBody>
+                    <a:bodyPr/>
+                    <a:lstStyle/>
+                    <a:p>
+                      <a:r>
+                        <a:rPr lang="en-CH" sz="1800" b="0" i="0" kern="1200" dirty="0">
+                          <a:solidFill>
+                            <a:schemeClr val="dk1"/>
+                          </a:solidFill>
+                          <a:effectLst/>
+                          <a:latin typeface="+mn-lt"/>
+                          <a:ea typeface="+mn-ea"/>
+                          <a:cs typeface="+mn-cs"/>
+                        </a:rPr>
+                        <a:t>6.46</a:t>
+                      </a:r>
+                      <a:endParaRPr lang="en-CH" dirty="0"/>
+                    </a:p>
+                  </a:txBody>
+                  <a:tcPr/>
+                </a:tc>
+                <a:extLst>
+                  <a:ext uri="{0D108BD9-81ED-4DB2-BD59-A6C34878D82A}">
+                    <a16:rowId xmlns:a16="http://schemas.microsoft.com/office/drawing/2014/main" val="364686254"/>
+                  </a:ext>
+                </a:extLst>
+              </a:tr>
+              <a:tr h="370840">
+                <a:tc>
+                  <a:txBody>
+                    <a:bodyPr/>
+                    <a:lstStyle/>
+                    <a:p>
+                      <a:r>
+                        <a:rPr lang="en-GB" sz="1800" b="1" i="0" kern="1200" dirty="0">
+                          <a:solidFill>
+                            <a:schemeClr val="dk1"/>
+                          </a:solidFill>
+                          <a:effectLst/>
+                          <a:latin typeface="+mn-lt"/>
+                          <a:ea typeface="+mn-ea"/>
+                          <a:cs typeface="+mn-cs"/>
+                        </a:rPr>
+                        <a:t>Comments Given</a:t>
+                      </a:r>
+                      <a:endParaRPr lang="en-CH" b="1" dirty="0"/>
+                    </a:p>
+                  </a:txBody>
+                  <a:tcPr/>
+                </a:tc>
+                <a:tc>
+                  <a:txBody>
+                    <a:bodyPr/>
+                    <a:lstStyle/>
+                    <a:p>
+                      <a:r>
+                        <a:rPr lang="en-CH" sz="1800" b="0" i="0" kern="1200" dirty="0">
+                          <a:solidFill>
+                            <a:schemeClr val="dk1"/>
+                          </a:solidFill>
+                          <a:effectLst/>
+                          <a:latin typeface="+mn-lt"/>
+                          <a:ea typeface="+mn-ea"/>
+                          <a:cs typeface="+mn-cs"/>
+                        </a:rPr>
+                        <a:t>2</a:t>
+                      </a:r>
+                      <a:endParaRPr lang="en-CH" dirty="0"/>
+                    </a:p>
+                  </a:txBody>
+                  <a:tcPr/>
+                </a:tc>
+                <a:tc>
+                  <a:txBody>
+                    <a:bodyPr/>
+                    <a:lstStyle/>
+                    <a:p>
+                      <a:r>
+                        <a:rPr lang="en-CH" sz="1800" b="0" i="0" kern="1200" dirty="0">
+                          <a:solidFill>
+                            <a:schemeClr val="dk1"/>
+                          </a:solidFill>
+                          <a:effectLst/>
+                          <a:latin typeface="+mn-lt"/>
+                          <a:ea typeface="+mn-ea"/>
+                          <a:cs typeface="+mn-cs"/>
+                        </a:rPr>
+                        <a:t>24997</a:t>
+                      </a:r>
+                      <a:endParaRPr lang="en-CH" dirty="0"/>
+                    </a:p>
+                  </a:txBody>
+                  <a:tcPr/>
+                </a:tc>
+                <a:tc>
+                  <a:txBody>
+                    <a:bodyPr/>
+                    <a:lstStyle/>
+                    <a:p>
+                      <a:r>
+                        <a:rPr lang="en-CH" sz="1800" b="0" i="0" kern="1200" dirty="0">
+                          <a:solidFill>
+                            <a:schemeClr val="dk1"/>
+                          </a:solidFill>
+                          <a:effectLst/>
+                          <a:latin typeface="+mn-lt"/>
+                          <a:ea typeface="+mn-ea"/>
+                          <a:cs typeface="+mn-cs"/>
+                        </a:rPr>
+                        <a:t>5.67</a:t>
+                      </a:r>
+                      <a:endParaRPr lang="en-CH" dirty="0"/>
+                    </a:p>
+                  </a:txBody>
+                  <a:tcPr/>
+                </a:tc>
+                <a:extLst>
+                  <a:ext uri="{0D108BD9-81ED-4DB2-BD59-A6C34878D82A}">
+                    <a16:rowId xmlns:a16="http://schemas.microsoft.com/office/drawing/2014/main" val="1914626699"/>
+                  </a:ext>
+                </a:extLst>
+              </a:tr>
+            </a:tbl>
+          </a:graphicData>
+        </a:graphic>
+      </p:graphicFrame>
+    </p:spTree>
+    <p:extLst>
+      <p:ext uri="{BB962C8B-B14F-4D97-AF65-F5344CB8AC3E}">
+        <p14:creationId xmlns:p14="http://schemas.microsoft.com/office/powerpoint/2010/main" val="77309376"/>
+      </p:ext>
+    </p:extLst>
+  </p:cSld>
+  <p:clrMapOvr>
+    <a:masterClrMapping/>
+  </p:clrMapOvr>
+</p:sld>
+</file>
+
+<file path=ppt/slides/slide16.xml><?xml version="1.0" encoding="utf-8"?>
+<p:sld xmlns:a="http://schemas.openxmlformats.org/drawingml/2006/main" xmlns:r="http://schemas.openxmlformats.org/officeDocument/2006/relationships" xmlns:p="http://schemas.openxmlformats.org/presentationml/2006/main">
+  <p:cSld>
+    <p:spTree>
+      <p:nvGrpSpPr>
+        <p:cNvPr id="1" name="">
+          <a:extLst>
+            <a:ext uri="{FF2B5EF4-FFF2-40B4-BE49-F238E27FC236}">
+              <a16:creationId xmlns:a16="http://schemas.microsoft.com/office/drawing/2014/main" id="{F11BC092-F916-0B6E-B818-D043DD8782C6}"/>
+            </a:ext>
+          </a:extLst>
+        </p:cNvPr>
+        <p:cNvGrpSpPr/>
+        <p:nvPr/>
+      </p:nvGrpSpPr>
+      <p:grpSpPr>
+        <a:xfrm>
+          <a:off x="0" y="0"/>
+          <a:ext cx="0" cy="0"/>
+          <a:chOff x="0" y="0"/>
+          <a:chExt cx="0" cy="0"/>
+        </a:xfrm>
+      </p:grpSpPr>
+      <p:sp>
+        <p:nvSpPr>
+          <p:cNvPr id="2" name="Title 1">
+            <a:extLst>
+              <a:ext uri="{FF2B5EF4-FFF2-40B4-BE49-F238E27FC236}">
+                <a16:creationId xmlns:a16="http://schemas.microsoft.com/office/drawing/2014/main" id="{588261D9-3348-022A-E1D0-6822AD9394FD}"/>
+              </a:ext>
+            </a:extLst>
+          </p:cNvPr>
+          <p:cNvSpPr>
+            <a:spLocks noGrp="1"/>
+          </p:cNvSpPr>
+          <p:nvPr>
+            <p:ph type="title"/>
+          </p:nvPr>
+        </p:nvSpPr>
+        <p:spPr/>
+        <p:txBody>
+          <a:bodyPr/>
+          <a:lstStyle/>
+          <a:p>
+            <a:r>
+              <a:rPr lang="en-CH" dirty="0"/>
+              <a:t>Outlier User ”</a:t>
+            </a:r>
+            <a:r>
+              <a:rPr lang="en-GB" dirty="0" err="1"/>
+              <a:t>kaibutsukunin</a:t>
+            </a:r>
+            <a:r>
+              <a:rPr lang="en-GB" dirty="0"/>
+              <a:t>”</a:t>
+            </a:r>
+            <a:endParaRPr lang="en-CH" dirty="0"/>
+          </a:p>
+        </p:txBody>
+      </p:sp>
+      <p:sp>
+        <p:nvSpPr>
+          <p:cNvPr id="5" name="Content Placeholder 4">
+            <a:extLst>
+              <a:ext uri="{FF2B5EF4-FFF2-40B4-BE49-F238E27FC236}">
+                <a16:creationId xmlns:a16="http://schemas.microsoft.com/office/drawing/2014/main" id="{EFD37B83-9F72-0158-2DAB-E7AF1432893C}"/>
+              </a:ext>
+            </a:extLst>
+          </p:cNvPr>
+          <p:cNvSpPr>
+            <a:spLocks noGrp="1"/>
+          </p:cNvSpPr>
+          <p:nvPr>
+            <p:ph idx="1"/>
+          </p:nvPr>
+        </p:nvSpPr>
+        <p:spPr/>
+        <p:txBody>
+          <a:bodyPr/>
+          <a:lstStyle/>
+          <a:p>
+            <a:endParaRPr lang="en-CH" dirty="0"/>
+          </a:p>
+        </p:txBody>
+      </p:sp>
+      <p:graphicFrame>
+        <p:nvGraphicFramePr>
+          <p:cNvPr id="6" name="Content Placeholder 8">
+            <a:extLst>
+              <a:ext uri="{FF2B5EF4-FFF2-40B4-BE49-F238E27FC236}">
+                <a16:creationId xmlns:a16="http://schemas.microsoft.com/office/drawing/2014/main" id="{7275BCCB-4043-7BA6-BCC5-277B38741A3B}"/>
+              </a:ext>
+            </a:extLst>
+          </p:cNvPr>
+          <p:cNvGraphicFramePr>
+            <a:graphicFrameLocks/>
+          </p:cNvGraphicFramePr>
+          <p:nvPr/>
+        </p:nvGraphicFramePr>
+        <p:xfrm>
+          <a:off x="838200" y="1779000"/>
+          <a:ext cx="7537546" cy="2961640"/>
+        </p:xfrm>
+        <a:graphic>
+          <a:graphicData uri="http://schemas.openxmlformats.org/drawingml/2006/table">
+            <a:tbl>
+              <a:tblPr firstRow="1" bandRow="1">
+                <a:tableStyleId>{5C22544A-7EE6-4342-B048-85BDC9FD1C3A}</a:tableStyleId>
+              </a:tblPr>
+              <a:tblGrid>
+                <a:gridCol w="4660726">
+                  <a:extLst>
+                    <a:ext uri="{9D8B030D-6E8A-4147-A177-3AD203B41FA5}">
+                      <a16:colId xmlns:a16="http://schemas.microsoft.com/office/drawing/2014/main" val="1579397185"/>
+                    </a:ext>
+                  </a:extLst>
+                </a:gridCol>
+                <a:gridCol w="905193">
+                  <a:extLst>
+                    <a:ext uri="{9D8B030D-6E8A-4147-A177-3AD203B41FA5}">
+                      <a16:colId xmlns:a16="http://schemas.microsoft.com/office/drawing/2014/main" val="3387484400"/>
+                    </a:ext>
+                  </a:extLst>
+                </a:gridCol>
+                <a:gridCol w="840105">
+                  <a:extLst>
+                    <a:ext uri="{9D8B030D-6E8A-4147-A177-3AD203B41FA5}">
+                      <a16:colId xmlns:a16="http://schemas.microsoft.com/office/drawing/2014/main" val="2302475020"/>
+                    </a:ext>
+                  </a:extLst>
+                </a:gridCol>
+                <a:gridCol w="1131522">
+                  <a:extLst>
+                    <a:ext uri="{9D8B030D-6E8A-4147-A177-3AD203B41FA5}">
+                      <a16:colId xmlns:a16="http://schemas.microsoft.com/office/drawing/2014/main" val="486441688"/>
+                    </a:ext>
+                  </a:extLst>
+                </a:gridCol>
+              </a:tblGrid>
+              <a:tr h="0">
+                <a:tc>
+                  <a:txBody>
+                    <a:bodyPr/>
+                    <a:lstStyle/>
+                    <a:p>
+                      <a:r>
+                        <a:rPr lang="en-CH" dirty="0"/>
+                        <a:t>Type</a:t>
+                      </a:r>
+                    </a:p>
+                  </a:txBody>
+                  <a:tcPr/>
+                </a:tc>
+                <a:tc>
+                  <a:txBody>
+                    <a:bodyPr/>
+                    <a:lstStyle/>
+                    <a:p>
+                      <a:r>
+                        <a:rPr lang="en-CH" dirty="0"/>
+                        <a:t>Value</a:t>
+                      </a:r>
+                    </a:p>
+                  </a:txBody>
+                  <a:tcPr/>
+                </a:tc>
+                <a:tc>
+                  <a:txBody>
+                    <a:bodyPr/>
+                    <a:lstStyle/>
+                    <a:p>
+                      <a:r>
+                        <a:rPr lang="en-CH" dirty="0"/>
+                        <a:t>Rank</a:t>
+                      </a:r>
+                    </a:p>
+                  </a:txBody>
+                  <a:tcPr/>
+                </a:tc>
+                <a:tc>
+                  <a:txBody>
+                    <a:bodyPr/>
+                    <a:lstStyle/>
+                    <a:p>
+                      <a:r>
+                        <a:rPr lang="en-CH" dirty="0"/>
+                        <a:t>Top in %</a:t>
+                      </a:r>
+                    </a:p>
+                  </a:txBody>
+                  <a:tcPr/>
+                </a:tc>
+                <a:extLst>
+                  <a:ext uri="{0D108BD9-81ED-4DB2-BD59-A6C34878D82A}">
+                    <a16:rowId xmlns:a16="http://schemas.microsoft.com/office/drawing/2014/main" val="2548069031"/>
+                  </a:ext>
+                </a:extLst>
+              </a:tr>
+              <a:tr h="370840">
+                <a:tc>
+                  <a:txBody>
+                    <a:bodyPr/>
+                    <a:lstStyle/>
+                    <a:p>
+                      <a:r>
+                        <a:rPr lang="en-GB" sz="1800" b="1" i="0" kern="1200" dirty="0">
+                          <a:solidFill>
+                            <a:schemeClr val="dk1"/>
+                          </a:solidFill>
+                          <a:effectLst/>
+                          <a:latin typeface="+mn-lt"/>
+                          <a:ea typeface="+mn-ea"/>
+                          <a:cs typeface="+mn-cs"/>
+                        </a:rPr>
+                        <a:t>Follower Count</a:t>
+                      </a:r>
+                      <a:endParaRPr lang="en-CH" b="1" dirty="0"/>
+                    </a:p>
+                  </a:txBody>
+                  <a:tcPr/>
+                </a:tc>
+                <a:tc>
+                  <a:txBody>
+                    <a:bodyPr/>
+                    <a:lstStyle/>
+                    <a:p>
+                      <a:r>
+                        <a:rPr lang="en-CH" sz="1800" b="0" i="0" kern="1200" dirty="0">
+                          <a:solidFill>
+                            <a:schemeClr val="dk1"/>
+                          </a:solidFill>
+                          <a:effectLst/>
+                          <a:latin typeface="+mn-lt"/>
+                          <a:ea typeface="+mn-ea"/>
+                          <a:cs typeface="+mn-cs"/>
+                        </a:rPr>
+                        <a:t>42,487</a:t>
+                      </a:r>
+                      <a:endParaRPr lang="en-CH" dirty="0"/>
+                    </a:p>
+                  </a:txBody>
+                  <a:tcPr/>
+                </a:tc>
+                <a:tc>
+                  <a:txBody>
+                    <a:bodyPr/>
+                    <a:lstStyle/>
+                    <a:p>
+                      <a:r>
+                        <a:rPr lang="en-CH" sz="1800" b="0" i="0" kern="1200" dirty="0">
+                          <a:solidFill>
+                            <a:schemeClr val="dk1"/>
+                          </a:solidFill>
+                          <a:effectLst/>
+                          <a:latin typeface="+mn-lt"/>
+                          <a:ea typeface="+mn-ea"/>
+                          <a:cs typeface="+mn-cs"/>
+                        </a:rPr>
+                        <a:t>1</a:t>
+                      </a:r>
+                      <a:endParaRPr lang="en-CH" dirty="0"/>
+                    </a:p>
+                  </a:txBody>
+                  <a:tcPr/>
+                </a:tc>
+                <a:tc>
+                  <a:txBody>
+                    <a:bodyPr/>
+                    <a:lstStyle/>
+                    <a:p>
+                      <a:r>
+                        <a:rPr lang="en-CH" sz="1800" b="0" i="0" kern="1200" dirty="0">
+                          <a:solidFill>
+                            <a:schemeClr val="dk1"/>
+                          </a:solidFill>
+                          <a:effectLst/>
+                          <a:latin typeface="+mn-lt"/>
+                          <a:ea typeface="+mn-ea"/>
+                          <a:cs typeface="+mn-cs"/>
+                        </a:rPr>
+                        <a:t>0</a:t>
+                      </a:r>
+                      <a:endParaRPr lang="en-CH" dirty="0"/>
+                    </a:p>
+                  </a:txBody>
+                  <a:tcPr/>
+                </a:tc>
+                <a:extLst>
+                  <a:ext uri="{0D108BD9-81ED-4DB2-BD59-A6C34878D82A}">
+                    <a16:rowId xmlns:a16="http://schemas.microsoft.com/office/drawing/2014/main" val="2466234763"/>
+                  </a:ext>
+                </a:extLst>
+              </a:tr>
+              <a:tr h="370840">
+                <a:tc>
+                  <a:txBody>
+                    <a:bodyPr/>
+                    <a:lstStyle/>
+                    <a:p>
+                      <a:r>
+                        <a:rPr lang="en-GB" sz="1800" b="1" i="0" kern="1200" dirty="0">
+                          <a:solidFill>
+                            <a:schemeClr val="dk1"/>
+                          </a:solidFill>
+                          <a:effectLst/>
+                          <a:latin typeface="+mn-lt"/>
+                          <a:ea typeface="+mn-ea"/>
+                          <a:cs typeface="+mn-cs"/>
+                        </a:rPr>
+                        <a:t>Following Count</a:t>
+                      </a:r>
+                      <a:endParaRPr lang="en-CH" b="1" dirty="0"/>
+                    </a:p>
+                  </a:txBody>
+                  <a:tcPr/>
+                </a:tc>
+                <a:tc>
+                  <a:txBody>
+                    <a:bodyPr/>
+                    <a:lstStyle/>
+                    <a:p>
+                      <a:r>
+                        <a:rPr lang="en-CH" sz="1800" b="0" i="0" kern="1200" dirty="0">
+                          <a:solidFill>
+                            <a:schemeClr val="dk1"/>
+                          </a:solidFill>
+                          <a:effectLst/>
+                          <a:latin typeface="+mn-lt"/>
+                          <a:ea typeface="+mn-ea"/>
+                          <a:cs typeface="+mn-cs"/>
+                        </a:rPr>
+                        <a:t>9,938</a:t>
+                      </a:r>
+                      <a:endParaRPr lang="en-CH" dirty="0"/>
+                    </a:p>
+                  </a:txBody>
+                  <a:tcPr/>
+                </a:tc>
+                <a:tc>
+                  <a:txBody>
+                    <a:bodyPr/>
+                    <a:lstStyle/>
+                    <a:p>
+                      <a:r>
+                        <a:rPr lang="en-CH" sz="1800" b="0" i="0" kern="1200" dirty="0">
+                          <a:solidFill>
+                            <a:schemeClr val="dk1"/>
+                          </a:solidFill>
+                          <a:effectLst/>
+                          <a:latin typeface="+mn-lt"/>
+                          <a:ea typeface="+mn-ea"/>
+                          <a:cs typeface="+mn-cs"/>
+                        </a:rPr>
+                        <a:t>158</a:t>
+                      </a:r>
+                      <a:endParaRPr lang="en-CH" dirty="0"/>
+                    </a:p>
+                  </a:txBody>
+                  <a:tcPr/>
+                </a:tc>
+                <a:tc>
+                  <a:txBody>
+                    <a:bodyPr/>
+                    <a:lstStyle/>
+                    <a:p>
+                      <a:r>
+                        <a:rPr lang="en-CH" sz="1800" b="0" i="0" kern="1200" dirty="0">
+                          <a:solidFill>
+                            <a:schemeClr val="dk1"/>
+                          </a:solidFill>
+                          <a:effectLst/>
+                          <a:latin typeface="+mn-lt"/>
+                          <a:ea typeface="+mn-ea"/>
+                          <a:cs typeface="+mn-cs"/>
+                        </a:rPr>
+                        <a:t>0.03</a:t>
+                      </a:r>
+                      <a:endParaRPr lang="en-CH" dirty="0"/>
+                    </a:p>
+                  </a:txBody>
+                  <a:tcPr/>
+                </a:tc>
+                <a:extLst>
+                  <a:ext uri="{0D108BD9-81ED-4DB2-BD59-A6C34878D82A}">
+                    <a16:rowId xmlns:a16="http://schemas.microsoft.com/office/drawing/2014/main" val="2686426370"/>
+                  </a:ext>
+                </a:extLst>
+              </a:tr>
+              <a:tr h="370840">
+                <a:tc>
+                  <a:txBody>
+                    <a:bodyPr/>
+                    <a:lstStyle/>
+                    <a:p>
+                      <a:r>
+                        <a:rPr lang="en-GB" sz="1800" b="1" i="0" kern="1200" dirty="0">
+                          <a:solidFill>
+                            <a:schemeClr val="dk1"/>
+                          </a:solidFill>
+                          <a:effectLst/>
+                          <a:latin typeface="+mn-lt"/>
+                          <a:ea typeface="+mn-ea"/>
+                          <a:cs typeface="+mn-cs"/>
+                        </a:rPr>
+                        <a:t>Posts Created</a:t>
+                      </a:r>
+                      <a:endParaRPr lang="en-CH" b="1" dirty="0"/>
+                    </a:p>
+                  </a:txBody>
+                  <a:tcPr/>
+                </a:tc>
+                <a:tc>
+                  <a:txBody>
+                    <a:bodyPr/>
+                    <a:lstStyle/>
+                    <a:p>
+                      <a:r>
+                        <a:rPr lang="en-CH" sz="1800" b="0" i="0" kern="1200" dirty="0">
+                          <a:solidFill>
+                            <a:schemeClr val="dk1"/>
+                          </a:solidFill>
+                          <a:effectLst/>
+                          <a:latin typeface="+mn-lt"/>
+                          <a:ea typeface="+mn-ea"/>
+                          <a:cs typeface="+mn-cs"/>
+                        </a:rPr>
+                        <a:t>113</a:t>
+                      </a:r>
+                      <a:endParaRPr lang="en-CH" dirty="0"/>
+                    </a:p>
+                  </a:txBody>
+                  <a:tcPr/>
+                </a:tc>
+                <a:tc>
+                  <a:txBody>
+                    <a:bodyPr/>
+                    <a:lstStyle/>
+                    <a:p>
+                      <a:r>
+                        <a:rPr lang="en-CH" sz="1800" b="0" i="0" kern="1200" dirty="0">
+                          <a:solidFill>
+                            <a:schemeClr val="dk1"/>
+                          </a:solidFill>
+                          <a:effectLst/>
+                          <a:latin typeface="+mn-lt"/>
+                          <a:ea typeface="+mn-ea"/>
+                          <a:cs typeface="+mn-cs"/>
+                        </a:rPr>
+                        <a:t>17469</a:t>
+                      </a:r>
+                      <a:endParaRPr lang="en-CH" dirty="0"/>
+                    </a:p>
+                  </a:txBody>
+                  <a:tcPr/>
+                </a:tc>
+                <a:tc>
+                  <a:txBody>
+                    <a:bodyPr/>
+                    <a:lstStyle/>
+                    <a:p>
+                      <a:r>
+                        <a:rPr lang="en-CH" sz="1800" b="0" i="0" kern="1200" dirty="0">
+                          <a:solidFill>
+                            <a:schemeClr val="dk1"/>
+                          </a:solidFill>
+                          <a:effectLst/>
+                          <a:latin typeface="+mn-lt"/>
+                          <a:ea typeface="+mn-ea"/>
+                          <a:cs typeface="+mn-cs"/>
+                        </a:rPr>
+                        <a:t>3.62</a:t>
+                      </a:r>
+                      <a:endParaRPr lang="en-CH" dirty="0"/>
+                    </a:p>
+                  </a:txBody>
+                  <a:tcPr/>
+                </a:tc>
+                <a:extLst>
+                  <a:ext uri="{0D108BD9-81ED-4DB2-BD59-A6C34878D82A}">
+                    <a16:rowId xmlns:a16="http://schemas.microsoft.com/office/drawing/2014/main" val="172960152"/>
+                  </a:ext>
+                </a:extLst>
+              </a:tr>
+              <a:tr h="370840">
+                <a:tc>
+                  <a:txBody>
+                    <a:bodyPr/>
+                    <a:lstStyle/>
+                    <a:p>
+                      <a:r>
+                        <a:rPr lang="en-GB" sz="1800" b="1" i="0" kern="1200" dirty="0">
+                          <a:solidFill>
+                            <a:schemeClr val="dk1"/>
+                          </a:solidFill>
+                          <a:effectLst/>
+                          <a:latin typeface="+mn-lt"/>
+                          <a:ea typeface="+mn-ea"/>
+                          <a:cs typeface="+mn-cs"/>
+                        </a:rPr>
+                        <a:t>Likes Received per Post (on average)</a:t>
+                      </a:r>
+                      <a:endParaRPr lang="en-CH" b="1" dirty="0"/>
+                    </a:p>
+                  </a:txBody>
+                  <a:tcPr/>
+                </a:tc>
+                <a:tc>
+                  <a:txBody>
+                    <a:bodyPr/>
+                    <a:lstStyle/>
+                    <a:p>
+                      <a:r>
+                        <a:rPr lang="en-CH" sz="1800" b="0" i="0" kern="1200" dirty="0">
+                          <a:solidFill>
+                            <a:schemeClr val="dk1"/>
+                          </a:solidFill>
+                          <a:effectLst/>
+                          <a:latin typeface="+mn-lt"/>
+                          <a:ea typeface="+mn-ea"/>
+                          <a:cs typeface="+mn-cs"/>
+                        </a:rPr>
+                        <a:t>0.22</a:t>
+                      </a:r>
+                      <a:endParaRPr lang="en-CH" dirty="0"/>
+                    </a:p>
+                  </a:txBody>
+                  <a:tcPr/>
+                </a:tc>
+                <a:tc>
+                  <a:txBody>
+                    <a:bodyPr/>
+                    <a:lstStyle/>
+                    <a:p>
+                      <a:r>
+                        <a:rPr lang="en-CH" sz="1800" b="0" i="0" kern="1200" dirty="0">
+                          <a:solidFill>
+                            <a:schemeClr val="dk1"/>
+                          </a:solidFill>
+                          <a:effectLst/>
+                          <a:latin typeface="+mn-lt"/>
+                          <a:ea typeface="+mn-ea"/>
+                          <a:cs typeface="+mn-cs"/>
+                        </a:rPr>
+                        <a:t>7575</a:t>
+                      </a:r>
+                      <a:endParaRPr lang="en-CH" dirty="0"/>
+                    </a:p>
+                  </a:txBody>
+                  <a:tcPr/>
+                </a:tc>
+                <a:tc>
+                  <a:txBody>
+                    <a:bodyPr/>
+                    <a:lstStyle/>
+                    <a:p>
+                      <a:r>
+                        <a:rPr lang="en-CH" sz="1800" b="0" i="0" kern="1200" dirty="0">
+                          <a:solidFill>
+                            <a:schemeClr val="dk1"/>
+                          </a:solidFill>
+                          <a:effectLst/>
+                          <a:latin typeface="+mn-lt"/>
+                          <a:ea typeface="+mn-ea"/>
+                          <a:cs typeface="+mn-cs"/>
+                        </a:rPr>
+                        <a:t>1.56</a:t>
+                      </a:r>
+                      <a:endParaRPr lang="en-CH" dirty="0"/>
+                    </a:p>
+                  </a:txBody>
+                  <a:tcPr/>
+                </a:tc>
+                <a:extLst>
+                  <a:ext uri="{0D108BD9-81ED-4DB2-BD59-A6C34878D82A}">
+                    <a16:rowId xmlns:a16="http://schemas.microsoft.com/office/drawing/2014/main" val="234692276"/>
+                  </a:ext>
+                </a:extLst>
+              </a:tr>
+              <a:tr h="370840">
+                <a:tc>
+                  <a:txBody>
+                    <a:bodyPr/>
+                    <a:lstStyle/>
+                    <a:p>
+                      <a:r>
+                        <a:rPr lang="en-GB" sz="1800" b="1" i="0" kern="1200" dirty="0">
+                          <a:solidFill>
+                            <a:schemeClr val="dk1"/>
+                          </a:solidFill>
+                          <a:effectLst/>
+                          <a:latin typeface="+mn-lt"/>
+                          <a:ea typeface="+mn-ea"/>
+                          <a:cs typeface="+mn-cs"/>
+                        </a:rPr>
+                        <a:t>Likes Given</a:t>
+                      </a:r>
+                      <a:endParaRPr lang="en-CH" b="1" dirty="0"/>
+                    </a:p>
+                  </a:txBody>
+                  <a:tcPr/>
+                </a:tc>
+                <a:tc>
+                  <a:txBody>
+                    <a:bodyPr/>
+                    <a:lstStyle/>
+                    <a:p>
+                      <a:r>
+                        <a:rPr lang="en-CH" sz="1800" b="0" i="0" kern="1200" dirty="0">
+                          <a:solidFill>
+                            <a:schemeClr val="dk1"/>
+                          </a:solidFill>
+                          <a:effectLst/>
+                          <a:latin typeface="+mn-lt"/>
+                          <a:ea typeface="+mn-ea"/>
+                          <a:cs typeface="+mn-cs"/>
+                        </a:rPr>
+                        <a:t>1</a:t>
+                      </a:r>
+                      <a:endParaRPr lang="en-CH" dirty="0"/>
+                    </a:p>
+                  </a:txBody>
+                  <a:tcPr/>
+                </a:tc>
+                <a:tc>
+                  <a:txBody>
+                    <a:bodyPr/>
+                    <a:lstStyle/>
+                    <a:p>
+                      <a:r>
+                        <a:rPr lang="en-CH" sz="1800" b="0" i="0" kern="1200" dirty="0">
+                          <a:solidFill>
+                            <a:schemeClr val="dk1"/>
+                          </a:solidFill>
+                          <a:effectLst/>
+                          <a:latin typeface="+mn-lt"/>
+                          <a:ea typeface="+mn-ea"/>
+                          <a:cs typeface="+mn-cs"/>
+                        </a:rPr>
+                        <a:t>10381</a:t>
+                      </a:r>
+                      <a:endParaRPr lang="en-CH" dirty="0"/>
+                    </a:p>
+                  </a:txBody>
+                  <a:tcPr/>
+                </a:tc>
+                <a:tc>
+                  <a:txBody>
+                    <a:bodyPr/>
+                    <a:lstStyle/>
+                    <a:p>
+                      <a:r>
+                        <a:rPr lang="en-CH" sz="1800" b="0" i="0" kern="1200" dirty="0">
+                          <a:solidFill>
+                            <a:schemeClr val="dk1"/>
+                          </a:solidFill>
+                          <a:effectLst/>
+                          <a:latin typeface="+mn-lt"/>
+                          <a:ea typeface="+mn-ea"/>
+                          <a:cs typeface="+mn-cs"/>
+                        </a:rPr>
+                        <a:t>2.63</a:t>
+                      </a:r>
+                      <a:endParaRPr lang="en-CH" dirty="0"/>
+                    </a:p>
+                  </a:txBody>
+                  <a:tcPr/>
+                </a:tc>
+                <a:extLst>
+                  <a:ext uri="{0D108BD9-81ED-4DB2-BD59-A6C34878D82A}">
+                    <a16:rowId xmlns:a16="http://schemas.microsoft.com/office/drawing/2014/main" val="406300939"/>
+                  </a:ext>
+                </a:extLst>
+              </a:tr>
+              <a:tr h="370840">
+                <a:tc>
+                  <a:txBody>
+                    <a:bodyPr/>
+                    <a:lstStyle/>
+                    <a:p>
+                      <a:r>
+                        <a:rPr lang="en-GB" sz="1800" b="1" i="0" kern="1200" dirty="0">
+                          <a:solidFill>
+                            <a:schemeClr val="dk1"/>
+                          </a:solidFill>
+                          <a:effectLst/>
+                          <a:latin typeface="+mn-lt"/>
+                          <a:ea typeface="+mn-ea"/>
+                          <a:cs typeface="+mn-cs"/>
+                        </a:rPr>
+                        <a:t>Comments Received per Post (on average)</a:t>
+                      </a:r>
+                      <a:endParaRPr lang="en-CH" b="1" dirty="0"/>
+                    </a:p>
+                  </a:txBody>
+                  <a:tcPr/>
+                </a:tc>
+                <a:tc>
+                  <a:txBody>
+                    <a:bodyPr/>
+                    <a:lstStyle/>
+                    <a:p>
+                      <a:r>
+                        <a:rPr lang="en-CH" sz="1800" b="0" i="0" kern="1200" dirty="0">
+                          <a:solidFill>
+                            <a:schemeClr val="dk1"/>
+                          </a:solidFill>
+                          <a:effectLst/>
+                          <a:latin typeface="+mn-lt"/>
+                          <a:ea typeface="+mn-ea"/>
+                          <a:cs typeface="+mn-cs"/>
+                        </a:rPr>
+                        <a:t>0.04</a:t>
+                      </a:r>
+                      <a:endParaRPr lang="en-CH" dirty="0"/>
+                    </a:p>
+                  </a:txBody>
+                  <a:tcPr/>
+                </a:tc>
+                <a:tc>
+                  <a:txBody>
+                    <a:bodyPr/>
+                    <a:lstStyle/>
+                    <a:p>
+                      <a:r>
+                        <a:rPr lang="en-CH" sz="1800" b="0" i="0" kern="1200" dirty="0">
+                          <a:solidFill>
+                            <a:schemeClr val="dk1"/>
+                          </a:solidFill>
+                          <a:effectLst/>
+                          <a:latin typeface="+mn-lt"/>
+                          <a:ea typeface="+mn-ea"/>
+                          <a:cs typeface="+mn-cs"/>
+                        </a:rPr>
+                        <a:t>31310</a:t>
+                      </a:r>
+                      <a:endParaRPr lang="en-CH" dirty="0"/>
+                    </a:p>
+                  </a:txBody>
+                  <a:tcPr/>
+                </a:tc>
+                <a:tc>
+                  <a:txBody>
+                    <a:bodyPr/>
+                    <a:lstStyle/>
+                    <a:p>
+                      <a:r>
+                        <a:rPr lang="en-CH" sz="1800" b="0" i="0" kern="1200" dirty="0">
+                          <a:solidFill>
+                            <a:schemeClr val="dk1"/>
+                          </a:solidFill>
+                          <a:effectLst/>
+                          <a:latin typeface="+mn-lt"/>
+                          <a:ea typeface="+mn-ea"/>
+                          <a:cs typeface="+mn-cs"/>
+                        </a:rPr>
+                        <a:t>6.46</a:t>
+                      </a:r>
+                      <a:endParaRPr lang="en-CH" dirty="0"/>
+                    </a:p>
+                  </a:txBody>
+                  <a:tcPr/>
+                </a:tc>
+                <a:extLst>
+                  <a:ext uri="{0D108BD9-81ED-4DB2-BD59-A6C34878D82A}">
+                    <a16:rowId xmlns:a16="http://schemas.microsoft.com/office/drawing/2014/main" val="364686254"/>
+                  </a:ext>
+                </a:extLst>
+              </a:tr>
+              <a:tr h="370840">
+                <a:tc>
+                  <a:txBody>
+                    <a:bodyPr/>
+                    <a:lstStyle/>
+                    <a:p>
+                      <a:r>
+                        <a:rPr lang="en-GB" sz="1800" b="1" i="0" kern="1200" dirty="0">
+                          <a:solidFill>
+                            <a:schemeClr val="dk1"/>
+                          </a:solidFill>
+                          <a:effectLst/>
+                          <a:latin typeface="+mn-lt"/>
+                          <a:ea typeface="+mn-ea"/>
+                          <a:cs typeface="+mn-cs"/>
+                        </a:rPr>
+                        <a:t>Comments Given</a:t>
+                      </a:r>
+                      <a:endParaRPr lang="en-CH" b="1" dirty="0"/>
+                    </a:p>
+                  </a:txBody>
+                  <a:tcPr/>
+                </a:tc>
+                <a:tc>
+                  <a:txBody>
+                    <a:bodyPr/>
+                    <a:lstStyle/>
+                    <a:p>
+                      <a:r>
+                        <a:rPr lang="en-CH" sz="1800" b="0" i="0" kern="1200" dirty="0">
+                          <a:solidFill>
+                            <a:schemeClr val="dk1"/>
+                          </a:solidFill>
+                          <a:effectLst/>
+                          <a:latin typeface="+mn-lt"/>
+                          <a:ea typeface="+mn-ea"/>
+                          <a:cs typeface="+mn-cs"/>
+                        </a:rPr>
+                        <a:t>2</a:t>
+                      </a:r>
+                      <a:endParaRPr lang="en-CH" dirty="0"/>
+                    </a:p>
+                  </a:txBody>
+                  <a:tcPr/>
+                </a:tc>
+                <a:tc>
+                  <a:txBody>
+                    <a:bodyPr/>
+                    <a:lstStyle/>
+                    <a:p>
+                      <a:r>
+                        <a:rPr lang="en-CH" sz="1800" b="0" i="0" kern="1200" dirty="0">
+                          <a:solidFill>
+                            <a:schemeClr val="dk1"/>
+                          </a:solidFill>
+                          <a:effectLst/>
+                          <a:latin typeface="+mn-lt"/>
+                          <a:ea typeface="+mn-ea"/>
+                          <a:cs typeface="+mn-cs"/>
+                        </a:rPr>
+                        <a:t>24997</a:t>
+                      </a:r>
+                      <a:endParaRPr lang="en-CH" dirty="0"/>
+                    </a:p>
+                  </a:txBody>
+                  <a:tcPr/>
+                </a:tc>
+                <a:tc>
+                  <a:txBody>
+                    <a:bodyPr/>
+                    <a:lstStyle/>
+                    <a:p>
+                      <a:r>
+                        <a:rPr lang="en-CH" sz="1800" b="0" i="0" kern="1200" dirty="0">
+                          <a:solidFill>
+                            <a:schemeClr val="dk1"/>
+                          </a:solidFill>
+                          <a:effectLst/>
+                          <a:latin typeface="+mn-lt"/>
+                          <a:ea typeface="+mn-ea"/>
+                          <a:cs typeface="+mn-cs"/>
+                        </a:rPr>
+                        <a:t>5.67</a:t>
+                      </a:r>
+                      <a:endParaRPr lang="en-CH" dirty="0"/>
+                    </a:p>
+                  </a:txBody>
+                  <a:tcPr/>
+                </a:tc>
+                <a:extLst>
+                  <a:ext uri="{0D108BD9-81ED-4DB2-BD59-A6C34878D82A}">
+                    <a16:rowId xmlns:a16="http://schemas.microsoft.com/office/drawing/2014/main" val="1914626699"/>
+                  </a:ext>
+                </a:extLst>
+              </a:tr>
+            </a:tbl>
+          </a:graphicData>
+        </a:graphic>
+      </p:graphicFrame>
+    </p:spTree>
+    <p:extLst>
+      <p:ext uri="{BB962C8B-B14F-4D97-AF65-F5344CB8AC3E}">
+        <p14:creationId xmlns:p14="http://schemas.microsoft.com/office/powerpoint/2010/main" val="3480374187"/>
+      </p:ext>
+    </p:extLst>
+  </p:cSld>
+  <p:clrMapOvr>
+    <a:masterClrMapping/>
+  </p:clrMapOvr>
+</p:sld>
+</file>
+
+<file path=ppt/slides/slide17.xml><?xml version="1.0" encoding="utf-8"?>
+<p:sld xmlns:a="http://schemas.openxmlformats.org/drawingml/2006/main" xmlns:r="http://schemas.openxmlformats.org/officeDocument/2006/relationships" xmlns:p="http://schemas.openxmlformats.org/presentationml/2006/main">
+  <p:cSld>
+    <p:spTree>
+      <p:nvGrpSpPr>
+        <p:cNvPr id="1" name="">
+          <a:extLst>
+            <a:ext uri="{FF2B5EF4-FFF2-40B4-BE49-F238E27FC236}">
+              <a16:creationId xmlns:a16="http://schemas.microsoft.com/office/drawing/2014/main" id="{B11CDAAC-9582-853C-DB6E-FC4DCA3E67FC}"/>
+            </a:ext>
+          </a:extLst>
+        </p:cNvPr>
+        <p:cNvGrpSpPr/>
+        <p:nvPr/>
+      </p:nvGrpSpPr>
+      <p:grpSpPr>
+        <a:xfrm>
+          <a:off x="0" y="0"/>
+          <a:ext cx="0" cy="0"/>
+          <a:chOff x="0" y="0"/>
+          <a:chExt cx="0" cy="0"/>
+        </a:xfrm>
+      </p:grpSpPr>
+      <p:sp>
+        <p:nvSpPr>
+          <p:cNvPr id="2" name="Title 1">
+            <a:extLst>
+              <a:ext uri="{FF2B5EF4-FFF2-40B4-BE49-F238E27FC236}">
+                <a16:creationId xmlns:a16="http://schemas.microsoft.com/office/drawing/2014/main" id="{94A23744-97C8-3DF3-27C1-0AEFCA0801DB}"/>
+              </a:ext>
+            </a:extLst>
+          </p:cNvPr>
+          <p:cNvSpPr>
+            <a:spLocks noGrp="1"/>
+          </p:cNvSpPr>
+          <p:nvPr>
+            <p:ph type="title"/>
+          </p:nvPr>
+        </p:nvSpPr>
+        <p:spPr/>
+        <p:txBody>
+          <a:bodyPr/>
+          <a:lstStyle/>
+          <a:p>
+            <a:r>
+              <a:rPr lang="en-CH" dirty="0"/>
+              <a:t>Outlier User ”</a:t>
+            </a:r>
+            <a:r>
+              <a:rPr lang="en-GB" dirty="0" err="1"/>
+              <a:t>ahmyildiz</a:t>
+            </a:r>
+            <a:r>
+              <a:rPr lang="en-GB" dirty="0"/>
+              <a:t>”</a:t>
+            </a:r>
+            <a:endParaRPr lang="en-CH" dirty="0"/>
+          </a:p>
+        </p:txBody>
+      </p:sp>
+      <p:sp>
+        <p:nvSpPr>
+          <p:cNvPr id="5" name="Content Placeholder 4">
+            <a:extLst>
+              <a:ext uri="{FF2B5EF4-FFF2-40B4-BE49-F238E27FC236}">
+                <a16:creationId xmlns:a16="http://schemas.microsoft.com/office/drawing/2014/main" id="{71D444E4-9E15-37F1-771C-7697EF1D6780}"/>
+              </a:ext>
+            </a:extLst>
+          </p:cNvPr>
+          <p:cNvSpPr>
+            <a:spLocks noGrp="1"/>
+          </p:cNvSpPr>
+          <p:nvPr>
+            <p:ph idx="1"/>
+          </p:nvPr>
+        </p:nvSpPr>
+        <p:spPr/>
+        <p:txBody>
+          <a:bodyPr/>
+          <a:lstStyle/>
+          <a:p>
+            <a:endParaRPr lang="en-CH" dirty="0"/>
+          </a:p>
+        </p:txBody>
+      </p:sp>
+      <p:graphicFrame>
+        <p:nvGraphicFramePr>
+          <p:cNvPr id="6" name="Content Placeholder 8">
+            <a:extLst>
+              <a:ext uri="{FF2B5EF4-FFF2-40B4-BE49-F238E27FC236}">
+                <a16:creationId xmlns:a16="http://schemas.microsoft.com/office/drawing/2014/main" id="{920D978D-9F1E-9A3A-1247-E84A45BFA044}"/>
+              </a:ext>
+            </a:extLst>
+          </p:cNvPr>
+          <p:cNvGraphicFramePr>
+            <a:graphicFrameLocks/>
+          </p:cNvGraphicFramePr>
+          <p:nvPr/>
+        </p:nvGraphicFramePr>
+        <p:xfrm>
+          <a:off x="838200" y="1779000"/>
+          <a:ext cx="7537546" cy="2961640"/>
+        </p:xfrm>
+        <a:graphic>
+          <a:graphicData uri="http://schemas.openxmlformats.org/drawingml/2006/table">
+            <a:tbl>
+              <a:tblPr firstRow="1" bandRow="1">
+                <a:tableStyleId>{5C22544A-7EE6-4342-B048-85BDC9FD1C3A}</a:tableStyleId>
+              </a:tblPr>
+              <a:tblGrid>
+                <a:gridCol w="4660726">
+                  <a:extLst>
+                    <a:ext uri="{9D8B030D-6E8A-4147-A177-3AD203B41FA5}">
+                      <a16:colId xmlns:a16="http://schemas.microsoft.com/office/drawing/2014/main" val="1579397185"/>
+                    </a:ext>
+                  </a:extLst>
+                </a:gridCol>
+                <a:gridCol w="905193">
+                  <a:extLst>
+                    <a:ext uri="{9D8B030D-6E8A-4147-A177-3AD203B41FA5}">
+                      <a16:colId xmlns:a16="http://schemas.microsoft.com/office/drawing/2014/main" val="3387484400"/>
+                    </a:ext>
+                  </a:extLst>
+                </a:gridCol>
+                <a:gridCol w="840105">
+                  <a:extLst>
+                    <a:ext uri="{9D8B030D-6E8A-4147-A177-3AD203B41FA5}">
+                      <a16:colId xmlns:a16="http://schemas.microsoft.com/office/drawing/2014/main" val="2302475020"/>
+                    </a:ext>
+                  </a:extLst>
+                </a:gridCol>
+                <a:gridCol w="1131522">
+                  <a:extLst>
+                    <a:ext uri="{9D8B030D-6E8A-4147-A177-3AD203B41FA5}">
+                      <a16:colId xmlns:a16="http://schemas.microsoft.com/office/drawing/2014/main" val="486441688"/>
+                    </a:ext>
+                  </a:extLst>
+                </a:gridCol>
+              </a:tblGrid>
+              <a:tr h="0">
+                <a:tc>
+                  <a:txBody>
+                    <a:bodyPr/>
+                    <a:lstStyle/>
+                    <a:p>
+                      <a:r>
+                        <a:rPr lang="en-CH" dirty="0"/>
+                        <a:t>Type</a:t>
+                      </a:r>
+                    </a:p>
+                  </a:txBody>
+                  <a:tcPr/>
+                </a:tc>
+                <a:tc>
+                  <a:txBody>
+                    <a:bodyPr/>
+                    <a:lstStyle/>
+                    <a:p>
+                      <a:r>
+                        <a:rPr lang="en-CH" dirty="0"/>
+                        <a:t>Value</a:t>
+                      </a:r>
+                    </a:p>
+                  </a:txBody>
+                  <a:tcPr/>
+                </a:tc>
+                <a:tc>
+                  <a:txBody>
+                    <a:bodyPr/>
+                    <a:lstStyle/>
+                    <a:p>
+                      <a:r>
+                        <a:rPr lang="en-CH" dirty="0"/>
+                        <a:t>Rank</a:t>
+                      </a:r>
+                    </a:p>
+                  </a:txBody>
+                  <a:tcPr/>
+                </a:tc>
+                <a:tc>
+                  <a:txBody>
+                    <a:bodyPr/>
+                    <a:lstStyle/>
+                    <a:p>
+                      <a:r>
+                        <a:rPr lang="en-CH" dirty="0"/>
+                        <a:t>Top in %</a:t>
+                      </a:r>
+                    </a:p>
+                  </a:txBody>
+                  <a:tcPr/>
+                </a:tc>
+                <a:extLst>
+                  <a:ext uri="{0D108BD9-81ED-4DB2-BD59-A6C34878D82A}">
+                    <a16:rowId xmlns:a16="http://schemas.microsoft.com/office/drawing/2014/main" val="2548069031"/>
+                  </a:ext>
+                </a:extLst>
+              </a:tr>
+              <a:tr h="370840">
+                <a:tc>
+                  <a:txBody>
+                    <a:bodyPr/>
+                    <a:lstStyle/>
+                    <a:p>
+                      <a:r>
+                        <a:rPr lang="en-GB" sz="1800" b="1" i="0" kern="1200" dirty="0">
+                          <a:solidFill>
+                            <a:schemeClr val="dk1"/>
+                          </a:solidFill>
+                          <a:effectLst/>
+                          <a:latin typeface="+mn-lt"/>
+                          <a:ea typeface="+mn-ea"/>
+                          <a:cs typeface="+mn-cs"/>
+                        </a:rPr>
+                        <a:t>Follower Count</a:t>
+                      </a:r>
+                      <a:endParaRPr lang="en-CH" b="1" dirty="0"/>
+                    </a:p>
+                  </a:txBody>
+                  <a:tcPr/>
+                </a:tc>
+                <a:tc>
+                  <a:txBody>
+                    <a:bodyPr/>
+                    <a:lstStyle/>
+                    <a:p>
+                      <a:r>
+                        <a:rPr lang="en-CH" sz="1800" b="0" i="0" kern="1200" dirty="0">
+                          <a:solidFill>
+                            <a:schemeClr val="dk1"/>
+                          </a:solidFill>
+                          <a:effectLst/>
+                          <a:latin typeface="+mn-lt"/>
+                          <a:ea typeface="+mn-ea"/>
+                          <a:cs typeface="+mn-cs"/>
+                        </a:rPr>
+                        <a:t>42,487</a:t>
+                      </a:r>
+                      <a:endParaRPr lang="en-CH" dirty="0"/>
+                    </a:p>
+                  </a:txBody>
+                  <a:tcPr/>
+                </a:tc>
+                <a:tc>
+                  <a:txBody>
+                    <a:bodyPr/>
+                    <a:lstStyle/>
+                    <a:p>
+                      <a:r>
+                        <a:rPr lang="en-CH" sz="1800" b="0" i="0" kern="1200" dirty="0">
+                          <a:solidFill>
+                            <a:schemeClr val="dk1"/>
+                          </a:solidFill>
+                          <a:effectLst/>
+                          <a:latin typeface="+mn-lt"/>
+                          <a:ea typeface="+mn-ea"/>
+                          <a:cs typeface="+mn-cs"/>
+                        </a:rPr>
+                        <a:t>1</a:t>
+                      </a:r>
+                      <a:endParaRPr lang="en-CH" dirty="0"/>
+                    </a:p>
+                  </a:txBody>
+                  <a:tcPr/>
+                </a:tc>
+                <a:tc>
+                  <a:txBody>
+                    <a:bodyPr/>
+                    <a:lstStyle/>
+                    <a:p>
+                      <a:r>
+                        <a:rPr lang="en-CH" sz="1800" b="0" i="0" kern="1200" dirty="0">
+                          <a:solidFill>
+                            <a:schemeClr val="dk1"/>
+                          </a:solidFill>
+                          <a:effectLst/>
+                          <a:latin typeface="+mn-lt"/>
+                          <a:ea typeface="+mn-ea"/>
+                          <a:cs typeface="+mn-cs"/>
+                        </a:rPr>
+                        <a:t>0</a:t>
+                      </a:r>
+                      <a:endParaRPr lang="en-CH" dirty="0"/>
+                    </a:p>
+                  </a:txBody>
+                  <a:tcPr/>
+                </a:tc>
+                <a:extLst>
+                  <a:ext uri="{0D108BD9-81ED-4DB2-BD59-A6C34878D82A}">
+                    <a16:rowId xmlns:a16="http://schemas.microsoft.com/office/drawing/2014/main" val="2466234763"/>
+                  </a:ext>
+                </a:extLst>
+              </a:tr>
+              <a:tr h="370840">
+                <a:tc>
+                  <a:txBody>
+                    <a:bodyPr/>
+                    <a:lstStyle/>
+                    <a:p>
+                      <a:r>
+                        <a:rPr lang="en-GB" sz="1800" b="1" i="0" kern="1200" dirty="0">
+                          <a:solidFill>
+                            <a:schemeClr val="dk1"/>
+                          </a:solidFill>
+                          <a:effectLst/>
+                          <a:latin typeface="+mn-lt"/>
+                          <a:ea typeface="+mn-ea"/>
+                          <a:cs typeface="+mn-cs"/>
+                        </a:rPr>
+                        <a:t>Following Count</a:t>
+                      </a:r>
+                      <a:endParaRPr lang="en-CH" b="1" dirty="0"/>
+                    </a:p>
+                  </a:txBody>
+                  <a:tcPr/>
+                </a:tc>
+                <a:tc>
+                  <a:txBody>
+                    <a:bodyPr/>
+                    <a:lstStyle/>
+                    <a:p>
+                      <a:r>
+                        <a:rPr lang="en-CH" sz="1800" b="0" i="0" kern="1200" dirty="0">
+                          <a:solidFill>
+                            <a:schemeClr val="dk1"/>
+                          </a:solidFill>
+                          <a:effectLst/>
+                          <a:latin typeface="+mn-lt"/>
+                          <a:ea typeface="+mn-ea"/>
+                          <a:cs typeface="+mn-cs"/>
+                        </a:rPr>
+                        <a:t>9,938</a:t>
+                      </a:r>
+                      <a:endParaRPr lang="en-CH" dirty="0"/>
+                    </a:p>
+                  </a:txBody>
+                  <a:tcPr/>
+                </a:tc>
+                <a:tc>
+                  <a:txBody>
+                    <a:bodyPr/>
+                    <a:lstStyle/>
+                    <a:p>
+                      <a:r>
+                        <a:rPr lang="en-CH" sz="1800" b="0" i="0" kern="1200" dirty="0">
+                          <a:solidFill>
+                            <a:schemeClr val="dk1"/>
+                          </a:solidFill>
+                          <a:effectLst/>
+                          <a:latin typeface="+mn-lt"/>
+                          <a:ea typeface="+mn-ea"/>
+                          <a:cs typeface="+mn-cs"/>
+                        </a:rPr>
+                        <a:t>158</a:t>
+                      </a:r>
+                      <a:endParaRPr lang="en-CH" dirty="0"/>
+                    </a:p>
+                  </a:txBody>
+                  <a:tcPr/>
+                </a:tc>
+                <a:tc>
+                  <a:txBody>
+                    <a:bodyPr/>
+                    <a:lstStyle/>
+                    <a:p>
+                      <a:r>
+                        <a:rPr lang="en-CH" sz="1800" b="0" i="0" kern="1200" dirty="0">
+                          <a:solidFill>
+                            <a:schemeClr val="dk1"/>
+                          </a:solidFill>
+                          <a:effectLst/>
+                          <a:latin typeface="+mn-lt"/>
+                          <a:ea typeface="+mn-ea"/>
+                          <a:cs typeface="+mn-cs"/>
+                        </a:rPr>
+                        <a:t>0.03</a:t>
+                      </a:r>
+                      <a:endParaRPr lang="en-CH" dirty="0"/>
+                    </a:p>
+                  </a:txBody>
+                  <a:tcPr/>
+                </a:tc>
+                <a:extLst>
+                  <a:ext uri="{0D108BD9-81ED-4DB2-BD59-A6C34878D82A}">
+                    <a16:rowId xmlns:a16="http://schemas.microsoft.com/office/drawing/2014/main" val="2686426370"/>
+                  </a:ext>
+                </a:extLst>
+              </a:tr>
+              <a:tr h="370840">
+                <a:tc>
+                  <a:txBody>
+                    <a:bodyPr/>
+                    <a:lstStyle/>
+                    <a:p>
+                      <a:r>
+                        <a:rPr lang="en-GB" sz="1800" b="1" i="0" kern="1200" dirty="0">
+                          <a:solidFill>
+                            <a:schemeClr val="dk1"/>
+                          </a:solidFill>
+                          <a:effectLst/>
+                          <a:latin typeface="+mn-lt"/>
+                          <a:ea typeface="+mn-ea"/>
+                          <a:cs typeface="+mn-cs"/>
+                        </a:rPr>
+                        <a:t>Posts Created</a:t>
+                      </a:r>
+                      <a:endParaRPr lang="en-CH" b="1" dirty="0"/>
+                    </a:p>
+                  </a:txBody>
+                  <a:tcPr/>
+                </a:tc>
+                <a:tc>
+                  <a:txBody>
+                    <a:bodyPr/>
+                    <a:lstStyle/>
+                    <a:p>
+                      <a:r>
+                        <a:rPr lang="en-CH" sz="1800" b="0" i="0" kern="1200" dirty="0">
+                          <a:solidFill>
+                            <a:schemeClr val="dk1"/>
+                          </a:solidFill>
+                          <a:effectLst/>
+                          <a:latin typeface="+mn-lt"/>
+                          <a:ea typeface="+mn-ea"/>
+                          <a:cs typeface="+mn-cs"/>
+                        </a:rPr>
+                        <a:t>113</a:t>
+                      </a:r>
+                      <a:endParaRPr lang="en-CH" dirty="0"/>
+                    </a:p>
+                  </a:txBody>
+                  <a:tcPr/>
+                </a:tc>
+                <a:tc>
+                  <a:txBody>
+                    <a:bodyPr/>
+                    <a:lstStyle/>
+                    <a:p>
+                      <a:r>
+                        <a:rPr lang="en-CH" sz="1800" b="0" i="0" kern="1200" dirty="0">
+                          <a:solidFill>
+                            <a:schemeClr val="dk1"/>
+                          </a:solidFill>
+                          <a:effectLst/>
+                          <a:latin typeface="+mn-lt"/>
+                          <a:ea typeface="+mn-ea"/>
+                          <a:cs typeface="+mn-cs"/>
+                        </a:rPr>
+                        <a:t>17469</a:t>
+                      </a:r>
+                      <a:endParaRPr lang="en-CH" dirty="0"/>
+                    </a:p>
+                  </a:txBody>
+                  <a:tcPr/>
+                </a:tc>
+                <a:tc>
+                  <a:txBody>
+                    <a:bodyPr/>
+                    <a:lstStyle/>
+                    <a:p>
+                      <a:r>
+                        <a:rPr lang="en-CH" sz="1800" b="0" i="0" kern="1200" dirty="0">
+                          <a:solidFill>
+                            <a:schemeClr val="dk1"/>
+                          </a:solidFill>
+                          <a:effectLst/>
+                          <a:latin typeface="+mn-lt"/>
+                          <a:ea typeface="+mn-ea"/>
+                          <a:cs typeface="+mn-cs"/>
+                        </a:rPr>
+                        <a:t>3.62</a:t>
+                      </a:r>
+                      <a:endParaRPr lang="en-CH" dirty="0"/>
+                    </a:p>
+                  </a:txBody>
+                  <a:tcPr/>
+                </a:tc>
+                <a:extLst>
+                  <a:ext uri="{0D108BD9-81ED-4DB2-BD59-A6C34878D82A}">
+                    <a16:rowId xmlns:a16="http://schemas.microsoft.com/office/drawing/2014/main" val="172960152"/>
+                  </a:ext>
+                </a:extLst>
+              </a:tr>
+              <a:tr h="370840">
+                <a:tc>
+                  <a:txBody>
+                    <a:bodyPr/>
+                    <a:lstStyle/>
+                    <a:p>
+                      <a:r>
+                        <a:rPr lang="en-GB" sz="1800" b="1" i="0" kern="1200" dirty="0">
+                          <a:solidFill>
+                            <a:schemeClr val="dk1"/>
+                          </a:solidFill>
+                          <a:effectLst/>
+                          <a:latin typeface="+mn-lt"/>
+                          <a:ea typeface="+mn-ea"/>
+                          <a:cs typeface="+mn-cs"/>
+                        </a:rPr>
+                        <a:t>Likes Received per Post (on average)</a:t>
+                      </a:r>
+                      <a:endParaRPr lang="en-CH" b="1" dirty="0"/>
+                    </a:p>
+                  </a:txBody>
+                  <a:tcPr/>
+                </a:tc>
+                <a:tc>
+                  <a:txBody>
+                    <a:bodyPr/>
+                    <a:lstStyle/>
+                    <a:p>
+                      <a:r>
+                        <a:rPr lang="en-CH" sz="1800" b="0" i="0" kern="1200" dirty="0">
+                          <a:solidFill>
+                            <a:schemeClr val="dk1"/>
+                          </a:solidFill>
+                          <a:effectLst/>
+                          <a:latin typeface="+mn-lt"/>
+                          <a:ea typeface="+mn-ea"/>
+                          <a:cs typeface="+mn-cs"/>
+                        </a:rPr>
+                        <a:t>0.22</a:t>
+                      </a:r>
+                      <a:endParaRPr lang="en-CH" dirty="0"/>
+                    </a:p>
+                  </a:txBody>
+                  <a:tcPr/>
+                </a:tc>
+                <a:tc>
+                  <a:txBody>
+                    <a:bodyPr/>
+                    <a:lstStyle/>
+                    <a:p>
+                      <a:r>
+                        <a:rPr lang="en-CH" sz="1800" b="0" i="0" kern="1200" dirty="0">
+                          <a:solidFill>
+                            <a:schemeClr val="dk1"/>
+                          </a:solidFill>
+                          <a:effectLst/>
+                          <a:latin typeface="+mn-lt"/>
+                          <a:ea typeface="+mn-ea"/>
+                          <a:cs typeface="+mn-cs"/>
+                        </a:rPr>
+                        <a:t>7575</a:t>
+                      </a:r>
+                      <a:endParaRPr lang="en-CH" dirty="0"/>
+                    </a:p>
+                  </a:txBody>
+                  <a:tcPr/>
+                </a:tc>
+                <a:tc>
+                  <a:txBody>
+                    <a:bodyPr/>
+                    <a:lstStyle/>
+                    <a:p>
+                      <a:r>
+                        <a:rPr lang="en-CH" sz="1800" b="0" i="0" kern="1200" dirty="0">
+                          <a:solidFill>
+                            <a:schemeClr val="dk1"/>
+                          </a:solidFill>
+                          <a:effectLst/>
+                          <a:latin typeface="+mn-lt"/>
+                          <a:ea typeface="+mn-ea"/>
+                          <a:cs typeface="+mn-cs"/>
+                        </a:rPr>
+                        <a:t>1.56</a:t>
+                      </a:r>
+                      <a:endParaRPr lang="en-CH" dirty="0"/>
+                    </a:p>
+                  </a:txBody>
+                  <a:tcPr/>
+                </a:tc>
+                <a:extLst>
+                  <a:ext uri="{0D108BD9-81ED-4DB2-BD59-A6C34878D82A}">
+                    <a16:rowId xmlns:a16="http://schemas.microsoft.com/office/drawing/2014/main" val="234692276"/>
+                  </a:ext>
+                </a:extLst>
+              </a:tr>
+              <a:tr h="370840">
+                <a:tc>
+                  <a:txBody>
+                    <a:bodyPr/>
+                    <a:lstStyle/>
+                    <a:p>
+                      <a:r>
+                        <a:rPr lang="en-GB" sz="1800" b="1" i="0" kern="1200" dirty="0">
+                          <a:solidFill>
+                            <a:schemeClr val="dk1"/>
+                          </a:solidFill>
+                          <a:effectLst/>
+                          <a:latin typeface="+mn-lt"/>
+                          <a:ea typeface="+mn-ea"/>
+                          <a:cs typeface="+mn-cs"/>
+                        </a:rPr>
+                        <a:t>Likes Given</a:t>
+                      </a:r>
+                      <a:endParaRPr lang="en-CH" b="1" dirty="0"/>
+                    </a:p>
+                  </a:txBody>
+                  <a:tcPr/>
+                </a:tc>
+                <a:tc>
+                  <a:txBody>
+                    <a:bodyPr/>
+                    <a:lstStyle/>
+                    <a:p>
+                      <a:r>
+                        <a:rPr lang="en-CH" sz="1800" b="0" i="0" kern="1200" dirty="0">
+                          <a:solidFill>
+                            <a:schemeClr val="dk1"/>
+                          </a:solidFill>
+                          <a:effectLst/>
+                          <a:latin typeface="+mn-lt"/>
+                          <a:ea typeface="+mn-ea"/>
+                          <a:cs typeface="+mn-cs"/>
+                        </a:rPr>
+                        <a:t>1</a:t>
+                      </a:r>
+                      <a:endParaRPr lang="en-CH" dirty="0"/>
+                    </a:p>
+                  </a:txBody>
+                  <a:tcPr/>
+                </a:tc>
+                <a:tc>
+                  <a:txBody>
+                    <a:bodyPr/>
+                    <a:lstStyle/>
+                    <a:p>
+                      <a:r>
+                        <a:rPr lang="en-CH" sz="1800" b="0" i="0" kern="1200" dirty="0">
+                          <a:solidFill>
+                            <a:schemeClr val="dk1"/>
+                          </a:solidFill>
+                          <a:effectLst/>
+                          <a:latin typeface="+mn-lt"/>
+                          <a:ea typeface="+mn-ea"/>
+                          <a:cs typeface="+mn-cs"/>
+                        </a:rPr>
+                        <a:t>10381</a:t>
+                      </a:r>
+                      <a:endParaRPr lang="en-CH" dirty="0"/>
+                    </a:p>
+                  </a:txBody>
+                  <a:tcPr/>
+                </a:tc>
+                <a:tc>
+                  <a:txBody>
+                    <a:bodyPr/>
+                    <a:lstStyle/>
+                    <a:p>
+                      <a:r>
+                        <a:rPr lang="en-CH" sz="1800" b="0" i="0" kern="1200" dirty="0">
+                          <a:solidFill>
+                            <a:schemeClr val="dk1"/>
+                          </a:solidFill>
+                          <a:effectLst/>
+                          <a:latin typeface="+mn-lt"/>
+                          <a:ea typeface="+mn-ea"/>
+                          <a:cs typeface="+mn-cs"/>
+                        </a:rPr>
+                        <a:t>2.63</a:t>
+                      </a:r>
+                      <a:endParaRPr lang="en-CH" dirty="0"/>
+                    </a:p>
+                  </a:txBody>
+                  <a:tcPr/>
+                </a:tc>
+                <a:extLst>
+                  <a:ext uri="{0D108BD9-81ED-4DB2-BD59-A6C34878D82A}">
+                    <a16:rowId xmlns:a16="http://schemas.microsoft.com/office/drawing/2014/main" val="406300939"/>
+                  </a:ext>
+                </a:extLst>
+              </a:tr>
+              <a:tr h="370840">
+                <a:tc>
+                  <a:txBody>
+                    <a:bodyPr/>
+                    <a:lstStyle/>
+                    <a:p>
+                      <a:r>
+                        <a:rPr lang="en-GB" sz="1800" b="1" i="0" kern="1200" dirty="0">
+                          <a:solidFill>
+                            <a:schemeClr val="dk1"/>
+                          </a:solidFill>
+                          <a:effectLst/>
+                          <a:latin typeface="+mn-lt"/>
+                          <a:ea typeface="+mn-ea"/>
+                          <a:cs typeface="+mn-cs"/>
+                        </a:rPr>
+                        <a:t>Comments Received per Post (on average)</a:t>
+                      </a:r>
+                      <a:endParaRPr lang="en-CH" b="1" dirty="0"/>
+                    </a:p>
+                  </a:txBody>
+                  <a:tcPr/>
+                </a:tc>
+                <a:tc>
+                  <a:txBody>
+                    <a:bodyPr/>
+                    <a:lstStyle/>
+                    <a:p>
+                      <a:r>
+                        <a:rPr lang="en-CH" sz="1800" b="0" i="0" kern="1200" dirty="0">
+                          <a:solidFill>
+                            <a:schemeClr val="dk1"/>
+                          </a:solidFill>
+                          <a:effectLst/>
+                          <a:latin typeface="+mn-lt"/>
+                          <a:ea typeface="+mn-ea"/>
+                          <a:cs typeface="+mn-cs"/>
+                        </a:rPr>
+                        <a:t>0.04</a:t>
+                      </a:r>
+                      <a:endParaRPr lang="en-CH" dirty="0"/>
+                    </a:p>
+                  </a:txBody>
+                  <a:tcPr/>
+                </a:tc>
+                <a:tc>
+                  <a:txBody>
+                    <a:bodyPr/>
+                    <a:lstStyle/>
+                    <a:p>
+                      <a:r>
+                        <a:rPr lang="en-CH" sz="1800" b="0" i="0" kern="1200" dirty="0">
+                          <a:solidFill>
+                            <a:schemeClr val="dk1"/>
+                          </a:solidFill>
+                          <a:effectLst/>
+                          <a:latin typeface="+mn-lt"/>
+                          <a:ea typeface="+mn-ea"/>
+                          <a:cs typeface="+mn-cs"/>
+                        </a:rPr>
+                        <a:t>31310</a:t>
+                      </a:r>
+                      <a:endParaRPr lang="en-CH" dirty="0"/>
+                    </a:p>
+                  </a:txBody>
+                  <a:tcPr/>
+                </a:tc>
+                <a:tc>
+                  <a:txBody>
+                    <a:bodyPr/>
+                    <a:lstStyle/>
+                    <a:p>
+                      <a:r>
+                        <a:rPr lang="en-CH" sz="1800" b="0" i="0" kern="1200" dirty="0">
+                          <a:solidFill>
+                            <a:schemeClr val="dk1"/>
+                          </a:solidFill>
+                          <a:effectLst/>
+                          <a:latin typeface="+mn-lt"/>
+                          <a:ea typeface="+mn-ea"/>
+                          <a:cs typeface="+mn-cs"/>
+                        </a:rPr>
+                        <a:t>6.46</a:t>
+                      </a:r>
+                      <a:endParaRPr lang="en-CH" dirty="0"/>
+                    </a:p>
+                  </a:txBody>
+                  <a:tcPr/>
+                </a:tc>
+                <a:extLst>
+                  <a:ext uri="{0D108BD9-81ED-4DB2-BD59-A6C34878D82A}">
+                    <a16:rowId xmlns:a16="http://schemas.microsoft.com/office/drawing/2014/main" val="364686254"/>
+                  </a:ext>
+                </a:extLst>
+              </a:tr>
+              <a:tr h="370840">
+                <a:tc>
+                  <a:txBody>
+                    <a:bodyPr/>
+                    <a:lstStyle/>
+                    <a:p>
+                      <a:r>
+                        <a:rPr lang="en-GB" sz="1800" b="1" i="0" kern="1200" dirty="0">
+                          <a:solidFill>
+                            <a:schemeClr val="dk1"/>
+                          </a:solidFill>
+                          <a:effectLst/>
+                          <a:latin typeface="+mn-lt"/>
+                          <a:ea typeface="+mn-ea"/>
+                          <a:cs typeface="+mn-cs"/>
+                        </a:rPr>
+                        <a:t>Comments Given</a:t>
+                      </a:r>
+                      <a:endParaRPr lang="en-CH" b="1" dirty="0"/>
+                    </a:p>
+                  </a:txBody>
+                  <a:tcPr/>
+                </a:tc>
+                <a:tc>
+                  <a:txBody>
+                    <a:bodyPr/>
+                    <a:lstStyle/>
+                    <a:p>
+                      <a:r>
+                        <a:rPr lang="en-CH" sz="1800" b="0" i="0" kern="1200" dirty="0">
+                          <a:solidFill>
+                            <a:schemeClr val="dk1"/>
+                          </a:solidFill>
+                          <a:effectLst/>
+                          <a:latin typeface="+mn-lt"/>
+                          <a:ea typeface="+mn-ea"/>
+                          <a:cs typeface="+mn-cs"/>
+                        </a:rPr>
+                        <a:t>2</a:t>
+                      </a:r>
+                      <a:endParaRPr lang="en-CH" dirty="0"/>
+                    </a:p>
+                  </a:txBody>
+                  <a:tcPr/>
+                </a:tc>
+                <a:tc>
+                  <a:txBody>
+                    <a:bodyPr/>
+                    <a:lstStyle/>
+                    <a:p>
+                      <a:r>
+                        <a:rPr lang="en-CH" sz="1800" b="0" i="0" kern="1200" dirty="0">
+                          <a:solidFill>
+                            <a:schemeClr val="dk1"/>
+                          </a:solidFill>
+                          <a:effectLst/>
+                          <a:latin typeface="+mn-lt"/>
+                          <a:ea typeface="+mn-ea"/>
+                          <a:cs typeface="+mn-cs"/>
+                        </a:rPr>
+                        <a:t>24997</a:t>
+                      </a:r>
+                      <a:endParaRPr lang="en-CH" dirty="0"/>
+                    </a:p>
+                  </a:txBody>
+                  <a:tcPr/>
+                </a:tc>
+                <a:tc>
+                  <a:txBody>
+                    <a:bodyPr/>
+                    <a:lstStyle/>
+                    <a:p>
+                      <a:r>
+                        <a:rPr lang="en-CH" sz="1800" b="0" i="0" kern="1200" dirty="0">
+                          <a:solidFill>
+                            <a:schemeClr val="dk1"/>
+                          </a:solidFill>
+                          <a:effectLst/>
+                          <a:latin typeface="+mn-lt"/>
+                          <a:ea typeface="+mn-ea"/>
+                          <a:cs typeface="+mn-cs"/>
+                        </a:rPr>
+                        <a:t>5.67</a:t>
+                      </a:r>
+                      <a:endParaRPr lang="en-CH" dirty="0"/>
+                    </a:p>
+                  </a:txBody>
+                  <a:tcPr/>
+                </a:tc>
+                <a:extLst>
+                  <a:ext uri="{0D108BD9-81ED-4DB2-BD59-A6C34878D82A}">
+                    <a16:rowId xmlns:a16="http://schemas.microsoft.com/office/drawing/2014/main" val="1914626699"/>
+                  </a:ext>
+                </a:extLst>
+              </a:tr>
+            </a:tbl>
+          </a:graphicData>
+        </a:graphic>
+      </p:graphicFrame>
+    </p:spTree>
+    <p:extLst>
+      <p:ext uri="{BB962C8B-B14F-4D97-AF65-F5344CB8AC3E}">
+        <p14:creationId xmlns:p14="http://schemas.microsoft.com/office/powerpoint/2010/main" val="3687973993"/>
       </p:ext>
     </p:extLst>
   </p:cSld>
@@ -4300,26 +8769,18 @@
           <a:lstStyle/>
           <a:p>
             <a:r>
-              <a:rPr lang="en-GB" dirty="0"/>
-              <a:t>“</a:t>
-            </a:r>
-            <a:r>
               <a:rPr lang="en-CH" dirty="0"/>
-              <a:t>Is it possible to identify distinct social circles within the Friendfeed network based on user connections, and characterize them in terms of shared interests and activity patterns</a:t>
-            </a:r>
-            <a:r>
-              <a:rPr lang="en-CH"/>
-              <a:t>? </a:t>
+              <a:t>Is it possible to identify distinct social circles within the Friendfeed network based on user connections, and characterize them in terms of shared interests and activity patterns? </a:t>
             </a:r>
             <a:br>
-              <a:rPr lang="en-CH"/>
+              <a:rPr lang="en-CH" dirty="0"/>
             </a:br>
             <a:endParaRPr lang="en-CH" dirty="0"/>
           </a:p>
           <a:p>
             <a:r>
               <a:rPr lang="en-CH" dirty="0"/>
-              <a:t>“Is it possible to detect anomalous users in the Friendfeed network (e.g., bots, spammers) based on posting, following, and interaction patterns (commenting/liking)?”</a:t>
+              <a:t>Is it possible to detect anomalous users in the Friendfeed network (e.g., bots, spammers) based on posting, following, and interaction patterns (commenting/liking)?</a:t>
             </a:r>
             <a:endParaRPr lang="en-GB" dirty="0"/>
           </a:p>
@@ -4418,7 +8879,7 @@
           <a:p>
             <a:r>
               <a:rPr lang="en-CH" dirty="0"/>
-              <a:t>Number of posts: 12’000’000</a:t>
+              <a:t>Number of posts: 12’450’658</a:t>
             </a:r>
           </a:p>
           <a:p>
@@ -4515,7 +8976,12 @@
             <p:ph idx="1"/>
           </p:nvPr>
         </p:nvSpPr>
-        <p:spPr/>
+        <p:spPr>
+          <a:xfrm>
+            <a:off x="838200" y="1825625"/>
+            <a:ext cx="10861110" cy="4351338"/>
+          </a:xfrm>
+        </p:spPr>
         <p:txBody>
           <a:bodyPr/>
           <a:lstStyle/>
@@ -4528,14 +8994,14 @@
           <a:p>
             <a:r>
               <a:rPr lang="en-CH" dirty="0"/>
-              <a:t>Remove “dead” accounts (accounts without any posts)</a:t>
+              <a:t>Remove “dead” accounts (without any posts, likes and comments)</a:t>
             </a:r>
             <a:br>
               <a:rPr lang="en-CH" dirty="0"/>
             </a:br>
             <a:r>
               <a:rPr lang="en-CH" dirty="0"/>
-              <a:t>-&gt; Users removed: 160’792 (504’590 users remaining)</a:t>
+              <a:t>Users removed: 160’792 (504’590 users remaining)</a:t>
             </a:r>
           </a:p>
           <a:p>
@@ -4849,7 +9315,13 @@
   <p:cSld>
     <p:spTree>
       <p:nvGrpSpPr>
-        <p:cNvPr id="1" name=""/>
+        <p:cNvPr id="1" name="">
+          <a:extLst>
+            <a:ext uri="{FF2B5EF4-FFF2-40B4-BE49-F238E27FC236}">
+              <a16:creationId xmlns:a16="http://schemas.microsoft.com/office/drawing/2014/main" id="{106458A2-8CF7-1D6D-4CE9-8C868DCF5AED}"/>
+            </a:ext>
+          </a:extLst>
+        </p:cNvPr>
         <p:cNvGrpSpPr/>
         <p:nvPr/>
       </p:nvGrpSpPr>
@@ -4866,7 +9338,7 @@
           <p:cNvPr id="2" name="Title 1">
             <a:extLst>
               <a:ext uri="{FF2B5EF4-FFF2-40B4-BE49-F238E27FC236}">
-                <a16:creationId xmlns:a16="http://schemas.microsoft.com/office/drawing/2014/main" id="{4AB292F6-FEDE-812D-ABE9-0D96A3C35EE0}"/>
+                <a16:creationId xmlns:a16="http://schemas.microsoft.com/office/drawing/2014/main" id="{B3E21BB4-92CF-70F7-520E-935AFF95A555}"/>
               </a:ext>
             </a:extLst>
           </p:cNvPr>
@@ -4884,52 +9356,951 @@
           <a:p>
             <a:r>
               <a:rPr lang="en-CH" dirty="0"/>
-              <a:t>Data After Prepocessing</a:t>
+              <a:t>Initial Data Exploration – per User Statistics</a:t>
             </a:r>
           </a:p>
         </p:txBody>
       </p:sp>
-      <p:sp>
-        <p:nvSpPr>
-          <p:cNvPr id="3" name="Content Placeholder 2">
+      <p:graphicFrame>
+        <p:nvGraphicFramePr>
+          <p:cNvPr id="9" name="Content Placeholder 8">
             <a:extLst>
               <a:ext uri="{FF2B5EF4-FFF2-40B4-BE49-F238E27FC236}">
-                <a16:creationId xmlns:a16="http://schemas.microsoft.com/office/drawing/2014/main" id="{1A219152-FFCB-7996-F6A5-8633F00776C8}"/>
+                <a16:creationId xmlns:a16="http://schemas.microsoft.com/office/drawing/2014/main" id="{7C559D36-5D46-A4F6-3C74-C08D7E674387}"/>
               </a:ext>
             </a:extLst>
           </p:cNvPr>
-          <p:cNvSpPr>
-            <a:spLocks noGrp="1"/>
-          </p:cNvSpPr>
+          <p:cNvGraphicFramePr>
+            <a:graphicFrameLocks noGrp="1"/>
+          </p:cNvGraphicFramePr>
           <p:nvPr>
             <p:ph idx="1"/>
+            <p:extLst>
+              <p:ext uri="{D42A27DB-BD31-4B8C-83A1-F6EECF244321}">
+                <p14:modId xmlns:p14="http://schemas.microsoft.com/office/powerpoint/2010/main" val="3740007665"/>
+              </p:ext>
+            </p:extLst>
           </p:nvPr>
-        </p:nvSpPr>
-        <p:spPr/>
-        <p:txBody>
-          <a:bodyPr/>
-          <a:lstStyle/>
-          <a:p>
-            <a:r>
-              <a:rPr lang="en-CH" dirty="0"/>
-              <a:t>-&gt; show histograms of the “connected” data </a:t>
-            </a:r>
-          </a:p>
-          <a:p>
-            <a:r>
-              <a:rPr lang="en-CH" dirty="0"/>
-              <a:t>-&gt; maybe also show a graph of following network</a:t>
-            </a:r>
-          </a:p>
-          <a:p>
-            <a:endParaRPr lang="en-CH" dirty="0"/>
-          </a:p>
-        </p:txBody>
-      </p:sp>
+        </p:nvGraphicFramePr>
+        <p:xfrm>
+          <a:off x="838200" y="1779000"/>
+          <a:ext cx="10515600" cy="2961640"/>
+        </p:xfrm>
+        <a:graphic>
+          <a:graphicData uri="http://schemas.openxmlformats.org/drawingml/2006/table">
+            <a:tbl>
+              <a:tblPr firstRow="1" bandRow="1">
+                <a:tableStyleId>{5C22544A-7EE6-4342-B048-85BDC9FD1C3A}</a:tableStyleId>
+              </a:tblPr>
+              <a:tblGrid>
+                <a:gridCol w="4435258">
+                  <a:extLst>
+                    <a:ext uri="{9D8B030D-6E8A-4147-A177-3AD203B41FA5}">
+                      <a16:colId xmlns:a16="http://schemas.microsoft.com/office/drawing/2014/main" val="1579397185"/>
+                    </a:ext>
+                  </a:extLst>
+                </a:gridCol>
+                <a:gridCol w="1290180">
+                  <a:extLst>
+                    <a:ext uri="{9D8B030D-6E8A-4147-A177-3AD203B41FA5}">
+                      <a16:colId xmlns:a16="http://schemas.microsoft.com/office/drawing/2014/main" val="3387484400"/>
+                    </a:ext>
+                  </a:extLst>
+                </a:gridCol>
+                <a:gridCol w="1027135">
+                  <a:extLst>
+                    <a:ext uri="{9D8B030D-6E8A-4147-A177-3AD203B41FA5}">
+                      <a16:colId xmlns:a16="http://schemas.microsoft.com/office/drawing/2014/main" val="2302475020"/>
+                    </a:ext>
+                  </a:extLst>
+                </a:gridCol>
+                <a:gridCol w="2192054">
+                  <a:extLst>
+                    <a:ext uri="{9D8B030D-6E8A-4147-A177-3AD203B41FA5}">
+                      <a16:colId xmlns:a16="http://schemas.microsoft.com/office/drawing/2014/main" val="486441688"/>
+                    </a:ext>
+                  </a:extLst>
+                </a:gridCol>
+                <a:gridCol w="1570973">
+                  <a:extLst>
+                    <a:ext uri="{9D8B030D-6E8A-4147-A177-3AD203B41FA5}">
+                      <a16:colId xmlns:a16="http://schemas.microsoft.com/office/drawing/2014/main" val="3458457309"/>
+                    </a:ext>
+                  </a:extLst>
+                </a:gridCol>
+              </a:tblGrid>
+              <a:tr h="0">
+                <a:tc>
+                  <a:txBody>
+                    <a:bodyPr/>
+                    <a:lstStyle/>
+                    <a:p>
+                      <a:r>
+                        <a:rPr lang="en-CH" dirty="0"/>
+                        <a:t>Type</a:t>
+                      </a:r>
+                    </a:p>
+                  </a:txBody>
+                  <a:tcPr/>
+                </a:tc>
+                <a:tc>
+                  <a:txBody>
+                    <a:bodyPr/>
+                    <a:lstStyle/>
+                    <a:p>
+                      <a:r>
+                        <a:rPr lang="en-CH" dirty="0"/>
+                        <a:t>Average</a:t>
+                      </a:r>
+                    </a:p>
+                  </a:txBody>
+                  <a:tcPr/>
+                </a:tc>
+                <a:tc>
+                  <a:txBody>
+                    <a:bodyPr/>
+                    <a:lstStyle/>
+                    <a:p>
+                      <a:r>
+                        <a:rPr lang="en-CH" dirty="0"/>
+                        <a:t>Median</a:t>
+                      </a:r>
+                    </a:p>
+                  </a:txBody>
+                  <a:tcPr/>
+                </a:tc>
+                <a:tc>
+                  <a:txBody>
+                    <a:bodyPr/>
+                    <a:lstStyle/>
+                    <a:p>
+                      <a:r>
+                        <a:rPr lang="en-CH" dirty="0"/>
+                        <a:t>Standard Deviation</a:t>
+                      </a:r>
+                    </a:p>
+                  </a:txBody>
+                  <a:tcPr/>
+                </a:tc>
+                <a:tc>
+                  <a:txBody>
+                    <a:bodyPr/>
+                    <a:lstStyle/>
+                    <a:p>
+                      <a:r>
+                        <a:rPr lang="en-CH" dirty="0"/>
+                        <a:t>Maximum</a:t>
+                      </a:r>
+                    </a:p>
+                  </a:txBody>
+                  <a:tcPr/>
+                </a:tc>
+                <a:extLst>
+                  <a:ext uri="{0D108BD9-81ED-4DB2-BD59-A6C34878D82A}">
+                    <a16:rowId xmlns:a16="http://schemas.microsoft.com/office/drawing/2014/main" val="2548069031"/>
+                  </a:ext>
+                </a:extLst>
+              </a:tr>
+              <a:tr h="370840">
+                <a:tc>
+                  <a:txBody>
+                    <a:bodyPr/>
+                    <a:lstStyle/>
+                    <a:p>
+                      <a:r>
+                        <a:rPr lang="en-GB" sz="1800" b="1" i="0" kern="1200" dirty="0">
+                          <a:solidFill>
+                            <a:schemeClr val="dk1"/>
+                          </a:solidFill>
+                          <a:effectLst/>
+                          <a:latin typeface="+mn-lt"/>
+                          <a:ea typeface="+mn-ea"/>
+                          <a:cs typeface="+mn-cs"/>
+                        </a:rPr>
+                        <a:t>Follower Count per User</a:t>
+                      </a:r>
+                      <a:endParaRPr lang="en-CH" b="1" dirty="0"/>
+                    </a:p>
+                  </a:txBody>
+                  <a:tcPr/>
+                </a:tc>
+                <a:tc>
+                  <a:txBody>
+                    <a:bodyPr/>
+                    <a:lstStyle/>
+                    <a:p>
+                      <a:r>
+                        <a:rPr lang="en-CH" sz="1800" b="0" i="0" kern="1200" dirty="0">
+                          <a:solidFill>
+                            <a:schemeClr val="dk1"/>
+                          </a:solidFill>
+                          <a:effectLst/>
+                          <a:latin typeface="+mn-lt"/>
+                          <a:ea typeface="+mn-ea"/>
+                          <a:cs typeface="+mn-cs"/>
+                        </a:rPr>
+                        <a:t>96.7</a:t>
+                      </a:r>
+                      <a:endParaRPr lang="en-CH" dirty="0"/>
+                    </a:p>
+                  </a:txBody>
+                  <a:tcPr/>
+                </a:tc>
+                <a:tc>
+                  <a:txBody>
+                    <a:bodyPr/>
+                    <a:lstStyle/>
+                    <a:p>
+                      <a:r>
+                        <a:rPr lang="en-CH" sz="1800" b="0" i="0" kern="1200" dirty="0">
+                          <a:solidFill>
+                            <a:schemeClr val="dk1"/>
+                          </a:solidFill>
+                          <a:effectLst/>
+                          <a:latin typeface="+mn-lt"/>
+                          <a:ea typeface="+mn-ea"/>
+                          <a:cs typeface="+mn-cs"/>
+                        </a:rPr>
+                        <a:t>20</a:t>
+                      </a:r>
+                      <a:endParaRPr lang="en-CH" dirty="0"/>
+                    </a:p>
+                  </a:txBody>
+                  <a:tcPr/>
+                </a:tc>
+                <a:tc>
+                  <a:txBody>
+                    <a:bodyPr/>
+                    <a:lstStyle/>
+                    <a:p>
+                      <a:r>
+                        <a:rPr lang="en-CH" sz="1800" b="0" i="0" kern="1200" dirty="0">
+                          <a:solidFill>
+                            <a:schemeClr val="dk1"/>
+                          </a:solidFill>
+                          <a:effectLst/>
+                          <a:latin typeface="+mn-lt"/>
+                          <a:ea typeface="+mn-ea"/>
+                          <a:cs typeface="+mn-cs"/>
+                        </a:rPr>
+                        <a:t>380.44</a:t>
+                      </a:r>
+                      <a:endParaRPr lang="en-CH" dirty="0"/>
+                    </a:p>
+                  </a:txBody>
+                  <a:tcPr/>
+                </a:tc>
+                <a:tc>
+                  <a:txBody>
+                    <a:bodyPr/>
+                    <a:lstStyle/>
+                    <a:p>
+                      <a:r>
+                        <a:rPr lang="en-CH" sz="1800" b="0" i="0" kern="1200" dirty="0">
+                          <a:solidFill>
+                            <a:schemeClr val="dk1"/>
+                          </a:solidFill>
+                          <a:effectLst/>
+                          <a:latin typeface="+mn-lt"/>
+                          <a:ea typeface="+mn-ea"/>
+                          <a:cs typeface="+mn-cs"/>
+                        </a:rPr>
+                        <a:t>43’222</a:t>
+                      </a:r>
+                      <a:endParaRPr lang="en-CH" dirty="0"/>
+                    </a:p>
+                  </a:txBody>
+                  <a:tcPr/>
+                </a:tc>
+                <a:extLst>
+                  <a:ext uri="{0D108BD9-81ED-4DB2-BD59-A6C34878D82A}">
+                    <a16:rowId xmlns:a16="http://schemas.microsoft.com/office/drawing/2014/main" val="2466234763"/>
+                  </a:ext>
+                </a:extLst>
+              </a:tr>
+              <a:tr h="370840">
+                <a:tc>
+                  <a:txBody>
+                    <a:bodyPr/>
+                    <a:lstStyle/>
+                    <a:p>
+                      <a:r>
+                        <a:rPr lang="en-GB" sz="1800" b="1" i="0" kern="1200" dirty="0">
+                          <a:solidFill>
+                            <a:schemeClr val="dk1"/>
+                          </a:solidFill>
+                          <a:effectLst/>
+                          <a:latin typeface="+mn-lt"/>
+                          <a:ea typeface="+mn-ea"/>
+                          <a:cs typeface="+mn-cs"/>
+                        </a:rPr>
+                        <a:t>Following Count per User</a:t>
+                      </a:r>
+                      <a:endParaRPr lang="en-CH" b="1" dirty="0"/>
+                    </a:p>
+                  </a:txBody>
+                  <a:tcPr/>
+                </a:tc>
+                <a:tc>
+                  <a:txBody>
+                    <a:bodyPr/>
+                    <a:lstStyle/>
+                    <a:p>
+                      <a:r>
+                        <a:rPr lang="en-CH" sz="1800" b="0" i="0" kern="1200" dirty="0">
+                          <a:solidFill>
+                            <a:schemeClr val="dk1"/>
+                          </a:solidFill>
+                          <a:effectLst/>
+                          <a:latin typeface="+mn-lt"/>
+                          <a:ea typeface="+mn-ea"/>
+                          <a:cs typeface="+mn-cs"/>
+                        </a:rPr>
+                        <a:t>43.04</a:t>
+                      </a:r>
+                      <a:endParaRPr lang="en-CH" dirty="0"/>
+                    </a:p>
+                  </a:txBody>
+                  <a:tcPr/>
+                </a:tc>
+                <a:tc>
+                  <a:txBody>
+                    <a:bodyPr/>
+                    <a:lstStyle/>
+                    <a:p>
+                      <a:r>
+                        <a:rPr lang="en-CH" sz="1800" b="0" i="0" kern="1200" dirty="0">
+                          <a:solidFill>
+                            <a:schemeClr val="dk1"/>
+                          </a:solidFill>
+                          <a:effectLst/>
+                          <a:latin typeface="+mn-lt"/>
+                          <a:ea typeface="+mn-ea"/>
+                          <a:cs typeface="+mn-cs"/>
+                        </a:rPr>
+                        <a:t>4</a:t>
+                      </a:r>
+                      <a:endParaRPr lang="en-CH" dirty="0"/>
+                    </a:p>
+                  </a:txBody>
+                  <a:tcPr/>
+                </a:tc>
+                <a:tc>
+                  <a:txBody>
+                    <a:bodyPr/>
+                    <a:lstStyle/>
+                    <a:p>
+                      <a:r>
+                        <a:rPr lang="en-CH" sz="1800" b="0" i="0" kern="1200" dirty="0">
+                          <a:solidFill>
+                            <a:schemeClr val="dk1"/>
+                          </a:solidFill>
+                          <a:effectLst/>
+                          <a:latin typeface="+mn-lt"/>
+                          <a:ea typeface="+mn-ea"/>
+                          <a:cs typeface="+mn-cs"/>
+                        </a:rPr>
+                        <a:t>534.28</a:t>
+                      </a:r>
+                      <a:endParaRPr lang="en-CH" dirty="0"/>
+                    </a:p>
+                  </a:txBody>
+                  <a:tcPr/>
+                </a:tc>
+                <a:tc>
+                  <a:txBody>
+                    <a:bodyPr/>
+                    <a:lstStyle/>
+                    <a:p>
+                      <a:r>
+                        <a:rPr lang="en-CH" sz="1800" b="0" i="0" kern="1200" dirty="0">
+                          <a:solidFill>
+                            <a:schemeClr val="dk1"/>
+                          </a:solidFill>
+                          <a:effectLst/>
+                          <a:latin typeface="+mn-lt"/>
+                          <a:ea typeface="+mn-ea"/>
+                          <a:cs typeface="+mn-cs"/>
+                        </a:rPr>
+                        <a:t>74’522</a:t>
+                      </a:r>
+                      <a:endParaRPr lang="en-CH" dirty="0"/>
+                    </a:p>
+                  </a:txBody>
+                  <a:tcPr/>
+                </a:tc>
+                <a:extLst>
+                  <a:ext uri="{0D108BD9-81ED-4DB2-BD59-A6C34878D82A}">
+                    <a16:rowId xmlns:a16="http://schemas.microsoft.com/office/drawing/2014/main" val="2686426370"/>
+                  </a:ext>
+                </a:extLst>
+              </a:tr>
+              <a:tr h="370840">
+                <a:tc>
+                  <a:txBody>
+                    <a:bodyPr/>
+                    <a:lstStyle/>
+                    <a:p>
+                      <a:r>
+                        <a:rPr lang="en-GB" sz="1800" b="1" i="0" kern="1200" dirty="0">
+                          <a:solidFill>
+                            <a:schemeClr val="dk1"/>
+                          </a:solidFill>
+                          <a:effectLst/>
+                          <a:latin typeface="+mn-lt"/>
+                          <a:ea typeface="+mn-ea"/>
+                          <a:cs typeface="+mn-cs"/>
+                        </a:rPr>
+                        <a:t>Posts Created per User</a:t>
+                      </a:r>
+                      <a:endParaRPr lang="en-CH" b="1" dirty="0"/>
+                    </a:p>
+                  </a:txBody>
+                  <a:tcPr/>
+                </a:tc>
+                <a:tc>
+                  <a:txBody>
+                    <a:bodyPr/>
+                    <a:lstStyle/>
+                    <a:p>
+                      <a:r>
+                        <a:rPr lang="en-CH" sz="1800" b="0" i="0" kern="1200" dirty="0">
+                          <a:solidFill>
+                            <a:schemeClr val="dk1"/>
+                          </a:solidFill>
+                          <a:effectLst/>
+                          <a:latin typeface="+mn-lt"/>
+                          <a:ea typeface="+mn-ea"/>
+                          <a:cs typeface="+mn-cs"/>
+                        </a:rPr>
+                        <a:t>48.53</a:t>
+                      </a:r>
+                      <a:endParaRPr lang="en-CH" dirty="0"/>
+                    </a:p>
+                  </a:txBody>
+                  <a:tcPr/>
+                </a:tc>
+                <a:tc>
+                  <a:txBody>
+                    <a:bodyPr/>
+                    <a:lstStyle/>
+                    <a:p>
+                      <a:r>
+                        <a:rPr lang="en-CH" sz="1800" b="0" i="0" kern="1200" dirty="0">
+                          <a:solidFill>
+                            <a:schemeClr val="dk1"/>
+                          </a:solidFill>
+                          <a:effectLst/>
+                          <a:latin typeface="+mn-lt"/>
+                          <a:ea typeface="+mn-ea"/>
+                          <a:cs typeface="+mn-cs"/>
+                        </a:rPr>
+                        <a:t>8</a:t>
+                      </a:r>
+                      <a:endParaRPr lang="en-CH" dirty="0"/>
+                    </a:p>
+                  </a:txBody>
+                  <a:tcPr/>
+                </a:tc>
+                <a:tc>
+                  <a:txBody>
+                    <a:bodyPr/>
+                    <a:lstStyle/>
+                    <a:p>
+                      <a:r>
+                        <a:rPr lang="en-CH" sz="1800" b="0" i="0" kern="1200" dirty="0">
+                          <a:solidFill>
+                            <a:schemeClr val="dk1"/>
+                          </a:solidFill>
+                          <a:effectLst/>
+                          <a:latin typeface="+mn-lt"/>
+                          <a:ea typeface="+mn-ea"/>
+                          <a:cs typeface="+mn-cs"/>
+                        </a:rPr>
+                        <a:t>433.89</a:t>
+                      </a:r>
+                      <a:endParaRPr lang="en-CH" dirty="0"/>
+                    </a:p>
+                  </a:txBody>
+                  <a:tcPr/>
+                </a:tc>
+                <a:tc>
+                  <a:txBody>
+                    <a:bodyPr/>
+                    <a:lstStyle/>
+                    <a:p>
+                      <a:r>
+                        <a:rPr lang="en-CH" sz="1800" b="0" i="0" kern="1200" dirty="0">
+                          <a:solidFill>
+                            <a:schemeClr val="dk1"/>
+                          </a:solidFill>
+                          <a:effectLst/>
+                          <a:latin typeface="+mn-lt"/>
+                          <a:ea typeface="+mn-ea"/>
+                          <a:cs typeface="+mn-cs"/>
+                        </a:rPr>
+                        <a:t>166’965</a:t>
+                      </a:r>
+                      <a:endParaRPr lang="en-CH" dirty="0"/>
+                    </a:p>
+                  </a:txBody>
+                  <a:tcPr/>
+                </a:tc>
+                <a:extLst>
+                  <a:ext uri="{0D108BD9-81ED-4DB2-BD59-A6C34878D82A}">
+                    <a16:rowId xmlns:a16="http://schemas.microsoft.com/office/drawing/2014/main" val="172960152"/>
+                  </a:ext>
+                </a:extLst>
+              </a:tr>
+              <a:tr h="370840">
+                <a:tc>
+                  <a:txBody>
+                    <a:bodyPr/>
+                    <a:lstStyle/>
+                    <a:p>
+                      <a:r>
+                        <a:rPr lang="en-GB" sz="1800" b="1" i="0" kern="1200" dirty="0">
+                          <a:solidFill>
+                            <a:schemeClr val="dk1"/>
+                          </a:solidFill>
+                          <a:effectLst/>
+                          <a:latin typeface="+mn-lt"/>
+                          <a:ea typeface="+mn-ea"/>
+                          <a:cs typeface="+mn-cs"/>
+                        </a:rPr>
+                        <a:t>Likes Received per Post per User</a:t>
+                      </a:r>
+                      <a:endParaRPr lang="en-CH" b="1" dirty="0"/>
+                    </a:p>
+                  </a:txBody>
+                  <a:tcPr/>
+                </a:tc>
+                <a:tc>
+                  <a:txBody>
+                    <a:bodyPr/>
+                    <a:lstStyle/>
+                    <a:p>
+                      <a:r>
+                        <a:rPr lang="en-CH" sz="1800" b="0" i="0" kern="1200" dirty="0">
+                          <a:solidFill>
+                            <a:schemeClr val="dk1"/>
+                          </a:solidFill>
+                          <a:effectLst/>
+                          <a:latin typeface="+mn-lt"/>
+                          <a:ea typeface="+mn-ea"/>
+                          <a:cs typeface="+mn-cs"/>
+                        </a:rPr>
+                        <a:t>0.04</a:t>
+                      </a:r>
+                      <a:endParaRPr lang="en-CH" dirty="0"/>
+                    </a:p>
+                  </a:txBody>
+                  <a:tcPr/>
+                </a:tc>
+                <a:tc>
+                  <a:txBody>
+                    <a:bodyPr/>
+                    <a:lstStyle/>
+                    <a:p>
+                      <a:r>
+                        <a:rPr lang="en-CH" dirty="0"/>
+                        <a:t>0</a:t>
+                      </a:r>
+                    </a:p>
+                  </a:txBody>
+                  <a:tcPr/>
+                </a:tc>
+                <a:tc>
+                  <a:txBody>
+                    <a:bodyPr/>
+                    <a:lstStyle/>
+                    <a:p>
+                      <a:r>
+                        <a:rPr lang="en-CH" sz="1800" b="0" i="0" kern="1200" dirty="0">
+                          <a:solidFill>
+                            <a:schemeClr val="dk1"/>
+                          </a:solidFill>
+                          <a:effectLst/>
+                          <a:latin typeface="+mn-lt"/>
+                          <a:ea typeface="+mn-ea"/>
+                          <a:cs typeface="+mn-cs"/>
+                        </a:rPr>
+                        <a:t>0.63</a:t>
+                      </a:r>
+                      <a:endParaRPr lang="en-CH" dirty="0"/>
+                    </a:p>
+                  </a:txBody>
+                  <a:tcPr/>
+                </a:tc>
+                <a:tc>
+                  <a:txBody>
+                    <a:bodyPr/>
+                    <a:lstStyle/>
+                    <a:p>
+                      <a:r>
+                        <a:rPr lang="en-CH" sz="1800" b="0" i="0" kern="1200" dirty="0">
+                          <a:solidFill>
+                            <a:schemeClr val="dk1"/>
+                          </a:solidFill>
+                          <a:effectLst/>
+                          <a:latin typeface="+mn-lt"/>
+                          <a:ea typeface="+mn-ea"/>
+                          <a:cs typeface="+mn-cs"/>
+                        </a:rPr>
+                        <a:t>180.7</a:t>
+                      </a:r>
+                      <a:endParaRPr lang="en-CH" dirty="0"/>
+                    </a:p>
+                  </a:txBody>
+                  <a:tcPr/>
+                </a:tc>
+                <a:extLst>
+                  <a:ext uri="{0D108BD9-81ED-4DB2-BD59-A6C34878D82A}">
+                    <a16:rowId xmlns:a16="http://schemas.microsoft.com/office/drawing/2014/main" val="234692276"/>
+                  </a:ext>
+                </a:extLst>
+              </a:tr>
+              <a:tr h="370840">
+                <a:tc>
+                  <a:txBody>
+                    <a:bodyPr/>
+                    <a:lstStyle/>
+                    <a:p>
+                      <a:r>
+                        <a:rPr lang="en-GB" sz="1800" b="1" i="0" kern="1200" dirty="0">
+                          <a:solidFill>
+                            <a:schemeClr val="dk1"/>
+                          </a:solidFill>
+                          <a:effectLst/>
+                          <a:latin typeface="+mn-lt"/>
+                          <a:ea typeface="+mn-ea"/>
+                          <a:cs typeface="+mn-cs"/>
+                        </a:rPr>
+                        <a:t>Likes Given per User</a:t>
+                      </a:r>
+                      <a:endParaRPr lang="en-CH" b="1" dirty="0"/>
+                    </a:p>
+                  </a:txBody>
+                  <a:tcPr/>
+                </a:tc>
+                <a:tc>
+                  <a:txBody>
+                    <a:bodyPr/>
+                    <a:lstStyle/>
+                    <a:p>
+                      <a:r>
+                        <a:rPr lang="en-CH" sz="1800" b="0" i="0" kern="1200" dirty="0">
+                          <a:solidFill>
+                            <a:schemeClr val="dk1"/>
+                          </a:solidFill>
+                          <a:effectLst/>
+                          <a:latin typeface="+mn-lt"/>
+                          <a:ea typeface="+mn-ea"/>
+                          <a:cs typeface="+mn-cs"/>
+                        </a:rPr>
+                        <a:t>34.89</a:t>
+                      </a:r>
+                      <a:endParaRPr lang="en-CH" dirty="0"/>
+                    </a:p>
+                  </a:txBody>
+                  <a:tcPr/>
+                </a:tc>
+                <a:tc>
+                  <a:txBody>
+                    <a:bodyPr/>
+                    <a:lstStyle/>
+                    <a:p>
+                      <a:r>
+                        <a:rPr lang="en-CH" dirty="0"/>
+                        <a:t>3</a:t>
+                      </a:r>
+                    </a:p>
+                  </a:txBody>
+                  <a:tcPr/>
+                </a:tc>
+                <a:tc>
+                  <a:txBody>
+                    <a:bodyPr/>
+                    <a:lstStyle/>
+                    <a:p>
+                      <a:r>
+                        <a:rPr lang="en-CH" sz="1800" b="0" i="0" kern="1200" dirty="0">
+                          <a:solidFill>
+                            <a:schemeClr val="dk1"/>
+                          </a:solidFill>
+                          <a:effectLst/>
+                          <a:latin typeface="+mn-lt"/>
+                          <a:ea typeface="+mn-ea"/>
+                          <a:cs typeface="+mn-cs"/>
+                        </a:rPr>
+                        <a:t>213.05</a:t>
+                      </a:r>
+                      <a:endParaRPr lang="en-CH" dirty="0"/>
+                    </a:p>
+                  </a:txBody>
+                  <a:tcPr/>
+                </a:tc>
+                <a:tc>
+                  <a:txBody>
+                    <a:bodyPr/>
+                    <a:lstStyle/>
+                    <a:p>
+                      <a:r>
+                        <a:rPr lang="en-CH" sz="1800" b="0" i="0" kern="1200" dirty="0">
+                          <a:solidFill>
+                            <a:schemeClr val="dk1"/>
+                          </a:solidFill>
+                          <a:effectLst/>
+                          <a:latin typeface="+mn-lt"/>
+                          <a:ea typeface="+mn-ea"/>
+                          <a:cs typeface="+mn-cs"/>
+                        </a:rPr>
+                        <a:t>25’224</a:t>
+                      </a:r>
+                      <a:endParaRPr lang="en-CH" dirty="0"/>
+                    </a:p>
+                  </a:txBody>
+                  <a:tcPr/>
+                </a:tc>
+                <a:extLst>
+                  <a:ext uri="{0D108BD9-81ED-4DB2-BD59-A6C34878D82A}">
+                    <a16:rowId xmlns:a16="http://schemas.microsoft.com/office/drawing/2014/main" val="406300939"/>
+                  </a:ext>
+                </a:extLst>
+              </a:tr>
+              <a:tr h="370840">
+                <a:tc>
+                  <a:txBody>
+                    <a:bodyPr/>
+                    <a:lstStyle/>
+                    <a:p>
+                      <a:r>
+                        <a:rPr lang="en-GB" sz="1800" b="1" i="0" kern="1200" dirty="0">
+                          <a:solidFill>
+                            <a:schemeClr val="dk1"/>
+                          </a:solidFill>
+                          <a:effectLst/>
+                          <a:latin typeface="+mn-lt"/>
+                          <a:ea typeface="+mn-ea"/>
+                          <a:cs typeface="+mn-cs"/>
+                        </a:rPr>
+                        <a:t>Comments Received per Post per User</a:t>
+                      </a:r>
+                      <a:endParaRPr lang="en-CH" b="1" dirty="0"/>
+                    </a:p>
+                  </a:txBody>
+                  <a:tcPr/>
+                </a:tc>
+                <a:tc>
+                  <a:txBody>
+                    <a:bodyPr/>
+                    <a:lstStyle/>
+                    <a:p>
+                      <a:r>
+                        <a:rPr lang="en-CH" sz="1800" b="0" i="0" kern="1200" dirty="0">
+                          <a:solidFill>
+                            <a:schemeClr val="dk1"/>
+                          </a:solidFill>
+                          <a:effectLst/>
+                          <a:latin typeface="+mn-lt"/>
+                          <a:ea typeface="+mn-ea"/>
+                          <a:cs typeface="+mn-cs"/>
+                        </a:rPr>
+                        <a:t>0.2</a:t>
+                      </a:r>
+                      <a:endParaRPr lang="en-CH" dirty="0"/>
+                    </a:p>
+                  </a:txBody>
+                  <a:tcPr/>
+                </a:tc>
+                <a:tc>
+                  <a:txBody>
+                    <a:bodyPr/>
+                    <a:lstStyle/>
+                    <a:p>
+                      <a:r>
+                        <a:rPr lang="en-CH" dirty="0"/>
+                        <a:t>0</a:t>
+                      </a:r>
+                    </a:p>
+                  </a:txBody>
+                  <a:tcPr/>
+                </a:tc>
+                <a:tc>
+                  <a:txBody>
+                    <a:bodyPr/>
+                    <a:lstStyle/>
+                    <a:p>
+                      <a:r>
+                        <a:rPr lang="en-CH" sz="1800" b="0" i="0" kern="1200" dirty="0">
+                          <a:solidFill>
+                            <a:schemeClr val="dk1"/>
+                          </a:solidFill>
+                          <a:effectLst/>
+                          <a:latin typeface="+mn-lt"/>
+                          <a:ea typeface="+mn-ea"/>
+                          <a:cs typeface="+mn-cs"/>
+                        </a:rPr>
+                        <a:t>1.69</a:t>
+                      </a:r>
+                      <a:endParaRPr lang="en-CH" dirty="0"/>
+                    </a:p>
+                  </a:txBody>
+                  <a:tcPr/>
+                </a:tc>
+                <a:tc>
+                  <a:txBody>
+                    <a:bodyPr/>
+                    <a:lstStyle/>
+                    <a:p>
+                      <a:r>
+                        <a:rPr lang="en-CH" sz="1800" b="0" i="0" kern="1200" dirty="0">
+                          <a:solidFill>
+                            <a:schemeClr val="dk1"/>
+                          </a:solidFill>
+                          <a:effectLst/>
+                          <a:latin typeface="+mn-lt"/>
+                          <a:ea typeface="+mn-ea"/>
+                          <a:cs typeface="+mn-cs"/>
+                        </a:rPr>
+                        <a:t>279.15</a:t>
+                      </a:r>
+                      <a:endParaRPr lang="en-CH" dirty="0"/>
+                    </a:p>
+                  </a:txBody>
+                  <a:tcPr/>
+                </a:tc>
+                <a:extLst>
+                  <a:ext uri="{0D108BD9-81ED-4DB2-BD59-A6C34878D82A}">
+                    <a16:rowId xmlns:a16="http://schemas.microsoft.com/office/drawing/2014/main" val="364686254"/>
+                  </a:ext>
+                </a:extLst>
+              </a:tr>
+              <a:tr h="370840">
+                <a:tc>
+                  <a:txBody>
+                    <a:bodyPr/>
+                    <a:lstStyle/>
+                    <a:p>
+                      <a:r>
+                        <a:rPr lang="en-GB" sz="1800" b="1" i="0" kern="1200" dirty="0">
+                          <a:solidFill>
+                            <a:schemeClr val="dk1"/>
+                          </a:solidFill>
+                          <a:effectLst/>
+                          <a:latin typeface="+mn-lt"/>
+                          <a:ea typeface="+mn-ea"/>
+                          <a:cs typeface="+mn-cs"/>
+                        </a:rPr>
+                        <a:t>Comments Given per User</a:t>
+                      </a:r>
+                      <a:endParaRPr lang="en-CH" b="1" dirty="0"/>
+                    </a:p>
+                  </a:txBody>
+                  <a:tcPr/>
+                </a:tc>
+                <a:tc>
+                  <a:txBody>
+                    <a:bodyPr/>
+                    <a:lstStyle/>
+                    <a:p>
+                      <a:r>
+                        <a:rPr lang="en-CH" sz="1800" b="0" i="0" kern="1200" dirty="0">
+                          <a:solidFill>
+                            <a:schemeClr val="dk1"/>
+                          </a:solidFill>
+                          <a:effectLst/>
+                          <a:latin typeface="+mn-lt"/>
+                          <a:ea typeface="+mn-ea"/>
+                          <a:cs typeface="+mn-cs"/>
+                        </a:rPr>
+                        <a:t>69.38</a:t>
+                      </a:r>
+                      <a:endParaRPr lang="en-CH" dirty="0"/>
+                    </a:p>
+                  </a:txBody>
+                  <a:tcPr/>
+                </a:tc>
+                <a:tc>
+                  <a:txBody>
+                    <a:bodyPr/>
+                    <a:lstStyle/>
+                    <a:p>
+                      <a:r>
+                        <a:rPr lang="en-CH" sz="1800" b="0" i="0" kern="1200" dirty="0">
+                          <a:solidFill>
+                            <a:schemeClr val="dk1"/>
+                          </a:solidFill>
+                          <a:effectLst/>
+                          <a:latin typeface="+mn-lt"/>
+                          <a:ea typeface="+mn-ea"/>
+                          <a:cs typeface="+mn-cs"/>
+                        </a:rPr>
+                        <a:t>4</a:t>
+                      </a:r>
+                      <a:endParaRPr lang="en-CH" dirty="0"/>
+                    </a:p>
+                  </a:txBody>
+                  <a:tcPr/>
+                </a:tc>
+                <a:tc>
+                  <a:txBody>
+                    <a:bodyPr/>
+                    <a:lstStyle/>
+                    <a:p>
+                      <a:r>
+                        <a:rPr lang="en-CH" sz="1800" b="0" i="0" kern="1200" dirty="0">
+                          <a:solidFill>
+                            <a:schemeClr val="dk1"/>
+                          </a:solidFill>
+                          <a:effectLst/>
+                          <a:latin typeface="+mn-lt"/>
+                          <a:ea typeface="+mn-ea"/>
+                          <a:cs typeface="+mn-cs"/>
+                        </a:rPr>
+                        <a:t>339.45</a:t>
+                      </a:r>
+                      <a:endParaRPr lang="en-CH" dirty="0"/>
+                    </a:p>
+                  </a:txBody>
+                  <a:tcPr/>
+                </a:tc>
+                <a:tc>
+                  <a:txBody>
+                    <a:bodyPr/>
+                    <a:lstStyle/>
+                    <a:p>
+                      <a:r>
+                        <a:rPr lang="en-CH" sz="1800" b="0" i="0" kern="1200" dirty="0">
+                          <a:solidFill>
+                            <a:schemeClr val="dk1"/>
+                          </a:solidFill>
+                          <a:effectLst/>
+                          <a:latin typeface="+mn-lt"/>
+                          <a:ea typeface="+mn-ea"/>
+                          <a:cs typeface="+mn-cs"/>
+                        </a:rPr>
+                        <a:t>29’348</a:t>
+                      </a:r>
+                      <a:endParaRPr lang="en-CH" dirty="0"/>
+                    </a:p>
+                  </a:txBody>
+                  <a:tcPr/>
+                </a:tc>
+                <a:extLst>
+                  <a:ext uri="{0D108BD9-81ED-4DB2-BD59-A6C34878D82A}">
+                    <a16:rowId xmlns:a16="http://schemas.microsoft.com/office/drawing/2014/main" val="1914626699"/>
+                  </a:ext>
+                </a:extLst>
+              </a:tr>
+            </a:tbl>
+          </a:graphicData>
+        </a:graphic>
+      </p:graphicFrame>
     </p:spTree>
     <p:extLst>
       <p:ext uri="{BB962C8B-B14F-4D97-AF65-F5344CB8AC3E}">
-        <p14:creationId xmlns:p14="http://schemas.microsoft.com/office/powerpoint/2010/main" val="1264526715"/>
+        <p14:creationId xmlns:p14="http://schemas.microsoft.com/office/powerpoint/2010/main" val="3299950130"/>
       </p:ext>
     </p:extLst>
   </p:cSld>
@@ -4979,7 +10350,7 @@
           <a:p>
             <a:r>
               <a:rPr lang="en-CH" dirty="0"/>
-              <a:t>Louvain Algorithm for community detection</a:t>
+              <a:t>Louvain Algorithm for Social Circle Detection</a:t>
             </a:r>
           </a:p>
         </p:txBody>

--- a/project/project-presentation.pptx
+++ b/project/project-presentation.pptx
@@ -4392,14 +4392,14 @@
           <p:nvPr>
             <p:extLst>
               <p:ext uri="{D42A27DB-BD31-4B8C-83A1-F6EECF244321}">
-                <p14:modId xmlns:p14="http://schemas.microsoft.com/office/powerpoint/2010/main" val="249292590"/>
+                <p14:modId xmlns:p14="http://schemas.microsoft.com/office/powerpoint/2010/main" val="283537016"/>
               </p:ext>
             </p:extLst>
           </p:nvPr>
         </p:nvGraphicFramePr>
         <p:xfrm>
           <a:off x="838200" y="1779000"/>
-          <a:ext cx="7537546" cy="2961640"/>
+          <a:ext cx="7456377" cy="2961640"/>
         </p:xfrm>
         <a:graphic>
           <a:graphicData uri="http://schemas.openxmlformats.org/drawingml/2006/table">
@@ -4408,7 +4408,7 @@
                 <a:tableStyleId>{5C22544A-7EE6-4342-B048-85BDC9FD1C3A}</a:tableStyleId>
               </a:tblPr>
               <a:tblGrid>
-                <a:gridCol w="4660726">
+                <a:gridCol w="4579557">
                   <a:extLst>
                     <a:ext uri="{9D8B030D-6E8A-4147-A177-3AD203B41FA5}">
                       <a16:colId xmlns:a16="http://schemas.microsoft.com/office/drawing/2014/main" val="1579397185"/>
@@ -4444,48 +4444,116 @@
                     <a:lstStyle/>
                     <a:p>
                       <a:r>
-                        <a:rPr lang="en-CH" dirty="0"/>
+                        <a:rPr lang="en-CH" sz="1800" b="1" i="0" kern="1200">
+                          <a:solidFill>
+                            <a:schemeClr val="dk1"/>
+                          </a:solidFill>
+                          <a:effectLst/>
+                          <a:latin typeface="+mn-lt"/>
+                          <a:ea typeface="+mn-ea"/>
+                          <a:cs typeface="+mn-cs"/>
+                        </a:rPr>
                         <a:t>Type</a:t>
                       </a:r>
-                    </a:p>
-                  </a:txBody>
-                  <a:tcPr/>
-                </a:tc>
-                <a:tc>
-                  <a:txBody>
-                    <a:bodyPr/>
-                    <a:lstStyle/>
-                    <a:p>
-                      <a:r>
-                        <a:rPr lang="en-CH" dirty="0"/>
+                      <a:endParaRPr lang="en-CH" sz="1800" b="1" i="0" kern="1200" dirty="0">
+                        <a:solidFill>
+                          <a:schemeClr val="dk1"/>
+                        </a:solidFill>
+                        <a:effectLst/>
+                        <a:latin typeface="+mn-lt"/>
+                        <a:ea typeface="+mn-ea"/>
+                        <a:cs typeface="+mn-cs"/>
+                      </a:endParaRPr>
+                    </a:p>
+                  </a:txBody>
+                  <a:tcPr/>
+                </a:tc>
+                <a:tc>
+                  <a:txBody>
+                    <a:bodyPr/>
+                    <a:lstStyle/>
+                    <a:p>
+                      <a:r>
+                        <a:rPr lang="en-CH" sz="1800" b="1" i="0" kern="1200">
+                          <a:solidFill>
+                            <a:schemeClr val="dk1"/>
+                          </a:solidFill>
+                          <a:effectLst/>
+                          <a:latin typeface="+mn-lt"/>
+                          <a:ea typeface="+mn-ea"/>
+                          <a:cs typeface="+mn-cs"/>
+                        </a:rPr>
                         <a:t>Value</a:t>
                       </a:r>
-                    </a:p>
-                  </a:txBody>
-                  <a:tcPr/>
-                </a:tc>
-                <a:tc>
-                  <a:txBody>
-                    <a:bodyPr/>
-                    <a:lstStyle/>
-                    <a:p>
-                      <a:r>
-                        <a:rPr lang="en-CH" dirty="0"/>
+                      <a:endParaRPr lang="en-CH" sz="1800" b="1" i="0" kern="1200" dirty="0">
+                        <a:solidFill>
+                          <a:schemeClr val="dk1"/>
+                        </a:solidFill>
+                        <a:effectLst/>
+                        <a:latin typeface="+mn-lt"/>
+                        <a:ea typeface="+mn-ea"/>
+                        <a:cs typeface="+mn-cs"/>
+                      </a:endParaRPr>
+                    </a:p>
+                  </a:txBody>
+                  <a:tcPr/>
+                </a:tc>
+                <a:tc>
+                  <a:txBody>
+                    <a:bodyPr/>
+                    <a:lstStyle/>
+                    <a:p>
+                      <a:r>
+                        <a:rPr lang="en-CH" sz="1800" b="1" i="0" kern="1200">
+                          <a:solidFill>
+                            <a:schemeClr val="dk1"/>
+                          </a:solidFill>
+                          <a:effectLst/>
+                          <a:latin typeface="+mn-lt"/>
+                          <a:ea typeface="+mn-ea"/>
+                          <a:cs typeface="+mn-cs"/>
+                        </a:rPr>
                         <a:t>Rank</a:t>
                       </a:r>
-                    </a:p>
-                  </a:txBody>
-                  <a:tcPr/>
-                </a:tc>
-                <a:tc>
-                  <a:txBody>
-                    <a:bodyPr/>
-                    <a:lstStyle/>
-                    <a:p>
-                      <a:r>
-                        <a:rPr lang="en-CH" dirty="0"/>
+                      <a:endParaRPr lang="en-CH" sz="1800" b="1" i="0" kern="1200" dirty="0">
+                        <a:solidFill>
+                          <a:schemeClr val="dk1"/>
+                        </a:solidFill>
+                        <a:effectLst/>
+                        <a:latin typeface="+mn-lt"/>
+                        <a:ea typeface="+mn-ea"/>
+                        <a:cs typeface="+mn-cs"/>
+                      </a:endParaRPr>
+                    </a:p>
+                  </a:txBody>
+                  <a:tcPr/>
+                </a:tc>
+                <a:tc>
+                  <a:txBody>
+                    <a:bodyPr/>
+                    <a:lstStyle/>
+                    <a:p>
+                      <a:r>
+                        <a:rPr lang="en-CH" sz="1800" b="1" i="0" kern="1200">
+                          <a:solidFill>
+                            <a:schemeClr val="dk1"/>
+                          </a:solidFill>
+                          <a:effectLst/>
+                          <a:latin typeface="+mn-lt"/>
+                          <a:ea typeface="+mn-ea"/>
+                          <a:cs typeface="+mn-cs"/>
+                        </a:rPr>
                         <a:t>Top in %</a:t>
                       </a:r>
+                      <a:endParaRPr lang="en-CH" sz="1800" b="1" i="0" kern="1200" dirty="0">
+                        <a:solidFill>
+                          <a:schemeClr val="dk1"/>
+                        </a:solidFill>
+                        <a:effectLst/>
+                        <a:latin typeface="+mn-lt"/>
+                        <a:ea typeface="+mn-ea"/>
+                        <a:cs typeface="+mn-cs"/>
+                      </a:endParaRPr>
                     </a:p>
                   </a:txBody>
                   <a:tcPr/>
@@ -4514,18 +4582,26 @@
                         </a:rPr>
                         <a:t>Follower Count</a:t>
                       </a:r>
-                      <a:endParaRPr lang="en-CH" b="1" dirty="0"/>
-                    </a:p>
-                  </a:txBody>
-                  <a:tcPr/>
-                </a:tc>
-                <a:tc>
-                  <a:txBody>
-                    <a:bodyPr/>
-                    <a:lstStyle/>
-                    <a:p>
-                      <a:r>
-                        <a:rPr lang="en-CH" sz="1800" b="0" i="0" kern="1200" dirty="0">
+                      <a:endParaRPr lang="en-CH" sz="1800" b="1" i="0" kern="1200" dirty="0">
+                        <a:solidFill>
+                          <a:schemeClr val="dk1"/>
+                        </a:solidFill>
+                        <a:effectLst/>
+                        <a:latin typeface="+mn-lt"/>
+                        <a:ea typeface="+mn-ea"/>
+                        <a:cs typeface="+mn-cs"/>
+                      </a:endParaRPr>
+                    </a:p>
+                  </a:txBody>
+                  <a:tcPr/>
+                </a:tc>
+                <a:tc>
+                  <a:txBody>
+                    <a:bodyPr/>
+                    <a:lstStyle/>
+                    <a:p>
+                      <a:r>
+                        <a:rPr lang="en-CH" sz="1800" b="1" i="0" kern="1200">
                           <a:solidFill>
                             <a:schemeClr val="dk1"/>
                           </a:solidFill>
@@ -4536,18 +4612,26 @@
                         </a:rPr>
                         <a:t>42,487</a:t>
                       </a:r>
-                      <a:endParaRPr lang="en-CH" dirty="0"/>
-                    </a:p>
-                  </a:txBody>
-                  <a:tcPr/>
-                </a:tc>
-                <a:tc>
-                  <a:txBody>
-                    <a:bodyPr/>
-                    <a:lstStyle/>
-                    <a:p>
-                      <a:r>
-                        <a:rPr lang="en-CH" sz="1800" b="0" i="0" kern="1200" dirty="0">
+                      <a:endParaRPr lang="en-CH" sz="1800" b="1" i="0" kern="1200" dirty="0">
+                        <a:solidFill>
+                          <a:schemeClr val="dk1"/>
+                        </a:solidFill>
+                        <a:effectLst/>
+                        <a:latin typeface="+mn-lt"/>
+                        <a:ea typeface="+mn-ea"/>
+                        <a:cs typeface="+mn-cs"/>
+                      </a:endParaRPr>
+                    </a:p>
+                  </a:txBody>
+                  <a:tcPr/>
+                </a:tc>
+                <a:tc>
+                  <a:txBody>
+                    <a:bodyPr/>
+                    <a:lstStyle/>
+                    <a:p>
+                      <a:r>
+                        <a:rPr lang="en-CH" sz="1800" b="1" i="0" kern="1200">
                           <a:solidFill>
                             <a:schemeClr val="dk1"/>
                           </a:solidFill>
@@ -4558,18 +4642,26 @@
                         </a:rPr>
                         <a:t>1</a:t>
                       </a:r>
-                      <a:endParaRPr lang="en-CH" dirty="0"/>
-                    </a:p>
-                  </a:txBody>
-                  <a:tcPr/>
-                </a:tc>
-                <a:tc>
-                  <a:txBody>
-                    <a:bodyPr/>
-                    <a:lstStyle/>
-                    <a:p>
-                      <a:r>
-                        <a:rPr lang="en-CH" sz="1800" b="0" i="0" kern="1200" dirty="0">
+                      <a:endParaRPr lang="en-CH" sz="1800" b="1" i="0" kern="1200" dirty="0">
+                        <a:solidFill>
+                          <a:schemeClr val="dk1"/>
+                        </a:solidFill>
+                        <a:effectLst/>
+                        <a:latin typeface="+mn-lt"/>
+                        <a:ea typeface="+mn-ea"/>
+                        <a:cs typeface="+mn-cs"/>
+                      </a:endParaRPr>
+                    </a:p>
+                  </a:txBody>
+                  <a:tcPr/>
+                </a:tc>
+                <a:tc>
+                  <a:txBody>
+                    <a:bodyPr/>
+                    <a:lstStyle/>
+                    <a:p>
+                      <a:r>
+                        <a:rPr lang="en-CH" sz="1800" b="1" i="0" kern="1200">
                           <a:solidFill>
                             <a:schemeClr val="dk1"/>
                           </a:solidFill>
@@ -4580,7 +4672,15 @@
                         </a:rPr>
                         <a:t>0</a:t>
                       </a:r>
-                      <a:endParaRPr lang="en-CH" dirty="0"/>
+                      <a:endParaRPr lang="en-CH" sz="1800" b="1" i="0" kern="1200" dirty="0">
+                        <a:solidFill>
+                          <a:schemeClr val="dk1"/>
+                        </a:solidFill>
+                        <a:effectLst/>
+                        <a:latin typeface="+mn-lt"/>
+                        <a:ea typeface="+mn-ea"/>
+                        <a:cs typeface="+mn-cs"/>
+                      </a:endParaRPr>
                     </a:p>
                   </a:txBody>
                   <a:tcPr/>
@@ -4598,7 +4698,7 @@
                     <a:lstStyle/>
                     <a:p>
                       <a:r>
-                        <a:rPr lang="en-GB" sz="1800" b="1" i="0" kern="1200" dirty="0">
+                        <a:rPr lang="en-GB" sz="1800" b="1" i="0" kern="1200">
                           <a:solidFill>
                             <a:schemeClr val="dk1"/>
                           </a:solidFill>
@@ -4609,18 +4709,26 @@
                         </a:rPr>
                         <a:t>Following Count</a:t>
                       </a:r>
-                      <a:endParaRPr lang="en-CH" b="1" dirty="0"/>
-                    </a:p>
-                  </a:txBody>
-                  <a:tcPr/>
-                </a:tc>
-                <a:tc>
-                  <a:txBody>
-                    <a:bodyPr/>
-                    <a:lstStyle/>
-                    <a:p>
-                      <a:r>
-                        <a:rPr lang="en-CH" sz="1800" b="0" i="0" kern="1200" dirty="0">
+                      <a:endParaRPr lang="en-CH" sz="1800" b="1" i="0" kern="1200" dirty="0">
+                        <a:solidFill>
+                          <a:schemeClr val="dk1"/>
+                        </a:solidFill>
+                        <a:effectLst/>
+                        <a:latin typeface="+mn-lt"/>
+                        <a:ea typeface="+mn-ea"/>
+                        <a:cs typeface="+mn-cs"/>
+                      </a:endParaRPr>
+                    </a:p>
+                  </a:txBody>
+                  <a:tcPr/>
+                </a:tc>
+                <a:tc>
+                  <a:txBody>
+                    <a:bodyPr/>
+                    <a:lstStyle/>
+                    <a:p>
+                      <a:r>
+                        <a:rPr lang="en-CH" sz="1800" b="1" i="0" kern="1200">
                           <a:solidFill>
                             <a:schemeClr val="dk1"/>
                           </a:solidFill>
@@ -4631,18 +4739,26 @@
                         </a:rPr>
                         <a:t>9,938</a:t>
                       </a:r>
-                      <a:endParaRPr lang="en-CH" dirty="0"/>
-                    </a:p>
-                  </a:txBody>
-                  <a:tcPr/>
-                </a:tc>
-                <a:tc>
-                  <a:txBody>
-                    <a:bodyPr/>
-                    <a:lstStyle/>
-                    <a:p>
-                      <a:r>
-                        <a:rPr lang="en-CH" sz="1800" b="0" i="0" kern="1200" dirty="0">
+                      <a:endParaRPr lang="en-CH" sz="1800" b="1" i="0" kern="1200" dirty="0">
+                        <a:solidFill>
+                          <a:schemeClr val="dk1"/>
+                        </a:solidFill>
+                        <a:effectLst/>
+                        <a:latin typeface="+mn-lt"/>
+                        <a:ea typeface="+mn-ea"/>
+                        <a:cs typeface="+mn-cs"/>
+                      </a:endParaRPr>
+                    </a:p>
+                  </a:txBody>
+                  <a:tcPr/>
+                </a:tc>
+                <a:tc>
+                  <a:txBody>
+                    <a:bodyPr/>
+                    <a:lstStyle/>
+                    <a:p>
+                      <a:r>
+                        <a:rPr lang="en-CH" sz="1800" b="1" i="0" kern="1200">
                           <a:solidFill>
                             <a:schemeClr val="dk1"/>
                           </a:solidFill>
@@ -4653,18 +4769,26 @@
                         </a:rPr>
                         <a:t>158</a:t>
                       </a:r>
-                      <a:endParaRPr lang="en-CH" dirty="0"/>
-                    </a:p>
-                  </a:txBody>
-                  <a:tcPr/>
-                </a:tc>
-                <a:tc>
-                  <a:txBody>
-                    <a:bodyPr/>
-                    <a:lstStyle/>
-                    <a:p>
-                      <a:r>
-                        <a:rPr lang="en-CH" sz="1800" b="0" i="0" kern="1200" dirty="0">
+                      <a:endParaRPr lang="en-CH" sz="1800" b="1" i="0" kern="1200" dirty="0">
+                        <a:solidFill>
+                          <a:schemeClr val="dk1"/>
+                        </a:solidFill>
+                        <a:effectLst/>
+                        <a:latin typeface="+mn-lt"/>
+                        <a:ea typeface="+mn-ea"/>
+                        <a:cs typeface="+mn-cs"/>
+                      </a:endParaRPr>
+                    </a:p>
+                  </a:txBody>
+                  <a:tcPr/>
+                </a:tc>
+                <a:tc>
+                  <a:txBody>
+                    <a:bodyPr/>
+                    <a:lstStyle/>
+                    <a:p>
+                      <a:r>
+                        <a:rPr lang="en-CH" sz="1800" b="1" i="0" kern="1200">
                           <a:solidFill>
                             <a:schemeClr val="dk1"/>
                           </a:solidFill>
@@ -4675,7 +4799,15 @@
                         </a:rPr>
                         <a:t>0.03</a:t>
                       </a:r>
-                      <a:endParaRPr lang="en-CH" dirty="0"/>
+                      <a:endParaRPr lang="en-CH" sz="1800" b="1" i="0" kern="1200" dirty="0">
+                        <a:solidFill>
+                          <a:schemeClr val="dk1"/>
+                        </a:solidFill>
+                        <a:effectLst/>
+                        <a:latin typeface="+mn-lt"/>
+                        <a:ea typeface="+mn-ea"/>
+                        <a:cs typeface="+mn-cs"/>
+                      </a:endParaRPr>
                     </a:p>
                   </a:txBody>
                   <a:tcPr/>
@@ -4693,7 +4825,7 @@
                     <a:lstStyle/>
                     <a:p>
                       <a:r>
-                        <a:rPr lang="en-GB" sz="1800" b="1" i="0" kern="1200" dirty="0">
+                        <a:rPr lang="en-GB" sz="1800" b="1" i="0" kern="1200">
                           <a:solidFill>
                             <a:schemeClr val="dk1"/>
                           </a:solidFill>
@@ -4704,18 +4836,26 @@
                         </a:rPr>
                         <a:t>Posts Created</a:t>
                       </a:r>
-                      <a:endParaRPr lang="en-CH" b="1" dirty="0"/>
-                    </a:p>
-                  </a:txBody>
-                  <a:tcPr/>
-                </a:tc>
-                <a:tc>
-                  <a:txBody>
-                    <a:bodyPr/>
-                    <a:lstStyle/>
-                    <a:p>
-                      <a:r>
-                        <a:rPr lang="en-CH" sz="1800" b="0" i="0" kern="1200" dirty="0">
+                      <a:endParaRPr lang="en-CH" sz="1800" b="1" i="0" kern="1200" dirty="0">
+                        <a:solidFill>
+                          <a:schemeClr val="dk1"/>
+                        </a:solidFill>
+                        <a:effectLst/>
+                        <a:latin typeface="+mn-lt"/>
+                        <a:ea typeface="+mn-ea"/>
+                        <a:cs typeface="+mn-cs"/>
+                      </a:endParaRPr>
+                    </a:p>
+                  </a:txBody>
+                  <a:tcPr/>
+                </a:tc>
+                <a:tc>
+                  <a:txBody>
+                    <a:bodyPr/>
+                    <a:lstStyle/>
+                    <a:p>
+                      <a:r>
+                        <a:rPr lang="en-CH" sz="1800" b="1" i="0" kern="1200">
                           <a:solidFill>
                             <a:schemeClr val="dk1"/>
                           </a:solidFill>
@@ -4726,18 +4866,26 @@
                         </a:rPr>
                         <a:t>113</a:t>
                       </a:r>
-                      <a:endParaRPr lang="en-CH" dirty="0"/>
-                    </a:p>
-                  </a:txBody>
-                  <a:tcPr/>
-                </a:tc>
-                <a:tc>
-                  <a:txBody>
-                    <a:bodyPr/>
-                    <a:lstStyle/>
-                    <a:p>
-                      <a:r>
-                        <a:rPr lang="en-CH" sz="1800" b="0" i="0" kern="1200" dirty="0">
+                      <a:endParaRPr lang="en-CH" sz="1800" b="1" i="0" kern="1200" dirty="0">
+                        <a:solidFill>
+                          <a:schemeClr val="dk1"/>
+                        </a:solidFill>
+                        <a:effectLst/>
+                        <a:latin typeface="+mn-lt"/>
+                        <a:ea typeface="+mn-ea"/>
+                        <a:cs typeface="+mn-cs"/>
+                      </a:endParaRPr>
+                    </a:p>
+                  </a:txBody>
+                  <a:tcPr/>
+                </a:tc>
+                <a:tc>
+                  <a:txBody>
+                    <a:bodyPr/>
+                    <a:lstStyle/>
+                    <a:p>
+                      <a:r>
+                        <a:rPr lang="en-CH" sz="1800" b="1" i="0" kern="1200">
                           <a:solidFill>
                             <a:schemeClr val="dk1"/>
                           </a:solidFill>
@@ -4748,18 +4896,26 @@
                         </a:rPr>
                         <a:t>17469</a:t>
                       </a:r>
-                      <a:endParaRPr lang="en-CH" dirty="0"/>
-                    </a:p>
-                  </a:txBody>
-                  <a:tcPr/>
-                </a:tc>
-                <a:tc>
-                  <a:txBody>
-                    <a:bodyPr/>
-                    <a:lstStyle/>
-                    <a:p>
-                      <a:r>
-                        <a:rPr lang="en-CH" sz="1800" b="0" i="0" kern="1200" dirty="0">
+                      <a:endParaRPr lang="en-CH" sz="1800" b="1" i="0" kern="1200" dirty="0">
+                        <a:solidFill>
+                          <a:schemeClr val="dk1"/>
+                        </a:solidFill>
+                        <a:effectLst/>
+                        <a:latin typeface="+mn-lt"/>
+                        <a:ea typeface="+mn-ea"/>
+                        <a:cs typeface="+mn-cs"/>
+                      </a:endParaRPr>
+                    </a:p>
+                  </a:txBody>
+                  <a:tcPr/>
+                </a:tc>
+                <a:tc>
+                  <a:txBody>
+                    <a:bodyPr/>
+                    <a:lstStyle/>
+                    <a:p>
+                      <a:r>
+                        <a:rPr lang="en-CH" sz="1800" b="1" i="0" kern="1200">
                           <a:solidFill>
                             <a:schemeClr val="dk1"/>
                           </a:solidFill>
@@ -4770,7 +4926,15 @@
                         </a:rPr>
                         <a:t>3.62</a:t>
                       </a:r>
-                      <a:endParaRPr lang="en-CH" dirty="0"/>
+                      <a:endParaRPr lang="en-CH" sz="1800" b="1" i="0" kern="1200" dirty="0">
+                        <a:solidFill>
+                          <a:schemeClr val="dk1"/>
+                        </a:solidFill>
+                        <a:effectLst/>
+                        <a:latin typeface="+mn-lt"/>
+                        <a:ea typeface="+mn-ea"/>
+                        <a:cs typeface="+mn-cs"/>
+                      </a:endParaRPr>
                     </a:p>
                   </a:txBody>
                   <a:tcPr/>
@@ -4799,18 +4963,26 @@
                         </a:rPr>
                         <a:t>Likes Received per Post (on average)</a:t>
                       </a:r>
-                      <a:endParaRPr lang="en-CH" b="1" dirty="0"/>
-                    </a:p>
-                  </a:txBody>
-                  <a:tcPr/>
-                </a:tc>
-                <a:tc>
-                  <a:txBody>
-                    <a:bodyPr/>
-                    <a:lstStyle/>
-                    <a:p>
-                      <a:r>
-                        <a:rPr lang="en-CH" sz="1800" b="0" i="0" kern="1200" dirty="0">
+                      <a:endParaRPr lang="en-CH" sz="1800" b="1" i="0" kern="1200" dirty="0">
+                        <a:solidFill>
+                          <a:schemeClr val="dk1"/>
+                        </a:solidFill>
+                        <a:effectLst/>
+                        <a:latin typeface="+mn-lt"/>
+                        <a:ea typeface="+mn-ea"/>
+                        <a:cs typeface="+mn-cs"/>
+                      </a:endParaRPr>
+                    </a:p>
+                  </a:txBody>
+                  <a:tcPr/>
+                </a:tc>
+                <a:tc>
+                  <a:txBody>
+                    <a:bodyPr/>
+                    <a:lstStyle/>
+                    <a:p>
+                      <a:r>
+                        <a:rPr lang="en-CH" sz="1800" b="1" i="0" kern="1200">
                           <a:solidFill>
                             <a:schemeClr val="dk1"/>
                           </a:solidFill>
@@ -4821,18 +4993,26 @@
                         </a:rPr>
                         <a:t>0.22</a:t>
                       </a:r>
-                      <a:endParaRPr lang="en-CH" dirty="0"/>
-                    </a:p>
-                  </a:txBody>
-                  <a:tcPr/>
-                </a:tc>
-                <a:tc>
-                  <a:txBody>
-                    <a:bodyPr/>
-                    <a:lstStyle/>
-                    <a:p>
-                      <a:r>
-                        <a:rPr lang="en-CH" sz="1800" b="0" i="0" kern="1200" dirty="0">
+                      <a:endParaRPr lang="en-CH" sz="1800" b="1" i="0" kern="1200" dirty="0">
+                        <a:solidFill>
+                          <a:schemeClr val="dk1"/>
+                        </a:solidFill>
+                        <a:effectLst/>
+                        <a:latin typeface="+mn-lt"/>
+                        <a:ea typeface="+mn-ea"/>
+                        <a:cs typeface="+mn-cs"/>
+                      </a:endParaRPr>
+                    </a:p>
+                  </a:txBody>
+                  <a:tcPr/>
+                </a:tc>
+                <a:tc>
+                  <a:txBody>
+                    <a:bodyPr/>
+                    <a:lstStyle/>
+                    <a:p>
+                      <a:r>
+                        <a:rPr lang="en-CH" sz="1800" b="1" i="0" kern="1200">
                           <a:solidFill>
                             <a:schemeClr val="dk1"/>
                           </a:solidFill>
@@ -4843,18 +5023,26 @@
                         </a:rPr>
                         <a:t>7575</a:t>
                       </a:r>
-                      <a:endParaRPr lang="en-CH" dirty="0"/>
-                    </a:p>
-                  </a:txBody>
-                  <a:tcPr/>
-                </a:tc>
-                <a:tc>
-                  <a:txBody>
-                    <a:bodyPr/>
-                    <a:lstStyle/>
-                    <a:p>
-                      <a:r>
-                        <a:rPr lang="en-CH" sz="1800" b="0" i="0" kern="1200" dirty="0">
+                      <a:endParaRPr lang="en-CH" sz="1800" b="1" i="0" kern="1200" dirty="0">
+                        <a:solidFill>
+                          <a:schemeClr val="dk1"/>
+                        </a:solidFill>
+                        <a:effectLst/>
+                        <a:latin typeface="+mn-lt"/>
+                        <a:ea typeface="+mn-ea"/>
+                        <a:cs typeface="+mn-cs"/>
+                      </a:endParaRPr>
+                    </a:p>
+                  </a:txBody>
+                  <a:tcPr/>
+                </a:tc>
+                <a:tc>
+                  <a:txBody>
+                    <a:bodyPr/>
+                    <a:lstStyle/>
+                    <a:p>
+                      <a:r>
+                        <a:rPr lang="en-CH" sz="1800" b="1" i="0" kern="1200">
                           <a:solidFill>
                             <a:schemeClr val="dk1"/>
                           </a:solidFill>
@@ -4865,7 +5053,15 @@
                         </a:rPr>
                         <a:t>1.56</a:t>
                       </a:r>
-                      <a:endParaRPr lang="en-CH" dirty="0"/>
+                      <a:endParaRPr lang="en-CH" sz="1800" b="1" i="0" kern="1200" dirty="0">
+                        <a:solidFill>
+                          <a:schemeClr val="dk1"/>
+                        </a:solidFill>
+                        <a:effectLst/>
+                        <a:latin typeface="+mn-lt"/>
+                        <a:ea typeface="+mn-ea"/>
+                        <a:cs typeface="+mn-cs"/>
+                      </a:endParaRPr>
                     </a:p>
                   </a:txBody>
                   <a:tcPr/>
@@ -4883,7 +5079,7 @@
                     <a:lstStyle/>
                     <a:p>
                       <a:r>
-                        <a:rPr lang="en-GB" sz="1800" b="1" i="0" kern="1200" dirty="0">
+                        <a:rPr lang="en-GB" sz="1800" b="1" i="0" kern="1200">
                           <a:solidFill>
                             <a:schemeClr val="dk1"/>
                           </a:solidFill>
@@ -4894,18 +5090,26 @@
                         </a:rPr>
                         <a:t>Likes Given</a:t>
                       </a:r>
-                      <a:endParaRPr lang="en-CH" b="1" dirty="0"/>
-                    </a:p>
-                  </a:txBody>
-                  <a:tcPr/>
-                </a:tc>
-                <a:tc>
-                  <a:txBody>
-                    <a:bodyPr/>
-                    <a:lstStyle/>
-                    <a:p>
-                      <a:r>
-                        <a:rPr lang="en-CH" sz="1800" b="0" i="0" kern="1200" dirty="0">
+                      <a:endParaRPr lang="en-CH" sz="1800" b="1" i="0" kern="1200" dirty="0">
+                        <a:solidFill>
+                          <a:schemeClr val="dk1"/>
+                        </a:solidFill>
+                        <a:effectLst/>
+                        <a:latin typeface="+mn-lt"/>
+                        <a:ea typeface="+mn-ea"/>
+                        <a:cs typeface="+mn-cs"/>
+                      </a:endParaRPr>
+                    </a:p>
+                  </a:txBody>
+                  <a:tcPr/>
+                </a:tc>
+                <a:tc>
+                  <a:txBody>
+                    <a:bodyPr/>
+                    <a:lstStyle/>
+                    <a:p>
+                      <a:r>
+                        <a:rPr lang="en-CH" sz="1800" b="1" i="0" kern="1200">
                           <a:solidFill>
                             <a:schemeClr val="dk1"/>
                           </a:solidFill>
@@ -4916,18 +5120,26 @@
                         </a:rPr>
                         <a:t>1</a:t>
                       </a:r>
-                      <a:endParaRPr lang="en-CH" dirty="0"/>
-                    </a:p>
-                  </a:txBody>
-                  <a:tcPr/>
-                </a:tc>
-                <a:tc>
-                  <a:txBody>
-                    <a:bodyPr/>
-                    <a:lstStyle/>
-                    <a:p>
-                      <a:r>
-                        <a:rPr lang="en-CH" sz="1800" b="0" i="0" kern="1200" dirty="0">
+                      <a:endParaRPr lang="en-CH" sz="1800" b="1" i="0" kern="1200" dirty="0">
+                        <a:solidFill>
+                          <a:schemeClr val="dk1"/>
+                        </a:solidFill>
+                        <a:effectLst/>
+                        <a:latin typeface="+mn-lt"/>
+                        <a:ea typeface="+mn-ea"/>
+                        <a:cs typeface="+mn-cs"/>
+                      </a:endParaRPr>
+                    </a:p>
+                  </a:txBody>
+                  <a:tcPr/>
+                </a:tc>
+                <a:tc>
+                  <a:txBody>
+                    <a:bodyPr/>
+                    <a:lstStyle/>
+                    <a:p>
+                      <a:r>
+                        <a:rPr lang="en-CH" sz="1800" b="1" i="0" kern="1200">
                           <a:solidFill>
                             <a:schemeClr val="dk1"/>
                           </a:solidFill>
@@ -4938,18 +5150,26 @@
                         </a:rPr>
                         <a:t>10381</a:t>
                       </a:r>
-                      <a:endParaRPr lang="en-CH" dirty="0"/>
-                    </a:p>
-                  </a:txBody>
-                  <a:tcPr/>
-                </a:tc>
-                <a:tc>
-                  <a:txBody>
-                    <a:bodyPr/>
-                    <a:lstStyle/>
-                    <a:p>
-                      <a:r>
-                        <a:rPr lang="en-CH" sz="1800" b="0" i="0" kern="1200" dirty="0">
+                      <a:endParaRPr lang="en-CH" sz="1800" b="1" i="0" kern="1200" dirty="0">
+                        <a:solidFill>
+                          <a:schemeClr val="dk1"/>
+                        </a:solidFill>
+                        <a:effectLst/>
+                        <a:latin typeface="+mn-lt"/>
+                        <a:ea typeface="+mn-ea"/>
+                        <a:cs typeface="+mn-cs"/>
+                      </a:endParaRPr>
+                    </a:p>
+                  </a:txBody>
+                  <a:tcPr/>
+                </a:tc>
+                <a:tc>
+                  <a:txBody>
+                    <a:bodyPr/>
+                    <a:lstStyle/>
+                    <a:p>
+                      <a:r>
+                        <a:rPr lang="en-CH" sz="1800" b="1" i="0" kern="1200">
                           <a:solidFill>
                             <a:schemeClr val="dk1"/>
                           </a:solidFill>
@@ -4960,7 +5180,15 @@
                         </a:rPr>
                         <a:t>2.63</a:t>
                       </a:r>
-                      <a:endParaRPr lang="en-CH" dirty="0"/>
+                      <a:endParaRPr lang="en-CH" sz="1800" b="1" i="0" kern="1200" dirty="0">
+                        <a:solidFill>
+                          <a:schemeClr val="dk1"/>
+                        </a:solidFill>
+                        <a:effectLst/>
+                        <a:latin typeface="+mn-lt"/>
+                        <a:ea typeface="+mn-ea"/>
+                        <a:cs typeface="+mn-cs"/>
+                      </a:endParaRPr>
                     </a:p>
                   </a:txBody>
                   <a:tcPr/>
@@ -4978,7 +5206,7 @@
                     <a:lstStyle/>
                     <a:p>
                       <a:r>
-                        <a:rPr lang="en-GB" sz="1800" b="1" i="0" kern="1200" dirty="0">
+                        <a:rPr lang="en-GB" sz="1800" b="1" i="0" kern="1200">
                           <a:solidFill>
                             <a:schemeClr val="dk1"/>
                           </a:solidFill>
@@ -4989,18 +5217,26 @@
                         </a:rPr>
                         <a:t>Comments Received per Post (on average)</a:t>
                       </a:r>
-                      <a:endParaRPr lang="en-CH" b="1" dirty="0"/>
-                    </a:p>
-                  </a:txBody>
-                  <a:tcPr/>
-                </a:tc>
-                <a:tc>
-                  <a:txBody>
-                    <a:bodyPr/>
-                    <a:lstStyle/>
-                    <a:p>
-                      <a:r>
-                        <a:rPr lang="en-CH" sz="1800" b="0" i="0" kern="1200" dirty="0">
+                      <a:endParaRPr lang="en-CH" sz="1800" b="1" i="0" kern="1200" dirty="0">
+                        <a:solidFill>
+                          <a:schemeClr val="dk1"/>
+                        </a:solidFill>
+                        <a:effectLst/>
+                        <a:latin typeface="+mn-lt"/>
+                        <a:ea typeface="+mn-ea"/>
+                        <a:cs typeface="+mn-cs"/>
+                      </a:endParaRPr>
+                    </a:p>
+                  </a:txBody>
+                  <a:tcPr/>
+                </a:tc>
+                <a:tc>
+                  <a:txBody>
+                    <a:bodyPr/>
+                    <a:lstStyle/>
+                    <a:p>
+                      <a:r>
+                        <a:rPr lang="en-CH" sz="1800" b="1" i="0" kern="1200">
                           <a:solidFill>
                             <a:schemeClr val="dk1"/>
                           </a:solidFill>
@@ -5011,18 +5247,26 @@
                         </a:rPr>
                         <a:t>0.04</a:t>
                       </a:r>
-                      <a:endParaRPr lang="en-CH" dirty="0"/>
-                    </a:p>
-                  </a:txBody>
-                  <a:tcPr/>
-                </a:tc>
-                <a:tc>
-                  <a:txBody>
-                    <a:bodyPr/>
-                    <a:lstStyle/>
-                    <a:p>
-                      <a:r>
-                        <a:rPr lang="en-CH" sz="1800" b="0" i="0" kern="1200" dirty="0">
+                      <a:endParaRPr lang="en-CH" sz="1800" b="1" i="0" kern="1200" dirty="0">
+                        <a:solidFill>
+                          <a:schemeClr val="dk1"/>
+                        </a:solidFill>
+                        <a:effectLst/>
+                        <a:latin typeface="+mn-lt"/>
+                        <a:ea typeface="+mn-ea"/>
+                        <a:cs typeface="+mn-cs"/>
+                      </a:endParaRPr>
+                    </a:p>
+                  </a:txBody>
+                  <a:tcPr/>
+                </a:tc>
+                <a:tc>
+                  <a:txBody>
+                    <a:bodyPr/>
+                    <a:lstStyle/>
+                    <a:p>
+                      <a:r>
+                        <a:rPr lang="en-CH" sz="1800" b="1" i="0" kern="1200">
                           <a:solidFill>
                             <a:schemeClr val="dk1"/>
                           </a:solidFill>
@@ -5033,18 +5277,26 @@
                         </a:rPr>
                         <a:t>31310</a:t>
                       </a:r>
-                      <a:endParaRPr lang="en-CH" dirty="0"/>
-                    </a:p>
-                  </a:txBody>
-                  <a:tcPr/>
-                </a:tc>
-                <a:tc>
-                  <a:txBody>
-                    <a:bodyPr/>
-                    <a:lstStyle/>
-                    <a:p>
-                      <a:r>
-                        <a:rPr lang="en-CH" sz="1800" b="0" i="0" kern="1200" dirty="0">
+                      <a:endParaRPr lang="en-CH" sz="1800" b="1" i="0" kern="1200" dirty="0">
+                        <a:solidFill>
+                          <a:schemeClr val="dk1"/>
+                        </a:solidFill>
+                        <a:effectLst/>
+                        <a:latin typeface="+mn-lt"/>
+                        <a:ea typeface="+mn-ea"/>
+                        <a:cs typeface="+mn-cs"/>
+                      </a:endParaRPr>
+                    </a:p>
+                  </a:txBody>
+                  <a:tcPr/>
+                </a:tc>
+                <a:tc>
+                  <a:txBody>
+                    <a:bodyPr/>
+                    <a:lstStyle/>
+                    <a:p>
+                      <a:r>
+                        <a:rPr lang="en-CH" sz="1800" b="1" i="0" kern="1200">
                           <a:solidFill>
                             <a:schemeClr val="dk1"/>
                           </a:solidFill>
@@ -5055,7 +5307,15 @@
                         </a:rPr>
                         <a:t>6.46</a:t>
                       </a:r>
-                      <a:endParaRPr lang="en-CH" dirty="0"/>
+                      <a:endParaRPr lang="en-CH" sz="1800" b="1" i="0" kern="1200" dirty="0">
+                        <a:solidFill>
+                          <a:schemeClr val="dk1"/>
+                        </a:solidFill>
+                        <a:effectLst/>
+                        <a:latin typeface="+mn-lt"/>
+                        <a:ea typeface="+mn-ea"/>
+                        <a:cs typeface="+mn-cs"/>
+                      </a:endParaRPr>
                     </a:p>
                   </a:txBody>
                   <a:tcPr/>
@@ -5073,7 +5333,7 @@
                     <a:lstStyle/>
                     <a:p>
                       <a:r>
-                        <a:rPr lang="en-GB" sz="1800" b="1" i="0" kern="1200" dirty="0">
+                        <a:rPr lang="en-GB" sz="1800" b="1" i="0" kern="1200">
                           <a:solidFill>
                             <a:schemeClr val="dk1"/>
                           </a:solidFill>
@@ -5084,18 +5344,26 @@
                         </a:rPr>
                         <a:t>Comments Given</a:t>
                       </a:r>
-                      <a:endParaRPr lang="en-CH" b="1" dirty="0"/>
-                    </a:p>
-                  </a:txBody>
-                  <a:tcPr/>
-                </a:tc>
-                <a:tc>
-                  <a:txBody>
-                    <a:bodyPr/>
-                    <a:lstStyle/>
-                    <a:p>
-                      <a:r>
-                        <a:rPr lang="en-CH" sz="1800" b="0" i="0" kern="1200" dirty="0">
+                      <a:endParaRPr lang="en-CH" sz="1800" b="1" i="0" kern="1200" dirty="0">
+                        <a:solidFill>
+                          <a:schemeClr val="dk1"/>
+                        </a:solidFill>
+                        <a:effectLst/>
+                        <a:latin typeface="+mn-lt"/>
+                        <a:ea typeface="+mn-ea"/>
+                        <a:cs typeface="+mn-cs"/>
+                      </a:endParaRPr>
+                    </a:p>
+                  </a:txBody>
+                  <a:tcPr/>
+                </a:tc>
+                <a:tc>
+                  <a:txBody>
+                    <a:bodyPr/>
+                    <a:lstStyle/>
+                    <a:p>
+                      <a:r>
+                        <a:rPr lang="en-CH" sz="1800" b="1" i="0" kern="1200">
                           <a:solidFill>
                             <a:schemeClr val="dk1"/>
                           </a:solidFill>
@@ -5106,18 +5374,26 @@
                         </a:rPr>
                         <a:t>2</a:t>
                       </a:r>
-                      <a:endParaRPr lang="en-CH" dirty="0"/>
-                    </a:p>
-                  </a:txBody>
-                  <a:tcPr/>
-                </a:tc>
-                <a:tc>
-                  <a:txBody>
-                    <a:bodyPr/>
-                    <a:lstStyle/>
-                    <a:p>
-                      <a:r>
-                        <a:rPr lang="en-CH" sz="1800" b="0" i="0" kern="1200" dirty="0">
+                      <a:endParaRPr lang="en-CH" sz="1800" b="1" i="0" kern="1200" dirty="0">
+                        <a:solidFill>
+                          <a:schemeClr val="dk1"/>
+                        </a:solidFill>
+                        <a:effectLst/>
+                        <a:latin typeface="+mn-lt"/>
+                        <a:ea typeface="+mn-ea"/>
+                        <a:cs typeface="+mn-cs"/>
+                      </a:endParaRPr>
+                    </a:p>
+                  </a:txBody>
+                  <a:tcPr/>
+                </a:tc>
+                <a:tc>
+                  <a:txBody>
+                    <a:bodyPr/>
+                    <a:lstStyle/>
+                    <a:p>
+                      <a:r>
+                        <a:rPr lang="en-CH" sz="1800" b="1" i="0" kern="1200">
                           <a:solidFill>
                             <a:schemeClr val="dk1"/>
                           </a:solidFill>
@@ -5128,18 +5404,26 @@
                         </a:rPr>
                         <a:t>24997</a:t>
                       </a:r>
-                      <a:endParaRPr lang="en-CH" dirty="0"/>
-                    </a:p>
-                  </a:txBody>
-                  <a:tcPr/>
-                </a:tc>
-                <a:tc>
-                  <a:txBody>
-                    <a:bodyPr/>
-                    <a:lstStyle/>
-                    <a:p>
-                      <a:r>
-                        <a:rPr lang="en-CH" sz="1800" b="0" i="0" kern="1200" dirty="0">
+                      <a:endParaRPr lang="en-CH" sz="1800" b="1" i="0" kern="1200" dirty="0">
+                        <a:solidFill>
+                          <a:schemeClr val="dk1"/>
+                        </a:solidFill>
+                        <a:effectLst/>
+                        <a:latin typeface="+mn-lt"/>
+                        <a:ea typeface="+mn-ea"/>
+                        <a:cs typeface="+mn-cs"/>
+                      </a:endParaRPr>
+                    </a:p>
+                  </a:txBody>
+                  <a:tcPr/>
+                </a:tc>
+                <a:tc>
+                  <a:txBody>
+                    <a:bodyPr/>
+                    <a:lstStyle/>
+                    <a:p>
+                      <a:r>
+                        <a:rPr lang="en-CH" sz="1800" b="1" i="0" kern="1200" dirty="0">
                           <a:solidFill>
                             <a:schemeClr val="dk1"/>
                           </a:solidFill>
@@ -5150,7 +5434,6 @@
                         </a:rPr>
                         <a:t>5.67</a:t>
                       </a:r>
-                      <a:endParaRPr lang="en-CH" dirty="0"/>
                     </a:p>
                   </a:txBody>
                   <a:tcPr/>

--- a/project/project-presentation.pptx
+++ b/project/project-presentation.pptx
@@ -218,7 +218,7 @@
           <a:p>
             <a:fld id="{11746ADE-9A98-6D48-9CB8-CA35B8B5C87D}" type="datetimeFigureOut">
               <a:rPr lang="en-CH" smtClean="0"/>
-              <a:t>02.10.2025</a:t>
+              <a:t>03.10.2025</a:t>
             </a:fld>
             <a:endParaRPr lang="en-CH"/>
           </a:p>
@@ -756,7 +756,7 @@
           <a:p>
             <a:fld id="{1F2A7D23-7EA9-894F-9EFE-458820C0BE85}" type="datetimeFigureOut">
               <a:rPr lang="en-CH" smtClean="0"/>
-              <a:t>02.10.2025</a:t>
+              <a:t>03.10.2025</a:t>
             </a:fld>
             <a:endParaRPr lang="en-CH"/>
           </a:p>
@@ -956,7 +956,7 @@
           <a:p>
             <a:fld id="{1F2A7D23-7EA9-894F-9EFE-458820C0BE85}" type="datetimeFigureOut">
               <a:rPr lang="en-CH" smtClean="0"/>
-              <a:t>02.10.2025</a:t>
+              <a:t>03.10.2025</a:t>
             </a:fld>
             <a:endParaRPr lang="en-CH"/>
           </a:p>
@@ -1166,7 +1166,7 @@
           <a:p>
             <a:fld id="{1F2A7D23-7EA9-894F-9EFE-458820C0BE85}" type="datetimeFigureOut">
               <a:rPr lang="en-CH" smtClean="0"/>
-              <a:t>02.10.2025</a:t>
+              <a:t>03.10.2025</a:t>
             </a:fld>
             <a:endParaRPr lang="en-CH"/>
           </a:p>
@@ -1366,7 +1366,7 @@
           <a:p>
             <a:fld id="{1F2A7D23-7EA9-894F-9EFE-458820C0BE85}" type="datetimeFigureOut">
               <a:rPr lang="en-CH" smtClean="0"/>
-              <a:t>02.10.2025</a:t>
+              <a:t>03.10.2025</a:t>
             </a:fld>
             <a:endParaRPr lang="en-CH"/>
           </a:p>
@@ -1642,7 +1642,7 @@
           <a:p>
             <a:fld id="{1F2A7D23-7EA9-894F-9EFE-458820C0BE85}" type="datetimeFigureOut">
               <a:rPr lang="en-CH" smtClean="0"/>
-              <a:t>02.10.2025</a:t>
+              <a:t>03.10.2025</a:t>
             </a:fld>
             <a:endParaRPr lang="en-CH"/>
           </a:p>
@@ -1910,7 +1910,7 @@
           <a:p>
             <a:fld id="{1F2A7D23-7EA9-894F-9EFE-458820C0BE85}" type="datetimeFigureOut">
               <a:rPr lang="en-CH" smtClean="0"/>
-              <a:t>02.10.2025</a:t>
+              <a:t>03.10.2025</a:t>
             </a:fld>
             <a:endParaRPr lang="en-CH"/>
           </a:p>
@@ -2325,7 +2325,7 @@
           <a:p>
             <a:fld id="{1F2A7D23-7EA9-894F-9EFE-458820C0BE85}" type="datetimeFigureOut">
               <a:rPr lang="en-CH" smtClean="0"/>
-              <a:t>02.10.2025</a:t>
+              <a:t>03.10.2025</a:t>
             </a:fld>
             <a:endParaRPr lang="en-CH"/>
           </a:p>
@@ -2467,7 +2467,7 @@
           <a:p>
             <a:fld id="{1F2A7D23-7EA9-894F-9EFE-458820C0BE85}" type="datetimeFigureOut">
               <a:rPr lang="en-CH" smtClean="0"/>
-              <a:t>02.10.2025</a:t>
+              <a:t>03.10.2025</a:t>
             </a:fld>
             <a:endParaRPr lang="en-CH"/>
           </a:p>
@@ -2580,7 +2580,7 @@
           <a:p>
             <a:fld id="{1F2A7D23-7EA9-894F-9EFE-458820C0BE85}" type="datetimeFigureOut">
               <a:rPr lang="en-CH" smtClean="0"/>
-              <a:t>02.10.2025</a:t>
+              <a:t>03.10.2025</a:t>
             </a:fld>
             <a:endParaRPr lang="en-CH"/>
           </a:p>
@@ -2893,7 +2893,7 @@
           <a:p>
             <a:fld id="{1F2A7D23-7EA9-894F-9EFE-458820C0BE85}" type="datetimeFigureOut">
               <a:rPr lang="en-CH" smtClean="0"/>
-              <a:t>02.10.2025</a:t>
+              <a:t>03.10.2025</a:t>
             </a:fld>
             <a:endParaRPr lang="en-CH"/>
           </a:p>
@@ -3182,7 +3182,7 @@
           <a:p>
             <a:fld id="{1F2A7D23-7EA9-894F-9EFE-458820C0BE85}" type="datetimeFigureOut">
               <a:rPr lang="en-CH" smtClean="0"/>
-              <a:t>02.10.2025</a:t>
+              <a:t>03.10.2025</a:t>
             </a:fld>
             <a:endParaRPr lang="en-CH"/>
           </a:p>
@@ -3425,7 +3425,7 @@
           <a:p>
             <a:fld id="{1F2A7D23-7EA9-894F-9EFE-458820C0BE85}" type="datetimeFigureOut">
               <a:rPr lang="en-CH" smtClean="0"/>
-              <a:t>02.10.2025</a:t>
+              <a:t>03.10.2025</a:t>
             </a:fld>
             <a:endParaRPr lang="en-CH"/>
           </a:p>
@@ -13609,7 +13609,7 @@
       </p:sp>
       <p:pic>
         <p:nvPicPr>
-          <p:cNvPr id="5" name="Content Placeholder 4" descr="A graph of a number of posts&#10;&#10;AI-generated content may be incorrect.">
+          <p:cNvPr id="5" name="Content Placeholder 4">
             <a:extLst>
               <a:ext uri="{FF2B5EF4-FFF2-40B4-BE49-F238E27FC236}">
                 <a16:creationId xmlns:a16="http://schemas.microsoft.com/office/drawing/2014/main" id="{512F95F2-1D99-48F4-60CC-712C6381F388}"/>
@@ -13625,9 +13625,8 @@
         </p:nvPicPr>
         <p:blipFill>
           <a:blip r:embed="rId2"/>
-          <a:stretch>
-            <a:fillRect/>
-          </a:stretch>
+          <a:srcRect/>
+          <a:stretch/>
         </p:blipFill>
         <p:spPr>
           <a:xfrm>
@@ -13638,7 +13637,7 @@
       </p:pic>
       <p:pic>
         <p:nvPicPr>
-          <p:cNvPr id="7" name="Picture 6" descr="A graph of a number of comments received&#10;&#10;AI-generated content may be incorrect.">
+          <p:cNvPr id="7" name="Picture 6">
             <a:extLst>
               <a:ext uri="{FF2B5EF4-FFF2-40B4-BE49-F238E27FC236}">
                 <a16:creationId xmlns:a16="http://schemas.microsoft.com/office/drawing/2014/main" id="{737E4160-FDEF-68C8-7603-A14445440AE9}"/>
@@ -13652,14 +13651,13 @@
         </p:nvPicPr>
         <p:blipFill>
           <a:blip r:embed="rId3"/>
-          <a:stretch>
-            <a:fillRect/>
-          </a:stretch>
+          <a:srcRect/>
+          <a:stretch/>
         </p:blipFill>
         <p:spPr>
           <a:xfrm>
             <a:off x="7590971" y="154698"/>
-            <a:ext cx="4060619" cy="3236581"/>
+            <a:ext cx="4060618" cy="3236581"/>
           </a:xfrm>
           <a:prstGeom prst="rect">
             <a:avLst/>
@@ -13668,7 +13666,7 @@
       </p:pic>
       <p:pic>
         <p:nvPicPr>
-          <p:cNvPr id="9" name="Picture 8" descr="A graph of a number of likes received&#10;&#10;AI-generated content may be incorrect.">
+          <p:cNvPr id="9" name="Picture 8">
             <a:extLst>
               <a:ext uri="{FF2B5EF4-FFF2-40B4-BE49-F238E27FC236}">
                 <a16:creationId xmlns:a16="http://schemas.microsoft.com/office/drawing/2014/main" id="{47C9538D-C514-E33E-D134-F1F0E62A59B5}"/>
@@ -13682,14 +13680,13 @@
         </p:nvPicPr>
         <p:blipFill>
           <a:blip r:embed="rId4"/>
-          <a:stretch>
-            <a:fillRect/>
-          </a:stretch>
+          <a:srcRect/>
+          <a:stretch/>
         </p:blipFill>
         <p:spPr>
           <a:xfrm>
             <a:off x="7474856" y="3528867"/>
-            <a:ext cx="4176733" cy="3329132"/>
+            <a:ext cx="4176733" cy="3329131"/>
           </a:xfrm>
           <a:prstGeom prst="rect">
             <a:avLst/>
@@ -13762,7 +13759,7 @@
       </p:sp>
       <p:pic>
         <p:nvPicPr>
-          <p:cNvPr id="5" name="Content Placeholder 4" descr="A graph of followers&#10;&#10;AI-generated content may be incorrect.">
+          <p:cNvPr id="5" name="Content Placeholder 4">
             <a:extLst>
               <a:ext uri="{FF2B5EF4-FFF2-40B4-BE49-F238E27FC236}">
                 <a16:creationId xmlns:a16="http://schemas.microsoft.com/office/drawing/2014/main" id="{90EB3819-DF25-3994-6754-B3C395F46EA8}"/>
@@ -13778,9 +13775,8 @@
         </p:nvPicPr>
         <p:blipFill>
           <a:blip r:embed="rId2"/>
-          <a:stretch>
-            <a:fillRect/>
-          </a:stretch>
+          <a:srcRect/>
+          <a:stretch/>
         </p:blipFill>
         <p:spPr>
           <a:xfrm>
@@ -13791,7 +13787,7 @@
       </p:pic>
       <p:pic>
         <p:nvPicPr>
-          <p:cNvPr id="7" name="Picture 6" descr="A graph of a number of users followed&#10;&#10;AI-generated content may be incorrect.">
+          <p:cNvPr id="7" name="Picture 6">
             <a:extLst>
               <a:ext uri="{FF2B5EF4-FFF2-40B4-BE49-F238E27FC236}">
                 <a16:creationId xmlns:a16="http://schemas.microsoft.com/office/drawing/2014/main" id="{A2B5BBB0-1993-2B47-C341-31D9CE92DD09}"/>
@@ -13805,9 +13801,8 @@
         </p:nvPicPr>
         <p:blipFill>
           <a:blip r:embed="rId3"/>
-          <a:stretch>
-            <a:fillRect/>
-          </a:stretch>
+          <a:srcRect/>
+          <a:stretch/>
         </p:blipFill>
         <p:spPr>
           <a:xfrm>

--- a/project/project-presentation.pptx
+++ b/project/project-presentation.pptx
@@ -5,7 +5,7 @@
     <p:sldMasterId id="2147483648" r:id="rId1"/>
   </p:sldMasterIdLst>
   <p:notesMasterIdLst>
-    <p:notesMasterId r:id="rId24"/>
+    <p:notesMasterId r:id="rId23"/>
   </p:notesMasterIdLst>
   <p:sldIdLst>
     <p:sldId id="256" r:id="rId2"/>
@@ -21,15 +21,14 @@
     <p:sldId id="276" r:id="rId12"/>
     <p:sldId id="277" r:id="rId13"/>
     <p:sldId id="278" r:id="rId14"/>
-    <p:sldId id="267" r:id="rId15"/>
-    <p:sldId id="264" r:id="rId16"/>
-    <p:sldId id="269" r:id="rId17"/>
-    <p:sldId id="265" r:id="rId18"/>
-    <p:sldId id="270" r:id="rId19"/>
-    <p:sldId id="271" r:id="rId20"/>
-    <p:sldId id="272" r:id="rId21"/>
-    <p:sldId id="273" r:id="rId22"/>
-    <p:sldId id="274" r:id="rId23"/>
+    <p:sldId id="264" r:id="rId15"/>
+    <p:sldId id="269" r:id="rId16"/>
+    <p:sldId id="265" r:id="rId17"/>
+    <p:sldId id="270" r:id="rId18"/>
+    <p:sldId id="271" r:id="rId19"/>
+    <p:sldId id="272" r:id="rId20"/>
+    <p:sldId id="273" r:id="rId21"/>
+    <p:sldId id="274" r:id="rId22"/>
   </p:sldIdLst>
   <p:sldSz cx="12192000" cy="6858000"/>
   <p:notesSz cx="6858000" cy="9144000"/>
@@ -8017,107 +8016,6 @@
   <p:cSld>
     <p:spTree>
       <p:nvGrpSpPr>
-        <p:cNvPr id="1" name="">
-          <a:extLst>
-            <a:ext uri="{FF2B5EF4-FFF2-40B4-BE49-F238E27FC236}">
-              <a16:creationId xmlns:a16="http://schemas.microsoft.com/office/drawing/2014/main" id="{F9645429-A8B1-B535-47C4-089CEFD50F63}"/>
-            </a:ext>
-          </a:extLst>
-        </p:cNvPr>
-        <p:cNvGrpSpPr/>
-        <p:nvPr/>
-      </p:nvGrpSpPr>
-      <p:grpSpPr>
-        <a:xfrm>
-          <a:off x="0" y="0"/>
-          <a:ext cx="0" cy="0"/>
-          <a:chOff x="0" y="0"/>
-          <a:chExt cx="0" cy="0"/>
-        </a:xfrm>
-      </p:grpSpPr>
-      <p:sp>
-        <p:nvSpPr>
-          <p:cNvPr id="2" name="Title 1">
-            <a:extLst>
-              <a:ext uri="{FF2B5EF4-FFF2-40B4-BE49-F238E27FC236}">
-                <a16:creationId xmlns:a16="http://schemas.microsoft.com/office/drawing/2014/main" id="{448D0EC2-264B-491D-7FFA-3716C3B93CE9}"/>
-              </a:ext>
-            </a:extLst>
-          </p:cNvPr>
-          <p:cNvSpPr>
-            <a:spLocks noGrp="1"/>
-          </p:cNvSpPr>
-          <p:nvPr>
-            <p:ph type="title"/>
-          </p:nvPr>
-        </p:nvSpPr>
-        <p:spPr/>
-        <p:txBody>
-          <a:bodyPr/>
-          <a:lstStyle/>
-          <a:p>
-            <a:r>
-              <a:rPr lang="en-CH" dirty="0"/>
-              <a:t>Identified and Characterized Social Circles</a:t>
-            </a:r>
-          </a:p>
-        </p:txBody>
-      </p:sp>
-      <p:sp>
-        <p:nvSpPr>
-          <p:cNvPr id="3" name="Content Placeholder 2">
-            <a:extLst>
-              <a:ext uri="{FF2B5EF4-FFF2-40B4-BE49-F238E27FC236}">
-                <a16:creationId xmlns:a16="http://schemas.microsoft.com/office/drawing/2014/main" id="{09834E3C-CB46-A7D6-2C1C-5881324B4124}"/>
-              </a:ext>
-            </a:extLst>
-          </p:cNvPr>
-          <p:cNvSpPr>
-            <a:spLocks noGrp="1"/>
-          </p:cNvSpPr>
-          <p:nvPr>
-            <p:ph idx="1"/>
-          </p:nvPr>
-        </p:nvSpPr>
-        <p:spPr/>
-        <p:txBody>
-          <a:bodyPr/>
-          <a:lstStyle/>
-          <a:p>
-            <a:r>
-              <a:rPr lang="en-CH" dirty="0"/>
-              <a:t>-&gt; present statistics such as average follower/following count of the users in the group</a:t>
-            </a:r>
-          </a:p>
-          <a:p>
-            <a:r>
-              <a:rPr lang="en-CH" dirty="0"/>
-              <a:t>-&gt;present statistics such as average number of posts/likes received+given/comments received+given of the users in the group</a:t>
-            </a:r>
-          </a:p>
-          <a:p>
-            <a:endParaRPr lang="en-CH" dirty="0"/>
-          </a:p>
-        </p:txBody>
-      </p:sp>
-    </p:spTree>
-    <p:extLst>
-      <p:ext uri="{BB962C8B-B14F-4D97-AF65-F5344CB8AC3E}">
-        <p14:creationId xmlns:p14="http://schemas.microsoft.com/office/powerpoint/2010/main" val="1138123285"/>
-      </p:ext>
-    </p:extLst>
-  </p:cSld>
-  <p:clrMapOvr>
-    <a:masterClrMapping/>
-  </p:clrMapOvr>
-</p:sld>
-</file>
-
-<file path=ppt/slides/slide15.xml><?xml version="1.0" encoding="utf-8"?>
-<p:sld xmlns:a="http://schemas.openxmlformats.org/drawingml/2006/main" xmlns:r="http://schemas.openxmlformats.org/officeDocument/2006/relationships" xmlns:p="http://schemas.openxmlformats.org/presentationml/2006/main">
-  <p:cSld>
-    <p:spTree>
-      <p:nvGrpSpPr>
         <p:cNvPr id="1" name=""/>
         <p:cNvGrpSpPr/>
         <p:nvPr/>
@@ -8263,7 +8161,7 @@
 </p:sld>
 </file>
 
-<file path=ppt/slides/slide16.xml><?xml version="1.0" encoding="utf-8"?>
+<file path=ppt/slides/slide15.xml><?xml version="1.0" encoding="utf-8"?>
 <p:sld xmlns:a="http://schemas.openxmlformats.org/drawingml/2006/main" xmlns:r="http://schemas.openxmlformats.org/officeDocument/2006/relationships" xmlns:p="http://schemas.openxmlformats.org/presentationml/2006/main">
   <p:cSld>
     <p:spTree>
@@ -8407,7 +8305,7 @@
 </p:sld>
 </file>
 
-<file path=ppt/slides/slide17.xml><?xml version="1.0" encoding="utf-8"?>
+<file path=ppt/slides/slide16.xml><?xml version="1.0" encoding="utf-8"?>
 <p:sld xmlns:a="http://schemas.openxmlformats.org/drawingml/2006/main" xmlns:r="http://schemas.openxmlformats.org/officeDocument/2006/relationships" xmlns:p="http://schemas.openxmlformats.org/presentationml/2006/main">
   <p:cSld>
     <p:spTree>
@@ -9438,7 +9336,7 @@
 </p:sld>
 </file>
 
-<file path=ppt/slides/slide18.xml><?xml version="1.0" encoding="utf-8"?>
+<file path=ppt/slides/slide17.xml><?xml version="1.0" encoding="utf-8"?>
 <p:sld xmlns:a="http://schemas.openxmlformats.org/drawingml/2006/main" xmlns:r="http://schemas.openxmlformats.org/officeDocument/2006/relationships" xmlns:p="http://schemas.openxmlformats.org/presentationml/2006/main">
   <p:cSld>
     <p:spTree>
@@ -10360,7 +10258,7 @@
 </p:sld>
 </file>
 
-<file path=ppt/slides/slide19.xml><?xml version="1.0" encoding="utf-8"?>
+<file path=ppt/slides/slide18.xml><?xml version="1.0" encoding="utf-8"?>
 <p:sld xmlns:a="http://schemas.openxmlformats.org/drawingml/2006/main" xmlns:r="http://schemas.openxmlformats.org/officeDocument/2006/relationships" xmlns:p="http://schemas.openxmlformats.org/presentationml/2006/main">
   <p:cSld>
     <p:spTree>
@@ -11282,110 +11180,7 @@
 </p:sld>
 </file>
 
-<file path=ppt/slides/slide2.xml><?xml version="1.0" encoding="utf-8"?>
-<p:sld xmlns:a="http://schemas.openxmlformats.org/drawingml/2006/main" xmlns:r="http://schemas.openxmlformats.org/officeDocument/2006/relationships" xmlns:p="http://schemas.openxmlformats.org/presentationml/2006/main">
-  <p:cSld>
-    <p:spTree>
-      <p:nvGrpSpPr>
-        <p:cNvPr id="1" name=""/>
-        <p:cNvGrpSpPr/>
-        <p:nvPr/>
-      </p:nvGrpSpPr>
-      <p:grpSpPr>
-        <a:xfrm>
-          <a:off x="0" y="0"/>
-          <a:ext cx="0" cy="0"/>
-          <a:chOff x="0" y="0"/>
-          <a:chExt cx="0" cy="0"/>
-        </a:xfrm>
-      </p:grpSpPr>
-      <p:sp>
-        <p:nvSpPr>
-          <p:cNvPr id="2" name="Title 1">
-            <a:extLst>
-              <a:ext uri="{FF2B5EF4-FFF2-40B4-BE49-F238E27FC236}">
-                <a16:creationId xmlns:a16="http://schemas.microsoft.com/office/drawing/2014/main" id="{B9C97862-A2B7-DD02-C74E-82A43987100B}"/>
-              </a:ext>
-            </a:extLst>
-          </p:cNvPr>
-          <p:cNvSpPr>
-            <a:spLocks noGrp="1"/>
-          </p:cNvSpPr>
-          <p:nvPr>
-            <p:ph type="title"/>
-          </p:nvPr>
-        </p:nvSpPr>
-        <p:spPr/>
-        <p:txBody>
-          <a:bodyPr/>
-          <a:lstStyle/>
-          <a:p>
-            <a:r>
-              <a:rPr lang="en-CH" dirty="0"/>
-              <a:t>Research Questions</a:t>
-            </a:r>
-          </a:p>
-        </p:txBody>
-      </p:sp>
-      <p:sp>
-        <p:nvSpPr>
-          <p:cNvPr id="3" name="Content Placeholder 2">
-            <a:extLst>
-              <a:ext uri="{FF2B5EF4-FFF2-40B4-BE49-F238E27FC236}">
-                <a16:creationId xmlns:a16="http://schemas.microsoft.com/office/drawing/2014/main" id="{5D94D87C-BD77-ED81-53E3-3871B17922B7}"/>
-              </a:ext>
-            </a:extLst>
-          </p:cNvPr>
-          <p:cNvSpPr>
-            <a:spLocks noGrp="1"/>
-          </p:cNvSpPr>
-          <p:nvPr>
-            <p:ph idx="1"/>
-          </p:nvPr>
-        </p:nvSpPr>
-        <p:spPr/>
-        <p:txBody>
-          <a:bodyPr/>
-          <a:lstStyle/>
-          <a:p>
-            <a:r>
-              <a:rPr lang="en-CH" dirty="0"/>
-              <a:t>Is it possible to identify distinct social circles within the Friendfeed network based on user connections, and characterize them in terms of shared interests and activity patterns? </a:t>
-            </a:r>
-            <a:br>
-              <a:rPr lang="en-CH" dirty="0"/>
-            </a:br>
-            <a:endParaRPr lang="en-CH" dirty="0"/>
-          </a:p>
-          <a:p>
-            <a:r>
-              <a:rPr lang="en-CH" dirty="0"/>
-              <a:t>Is it possible to detect anomalous users in the Friendfeed network (e.g., bots, spammers) based on posting, following, and interaction patterns (commenting/liking)?</a:t>
-            </a:r>
-            <a:endParaRPr lang="en-GB" dirty="0"/>
-          </a:p>
-          <a:p>
-            <a:endParaRPr lang="en-CH" dirty="0"/>
-          </a:p>
-          <a:p>
-            <a:endParaRPr lang="en-CH" dirty="0"/>
-          </a:p>
-        </p:txBody>
-      </p:sp>
-    </p:spTree>
-    <p:extLst>
-      <p:ext uri="{BB962C8B-B14F-4D97-AF65-F5344CB8AC3E}">
-        <p14:creationId xmlns:p14="http://schemas.microsoft.com/office/powerpoint/2010/main" val="2031703386"/>
-      </p:ext>
-    </p:extLst>
-  </p:cSld>
-  <p:clrMapOvr>
-    <a:masterClrMapping/>
-  </p:clrMapOvr>
-</p:sld>
-</file>
-
-<file path=ppt/slides/slide20.xml><?xml version="1.0" encoding="utf-8"?>
+<file path=ppt/slides/slide19.xml><?xml version="1.0" encoding="utf-8"?>
 <p:sld xmlns:a="http://schemas.openxmlformats.org/drawingml/2006/main" xmlns:r="http://schemas.openxmlformats.org/officeDocument/2006/relationships" xmlns:p="http://schemas.openxmlformats.org/presentationml/2006/main">
   <p:cSld>
     <p:spTree>
@@ -12307,7 +12102,110 @@
 </p:sld>
 </file>
 
-<file path=ppt/slides/slide21.xml><?xml version="1.0" encoding="utf-8"?>
+<file path=ppt/slides/slide2.xml><?xml version="1.0" encoding="utf-8"?>
+<p:sld xmlns:a="http://schemas.openxmlformats.org/drawingml/2006/main" xmlns:r="http://schemas.openxmlformats.org/officeDocument/2006/relationships" xmlns:p="http://schemas.openxmlformats.org/presentationml/2006/main">
+  <p:cSld>
+    <p:spTree>
+      <p:nvGrpSpPr>
+        <p:cNvPr id="1" name=""/>
+        <p:cNvGrpSpPr/>
+        <p:nvPr/>
+      </p:nvGrpSpPr>
+      <p:grpSpPr>
+        <a:xfrm>
+          <a:off x="0" y="0"/>
+          <a:ext cx="0" cy="0"/>
+          <a:chOff x="0" y="0"/>
+          <a:chExt cx="0" cy="0"/>
+        </a:xfrm>
+      </p:grpSpPr>
+      <p:sp>
+        <p:nvSpPr>
+          <p:cNvPr id="2" name="Title 1">
+            <a:extLst>
+              <a:ext uri="{FF2B5EF4-FFF2-40B4-BE49-F238E27FC236}">
+                <a16:creationId xmlns:a16="http://schemas.microsoft.com/office/drawing/2014/main" id="{B9C97862-A2B7-DD02-C74E-82A43987100B}"/>
+              </a:ext>
+            </a:extLst>
+          </p:cNvPr>
+          <p:cNvSpPr>
+            <a:spLocks noGrp="1"/>
+          </p:cNvSpPr>
+          <p:nvPr>
+            <p:ph type="title"/>
+          </p:nvPr>
+        </p:nvSpPr>
+        <p:spPr/>
+        <p:txBody>
+          <a:bodyPr/>
+          <a:lstStyle/>
+          <a:p>
+            <a:r>
+              <a:rPr lang="en-CH" dirty="0"/>
+              <a:t>Research Questions</a:t>
+            </a:r>
+          </a:p>
+        </p:txBody>
+      </p:sp>
+      <p:sp>
+        <p:nvSpPr>
+          <p:cNvPr id="3" name="Content Placeholder 2">
+            <a:extLst>
+              <a:ext uri="{FF2B5EF4-FFF2-40B4-BE49-F238E27FC236}">
+                <a16:creationId xmlns:a16="http://schemas.microsoft.com/office/drawing/2014/main" id="{5D94D87C-BD77-ED81-53E3-3871B17922B7}"/>
+              </a:ext>
+            </a:extLst>
+          </p:cNvPr>
+          <p:cNvSpPr>
+            <a:spLocks noGrp="1"/>
+          </p:cNvSpPr>
+          <p:nvPr>
+            <p:ph idx="1"/>
+          </p:nvPr>
+        </p:nvSpPr>
+        <p:spPr/>
+        <p:txBody>
+          <a:bodyPr/>
+          <a:lstStyle/>
+          <a:p>
+            <a:r>
+              <a:rPr lang="en-CH" dirty="0"/>
+              <a:t>Is it possible to identify distinct social circles within the Friendfeed network based on user connections, and characterize them in terms of shared interests and activity patterns? </a:t>
+            </a:r>
+            <a:br>
+              <a:rPr lang="en-CH" dirty="0"/>
+            </a:br>
+            <a:endParaRPr lang="en-CH" dirty="0"/>
+          </a:p>
+          <a:p>
+            <a:r>
+              <a:rPr lang="en-CH" dirty="0"/>
+              <a:t>Is it possible to detect anomalous users in the Friendfeed network (e.g., bots, spammers) based on posting, following, and interaction patterns (commenting/liking)?</a:t>
+            </a:r>
+            <a:endParaRPr lang="en-GB" dirty="0"/>
+          </a:p>
+          <a:p>
+            <a:endParaRPr lang="en-CH" dirty="0"/>
+          </a:p>
+          <a:p>
+            <a:endParaRPr lang="en-CH" dirty="0"/>
+          </a:p>
+        </p:txBody>
+      </p:sp>
+    </p:spTree>
+    <p:extLst>
+      <p:ext uri="{BB962C8B-B14F-4D97-AF65-F5344CB8AC3E}">
+        <p14:creationId xmlns:p14="http://schemas.microsoft.com/office/powerpoint/2010/main" val="2031703386"/>
+      </p:ext>
+    </p:extLst>
+  </p:cSld>
+  <p:clrMapOvr>
+    <a:masterClrMapping/>
+  </p:clrMapOvr>
+</p:sld>
+</file>
+
+<file path=ppt/slides/slide20.xml><?xml version="1.0" encoding="utf-8"?>
 <p:sld xmlns:a="http://schemas.openxmlformats.org/drawingml/2006/main" xmlns:r="http://schemas.openxmlformats.org/officeDocument/2006/relationships" xmlns:p="http://schemas.openxmlformats.org/presentationml/2006/main">
   <p:cSld>
     <p:spTree>
@@ -13229,7 +13127,7 @@
 </p:sld>
 </file>
 
-<file path=ppt/slides/slide22.xml><?xml version="1.0" encoding="utf-8"?>
+<file path=ppt/slides/slide21.xml><?xml version="1.0" encoding="utf-8"?>
 <p:sld xmlns:a="http://schemas.openxmlformats.org/drawingml/2006/main" xmlns:r="http://schemas.openxmlformats.org/officeDocument/2006/relationships" xmlns:p="http://schemas.openxmlformats.org/presentationml/2006/main">
   <p:cSld>
     <p:spTree>

--- a/project/project-presentation.pptx
+++ b/project/project-presentation.pptx
@@ -1,6 +1,6 @@
 
 <file path=ppt/presentation.xml><?xml version="1.0" encoding="utf-8"?>
-<p:presentation xmlns:a="http://schemas.openxmlformats.org/drawingml/2006/main" xmlns:r="http://schemas.openxmlformats.org/officeDocument/2006/relationships" xmlns:p="http://schemas.openxmlformats.org/presentationml/2006/main" saveSubsetFonts="1" autoCompressPictures="0">
+<p:presentation xmlns:a="http://schemas.openxmlformats.org/drawingml/2006/main" xmlns:r="http://schemas.openxmlformats.org/officeDocument/2006/relationships" xmlns:p="http://schemas.openxmlformats.org/presentationml/2006/main" showSpecialPlsOnTitleSld="0" saveSubsetFonts="1" autoCompressPictures="0">
   <p:sldMasterIdLst>
     <p:sldMasterId id="2147483648" r:id="rId1"/>
   </p:sldMasterIdLst>
@@ -529,6 +529,90 @@
           <a:bodyPr/>
           <a:lstStyle/>
           <a:p>
+            <a:endParaRPr lang="en-CH" dirty="0"/>
+          </a:p>
+        </p:txBody>
+      </p:sp>
+      <p:sp>
+        <p:nvSpPr>
+          <p:cNvPr id="4" name="Slide Number Placeholder 3"/>
+          <p:cNvSpPr>
+            <a:spLocks noGrp="1"/>
+          </p:cNvSpPr>
+          <p:nvPr>
+            <p:ph type="sldNum" sz="quarter" idx="5"/>
+          </p:nvPr>
+        </p:nvSpPr>
+        <p:spPr/>
+        <p:txBody>
+          <a:bodyPr/>
+          <a:lstStyle/>
+          <a:p>
+            <a:fld id="{9D5711ED-9794-EB46-8888-A9216C3D6C48}" type="slidenum">
+              <a:rPr lang="en-CH" smtClean="0"/>
+              <a:t>2</a:t>
+            </a:fld>
+            <a:endParaRPr lang="en-CH"/>
+          </a:p>
+        </p:txBody>
+      </p:sp>
+    </p:spTree>
+    <p:extLst>
+      <p:ext uri="{BB962C8B-B14F-4D97-AF65-F5344CB8AC3E}">
+        <p14:creationId xmlns:p14="http://schemas.microsoft.com/office/powerpoint/2010/main" val="1549696631"/>
+      </p:ext>
+    </p:extLst>
+  </p:cSld>
+  <p:clrMapOvr>
+    <a:masterClrMapping/>
+  </p:clrMapOvr>
+</p:notes>
+</file>
+
+<file path=ppt/notesSlides/notesSlide2.xml><?xml version="1.0" encoding="utf-8"?>
+<p:notes xmlns:a="http://schemas.openxmlformats.org/drawingml/2006/main" xmlns:r="http://schemas.openxmlformats.org/officeDocument/2006/relationships" xmlns:p="http://schemas.openxmlformats.org/presentationml/2006/main">
+  <p:cSld>
+    <p:spTree>
+      <p:nvGrpSpPr>
+        <p:cNvPr id="1" name=""/>
+        <p:cNvGrpSpPr/>
+        <p:nvPr/>
+      </p:nvGrpSpPr>
+      <p:grpSpPr>
+        <a:xfrm>
+          <a:off x="0" y="0"/>
+          <a:ext cx="0" cy="0"/>
+          <a:chOff x="0" y="0"/>
+          <a:chExt cx="0" cy="0"/>
+        </a:xfrm>
+      </p:grpSpPr>
+      <p:sp>
+        <p:nvSpPr>
+          <p:cNvPr id="2" name="Slide Image Placeholder 1"/>
+          <p:cNvSpPr>
+            <a:spLocks noGrp="1" noRot="1" noChangeAspect="1"/>
+          </p:cNvSpPr>
+          <p:nvPr>
+            <p:ph type="sldImg"/>
+          </p:nvPr>
+        </p:nvSpPr>
+        <p:spPr/>
+      </p:sp>
+      <p:sp>
+        <p:nvSpPr>
+          <p:cNvPr id="3" name="Notes Placeholder 2"/>
+          <p:cNvSpPr>
+            <a:spLocks noGrp="1"/>
+          </p:cNvSpPr>
+          <p:nvPr>
+            <p:ph type="body" idx="1"/>
+          </p:nvPr>
+        </p:nvSpPr>
+        <p:spPr/>
+        <p:txBody>
+          <a:bodyPr/>
+          <a:lstStyle/>
+          <a:p>
             <a:pPr marL="0" marR="0" lvl="0" indent="0" algn="l" defTabSz="914400" rtl="0" eaLnBrk="1" fontAlgn="auto" latinLnBrk="0" hangingPunct="1">
               <a:lnSpc>
                 <a:spcPct val="100000"/>
@@ -597,6 +681,213 @@
     <p:extLst>
       <p:ext uri="{BB962C8B-B14F-4D97-AF65-F5344CB8AC3E}">
         <p14:creationId xmlns:p14="http://schemas.microsoft.com/office/powerpoint/2010/main" val="2689067036"/>
+      </p:ext>
+    </p:extLst>
+  </p:cSld>
+  <p:clrMapOvr>
+    <a:masterClrMapping/>
+  </p:clrMapOvr>
+</p:notes>
+</file>
+
+<file path=ppt/notesSlides/notesSlide3.xml><?xml version="1.0" encoding="utf-8"?>
+<p:notes xmlns:a="http://schemas.openxmlformats.org/drawingml/2006/main" xmlns:r="http://schemas.openxmlformats.org/officeDocument/2006/relationships" xmlns:p="http://schemas.openxmlformats.org/presentationml/2006/main">
+  <p:cSld>
+    <p:spTree>
+      <p:nvGrpSpPr>
+        <p:cNvPr id="1" name=""/>
+        <p:cNvGrpSpPr/>
+        <p:nvPr/>
+      </p:nvGrpSpPr>
+      <p:grpSpPr>
+        <a:xfrm>
+          <a:off x="0" y="0"/>
+          <a:ext cx="0" cy="0"/>
+          <a:chOff x="0" y="0"/>
+          <a:chExt cx="0" cy="0"/>
+        </a:xfrm>
+      </p:grpSpPr>
+      <p:sp>
+        <p:nvSpPr>
+          <p:cNvPr id="2" name="Slide Image Placeholder 1"/>
+          <p:cNvSpPr>
+            <a:spLocks noGrp="1" noRot="1" noChangeAspect="1"/>
+          </p:cNvSpPr>
+          <p:nvPr>
+            <p:ph type="sldImg"/>
+          </p:nvPr>
+        </p:nvSpPr>
+        <p:spPr/>
+      </p:sp>
+      <p:sp>
+        <p:nvSpPr>
+          <p:cNvPr id="3" name="Notes Placeholder 2"/>
+          <p:cNvSpPr>
+            <a:spLocks noGrp="1"/>
+          </p:cNvSpPr>
+          <p:nvPr>
+            <p:ph type="body" idx="1"/>
+          </p:nvPr>
+        </p:nvSpPr>
+        <p:spPr/>
+        <p:txBody>
+          <a:bodyPr/>
+          <a:lstStyle/>
+          <a:p>
+            <a:r>
+              <a:rPr lang="en-GB" b="1" dirty="0"/>
+              <a:t>1. Statistical Approach</a:t>
+            </a:r>
+            <a:endParaRPr lang="en-GB" dirty="0"/>
+          </a:p>
+          <a:p>
+            <a:r>
+              <a:rPr lang="en-GB" dirty="0"/>
+              <a:t>Identifies points that have a low probability of belonging to an assumed data distribution (e.g., Gaussian).</a:t>
+            </a:r>
+          </a:p>
+          <a:p>
+            <a:r>
+              <a:rPr lang="en-GB" b="1" dirty="0"/>
+              <a:t>2. Clustering-based Approach</a:t>
+            </a:r>
+            <a:endParaRPr lang="en-GB" dirty="0"/>
+          </a:p>
+          <a:p>
+            <a:r>
+              <a:rPr lang="en-GB" dirty="0"/>
+              <a:t>Flags data points that are the furthest from the </a:t>
+            </a:r>
+            <a:r>
+              <a:rPr lang="en-GB" dirty="0" err="1"/>
+              <a:t>center</a:t>
+            </a:r>
+            <a:r>
+              <a:rPr lang="en-GB" dirty="0"/>
+              <a:t> of their assigned cluster.</a:t>
+            </a:r>
+          </a:p>
+          <a:p>
+            <a:r>
+              <a:rPr lang="en-GB" b="1" dirty="0"/>
+              <a:t>3. Distance-based Approach</a:t>
+            </a:r>
+            <a:endParaRPr lang="en-GB" dirty="0"/>
+          </a:p>
+          <a:p>
+            <a:r>
+              <a:rPr lang="en-GB" dirty="0"/>
+              <a:t>Considers points with the largest distances to their nearest </a:t>
+            </a:r>
+            <a:r>
+              <a:rPr lang="en-GB" dirty="0" err="1"/>
+              <a:t>neighbors</a:t>
+            </a:r>
+            <a:r>
+              <a:rPr lang="en-GB" dirty="0"/>
+              <a:t> as outliers.</a:t>
+            </a:r>
+          </a:p>
+          <a:p>
+            <a:r>
+              <a:rPr lang="en-GB" b="1" dirty="0"/>
+              <a:t>4. Density-based Approach (LOF)</a:t>
+            </a:r>
+            <a:endParaRPr lang="en-GB" dirty="0"/>
+          </a:p>
+          <a:p>
+            <a:r>
+              <a:rPr lang="en-GB" dirty="0"/>
+              <a:t>Finds outliers in areas of significantly lower point density compared to their local </a:t>
+            </a:r>
+            <a:r>
+              <a:rPr lang="en-GB" dirty="0" err="1"/>
+              <a:t>neighborhood</a:t>
+            </a:r>
+            <a:r>
+              <a:rPr lang="en-GB" dirty="0"/>
+              <a:t>.</a:t>
+            </a:r>
+          </a:p>
+          <a:p>
+            <a:r>
+              <a:rPr lang="en-GB" b="1" dirty="0"/>
+              <a:t>5. Isolation-based Approach (</a:t>
+            </a:r>
+            <a:r>
+              <a:rPr lang="en-GB" b="1" dirty="0" err="1"/>
+              <a:t>iForest</a:t>
+            </a:r>
+            <a:r>
+              <a:rPr lang="en-GB" b="1" dirty="0"/>
+              <a:t>)</a:t>
+            </a:r>
+            <a:endParaRPr lang="en-GB" dirty="0"/>
+          </a:p>
+          <a:p>
+            <a:r>
+              <a:rPr lang="en-GB" dirty="0"/>
+              <a:t>Based on the principle that anomalies are easier to separate (isolate) from the main data.</a:t>
+            </a:r>
+          </a:p>
+          <a:p>
+            <a:r>
+              <a:rPr lang="en-GB" b="1" dirty="0"/>
+              <a:t>6. One-Class SVM</a:t>
+            </a:r>
+            <a:endParaRPr lang="en-GB" dirty="0"/>
+          </a:p>
+          <a:p>
+            <a:r>
+              <a:rPr lang="en-GB" dirty="0"/>
+              <a:t>Learns a boundary that encloses the majority of the data; points falling outside are flagged as outliers.</a:t>
+            </a:r>
+          </a:p>
+          <a:p>
+            <a:r>
+              <a:rPr lang="en-GB" b="1" dirty="0"/>
+              <a:t>7. Reconstruction-based Approach (PCA)</a:t>
+            </a:r>
+            <a:endParaRPr lang="en-GB" dirty="0"/>
+          </a:p>
+          <a:p>
+            <a:r>
+              <a:rPr lang="en-GB" dirty="0"/>
+              <a:t>Flags points with a high error when being reconstructed from a compressed, lower-dimensional version of the data.</a:t>
+            </a:r>
+          </a:p>
+          <a:p>
+            <a:endParaRPr lang="en-CH" dirty="0"/>
+          </a:p>
+        </p:txBody>
+      </p:sp>
+      <p:sp>
+        <p:nvSpPr>
+          <p:cNvPr id="4" name="Slide Number Placeholder 3"/>
+          <p:cNvSpPr>
+            <a:spLocks noGrp="1"/>
+          </p:cNvSpPr>
+          <p:nvPr>
+            <p:ph type="sldNum" sz="quarter" idx="5"/>
+          </p:nvPr>
+        </p:nvSpPr>
+        <p:spPr/>
+        <p:txBody>
+          <a:bodyPr/>
+          <a:lstStyle/>
+          <a:p>
+            <a:fld id="{9D5711ED-9794-EB46-8888-A9216C3D6C48}" type="slidenum">
+              <a:rPr lang="en-CH" smtClean="0"/>
+              <a:t>14</a:t>
+            </a:fld>
+            <a:endParaRPr lang="en-CH"/>
+          </a:p>
+        </p:txBody>
+      </p:sp>
+    </p:spTree>
+    <p:extLst>
+      <p:ext uri="{BB962C8B-B14F-4D97-AF65-F5344CB8AC3E}">
+        <p14:creationId xmlns:p14="http://schemas.microsoft.com/office/powerpoint/2010/main" val="80196891"/>
       </p:ext>
     </p:extLst>
   </p:cSld>
@@ -753,9 +1044,9 @@
           <a:bodyPr/>
           <a:lstStyle/>
           <a:p>
-            <a:fld id="{1F2A7D23-7EA9-894F-9EFE-458820C0BE85}" type="datetimeFigureOut">
-              <a:rPr lang="en-CH" smtClean="0"/>
-              <a:t>03.10.2025</a:t>
+            <a:fld id="{593DC79D-9DC4-EA44-868B-9D2B8A1A4EF4}" type="datetime1">
+              <a:rPr lang="de-CH" smtClean="0"/>
+              <a:t>03.10.25</a:t>
             </a:fld>
             <a:endParaRPr lang="en-CH"/>
           </a:p>
@@ -953,9 +1244,9 @@
           <a:bodyPr/>
           <a:lstStyle/>
           <a:p>
-            <a:fld id="{1F2A7D23-7EA9-894F-9EFE-458820C0BE85}" type="datetimeFigureOut">
-              <a:rPr lang="en-CH" smtClean="0"/>
-              <a:t>03.10.2025</a:t>
+            <a:fld id="{76309F84-66D4-6044-A367-E76DBF540EDA}" type="datetime1">
+              <a:rPr lang="de-CH" smtClean="0"/>
+              <a:t>03.10.25</a:t>
             </a:fld>
             <a:endParaRPr lang="en-CH"/>
           </a:p>
@@ -1163,9 +1454,9 @@
           <a:bodyPr/>
           <a:lstStyle/>
           <a:p>
-            <a:fld id="{1F2A7D23-7EA9-894F-9EFE-458820C0BE85}" type="datetimeFigureOut">
-              <a:rPr lang="en-CH" smtClean="0"/>
-              <a:t>03.10.2025</a:t>
+            <a:fld id="{BB899F6D-3952-FE42-8310-BE2B79F01003}" type="datetime1">
+              <a:rPr lang="de-CH" smtClean="0"/>
+              <a:t>03.10.25</a:t>
             </a:fld>
             <a:endParaRPr lang="en-CH"/>
           </a:p>
@@ -1363,9 +1654,9 @@
           <a:bodyPr/>
           <a:lstStyle/>
           <a:p>
-            <a:fld id="{1F2A7D23-7EA9-894F-9EFE-458820C0BE85}" type="datetimeFigureOut">
-              <a:rPr lang="en-CH" smtClean="0"/>
-              <a:t>03.10.2025</a:t>
+            <a:fld id="{74C2C631-7ACD-E34F-B884-82D800C709F1}" type="datetime1">
+              <a:rPr lang="de-CH" smtClean="0"/>
+              <a:t>03.10.25</a:t>
             </a:fld>
             <a:endParaRPr lang="en-CH"/>
           </a:p>
@@ -1639,9 +1930,9 @@
           <a:bodyPr/>
           <a:lstStyle/>
           <a:p>
-            <a:fld id="{1F2A7D23-7EA9-894F-9EFE-458820C0BE85}" type="datetimeFigureOut">
-              <a:rPr lang="en-CH" smtClean="0"/>
-              <a:t>03.10.2025</a:t>
+            <a:fld id="{9D0F2590-1C31-9544-9A53-73E5AF6CE5C9}" type="datetime1">
+              <a:rPr lang="de-CH" smtClean="0"/>
+              <a:t>03.10.25</a:t>
             </a:fld>
             <a:endParaRPr lang="en-CH"/>
           </a:p>
@@ -1907,9 +2198,9 @@
           <a:bodyPr/>
           <a:lstStyle/>
           <a:p>
-            <a:fld id="{1F2A7D23-7EA9-894F-9EFE-458820C0BE85}" type="datetimeFigureOut">
-              <a:rPr lang="en-CH" smtClean="0"/>
-              <a:t>03.10.2025</a:t>
+            <a:fld id="{1BBA78D2-5FED-DE49-859E-A08B867B8C75}" type="datetime1">
+              <a:rPr lang="de-CH" smtClean="0"/>
+              <a:t>03.10.25</a:t>
             </a:fld>
             <a:endParaRPr lang="en-CH"/>
           </a:p>
@@ -2322,9 +2613,9 @@
           <a:bodyPr/>
           <a:lstStyle/>
           <a:p>
-            <a:fld id="{1F2A7D23-7EA9-894F-9EFE-458820C0BE85}" type="datetimeFigureOut">
-              <a:rPr lang="en-CH" smtClean="0"/>
-              <a:t>03.10.2025</a:t>
+            <a:fld id="{20AF4FC7-1DD2-E248-9BEE-AB4A912615BB}" type="datetime1">
+              <a:rPr lang="de-CH" smtClean="0"/>
+              <a:t>03.10.25</a:t>
             </a:fld>
             <a:endParaRPr lang="en-CH"/>
           </a:p>
@@ -2464,9 +2755,9 @@
           <a:bodyPr/>
           <a:lstStyle/>
           <a:p>
-            <a:fld id="{1F2A7D23-7EA9-894F-9EFE-458820C0BE85}" type="datetimeFigureOut">
-              <a:rPr lang="en-CH" smtClean="0"/>
-              <a:t>03.10.2025</a:t>
+            <a:fld id="{FD65B099-A499-1848-8C6F-0DFA096FF6DA}" type="datetime1">
+              <a:rPr lang="de-CH" smtClean="0"/>
+              <a:t>03.10.25</a:t>
             </a:fld>
             <a:endParaRPr lang="en-CH"/>
           </a:p>
@@ -2577,9 +2868,9 @@
           <a:bodyPr/>
           <a:lstStyle/>
           <a:p>
-            <a:fld id="{1F2A7D23-7EA9-894F-9EFE-458820C0BE85}" type="datetimeFigureOut">
-              <a:rPr lang="en-CH" smtClean="0"/>
-              <a:t>03.10.2025</a:t>
+            <a:fld id="{E2D4B7AD-5FA8-894A-9429-E84D90BCF43B}" type="datetime1">
+              <a:rPr lang="de-CH" smtClean="0"/>
+              <a:t>03.10.25</a:t>
             </a:fld>
             <a:endParaRPr lang="en-CH"/>
           </a:p>
@@ -2890,9 +3181,9 @@
           <a:bodyPr/>
           <a:lstStyle/>
           <a:p>
-            <a:fld id="{1F2A7D23-7EA9-894F-9EFE-458820C0BE85}" type="datetimeFigureOut">
-              <a:rPr lang="en-CH" smtClean="0"/>
-              <a:t>03.10.2025</a:t>
+            <a:fld id="{7816D493-D91E-4344-BF50-06DF56110F0A}" type="datetime1">
+              <a:rPr lang="de-CH" smtClean="0"/>
+              <a:t>03.10.25</a:t>
             </a:fld>
             <a:endParaRPr lang="en-CH"/>
           </a:p>
@@ -3179,9 +3470,9 @@
           <a:bodyPr/>
           <a:lstStyle/>
           <a:p>
-            <a:fld id="{1F2A7D23-7EA9-894F-9EFE-458820C0BE85}" type="datetimeFigureOut">
-              <a:rPr lang="en-CH" smtClean="0"/>
-              <a:t>03.10.2025</a:t>
+            <a:fld id="{3C1B4F2C-2CF1-9F42-9BCB-8C4DE9902C03}" type="datetime1">
+              <a:rPr lang="de-CH" smtClean="0"/>
+              <a:t>03.10.25</a:t>
             </a:fld>
             <a:endParaRPr lang="en-CH"/>
           </a:p>
@@ -3422,9 +3713,9 @@
             </a:lvl1pPr>
           </a:lstStyle>
           <a:p>
-            <a:fld id="{1F2A7D23-7EA9-894F-9EFE-458820C0BE85}" type="datetimeFigureOut">
-              <a:rPr lang="en-CH" smtClean="0"/>
-              <a:t>03.10.2025</a:t>
+            <a:fld id="{2B05A54E-0FE8-734B-BCAA-129A11DE1712}" type="datetime1">
+              <a:rPr lang="de-CH" smtClean="0"/>
+              <a:t>03.10.25</a:t>
             </a:fld>
             <a:endParaRPr lang="en-CH"/>
           </a:p>
@@ -3541,6 +3832,7 @@
     <p:sldLayoutId id="2147483658" r:id="rId10"/>
     <p:sldLayoutId id="2147483659" r:id="rId11"/>
   </p:sldLayoutIdLst>
+  <p:hf hdr="0" ftr="0" dt="0"/>
   <p:txStyles>
     <p:titleStyle>
       <a:lvl1pPr algn="l" defTabSz="914400" rtl="0" eaLnBrk="1" latinLnBrk="0" hangingPunct="1">
@@ -3857,14 +4149,19 @@
             <p:ph type="ctrTitle"/>
           </p:nvPr>
         </p:nvSpPr>
-        <p:spPr/>
+        <p:spPr>
+          <a:xfrm>
+            <a:off x="508000" y="935664"/>
+            <a:ext cx="11176000" cy="1131815"/>
+          </a:xfrm>
+        </p:spPr>
         <p:txBody>
           <a:bodyPr/>
           <a:lstStyle/>
           <a:p>
             <a:r>
               <a:rPr lang="en-CH" dirty="0"/>
-              <a:t>Group 51 - Project</a:t>
+              <a:t>Group 51 – Data Mining I Project</a:t>
             </a:r>
           </a:p>
         </p:txBody>
@@ -3885,12 +4182,67 @@
             <p:ph type="subTitle" idx="1"/>
           </p:nvPr>
         </p:nvSpPr>
-        <p:spPr/>
+        <p:spPr>
+          <a:xfrm>
+            <a:off x="279991" y="2479358"/>
+            <a:ext cx="11632018" cy="3761955"/>
+          </a:xfrm>
+        </p:spPr>
         <p:txBody>
-          <a:bodyPr/>
+          <a:bodyPr>
+            <a:noAutofit/>
+          </a:bodyPr>
           <a:lstStyle/>
           <a:p>
-            <a:endParaRPr lang="en-CH"/>
+            <a:r>
+              <a:rPr lang="en-GB" sz="2800" dirty="0"/>
+              <a:t>Analysis of Social Circles and Anomalous Users in the </a:t>
+            </a:r>
+            <a:r>
+              <a:rPr lang="en-GB" sz="2800" dirty="0" err="1"/>
+              <a:t>Friendfeed</a:t>
+            </a:r>
+            <a:r>
+              <a:rPr lang="en-GB" sz="2800" dirty="0"/>
+              <a:t> Network</a:t>
+            </a:r>
+          </a:p>
+          <a:p>
+            <a:endParaRPr lang="en-GB" sz="2800" dirty="0"/>
+          </a:p>
+          <a:p>
+            <a:r>
+              <a:rPr lang="en-GB" sz="2800" dirty="0"/>
+              <a:t>Jonas Blum</a:t>
+            </a:r>
+          </a:p>
+          <a:p>
+            <a:r>
+              <a:rPr lang="en-GB" sz="2800" dirty="0" err="1"/>
+              <a:t>Sanjatul</a:t>
+            </a:r>
+            <a:r>
+              <a:rPr lang="en-GB" sz="2800" dirty="0"/>
+              <a:t> Islam</a:t>
+            </a:r>
+          </a:p>
+          <a:p>
+            <a:r>
+              <a:rPr lang="en-GB" sz="2800" dirty="0"/>
+              <a:t>Xin Tian</a:t>
+            </a:r>
+          </a:p>
+          <a:p>
+            <a:r>
+              <a:rPr lang="en-GB" sz="2800" dirty="0"/>
+              <a:t>Riccardo Rebecchi</a:t>
+            </a:r>
+          </a:p>
+          <a:p>
+            <a:r>
+              <a:rPr lang="en-GB" sz="2800" dirty="0"/>
+              <a:t>Abdulfattah Morad</a:t>
+            </a:r>
           </a:p>
         </p:txBody>
       </p:sp>
@@ -4920,6 +5272,35 @@
           </a:graphicData>
         </a:graphic>
       </p:graphicFrame>
+      <p:sp>
+        <p:nvSpPr>
+          <p:cNvPr id="3" name="Slide Number Placeholder 2">
+            <a:extLst>
+              <a:ext uri="{FF2B5EF4-FFF2-40B4-BE49-F238E27FC236}">
+                <a16:creationId xmlns:a16="http://schemas.microsoft.com/office/drawing/2014/main" id="{E50E970A-FF9B-BD58-CADA-A6DB834B38AD}"/>
+              </a:ext>
+            </a:extLst>
+          </p:cNvPr>
+          <p:cNvSpPr>
+            <a:spLocks noGrp="1"/>
+          </p:cNvSpPr>
+          <p:nvPr>
+            <p:ph type="sldNum" sz="quarter" idx="12"/>
+          </p:nvPr>
+        </p:nvSpPr>
+        <p:spPr/>
+        <p:txBody>
+          <a:bodyPr/>
+          <a:lstStyle/>
+          <a:p>
+            <a:fld id="{ABC65B0B-110A-D646-808D-174EFAE956EB}" type="slidenum">
+              <a:rPr lang="en-CH" smtClean="0"/>
+              <a:t>10</a:t>
+            </a:fld>
+            <a:endParaRPr lang="en-CH"/>
+          </a:p>
+        </p:txBody>
+      </p:sp>
     </p:spTree>
     <p:extLst>
       <p:ext uri="{BB962C8B-B14F-4D97-AF65-F5344CB8AC3E}">
@@ -5946,6 +6327,35 @@
           </a:graphicData>
         </a:graphic>
       </p:graphicFrame>
+      <p:sp>
+        <p:nvSpPr>
+          <p:cNvPr id="3" name="Slide Number Placeholder 2">
+            <a:extLst>
+              <a:ext uri="{FF2B5EF4-FFF2-40B4-BE49-F238E27FC236}">
+                <a16:creationId xmlns:a16="http://schemas.microsoft.com/office/drawing/2014/main" id="{4B982EC7-8241-2A49-C68D-8876AC109F4F}"/>
+              </a:ext>
+            </a:extLst>
+          </p:cNvPr>
+          <p:cNvSpPr>
+            <a:spLocks noGrp="1"/>
+          </p:cNvSpPr>
+          <p:nvPr>
+            <p:ph type="sldNum" sz="quarter" idx="12"/>
+          </p:nvPr>
+        </p:nvSpPr>
+        <p:spPr/>
+        <p:txBody>
+          <a:bodyPr/>
+          <a:lstStyle/>
+          <a:p>
+            <a:fld id="{ABC65B0B-110A-D646-808D-174EFAE956EB}" type="slidenum">
+              <a:rPr lang="en-CH" smtClean="0"/>
+              <a:t>11</a:t>
+            </a:fld>
+            <a:endParaRPr lang="en-CH"/>
+          </a:p>
+        </p:txBody>
+      </p:sp>
     </p:spTree>
     <p:extLst>
       <p:ext uri="{BB962C8B-B14F-4D97-AF65-F5344CB8AC3E}">
@@ -6972,6 +7382,35 @@
           </a:graphicData>
         </a:graphic>
       </p:graphicFrame>
+      <p:sp>
+        <p:nvSpPr>
+          <p:cNvPr id="3" name="Slide Number Placeholder 2">
+            <a:extLst>
+              <a:ext uri="{FF2B5EF4-FFF2-40B4-BE49-F238E27FC236}">
+                <a16:creationId xmlns:a16="http://schemas.microsoft.com/office/drawing/2014/main" id="{6CC7AAF2-C96E-CB34-44A0-534C2B41EA74}"/>
+              </a:ext>
+            </a:extLst>
+          </p:cNvPr>
+          <p:cNvSpPr>
+            <a:spLocks noGrp="1"/>
+          </p:cNvSpPr>
+          <p:nvPr>
+            <p:ph type="sldNum" sz="quarter" idx="12"/>
+          </p:nvPr>
+        </p:nvSpPr>
+        <p:spPr/>
+        <p:txBody>
+          <a:bodyPr/>
+          <a:lstStyle/>
+          <a:p>
+            <a:fld id="{ABC65B0B-110A-D646-808D-174EFAE956EB}" type="slidenum">
+              <a:rPr lang="en-CH" smtClean="0"/>
+              <a:t>12</a:t>
+            </a:fld>
+            <a:endParaRPr lang="en-CH"/>
+          </a:p>
+        </p:txBody>
+      </p:sp>
     </p:spTree>
     <p:extLst>
       <p:ext uri="{BB962C8B-B14F-4D97-AF65-F5344CB8AC3E}">
@@ -7998,6 +8437,35 @@
           </a:graphicData>
         </a:graphic>
       </p:graphicFrame>
+      <p:sp>
+        <p:nvSpPr>
+          <p:cNvPr id="3" name="Slide Number Placeholder 2">
+            <a:extLst>
+              <a:ext uri="{FF2B5EF4-FFF2-40B4-BE49-F238E27FC236}">
+                <a16:creationId xmlns:a16="http://schemas.microsoft.com/office/drawing/2014/main" id="{0DB75CAF-8861-B98C-A5F8-65ACB6D0984F}"/>
+              </a:ext>
+            </a:extLst>
+          </p:cNvPr>
+          <p:cNvSpPr>
+            <a:spLocks noGrp="1"/>
+          </p:cNvSpPr>
+          <p:nvPr>
+            <p:ph type="sldNum" sz="quarter" idx="12"/>
+          </p:nvPr>
+        </p:nvSpPr>
+        <p:spPr/>
+        <p:txBody>
+          <a:bodyPr/>
+          <a:lstStyle/>
+          <a:p>
+            <a:fld id="{ABC65B0B-110A-D646-808D-174EFAE956EB}" type="slidenum">
+              <a:rPr lang="en-CH" smtClean="0"/>
+              <a:t>13</a:t>
+            </a:fld>
+            <a:endParaRPr lang="en-CH"/>
+          </a:p>
+        </p:txBody>
+      </p:sp>
     </p:spTree>
     <p:extLst>
       <p:ext uri="{BB962C8B-B14F-4D97-AF65-F5344CB8AC3E}">
@@ -8081,51 +8549,54 @@
           <a:p>
             <a:r>
               <a:rPr lang="en-GB" dirty="0"/>
-              <a:t>Statistical based Approach: Multivariate Gaussian distribution + Likelihood </a:t>
+              <a:t>Statistical Approach (Multivariate Gaussian)</a:t>
             </a:r>
           </a:p>
           <a:p>
             <a:r>
               <a:rPr lang="en-GB" dirty="0"/>
-              <a:t>Clustering-based: small clusters = outliers</a:t>
+              <a:t>Clustering-based Approach (k-Means)</a:t>
             </a:r>
           </a:p>
           <a:p>
             <a:r>
               <a:rPr lang="en-GB" dirty="0"/>
-              <a:t>Distance-based Approach: largest distances = outliers </a:t>
+              <a:t>Distance-based Approach (k-NN)</a:t>
             </a:r>
           </a:p>
           <a:p>
             <a:r>
               <a:rPr lang="en-GB" dirty="0"/>
-              <a:t>Density-based Approach: LOF</a:t>
+              <a:t>Density-based Approach (LOF)</a:t>
             </a:r>
           </a:p>
           <a:p>
             <a:r>
               <a:rPr lang="en-GB" dirty="0"/>
-              <a:t>Isolation-based Approach: </a:t>
+              <a:t>Isolation-based Approach (</a:t>
             </a:r>
             <a:r>
               <a:rPr lang="en-GB" dirty="0" err="1"/>
               <a:t>iForest</a:t>
             </a:r>
-            <a:endParaRPr lang="en-GB" dirty="0"/>
-          </a:p>
-          <a:p>
             <a:r>
               <a:rPr lang="en-GB" dirty="0"/>
-              <a:t>One Class SVM</a:t>
+              <a:t>)</a:t>
             </a:r>
           </a:p>
           <a:p>
             <a:r>
               <a:rPr lang="en-GB" dirty="0"/>
-              <a:t>Reconstruction Error</a:t>
+              <a:t>One-Class SVM</a:t>
             </a:r>
           </a:p>
           <a:p>
+            <a:r>
+              <a:rPr lang="en-GB" dirty="0"/>
+              <a:t>Reconstruction-based Approach (PCA)</a:t>
+            </a:r>
+          </a:p>
+          <a:p>
             <a:endParaRPr lang="en-GB" dirty="0"/>
           </a:p>
           <a:p>
@@ -8144,7 +8615,42 @@
             <a:endParaRPr lang="en-GB" dirty="0"/>
           </a:p>
           <a:p>
+            <a:endParaRPr lang="en-GB" dirty="0"/>
+          </a:p>
+          <a:p>
+            <a:endParaRPr lang="en-GB" dirty="0"/>
+          </a:p>
+          <a:p>
             <a:endParaRPr lang="en-CH" dirty="0"/>
+          </a:p>
+        </p:txBody>
+      </p:sp>
+      <p:sp>
+        <p:nvSpPr>
+          <p:cNvPr id="4" name="Slide Number Placeholder 3">
+            <a:extLst>
+              <a:ext uri="{FF2B5EF4-FFF2-40B4-BE49-F238E27FC236}">
+                <a16:creationId xmlns:a16="http://schemas.microsoft.com/office/drawing/2014/main" id="{4FD99ECF-D73C-FD25-016C-CFA591D23C5D}"/>
+              </a:ext>
+            </a:extLst>
+          </p:cNvPr>
+          <p:cNvSpPr>
+            <a:spLocks noGrp="1"/>
+          </p:cNvSpPr>
+          <p:nvPr>
+            <p:ph type="sldNum" sz="quarter" idx="12"/>
+          </p:nvPr>
+        </p:nvSpPr>
+        <p:spPr/>
+        <p:txBody>
+          <a:bodyPr/>
+          <a:lstStyle/>
+          <a:p>
+            <a:fld id="{ABC65B0B-110A-D646-808D-174EFAE956EB}" type="slidenum">
+              <a:rPr lang="en-CH" smtClean="0"/>
+              <a:t>14</a:t>
+            </a:fld>
+            <a:endParaRPr lang="en-CH"/>
           </a:p>
         </p:txBody>
       </p:sp>
@@ -8292,6 +8798,35 @@
           </a:p>
         </p:txBody>
       </p:sp>
+      <p:sp>
+        <p:nvSpPr>
+          <p:cNvPr id="4" name="Slide Number Placeholder 3">
+            <a:extLst>
+              <a:ext uri="{FF2B5EF4-FFF2-40B4-BE49-F238E27FC236}">
+                <a16:creationId xmlns:a16="http://schemas.microsoft.com/office/drawing/2014/main" id="{B266A539-5204-40E1-21B0-752861081193}"/>
+              </a:ext>
+            </a:extLst>
+          </p:cNvPr>
+          <p:cNvSpPr>
+            <a:spLocks noGrp="1"/>
+          </p:cNvSpPr>
+          <p:nvPr>
+            <p:ph type="sldNum" sz="quarter" idx="12"/>
+          </p:nvPr>
+        </p:nvSpPr>
+        <p:spPr/>
+        <p:txBody>
+          <a:bodyPr/>
+          <a:lstStyle/>
+          <a:p>
+            <a:fld id="{ABC65B0B-110A-D646-808D-174EFAE956EB}" type="slidenum">
+              <a:rPr lang="en-CH" smtClean="0"/>
+              <a:t>15</a:t>
+            </a:fld>
+            <a:endParaRPr lang="en-CH"/>
+          </a:p>
+        </p:txBody>
+      </p:sp>
     </p:spTree>
     <p:extLst>
       <p:ext uri="{BB962C8B-B14F-4D97-AF65-F5344CB8AC3E}">
@@ -8359,77 +8894,6 @@
           </a:p>
         </p:txBody>
       </p:sp>
-      <p:graphicFrame>
-        <p:nvGraphicFramePr>
-          <p:cNvPr id="3" name="Content Placeholder 2">
-            <a:extLst>
-              <a:ext uri="{FF2B5EF4-FFF2-40B4-BE49-F238E27FC236}">
-                <a16:creationId xmlns:a16="http://schemas.microsoft.com/office/drawing/2014/main" id="{E9D89A58-5702-B314-A3EF-5D4582574809}"/>
-              </a:ext>
-            </a:extLst>
-          </p:cNvPr>
-          <p:cNvGraphicFramePr>
-            <a:graphicFrameLocks noGrp="1"/>
-          </p:cNvGraphicFramePr>
-          <p:nvPr>
-            <p:ph idx="1"/>
-          </p:nvPr>
-        </p:nvGraphicFramePr>
-        <p:xfrm>
-          <a:off x="0" y="0"/>
-          <a:ext cx="825500" cy="375285"/>
-        </p:xfrm>
-        <a:graphic>
-          <a:graphicData uri="http://schemas.openxmlformats.org/drawingml/2006/table">
-            <a:tbl>
-              <a:tblPr>
-                <a:tableStyleId>{5C22544A-7EE6-4342-B048-85BDC9FD1C3A}</a:tableStyleId>
-              </a:tblPr>
-              <a:tblGrid>
-                <a:gridCol w="825500">
-                  <a:extLst>
-                    <a:ext uri="{9D8B030D-6E8A-4147-A177-3AD203B41FA5}">
-                      <a16:colId xmlns:a16="http://schemas.microsoft.com/office/drawing/2014/main" val="3633359"/>
-                    </a:ext>
-                  </a:extLst>
-                </a:gridCol>
-              </a:tblGrid>
-              <a:tr h="203200">
-                <a:tc>
-                  <a:txBody>
-                    <a:bodyPr/>
-                    <a:lstStyle/>
-                    <a:p>
-                      <a:pPr algn="l" fontAlgn="b">
-                        <a:buNone/>
-                      </a:pPr>
-                      <a:r>
-                        <a:rPr lang="en-GB" sz="1200" u="none" strike="noStrike" dirty="0" err="1">
-                          <a:effectLst/>
-                        </a:rPr>
-                        <a:t>pattonroberta</a:t>
-                      </a:r>
-                      <a:endParaRPr lang="en-GB" sz="1200" b="1" i="0" u="none" strike="noStrike" dirty="0">
-                        <a:solidFill>
-                          <a:srgbClr val="000000"/>
-                        </a:solidFill>
-                        <a:effectLst/>
-                        <a:latin typeface="Aptos Narrow" panose="020B0004020202020204" pitchFamily="34" charset="0"/>
-                      </a:endParaRPr>
-                    </a:p>
-                  </a:txBody>
-                  <a:tcPr marL="9525" marR="9525" marT="9525" marB="0" anchor="b"/>
-                </a:tc>
-                <a:extLst>
-                  <a:ext uri="{0D108BD9-81ED-4DB2-BD59-A6C34878D82A}">
-                    <a16:rowId xmlns:a16="http://schemas.microsoft.com/office/drawing/2014/main" val="3399016369"/>
-                  </a:ext>
-                </a:extLst>
-              </a:tr>
-            </a:tbl>
-          </a:graphicData>
-        </a:graphic>
-      </p:graphicFrame>
       <p:sp>
         <p:nvSpPr>
           <p:cNvPr id="4" name="Rectangle 1">
@@ -8514,7 +8978,7 @@
           <p:nvPr>
             <p:extLst>
               <p:ext uri="{D42A27DB-BD31-4B8C-83A1-F6EECF244321}">
-                <p14:modId xmlns:p14="http://schemas.microsoft.com/office/powerpoint/2010/main" val="895039492"/>
+                <p14:modId xmlns:p14="http://schemas.microsoft.com/office/powerpoint/2010/main" val="4199971465"/>
               </p:ext>
             </p:extLst>
           </p:nvPr>
@@ -8686,15 +9150,24 @@
                         <a:buNone/>
                       </a:pPr>
                       <a:r>
-                        <a:rPr lang="en-CH" sz="1800" b="0" i="0" u="none" strike="noStrike" dirty="0">
-                          <a:solidFill>
-                            <a:srgbClr val="000000"/>
-                          </a:solidFill>
-                          <a:effectLst/>
-                          <a:latin typeface="Aptos Narrow" panose="020B0004020202020204" pitchFamily="34" charset="0"/>
-                        </a:rPr>
-                        <a:t>53</a:t>
-                      </a:r>
+                        <a:rPr lang="en-CH" sz="1800" b="0" i="0" kern="1200" dirty="0">
+                          <a:solidFill>
+                            <a:schemeClr val="dk1"/>
+                          </a:solidFill>
+                          <a:effectLst/>
+                          <a:latin typeface="+mn-lt"/>
+                          <a:ea typeface="+mn-ea"/>
+                          <a:cs typeface="+mn-cs"/>
+                        </a:rPr>
+                        <a:t>1,453</a:t>
+                      </a:r>
+                      <a:endParaRPr lang="en-CH" sz="1800" b="0" i="0" u="none" strike="noStrike" dirty="0">
+                        <a:solidFill>
+                          <a:srgbClr val="000000"/>
+                        </a:solidFill>
+                        <a:effectLst/>
+                        <a:latin typeface="Aptos Narrow" panose="020B0004020202020204" pitchFamily="34" charset="0"/>
+                      </a:endParaRPr>
                     </a:p>
                   </a:txBody>
                   <a:tcPr anchor="ctr"/>
@@ -8708,15 +9181,24 @@
                         <a:buNone/>
                       </a:pPr>
                       <a:r>
-                        <a:rPr lang="en-CH" sz="1800" b="0" i="0" u="none" strike="noStrike" dirty="0">
-                          <a:solidFill>
-                            <a:srgbClr val="000000"/>
-                          </a:solidFill>
-                          <a:effectLst/>
-                          <a:latin typeface="Aptos Narrow" panose="020B0004020202020204" pitchFamily="34" charset="0"/>
-                        </a:rPr>
-                        <a:t>60294</a:t>
-                      </a:r>
+                        <a:rPr lang="en-CH" sz="1800" b="0" i="0" kern="1200" dirty="0">
+                          <a:solidFill>
+                            <a:schemeClr val="dk1"/>
+                          </a:solidFill>
+                          <a:effectLst/>
+                          <a:latin typeface="+mn-lt"/>
+                          <a:ea typeface="+mn-ea"/>
+                          <a:cs typeface="+mn-cs"/>
+                        </a:rPr>
+                        <a:t>1280</a:t>
+                      </a:r>
+                      <a:endParaRPr lang="en-CH" sz="1800" b="0" i="0" u="none" strike="noStrike" dirty="0">
+                        <a:solidFill>
+                          <a:srgbClr val="000000"/>
+                        </a:solidFill>
+                        <a:effectLst/>
+                        <a:latin typeface="Aptos Narrow" panose="020B0004020202020204" pitchFamily="34" charset="0"/>
+                      </a:endParaRPr>
                     </a:p>
                   </a:txBody>
                   <a:tcPr anchor="ctr"/>
@@ -8730,15 +9212,24 @@
                         <a:buNone/>
                       </a:pPr>
                       <a:r>
-                        <a:rPr lang="en-CH" sz="1800" b="0" i="0" u="none" strike="noStrike" dirty="0">
-                          <a:solidFill>
-                            <a:srgbClr val="000000"/>
-                          </a:solidFill>
-                          <a:effectLst/>
-                          <a:latin typeface="Aptos Narrow" panose="020B0004020202020204" pitchFamily="34" charset="0"/>
-                        </a:rPr>
-                        <a:t>12.42</a:t>
-                      </a:r>
+                        <a:rPr lang="en-CH" sz="1800" b="0" i="0" kern="1200" dirty="0">
+                          <a:solidFill>
+                            <a:schemeClr val="dk1"/>
+                          </a:solidFill>
+                          <a:effectLst/>
+                          <a:latin typeface="+mn-lt"/>
+                          <a:ea typeface="+mn-ea"/>
+                          <a:cs typeface="+mn-cs"/>
+                        </a:rPr>
+                        <a:t>0.26</a:t>
+                      </a:r>
+                      <a:endParaRPr lang="en-CH" sz="1800" b="0" i="0" u="none" strike="noStrike" dirty="0">
+                        <a:solidFill>
+                          <a:srgbClr val="000000"/>
+                        </a:solidFill>
+                        <a:effectLst/>
+                        <a:latin typeface="Aptos Narrow" panose="020B0004020202020204" pitchFamily="34" charset="0"/>
+                      </a:endParaRPr>
                     </a:p>
                   </a:txBody>
                   <a:tcPr anchor="ctr"/>
@@ -8781,15 +9272,24 @@
                         <a:buNone/>
                       </a:pPr>
                       <a:r>
-                        <a:rPr lang="en-CH" sz="1800" b="0" i="0" u="none" strike="noStrike">
-                          <a:solidFill>
-                            <a:srgbClr val="000000"/>
-                          </a:solidFill>
-                          <a:effectLst/>
-                          <a:latin typeface="Aptos Narrow" panose="020B0004020202020204" pitchFamily="34" charset="0"/>
-                        </a:rPr>
-                        <a:t>2</a:t>
-                      </a:r>
+                        <a:rPr lang="en-CH" sz="1800" b="0" i="0" kern="1200" dirty="0">
+                          <a:solidFill>
+                            <a:schemeClr val="dk1"/>
+                          </a:solidFill>
+                          <a:effectLst/>
+                          <a:latin typeface="+mn-lt"/>
+                          <a:ea typeface="+mn-ea"/>
+                          <a:cs typeface="+mn-cs"/>
+                        </a:rPr>
+                        <a:t>147</a:t>
+                      </a:r>
+                      <a:endParaRPr lang="en-CH" sz="1800" b="0" i="0" u="none" strike="noStrike" dirty="0">
+                        <a:solidFill>
+                          <a:srgbClr val="000000"/>
+                        </a:solidFill>
+                        <a:effectLst/>
+                        <a:latin typeface="Aptos Narrow" panose="020B0004020202020204" pitchFamily="34" charset="0"/>
+                      </a:endParaRPr>
                     </a:p>
                   </a:txBody>
                   <a:tcPr anchor="ctr"/>
@@ -8803,15 +9303,24 @@
                         <a:buNone/>
                       </a:pPr>
                       <a:r>
-                        <a:rPr lang="en-CH" sz="1800" b="0" i="0" u="none" strike="noStrike">
-                          <a:solidFill>
-                            <a:srgbClr val="000000"/>
-                          </a:solidFill>
-                          <a:effectLst/>
-                          <a:latin typeface="Aptos Narrow" panose="020B0004020202020204" pitchFamily="34" charset="0"/>
-                        </a:rPr>
-                        <a:t>263137</a:t>
-                      </a:r>
+                        <a:rPr lang="en-CH" sz="1800" b="0" i="0" kern="1200" dirty="0">
+                          <a:solidFill>
+                            <a:schemeClr val="dk1"/>
+                          </a:solidFill>
+                          <a:effectLst/>
+                          <a:latin typeface="+mn-lt"/>
+                          <a:ea typeface="+mn-ea"/>
+                          <a:cs typeface="+mn-cs"/>
+                        </a:rPr>
+                        <a:t>19283</a:t>
+                      </a:r>
+                      <a:endParaRPr lang="en-CH" sz="1800" b="0" i="0" u="none" strike="noStrike" dirty="0">
+                        <a:solidFill>
+                          <a:srgbClr val="000000"/>
+                        </a:solidFill>
+                        <a:effectLst/>
+                        <a:latin typeface="Aptos Narrow" panose="020B0004020202020204" pitchFamily="34" charset="0"/>
+                      </a:endParaRPr>
                     </a:p>
                   </a:txBody>
                   <a:tcPr anchor="ctr"/>
@@ -8825,15 +9334,24 @@
                         <a:buNone/>
                       </a:pPr>
                       <a:r>
-                        <a:rPr lang="en-CH" sz="1800" b="0" i="0" u="none" strike="noStrike">
-                          <a:solidFill>
-                            <a:srgbClr val="000000"/>
-                          </a:solidFill>
-                          <a:effectLst/>
-                          <a:latin typeface="Aptos Narrow" panose="020B0004020202020204" pitchFamily="34" charset="0"/>
-                        </a:rPr>
-                        <a:t>59</a:t>
-                      </a:r>
+                        <a:rPr lang="en-CH" sz="1800" b="0" i="0" kern="1200" dirty="0">
+                          <a:solidFill>
+                            <a:schemeClr val="dk1"/>
+                          </a:solidFill>
+                          <a:effectLst/>
+                          <a:latin typeface="+mn-lt"/>
+                          <a:ea typeface="+mn-ea"/>
+                          <a:cs typeface="+mn-cs"/>
+                        </a:rPr>
+                        <a:t>3.97</a:t>
+                      </a:r>
+                      <a:endParaRPr lang="en-CH" sz="1800" b="0" i="0" u="none" strike="noStrike" dirty="0">
+                        <a:solidFill>
+                          <a:srgbClr val="000000"/>
+                        </a:solidFill>
+                        <a:effectLst/>
+                        <a:latin typeface="Aptos Narrow" panose="020B0004020202020204" pitchFamily="34" charset="0"/>
+                      </a:endParaRPr>
                     </a:p>
                   </a:txBody>
                   <a:tcPr anchor="ctr"/>
@@ -8876,15 +9394,24 @@
                         <a:buNone/>
                       </a:pPr>
                       <a:r>
-                        <a:rPr lang="en-CH" sz="1800" b="0" i="0" u="none" strike="noStrike" dirty="0">
-                          <a:solidFill>
-                            <a:srgbClr val="000000"/>
-                          </a:solidFill>
-                          <a:effectLst/>
-                          <a:latin typeface="Aptos Narrow" panose="020B0004020202020204" pitchFamily="34" charset="0"/>
-                        </a:rPr>
-                        <a:t>12,198.0</a:t>
-                      </a:r>
+                        <a:rPr lang="en-CH" sz="1800" b="0" i="0" kern="1200" dirty="0">
+                          <a:solidFill>
+                            <a:schemeClr val="dk1"/>
+                          </a:solidFill>
+                          <a:effectLst/>
+                          <a:latin typeface="+mn-lt"/>
+                          <a:ea typeface="+mn-ea"/>
+                          <a:cs typeface="+mn-cs"/>
+                        </a:rPr>
+                        <a:t>1,389</a:t>
+                      </a:r>
+                      <a:endParaRPr lang="en-CH" sz="1800" b="0" i="0" u="none" strike="noStrike" dirty="0">
+                        <a:solidFill>
+                          <a:srgbClr val="000000"/>
+                        </a:solidFill>
+                        <a:effectLst/>
+                        <a:latin typeface="Aptos Narrow" panose="020B0004020202020204" pitchFamily="34" charset="0"/>
+                      </a:endParaRPr>
                     </a:p>
                   </a:txBody>
                   <a:tcPr anchor="ctr"/>
@@ -8898,15 +9425,24 @@
                         <a:buNone/>
                       </a:pPr>
                       <a:r>
-                        <a:rPr lang="en-CH" sz="1800" b="0" i="0" u="none" strike="noStrike">
-                          <a:solidFill>
-                            <a:srgbClr val="000000"/>
-                          </a:solidFill>
-                          <a:effectLst/>
-                          <a:latin typeface="Aptos Narrow" panose="020B0004020202020204" pitchFamily="34" charset="0"/>
-                        </a:rPr>
-                        <a:t>16</a:t>
-                      </a:r>
+                        <a:rPr lang="en-CH" sz="1800" b="0" i="0" kern="1200" dirty="0">
+                          <a:solidFill>
+                            <a:schemeClr val="dk1"/>
+                          </a:solidFill>
+                          <a:effectLst/>
+                          <a:latin typeface="+mn-lt"/>
+                          <a:ea typeface="+mn-ea"/>
+                          <a:cs typeface="+mn-cs"/>
+                        </a:rPr>
+                        <a:t>793</a:t>
+                      </a:r>
+                      <a:endParaRPr lang="en-CH" sz="1800" b="0" i="0" u="none" strike="noStrike" dirty="0">
+                        <a:solidFill>
+                          <a:srgbClr val="000000"/>
+                        </a:solidFill>
+                        <a:effectLst/>
+                        <a:latin typeface="Aptos Narrow" panose="020B0004020202020204" pitchFamily="34" charset="0"/>
+                      </a:endParaRPr>
                     </a:p>
                   </a:txBody>
                   <a:tcPr anchor="ctr"/>
@@ -8920,15 +9456,24 @@
                         <a:buNone/>
                       </a:pPr>
                       <a:r>
-                        <a:rPr lang="en-CH" sz="1800" b="0" i="0" u="none" strike="noStrike" dirty="0">
-                          <a:solidFill>
-                            <a:srgbClr val="000000"/>
-                          </a:solidFill>
-                          <a:effectLst/>
-                          <a:latin typeface="Aptos Narrow" panose="020B0004020202020204" pitchFamily="34" charset="0"/>
-                        </a:rPr>
-                        <a:t>0</a:t>
-                      </a:r>
+                        <a:rPr lang="en-CH" sz="1800" b="0" i="0" kern="1200" dirty="0">
+                          <a:solidFill>
+                            <a:schemeClr val="dk1"/>
+                          </a:solidFill>
+                          <a:effectLst/>
+                          <a:latin typeface="+mn-lt"/>
+                          <a:ea typeface="+mn-ea"/>
+                          <a:cs typeface="+mn-cs"/>
+                        </a:rPr>
+                        <a:t>0.16</a:t>
+                      </a:r>
+                      <a:endParaRPr lang="en-CH" sz="1800" b="0" i="0" u="none" strike="noStrike" dirty="0">
+                        <a:solidFill>
+                          <a:srgbClr val="000000"/>
+                        </a:solidFill>
+                        <a:effectLst/>
+                        <a:latin typeface="Aptos Narrow" panose="020B0004020202020204" pitchFamily="34" charset="0"/>
+                      </a:endParaRPr>
                     </a:p>
                   </a:txBody>
                   <a:tcPr anchor="ctr"/>
@@ -8949,7 +9494,7 @@
                         <a:buNone/>
                       </a:pPr>
                       <a:r>
-                        <a:rPr lang="en-GB" sz="1800" b="1" i="0" u="none" strike="noStrike">
+                        <a:rPr lang="en-GB" sz="1800" b="1" i="0" u="none" strike="noStrike" dirty="0">
                           <a:solidFill>
                             <a:srgbClr val="000000"/>
                           </a:solidFill>
@@ -8971,15 +9516,24 @@
                         <a:buNone/>
                       </a:pPr>
                       <a:r>
-                        <a:rPr lang="en-CH" sz="1800" b="0" i="0" u="none" strike="noStrike">
-                          <a:solidFill>
-                            <a:srgbClr val="000000"/>
-                          </a:solidFill>
-                          <a:effectLst/>
-                          <a:latin typeface="Aptos Narrow" panose="020B0004020202020204" pitchFamily="34" charset="0"/>
-                        </a:rPr>
-                        <a:t>0</a:t>
-                      </a:r>
+                        <a:rPr lang="en-CH" sz="1800" b="0" i="0" kern="1200" dirty="0">
+                          <a:solidFill>
+                            <a:schemeClr val="dk1"/>
+                          </a:solidFill>
+                          <a:effectLst/>
+                          <a:latin typeface="+mn-lt"/>
+                          <a:ea typeface="+mn-ea"/>
+                          <a:cs typeface="+mn-cs"/>
+                        </a:rPr>
+                        <a:t>0.66</a:t>
+                      </a:r>
+                      <a:endParaRPr lang="en-CH" sz="1800" b="0" i="0" u="none" strike="noStrike" dirty="0">
+                        <a:solidFill>
+                          <a:srgbClr val="000000"/>
+                        </a:solidFill>
+                        <a:effectLst/>
+                        <a:latin typeface="Aptos Narrow" panose="020B0004020202020204" pitchFamily="34" charset="0"/>
+                      </a:endParaRPr>
                     </a:p>
                   </a:txBody>
                   <a:tcPr anchor="ctr"/>
@@ -8993,15 +9547,24 @@
                         <a:buNone/>
                       </a:pPr>
                       <a:r>
-                        <a:rPr lang="en-CH" sz="1800" b="0" i="0" u="none" strike="noStrike">
-                          <a:solidFill>
-                            <a:srgbClr val="000000"/>
-                          </a:solidFill>
-                          <a:effectLst/>
-                          <a:latin typeface="Aptos Narrow" panose="020B0004020202020204" pitchFamily="34" charset="0"/>
-                        </a:rPr>
-                        <a:t>15915</a:t>
-                      </a:r>
+                        <a:rPr lang="en-CH" sz="1800" b="0" i="0" kern="1200" dirty="0">
+                          <a:solidFill>
+                            <a:schemeClr val="dk1"/>
+                          </a:solidFill>
+                          <a:effectLst/>
+                          <a:latin typeface="+mn-lt"/>
+                          <a:ea typeface="+mn-ea"/>
+                          <a:cs typeface="+mn-cs"/>
+                        </a:rPr>
+                        <a:t>2992</a:t>
+                      </a:r>
+                      <a:endParaRPr lang="en-CH" sz="1800" b="0" i="0" u="none" strike="noStrike" dirty="0">
+                        <a:solidFill>
+                          <a:srgbClr val="000000"/>
+                        </a:solidFill>
+                        <a:effectLst/>
+                        <a:latin typeface="Aptos Narrow" panose="020B0004020202020204" pitchFamily="34" charset="0"/>
+                      </a:endParaRPr>
                     </a:p>
                   </a:txBody>
                   <a:tcPr anchor="ctr"/>
@@ -9015,15 +9578,24 @@
                         <a:buNone/>
                       </a:pPr>
                       <a:r>
-                        <a:rPr lang="en-CH" sz="1800" b="0" i="0" u="none" strike="noStrike">
-                          <a:solidFill>
-                            <a:srgbClr val="000000"/>
-                          </a:solidFill>
-                          <a:effectLst/>
-                          <a:latin typeface="Aptos Narrow" panose="020B0004020202020204" pitchFamily="34" charset="0"/>
-                        </a:rPr>
-                        <a:t>51.63</a:t>
-                      </a:r>
+                        <a:rPr lang="en-CH" sz="1800" b="0" i="0" kern="1200" dirty="0">
+                          <a:solidFill>
+                            <a:schemeClr val="dk1"/>
+                          </a:solidFill>
+                          <a:effectLst/>
+                          <a:latin typeface="+mn-lt"/>
+                          <a:ea typeface="+mn-ea"/>
+                          <a:cs typeface="+mn-cs"/>
+                        </a:rPr>
+                        <a:t>0.61</a:t>
+                      </a:r>
+                      <a:endParaRPr lang="en-CH" sz="1800" b="0" i="0" u="none" strike="noStrike" dirty="0">
+                        <a:solidFill>
+                          <a:srgbClr val="000000"/>
+                        </a:solidFill>
+                        <a:effectLst/>
+                        <a:latin typeface="Aptos Narrow" panose="020B0004020202020204" pitchFamily="34" charset="0"/>
+                      </a:endParaRPr>
                     </a:p>
                   </a:txBody>
                   <a:tcPr anchor="ctr"/>
@@ -9066,15 +9638,24 @@
                         <a:buNone/>
                       </a:pPr>
                       <a:r>
-                        <a:rPr lang="en-CH" sz="1800" b="0" i="0" u="none" strike="noStrike">
-                          <a:solidFill>
-                            <a:srgbClr val="000000"/>
-                          </a:solidFill>
-                          <a:effectLst/>
-                          <a:latin typeface="Aptos Narrow" panose="020B0004020202020204" pitchFamily="34" charset="0"/>
-                        </a:rPr>
-                        <a:t>0</a:t>
-                      </a:r>
+                        <a:rPr lang="en-CH" sz="1800" b="0" i="0" kern="1200" dirty="0">
+                          <a:solidFill>
+                            <a:schemeClr val="dk1"/>
+                          </a:solidFill>
+                          <a:effectLst/>
+                          <a:latin typeface="+mn-lt"/>
+                          <a:ea typeface="+mn-ea"/>
+                          <a:cs typeface="+mn-cs"/>
+                        </a:rPr>
+                        <a:t>2,707.0</a:t>
+                      </a:r>
+                      <a:endParaRPr lang="en-CH" sz="1800" b="0" i="0" u="none" strike="noStrike" dirty="0">
+                        <a:solidFill>
+                          <a:srgbClr val="000000"/>
+                        </a:solidFill>
+                        <a:effectLst/>
+                        <a:latin typeface="Aptos Narrow" panose="020B0004020202020204" pitchFamily="34" charset="0"/>
+                      </a:endParaRPr>
                     </a:p>
                   </a:txBody>
                   <a:tcPr anchor="ctr"/>
@@ -9088,15 +9669,24 @@
                         <a:buNone/>
                       </a:pPr>
                       <a:r>
-                        <a:rPr lang="en-CH" sz="1800" b="0" i="0" u="none" strike="noStrike">
-                          <a:solidFill>
-                            <a:srgbClr val="000000"/>
-                          </a:solidFill>
-                          <a:effectLst/>
-                          <a:latin typeface="Aptos Narrow" panose="020B0004020202020204" pitchFamily="34" charset="0"/>
-                        </a:rPr>
-                        <a:t>15739</a:t>
-                      </a:r>
+                        <a:rPr lang="en-CH" sz="1800" b="0" i="0" kern="1200" dirty="0">
+                          <a:solidFill>
+                            <a:schemeClr val="dk1"/>
+                          </a:solidFill>
+                          <a:effectLst/>
+                          <a:latin typeface="+mn-lt"/>
+                          <a:ea typeface="+mn-ea"/>
+                          <a:cs typeface="+mn-cs"/>
+                        </a:rPr>
+                        <a:t>5</a:t>
+                      </a:r>
+                      <a:endParaRPr lang="en-CH" sz="1800" b="0" i="0" u="none" strike="noStrike" dirty="0">
+                        <a:solidFill>
+                          <a:srgbClr val="000000"/>
+                        </a:solidFill>
+                        <a:effectLst/>
+                        <a:latin typeface="Aptos Narrow" panose="020B0004020202020204" pitchFamily="34" charset="0"/>
+                      </a:endParaRPr>
                     </a:p>
                   </a:txBody>
                   <a:tcPr anchor="ctr"/>
@@ -9110,15 +9700,24 @@
                         <a:buNone/>
                       </a:pPr>
                       <a:r>
-                        <a:rPr lang="en-CH" sz="1800" b="0" i="0" u="none" strike="noStrike">
-                          <a:solidFill>
-                            <a:srgbClr val="000000"/>
-                          </a:solidFill>
-                          <a:effectLst/>
-                          <a:latin typeface="Aptos Narrow" panose="020B0004020202020204" pitchFamily="34" charset="0"/>
-                        </a:rPr>
-                        <a:t>51.61</a:t>
-                      </a:r>
+                        <a:rPr lang="en-CH" sz="1800" b="0" i="0" kern="1200" dirty="0">
+                          <a:solidFill>
+                            <a:schemeClr val="dk1"/>
+                          </a:solidFill>
+                          <a:effectLst/>
+                          <a:latin typeface="+mn-lt"/>
+                          <a:ea typeface="+mn-ea"/>
+                          <a:cs typeface="+mn-cs"/>
+                        </a:rPr>
+                        <a:t>0.00</a:t>
+                      </a:r>
+                      <a:endParaRPr lang="en-CH" sz="1800" b="0" i="0" u="none" strike="noStrike" dirty="0">
+                        <a:solidFill>
+                          <a:srgbClr val="000000"/>
+                        </a:solidFill>
+                        <a:effectLst/>
+                        <a:latin typeface="Aptos Narrow" panose="020B0004020202020204" pitchFamily="34" charset="0"/>
+                      </a:endParaRPr>
                     </a:p>
                   </a:txBody>
                   <a:tcPr anchor="ctr"/>
@@ -9161,15 +9760,24 @@
                         <a:buNone/>
                       </a:pPr>
                       <a:r>
-                        <a:rPr lang="en-CH" sz="1800" b="0" i="0" u="none" strike="noStrike">
-                          <a:solidFill>
-                            <a:srgbClr val="000000"/>
-                          </a:solidFill>
-                          <a:effectLst/>
-                          <a:latin typeface="Aptos Narrow" panose="020B0004020202020204" pitchFamily="34" charset="0"/>
-                        </a:rPr>
-                        <a:t>1</a:t>
-                      </a:r>
+                        <a:rPr lang="en-CH" sz="1800" b="0" i="0" kern="1200" dirty="0">
+                          <a:solidFill>
+                            <a:schemeClr val="dk1"/>
+                          </a:solidFill>
+                          <a:effectLst/>
+                          <a:latin typeface="+mn-lt"/>
+                          <a:ea typeface="+mn-ea"/>
+                          <a:cs typeface="+mn-cs"/>
+                        </a:rPr>
+                        <a:t>3.28</a:t>
+                      </a:r>
+                      <a:endParaRPr lang="en-CH" sz="1800" b="0" i="0" u="none" strike="noStrike" dirty="0">
+                        <a:solidFill>
+                          <a:srgbClr val="000000"/>
+                        </a:solidFill>
+                        <a:effectLst/>
+                        <a:latin typeface="Aptos Narrow" panose="020B0004020202020204" pitchFamily="34" charset="0"/>
+                      </a:endParaRPr>
                     </a:p>
                   </a:txBody>
                   <a:tcPr anchor="ctr"/>
@@ -9183,15 +9791,24 @@
                         <a:buNone/>
                       </a:pPr>
                       <a:r>
-                        <a:rPr lang="en-CH" sz="1800" b="0" i="0" u="none" strike="noStrike">
-                          <a:solidFill>
-                            <a:srgbClr val="000000"/>
-                          </a:solidFill>
-                          <a:effectLst/>
-                          <a:latin typeface="Aptos Narrow" panose="020B0004020202020204" pitchFamily="34" charset="0"/>
-                        </a:rPr>
-                        <a:t>8494</a:t>
-                      </a:r>
+                        <a:rPr lang="en-CH" sz="1800" b="0" i="0" kern="1200" dirty="0">
+                          <a:solidFill>
+                            <a:schemeClr val="dk1"/>
+                          </a:solidFill>
+                          <a:effectLst/>
+                          <a:latin typeface="+mn-lt"/>
+                          <a:ea typeface="+mn-ea"/>
+                          <a:cs typeface="+mn-cs"/>
+                        </a:rPr>
+                        <a:t>2013</a:t>
+                      </a:r>
+                      <a:endParaRPr lang="en-CH" sz="1800" b="0" i="0" u="none" strike="noStrike" dirty="0">
+                        <a:solidFill>
+                          <a:srgbClr val="000000"/>
+                        </a:solidFill>
+                        <a:effectLst/>
+                        <a:latin typeface="Aptos Narrow" panose="020B0004020202020204" pitchFamily="34" charset="0"/>
+                      </a:endParaRPr>
                     </a:p>
                   </a:txBody>
                   <a:tcPr anchor="ctr"/>
@@ -9205,15 +9822,24 @@
                         <a:buNone/>
                       </a:pPr>
                       <a:r>
-                        <a:rPr lang="en-CH" sz="1800" b="0" i="0" u="none" strike="noStrike">
-                          <a:solidFill>
-                            <a:srgbClr val="000000"/>
-                          </a:solidFill>
-                          <a:effectLst/>
-                          <a:latin typeface="Aptos Narrow" panose="020B0004020202020204" pitchFamily="34" charset="0"/>
-                        </a:rPr>
-                        <a:t>1.74</a:t>
-                      </a:r>
+                        <a:rPr lang="en-CH" sz="1800" b="0" i="0" kern="1200" dirty="0">
+                          <a:solidFill>
+                            <a:schemeClr val="dk1"/>
+                          </a:solidFill>
+                          <a:effectLst/>
+                          <a:latin typeface="+mn-lt"/>
+                          <a:ea typeface="+mn-ea"/>
+                          <a:cs typeface="+mn-cs"/>
+                        </a:rPr>
+                        <a:t>0.41</a:t>
+                      </a:r>
+                      <a:endParaRPr lang="en-CH" sz="1800" b="0" i="0" u="none" strike="noStrike" dirty="0">
+                        <a:solidFill>
+                          <a:srgbClr val="000000"/>
+                        </a:solidFill>
+                        <a:effectLst/>
+                        <a:latin typeface="Aptos Narrow" panose="020B0004020202020204" pitchFamily="34" charset="0"/>
+                      </a:endParaRPr>
                     </a:p>
                   </a:txBody>
                   <a:tcPr anchor="ctr"/>
@@ -9256,15 +9882,24 @@
                         <a:buNone/>
                       </a:pPr>
                       <a:r>
-                        <a:rPr lang="en-CH" sz="1800" b="0" i="0" u="none" strike="noStrike" dirty="0">
-                          <a:solidFill>
-                            <a:srgbClr val="000000"/>
-                          </a:solidFill>
-                          <a:effectLst/>
-                          <a:latin typeface="Aptos Narrow" panose="020B0004020202020204" pitchFamily="34" charset="0"/>
-                        </a:rPr>
-                        <a:t>12,197.0</a:t>
-                      </a:r>
+                        <a:rPr lang="en-CH" sz="1800" b="0" i="0" kern="1200" dirty="0">
+                          <a:solidFill>
+                            <a:schemeClr val="dk1"/>
+                          </a:solidFill>
+                          <a:effectLst/>
+                          <a:latin typeface="+mn-lt"/>
+                          <a:ea typeface="+mn-ea"/>
+                          <a:cs typeface="+mn-cs"/>
+                        </a:rPr>
+                        <a:t>4,365.0</a:t>
+                      </a:r>
+                      <a:endParaRPr lang="en-CH" sz="1800" b="0" i="0" u="none" strike="noStrike" dirty="0">
+                        <a:solidFill>
+                          <a:srgbClr val="000000"/>
+                        </a:solidFill>
+                        <a:effectLst/>
+                        <a:latin typeface="Aptos Narrow" panose="020B0004020202020204" pitchFamily="34" charset="0"/>
+                      </a:endParaRPr>
                     </a:p>
                   </a:txBody>
                   <a:tcPr anchor="ctr"/>
@@ -9278,15 +9913,24 @@
                         <a:buNone/>
                       </a:pPr>
                       <a:r>
-                        <a:rPr lang="en-CH" sz="1800" b="0" i="0" u="none" strike="noStrike">
-                          <a:solidFill>
-                            <a:srgbClr val="000000"/>
-                          </a:solidFill>
-                          <a:effectLst/>
-                          <a:latin typeface="Aptos Narrow" panose="020B0004020202020204" pitchFamily="34" charset="0"/>
-                        </a:rPr>
-                        <a:t>2</a:t>
-                      </a:r>
+                        <a:rPr lang="en-CH" sz="1800" b="0" i="0" kern="1200" dirty="0">
+                          <a:solidFill>
+                            <a:schemeClr val="dk1"/>
+                          </a:solidFill>
+                          <a:effectLst/>
+                          <a:latin typeface="+mn-lt"/>
+                          <a:ea typeface="+mn-ea"/>
+                          <a:cs typeface="+mn-cs"/>
+                        </a:rPr>
+                        <a:t>36</a:t>
+                      </a:r>
+                      <a:endParaRPr lang="en-CH" sz="1800" b="0" i="0" u="none" strike="noStrike" dirty="0">
+                        <a:solidFill>
+                          <a:srgbClr val="000000"/>
+                        </a:solidFill>
+                        <a:effectLst/>
+                        <a:latin typeface="Aptos Narrow" panose="020B0004020202020204" pitchFamily="34" charset="0"/>
+                      </a:endParaRPr>
                     </a:p>
                   </a:txBody>
                   <a:tcPr anchor="ctr"/>
@@ -9300,15 +9944,24 @@
                         <a:buNone/>
                       </a:pPr>
                       <a:r>
-                        <a:rPr lang="en-CH" sz="1800" b="0" i="0" u="none" strike="noStrike" dirty="0">
-                          <a:solidFill>
-                            <a:srgbClr val="000000"/>
-                          </a:solidFill>
-                          <a:effectLst/>
-                          <a:latin typeface="Aptos Narrow" panose="020B0004020202020204" pitchFamily="34" charset="0"/>
-                        </a:rPr>
-                        <a:t>0</a:t>
-                      </a:r>
+                        <a:rPr lang="en-CH" sz="1800" b="0" i="0" kern="1200" dirty="0">
+                          <a:solidFill>
+                            <a:schemeClr val="dk1"/>
+                          </a:solidFill>
+                          <a:effectLst/>
+                          <a:latin typeface="+mn-lt"/>
+                          <a:ea typeface="+mn-ea"/>
+                          <a:cs typeface="+mn-cs"/>
+                        </a:rPr>
+                        <a:t>0.01</a:t>
+                      </a:r>
+                      <a:endParaRPr lang="en-CH" sz="1800" b="0" i="0" u="none" strike="noStrike" dirty="0">
+                        <a:solidFill>
+                          <a:srgbClr val="000000"/>
+                        </a:solidFill>
+                        <a:effectLst/>
+                        <a:latin typeface="Aptos Narrow" panose="020B0004020202020204" pitchFamily="34" charset="0"/>
+                      </a:endParaRPr>
                     </a:p>
                   </a:txBody>
                   <a:tcPr anchor="ctr"/>
@@ -9323,6 +9976,70 @@
           </a:graphicData>
         </a:graphic>
       </p:graphicFrame>
+      <p:sp>
+        <p:nvSpPr>
+          <p:cNvPr id="5" name="Slide Number Placeholder 4">
+            <a:extLst>
+              <a:ext uri="{FF2B5EF4-FFF2-40B4-BE49-F238E27FC236}">
+                <a16:creationId xmlns:a16="http://schemas.microsoft.com/office/drawing/2014/main" id="{65FCF259-A3B8-0B09-2077-DCBF032B5A92}"/>
+              </a:ext>
+            </a:extLst>
+          </p:cNvPr>
+          <p:cNvSpPr>
+            <a:spLocks noGrp="1"/>
+          </p:cNvSpPr>
+          <p:nvPr>
+            <p:ph type="sldNum" sz="quarter" idx="12"/>
+          </p:nvPr>
+        </p:nvSpPr>
+        <p:spPr/>
+        <p:txBody>
+          <a:bodyPr/>
+          <a:lstStyle/>
+          <a:p>
+            <a:fld id="{ABC65B0B-110A-D646-808D-174EFAE956EB}" type="slidenum">
+              <a:rPr lang="en-CH" smtClean="0"/>
+              <a:t>16</a:t>
+            </a:fld>
+            <a:endParaRPr lang="en-CH"/>
+          </a:p>
+        </p:txBody>
+      </p:sp>
+      <p:sp>
+        <p:nvSpPr>
+          <p:cNvPr id="10" name="TextBox 9">
+            <a:extLst>
+              <a:ext uri="{FF2B5EF4-FFF2-40B4-BE49-F238E27FC236}">
+                <a16:creationId xmlns:a16="http://schemas.microsoft.com/office/drawing/2014/main" id="{D03A484E-D911-491F-09E7-915E197B05AA}"/>
+              </a:ext>
+            </a:extLst>
+          </p:cNvPr>
+          <p:cNvSpPr txBox="1"/>
+          <p:nvPr/>
+        </p:nvSpPr>
+        <p:spPr>
+          <a:xfrm>
+            <a:off x="838199" y="6123543"/>
+            <a:ext cx="11075020" cy="430887"/>
+          </a:xfrm>
+          <a:prstGeom prst="rect">
+            <a:avLst/>
+          </a:prstGeom>
+          <a:noFill/>
+        </p:spPr>
+        <p:txBody>
+          <a:bodyPr wrap="none" rtlCol="0">
+            <a:spAutoFit/>
+          </a:bodyPr>
+          <a:lstStyle/>
+          <a:p>
+            <a:r>
+              <a:rPr lang="en-CH" sz="2200" dirty="0"/>
+              <a:t>Algorithms that detected outlier: Multivariate Gaussian, kNN, iForest, PCA Reconstruction</a:t>
+            </a:r>
+          </a:p>
+        </p:txBody>
+      </p:sp>
     </p:spTree>
     <p:extLst>
       <p:ext uri="{BB962C8B-B14F-4D97-AF65-F5344CB8AC3E}">
@@ -9392,31 +10109,6 @@
               <a:rPr lang="en-GB" dirty="0"/>
               <a:t>”</a:t>
             </a:r>
-            <a:endParaRPr lang="en-CH" dirty="0"/>
-          </a:p>
-        </p:txBody>
-      </p:sp>
-      <p:sp>
-        <p:nvSpPr>
-          <p:cNvPr id="5" name="Content Placeholder 4">
-            <a:extLst>
-              <a:ext uri="{FF2B5EF4-FFF2-40B4-BE49-F238E27FC236}">
-                <a16:creationId xmlns:a16="http://schemas.microsoft.com/office/drawing/2014/main" id="{866FE8B1-AFAD-0E97-B97E-65AC5B1A70D8}"/>
-              </a:ext>
-            </a:extLst>
-          </p:cNvPr>
-          <p:cNvSpPr>
-            <a:spLocks noGrp="1"/>
-          </p:cNvSpPr>
-          <p:nvPr>
-            <p:ph idx="1"/>
-          </p:nvPr>
-        </p:nvSpPr>
-        <p:spPr/>
-        <p:txBody>
-          <a:bodyPr/>
-          <a:lstStyle/>
-          <a:p>
             <a:endParaRPr lang="en-CH" dirty="0"/>
           </a:p>
         </p:txBody>
@@ -10245,6 +10937,70 @@
           </a:graphicData>
         </a:graphic>
       </p:graphicFrame>
+      <p:sp>
+        <p:nvSpPr>
+          <p:cNvPr id="4" name="Slide Number Placeholder 3">
+            <a:extLst>
+              <a:ext uri="{FF2B5EF4-FFF2-40B4-BE49-F238E27FC236}">
+                <a16:creationId xmlns:a16="http://schemas.microsoft.com/office/drawing/2014/main" id="{D7F8C392-1258-C605-7CF0-14AA345B88A5}"/>
+              </a:ext>
+            </a:extLst>
+          </p:cNvPr>
+          <p:cNvSpPr>
+            <a:spLocks noGrp="1"/>
+          </p:cNvSpPr>
+          <p:nvPr>
+            <p:ph type="sldNum" sz="quarter" idx="12"/>
+          </p:nvPr>
+        </p:nvSpPr>
+        <p:spPr/>
+        <p:txBody>
+          <a:bodyPr/>
+          <a:lstStyle/>
+          <a:p>
+            <a:fld id="{ABC65B0B-110A-D646-808D-174EFAE956EB}" type="slidenum">
+              <a:rPr lang="en-CH" smtClean="0"/>
+              <a:t>17</a:t>
+            </a:fld>
+            <a:endParaRPr lang="en-CH"/>
+          </a:p>
+        </p:txBody>
+      </p:sp>
+      <p:sp>
+        <p:nvSpPr>
+          <p:cNvPr id="6" name="TextBox 5">
+            <a:extLst>
+              <a:ext uri="{FF2B5EF4-FFF2-40B4-BE49-F238E27FC236}">
+                <a16:creationId xmlns:a16="http://schemas.microsoft.com/office/drawing/2014/main" id="{4A271B6D-65E8-6165-6673-4A550795FE05}"/>
+              </a:ext>
+            </a:extLst>
+          </p:cNvPr>
+          <p:cNvSpPr txBox="1"/>
+          <p:nvPr/>
+        </p:nvSpPr>
+        <p:spPr>
+          <a:xfrm>
+            <a:off x="838199" y="6123543"/>
+            <a:ext cx="11190884" cy="430887"/>
+          </a:xfrm>
+          <a:prstGeom prst="rect">
+            <a:avLst/>
+          </a:prstGeom>
+          <a:noFill/>
+        </p:spPr>
+        <p:txBody>
+          <a:bodyPr wrap="none" rtlCol="0">
+            <a:spAutoFit/>
+          </a:bodyPr>
+          <a:lstStyle/>
+          <a:p>
+            <a:r>
+              <a:rPr lang="en-CH" sz="2200" dirty="0"/>
+              <a:t>Algorithms that detected outlier: Multivariate Gaussian, kMeans, kNN, PCA Reconstruction</a:t>
+            </a:r>
+          </a:p>
+        </p:txBody>
+      </p:sp>
     </p:spTree>
     <p:extLst>
       <p:ext uri="{BB962C8B-B14F-4D97-AF65-F5344CB8AC3E}">
@@ -10314,31 +11070,6 @@
               <a:rPr lang="en-GB" dirty="0"/>
               <a:t>”</a:t>
             </a:r>
-            <a:endParaRPr lang="en-CH" dirty="0"/>
-          </a:p>
-        </p:txBody>
-      </p:sp>
-      <p:sp>
-        <p:nvSpPr>
-          <p:cNvPr id="5" name="Content Placeholder 4">
-            <a:extLst>
-              <a:ext uri="{FF2B5EF4-FFF2-40B4-BE49-F238E27FC236}">
-                <a16:creationId xmlns:a16="http://schemas.microsoft.com/office/drawing/2014/main" id="{25922D1F-6530-8FBE-B0AC-3D699671B72A}"/>
-              </a:ext>
-            </a:extLst>
-          </p:cNvPr>
-          <p:cNvSpPr>
-            <a:spLocks noGrp="1"/>
-          </p:cNvSpPr>
-          <p:nvPr>
-            <p:ph idx="1"/>
-          </p:nvPr>
-        </p:nvSpPr>
-        <p:spPr/>
-        <p:txBody>
-          <a:bodyPr/>
-          <a:lstStyle/>
-          <a:p>
             <a:endParaRPr lang="en-CH" dirty="0"/>
           </a:p>
         </p:txBody>
@@ -11167,6 +11898,70 @@
           </a:graphicData>
         </a:graphic>
       </p:graphicFrame>
+      <p:sp>
+        <p:nvSpPr>
+          <p:cNvPr id="4" name="Slide Number Placeholder 3">
+            <a:extLst>
+              <a:ext uri="{FF2B5EF4-FFF2-40B4-BE49-F238E27FC236}">
+                <a16:creationId xmlns:a16="http://schemas.microsoft.com/office/drawing/2014/main" id="{24F6DF1E-F39B-81EC-242A-C423F5DCB016}"/>
+              </a:ext>
+            </a:extLst>
+          </p:cNvPr>
+          <p:cNvSpPr>
+            <a:spLocks noGrp="1"/>
+          </p:cNvSpPr>
+          <p:nvPr>
+            <p:ph type="sldNum" sz="quarter" idx="12"/>
+          </p:nvPr>
+        </p:nvSpPr>
+        <p:spPr/>
+        <p:txBody>
+          <a:bodyPr/>
+          <a:lstStyle/>
+          <a:p>
+            <a:fld id="{ABC65B0B-110A-D646-808D-174EFAE956EB}" type="slidenum">
+              <a:rPr lang="en-CH" smtClean="0"/>
+              <a:t>18</a:t>
+            </a:fld>
+            <a:endParaRPr lang="en-CH"/>
+          </a:p>
+        </p:txBody>
+      </p:sp>
+      <p:sp>
+        <p:nvSpPr>
+          <p:cNvPr id="6" name="TextBox 5">
+            <a:extLst>
+              <a:ext uri="{FF2B5EF4-FFF2-40B4-BE49-F238E27FC236}">
+                <a16:creationId xmlns:a16="http://schemas.microsoft.com/office/drawing/2014/main" id="{74CF634E-6DF0-9259-C895-653D2BC40691}"/>
+              </a:ext>
+            </a:extLst>
+          </p:cNvPr>
+          <p:cNvSpPr txBox="1"/>
+          <p:nvPr/>
+        </p:nvSpPr>
+        <p:spPr>
+          <a:xfrm>
+            <a:off x="838199" y="6123543"/>
+            <a:ext cx="11190884" cy="430887"/>
+          </a:xfrm>
+          <a:prstGeom prst="rect">
+            <a:avLst/>
+          </a:prstGeom>
+          <a:noFill/>
+        </p:spPr>
+        <p:txBody>
+          <a:bodyPr wrap="none" rtlCol="0">
+            <a:spAutoFit/>
+          </a:bodyPr>
+          <a:lstStyle/>
+          <a:p>
+            <a:r>
+              <a:rPr lang="en-CH" sz="2200" dirty="0"/>
+              <a:t>Algorithms that detected outlier: Multivariate Gaussian, kMeans, kNN, PCA Reconstruction</a:t>
+            </a:r>
+          </a:p>
+        </p:txBody>
+      </p:sp>
     </p:spTree>
     <p:extLst>
       <p:ext uri="{BB962C8B-B14F-4D97-AF65-F5344CB8AC3E}">
@@ -11236,31 +12031,6 @@
               <a:rPr lang="en-GB" dirty="0"/>
               <a:t>”</a:t>
             </a:r>
-            <a:endParaRPr lang="en-CH" dirty="0"/>
-          </a:p>
-        </p:txBody>
-      </p:sp>
-      <p:sp>
-        <p:nvSpPr>
-          <p:cNvPr id="5" name="Content Placeholder 4">
-            <a:extLst>
-              <a:ext uri="{FF2B5EF4-FFF2-40B4-BE49-F238E27FC236}">
-                <a16:creationId xmlns:a16="http://schemas.microsoft.com/office/drawing/2014/main" id="{EFD37B83-9F72-0158-2DAB-E7AF1432893C}"/>
-              </a:ext>
-            </a:extLst>
-          </p:cNvPr>
-          <p:cNvSpPr>
-            <a:spLocks noGrp="1"/>
-          </p:cNvSpPr>
-          <p:nvPr>
-            <p:ph idx="1"/>
-          </p:nvPr>
-        </p:nvSpPr>
-        <p:spPr/>
-        <p:txBody>
-          <a:bodyPr/>
-          <a:lstStyle/>
-          <a:p>
             <a:endParaRPr lang="en-CH" dirty="0"/>
           </a:p>
         </p:txBody>
@@ -12089,6 +12859,70 @@
           </a:graphicData>
         </a:graphic>
       </p:graphicFrame>
+      <p:sp>
+        <p:nvSpPr>
+          <p:cNvPr id="3" name="Slide Number Placeholder 2">
+            <a:extLst>
+              <a:ext uri="{FF2B5EF4-FFF2-40B4-BE49-F238E27FC236}">
+                <a16:creationId xmlns:a16="http://schemas.microsoft.com/office/drawing/2014/main" id="{4572188E-4A28-F380-53F3-52F5D146C831}"/>
+              </a:ext>
+            </a:extLst>
+          </p:cNvPr>
+          <p:cNvSpPr>
+            <a:spLocks noGrp="1"/>
+          </p:cNvSpPr>
+          <p:nvPr>
+            <p:ph type="sldNum" sz="quarter" idx="12"/>
+          </p:nvPr>
+        </p:nvSpPr>
+        <p:spPr/>
+        <p:txBody>
+          <a:bodyPr/>
+          <a:lstStyle/>
+          <a:p>
+            <a:fld id="{ABC65B0B-110A-D646-808D-174EFAE956EB}" type="slidenum">
+              <a:rPr lang="en-CH" smtClean="0"/>
+              <a:t>19</a:t>
+            </a:fld>
+            <a:endParaRPr lang="en-CH"/>
+          </a:p>
+        </p:txBody>
+      </p:sp>
+      <p:sp>
+        <p:nvSpPr>
+          <p:cNvPr id="4" name="TextBox 3">
+            <a:extLst>
+              <a:ext uri="{FF2B5EF4-FFF2-40B4-BE49-F238E27FC236}">
+                <a16:creationId xmlns:a16="http://schemas.microsoft.com/office/drawing/2014/main" id="{E43E225E-9514-C3C9-C820-796B911B21F4}"/>
+              </a:ext>
+            </a:extLst>
+          </p:cNvPr>
+          <p:cNvSpPr txBox="1"/>
+          <p:nvPr/>
+        </p:nvSpPr>
+        <p:spPr>
+          <a:xfrm>
+            <a:off x="838199" y="6123543"/>
+            <a:ext cx="11190884" cy="430887"/>
+          </a:xfrm>
+          <a:prstGeom prst="rect">
+            <a:avLst/>
+          </a:prstGeom>
+          <a:noFill/>
+        </p:spPr>
+        <p:txBody>
+          <a:bodyPr wrap="none" rtlCol="0">
+            <a:spAutoFit/>
+          </a:bodyPr>
+          <a:lstStyle/>
+          <a:p>
+            <a:r>
+              <a:rPr lang="en-CH" sz="2200" dirty="0"/>
+              <a:t>Algorithms that detected outlier: Multivariate Gaussian, kMeans, kNN, PCA Reconstruction</a:t>
+            </a:r>
+          </a:p>
+        </p:txBody>
+      </p:sp>
     </p:spTree>
     <p:extLst>
       <p:ext uri="{BB962C8B-B14F-4D97-AF65-F5344CB8AC3E}">
@@ -12189,6 +13023,35 @@
           </a:p>
           <a:p>
             <a:endParaRPr lang="en-CH" dirty="0"/>
+          </a:p>
+        </p:txBody>
+      </p:sp>
+      <p:sp>
+        <p:nvSpPr>
+          <p:cNvPr id="4" name="Slide Number Placeholder 3">
+            <a:extLst>
+              <a:ext uri="{FF2B5EF4-FFF2-40B4-BE49-F238E27FC236}">
+                <a16:creationId xmlns:a16="http://schemas.microsoft.com/office/drawing/2014/main" id="{DA15B46E-FBF7-AE34-24F7-0DAFD950E90A}"/>
+              </a:ext>
+            </a:extLst>
+          </p:cNvPr>
+          <p:cNvSpPr>
+            <a:spLocks noGrp="1"/>
+          </p:cNvSpPr>
+          <p:nvPr>
+            <p:ph type="sldNum" sz="quarter" idx="12"/>
+          </p:nvPr>
+        </p:nvSpPr>
+        <p:spPr/>
+        <p:txBody>
+          <a:bodyPr/>
+          <a:lstStyle/>
+          <a:p>
+            <a:fld id="{ABC65B0B-110A-D646-808D-174EFAE956EB}" type="slidenum">
+              <a:rPr lang="en-CH" smtClean="0"/>
+              <a:t>2</a:t>
+            </a:fld>
+            <a:endParaRPr lang="en-CH"/>
           </a:p>
         </p:txBody>
       </p:sp>
@@ -12261,31 +13124,6 @@
               <a:rPr lang="en-GB" dirty="0"/>
               <a:t>”</a:t>
             </a:r>
-            <a:endParaRPr lang="en-CH" dirty="0"/>
-          </a:p>
-        </p:txBody>
-      </p:sp>
-      <p:sp>
-        <p:nvSpPr>
-          <p:cNvPr id="5" name="Content Placeholder 4">
-            <a:extLst>
-              <a:ext uri="{FF2B5EF4-FFF2-40B4-BE49-F238E27FC236}">
-                <a16:creationId xmlns:a16="http://schemas.microsoft.com/office/drawing/2014/main" id="{71D444E4-9E15-37F1-771C-7697EF1D6780}"/>
-              </a:ext>
-            </a:extLst>
-          </p:cNvPr>
-          <p:cNvSpPr>
-            <a:spLocks noGrp="1"/>
-          </p:cNvSpPr>
-          <p:nvPr>
-            <p:ph idx="1"/>
-          </p:nvPr>
-        </p:nvSpPr>
-        <p:spPr/>
-        <p:txBody>
-          <a:bodyPr/>
-          <a:lstStyle/>
-          <a:p>
             <a:endParaRPr lang="en-CH" dirty="0"/>
           </a:p>
         </p:txBody>
@@ -13114,6 +13952,70 @@
           </a:graphicData>
         </a:graphic>
       </p:graphicFrame>
+      <p:sp>
+        <p:nvSpPr>
+          <p:cNvPr id="4" name="Slide Number Placeholder 3">
+            <a:extLst>
+              <a:ext uri="{FF2B5EF4-FFF2-40B4-BE49-F238E27FC236}">
+                <a16:creationId xmlns:a16="http://schemas.microsoft.com/office/drawing/2014/main" id="{94D1302F-6BCB-E363-3D90-628AA10B733B}"/>
+              </a:ext>
+            </a:extLst>
+          </p:cNvPr>
+          <p:cNvSpPr>
+            <a:spLocks noGrp="1"/>
+          </p:cNvSpPr>
+          <p:nvPr>
+            <p:ph type="sldNum" sz="quarter" idx="12"/>
+          </p:nvPr>
+        </p:nvSpPr>
+        <p:spPr/>
+        <p:txBody>
+          <a:bodyPr/>
+          <a:lstStyle/>
+          <a:p>
+            <a:fld id="{ABC65B0B-110A-D646-808D-174EFAE956EB}" type="slidenum">
+              <a:rPr lang="en-CH" smtClean="0"/>
+              <a:t>20</a:t>
+            </a:fld>
+            <a:endParaRPr lang="en-CH"/>
+          </a:p>
+        </p:txBody>
+      </p:sp>
+      <p:sp>
+        <p:nvSpPr>
+          <p:cNvPr id="6" name="TextBox 5">
+            <a:extLst>
+              <a:ext uri="{FF2B5EF4-FFF2-40B4-BE49-F238E27FC236}">
+                <a16:creationId xmlns:a16="http://schemas.microsoft.com/office/drawing/2014/main" id="{FCAEEC4F-4A7E-461E-8981-A870EE3F7030}"/>
+              </a:ext>
+            </a:extLst>
+          </p:cNvPr>
+          <p:cNvSpPr txBox="1"/>
+          <p:nvPr/>
+        </p:nvSpPr>
+        <p:spPr>
+          <a:xfrm>
+            <a:off x="838199" y="6123543"/>
+            <a:ext cx="11190884" cy="430887"/>
+          </a:xfrm>
+          <a:prstGeom prst="rect">
+            <a:avLst/>
+          </a:prstGeom>
+          <a:noFill/>
+        </p:spPr>
+        <p:txBody>
+          <a:bodyPr wrap="none" rtlCol="0">
+            <a:spAutoFit/>
+          </a:bodyPr>
+          <a:lstStyle/>
+          <a:p>
+            <a:r>
+              <a:rPr lang="en-CH" sz="2200" dirty="0"/>
+              <a:t>Algorithms that detected outlier: Multivariate Gaussian, kMeans, kNN, PCA Reconstruction</a:t>
+            </a:r>
+          </a:p>
+        </p:txBody>
+      </p:sp>
     </p:spTree>
     <p:extLst>
       <p:ext uri="{BB962C8B-B14F-4D97-AF65-F5344CB8AC3E}">
@@ -13195,13 +14097,13 @@
           <a:p>
             <a:r>
               <a:rPr lang="en-CH" dirty="0"/>
-              <a:t>Characterize the different social circles based on the data</a:t>
+              <a:t>Characterize the different social circles based on the data (e.g. social circle of influencers)</a:t>
             </a:r>
           </a:p>
           <a:p>
             <a:r>
               <a:rPr lang="en-CH" dirty="0"/>
-              <a:t>Characterize the outlier users based on the data</a:t>
+              <a:t>Characterize the outlier users based on the data (e.g. bot, spammer, influencer)</a:t>
             </a:r>
           </a:p>
           <a:p>
@@ -13209,6 +14111,35 @@
               <a:rPr lang="en-CH" dirty="0"/>
               <a:t>Highlight why the characterization of the social circle/outlier user was done</a:t>
             </a:r>
+          </a:p>
+        </p:txBody>
+      </p:sp>
+      <p:sp>
+        <p:nvSpPr>
+          <p:cNvPr id="4" name="Slide Number Placeholder 3">
+            <a:extLst>
+              <a:ext uri="{FF2B5EF4-FFF2-40B4-BE49-F238E27FC236}">
+                <a16:creationId xmlns:a16="http://schemas.microsoft.com/office/drawing/2014/main" id="{96661AD8-DEEA-DB2D-23B8-49E78C55D866}"/>
+              </a:ext>
+            </a:extLst>
+          </p:cNvPr>
+          <p:cNvSpPr>
+            <a:spLocks noGrp="1"/>
+          </p:cNvSpPr>
+          <p:nvPr>
+            <p:ph type="sldNum" sz="quarter" idx="12"/>
+          </p:nvPr>
+        </p:nvSpPr>
+        <p:spPr/>
+        <p:txBody>
+          <a:bodyPr/>
+          <a:lstStyle/>
+          <a:p>
+            <a:fld id="{ABC65B0B-110A-D646-808D-174EFAE956EB}" type="slidenum">
+              <a:rPr lang="en-CH" smtClean="0"/>
+              <a:t>21</a:t>
+            </a:fld>
+            <a:endParaRPr lang="en-CH"/>
           </a:p>
         </p:txBody>
       </p:sp>
@@ -13322,6 +14253,35 @@
           </a:p>
         </p:txBody>
       </p:sp>
+      <p:sp>
+        <p:nvSpPr>
+          <p:cNvPr id="4" name="Slide Number Placeholder 3">
+            <a:extLst>
+              <a:ext uri="{FF2B5EF4-FFF2-40B4-BE49-F238E27FC236}">
+                <a16:creationId xmlns:a16="http://schemas.microsoft.com/office/drawing/2014/main" id="{FBC9290D-1E06-D88F-4045-6F41E43D4A8B}"/>
+              </a:ext>
+            </a:extLst>
+          </p:cNvPr>
+          <p:cNvSpPr>
+            <a:spLocks noGrp="1"/>
+          </p:cNvSpPr>
+          <p:nvPr>
+            <p:ph type="sldNum" sz="quarter" idx="12"/>
+          </p:nvPr>
+        </p:nvSpPr>
+        <p:spPr/>
+        <p:txBody>
+          <a:bodyPr/>
+          <a:lstStyle/>
+          <a:p>
+            <a:fld id="{ABC65B0B-110A-D646-808D-174EFAE956EB}" type="slidenum">
+              <a:rPr lang="en-CH" smtClean="0"/>
+              <a:t>3</a:t>
+            </a:fld>
+            <a:endParaRPr lang="en-CH"/>
+          </a:p>
+        </p:txBody>
+      </p:sp>
     </p:spTree>
     <p:extLst>
       <p:ext uri="{BB962C8B-B14F-4D97-AF65-F5344CB8AC3E}">
@@ -13444,6 +14404,35 @@
           </a:p>
           <a:p>
             <a:endParaRPr lang="en-CH" dirty="0"/>
+          </a:p>
+        </p:txBody>
+      </p:sp>
+      <p:sp>
+        <p:nvSpPr>
+          <p:cNvPr id="4" name="Slide Number Placeholder 3">
+            <a:extLst>
+              <a:ext uri="{FF2B5EF4-FFF2-40B4-BE49-F238E27FC236}">
+                <a16:creationId xmlns:a16="http://schemas.microsoft.com/office/drawing/2014/main" id="{E76D3977-5B62-A68B-08EE-7AE27CB617D2}"/>
+              </a:ext>
+            </a:extLst>
+          </p:cNvPr>
+          <p:cNvSpPr>
+            <a:spLocks noGrp="1"/>
+          </p:cNvSpPr>
+          <p:nvPr>
+            <p:ph type="sldNum" sz="quarter" idx="12"/>
+          </p:nvPr>
+        </p:nvSpPr>
+        <p:spPr/>
+        <p:txBody>
+          <a:bodyPr/>
+          <a:lstStyle/>
+          <a:p>
+            <a:fld id="{ABC65B0B-110A-D646-808D-174EFAE956EB}" type="slidenum">
+              <a:rPr lang="en-CH" smtClean="0"/>
+              <a:t>4</a:t>
+            </a:fld>
+            <a:endParaRPr lang="en-CH"/>
           </a:p>
         </p:txBody>
       </p:sp>
@@ -13591,6 +14580,35 @@
           </a:prstGeom>
         </p:spPr>
       </p:pic>
+      <p:sp>
+        <p:nvSpPr>
+          <p:cNvPr id="3" name="Slide Number Placeholder 2">
+            <a:extLst>
+              <a:ext uri="{FF2B5EF4-FFF2-40B4-BE49-F238E27FC236}">
+                <a16:creationId xmlns:a16="http://schemas.microsoft.com/office/drawing/2014/main" id="{B9021DA9-D207-1D0E-5FBA-289203F0BF85}"/>
+              </a:ext>
+            </a:extLst>
+          </p:cNvPr>
+          <p:cNvSpPr>
+            <a:spLocks noGrp="1"/>
+          </p:cNvSpPr>
+          <p:nvPr>
+            <p:ph type="sldNum" sz="quarter" idx="12"/>
+          </p:nvPr>
+        </p:nvSpPr>
+        <p:spPr/>
+        <p:txBody>
+          <a:bodyPr/>
+          <a:lstStyle/>
+          <a:p>
+            <a:fld id="{ABC65B0B-110A-D646-808D-174EFAE956EB}" type="slidenum">
+              <a:rPr lang="en-CH" smtClean="0"/>
+              <a:t>5</a:t>
+            </a:fld>
+            <a:endParaRPr lang="en-CH"/>
+          </a:p>
+        </p:txBody>
+      </p:sp>
     </p:spTree>
     <p:extLst>
       <p:ext uri="{BB962C8B-B14F-4D97-AF65-F5344CB8AC3E}">
@@ -13712,6 +14730,35 @@
           </a:prstGeom>
         </p:spPr>
       </p:pic>
+      <p:sp>
+        <p:nvSpPr>
+          <p:cNvPr id="3" name="Slide Number Placeholder 2">
+            <a:extLst>
+              <a:ext uri="{FF2B5EF4-FFF2-40B4-BE49-F238E27FC236}">
+                <a16:creationId xmlns:a16="http://schemas.microsoft.com/office/drawing/2014/main" id="{1B8F95B2-A7E9-61DE-57D7-E6A3DBB853E9}"/>
+              </a:ext>
+            </a:extLst>
+          </p:cNvPr>
+          <p:cNvSpPr>
+            <a:spLocks noGrp="1"/>
+          </p:cNvSpPr>
+          <p:nvPr>
+            <p:ph type="sldNum" sz="quarter" idx="12"/>
+          </p:nvPr>
+        </p:nvSpPr>
+        <p:spPr/>
+        <p:txBody>
+          <a:bodyPr/>
+          <a:lstStyle/>
+          <a:p>
+            <a:fld id="{ABC65B0B-110A-D646-808D-174EFAE956EB}" type="slidenum">
+              <a:rPr lang="en-CH" smtClean="0"/>
+              <a:t>6</a:t>
+            </a:fld>
+            <a:endParaRPr lang="en-CH"/>
+          </a:p>
+        </p:txBody>
+      </p:sp>
     </p:spTree>
     <p:extLst>
       <p:ext uri="{BB962C8B-B14F-4D97-AF65-F5344CB8AC3E}">
@@ -14712,6 +15759,35 @@
           </a:graphicData>
         </a:graphic>
       </p:graphicFrame>
+      <p:sp>
+        <p:nvSpPr>
+          <p:cNvPr id="3" name="Slide Number Placeholder 2">
+            <a:extLst>
+              <a:ext uri="{FF2B5EF4-FFF2-40B4-BE49-F238E27FC236}">
+                <a16:creationId xmlns:a16="http://schemas.microsoft.com/office/drawing/2014/main" id="{088ED2E9-177E-3F75-0573-C37EC35523DD}"/>
+              </a:ext>
+            </a:extLst>
+          </p:cNvPr>
+          <p:cNvSpPr>
+            <a:spLocks noGrp="1"/>
+          </p:cNvSpPr>
+          <p:nvPr>
+            <p:ph type="sldNum" sz="quarter" idx="12"/>
+          </p:nvPr>
+        </p:nvSpPr>
+        <p:spPr/>
+        <p:txBody>
+          <a:bodyPr/>
+          <a:lstStyle/>
+          <a:p>
+            <a:fld id="{ABC65B0B-110A-D646-808D-174EFAE956EB}" type="slidenum">
+              <a:rPr lang="en-CH" smtClean="0"/>
+              <a:t>7</a:t>
+            </a:fld>
+            <a:endParaRPr lang="en-CH"/>
+          </a:p>
+        </p:txBody>
+      </p:sp>
     </p:spTree>
     <p:extLst>
       <p:ext uri="{BB962C8B-B14F-4D97-AF65-F5344CB8AC3E}">
@@ -14826,6 +15902,35 @@
           </a:p>
           <a:p>
             <a:endParaRPr lang="en-CH" dirty="0"/>
+          </a:p>
+        </p:txBody>
+      </p:sp>
+      <p:sp>
+        <p:nvSpPr>
+          <p:cNvPr id="4" name="Slide Number Placeholder 3">
+            <a:extLst>
+              <a:ext uri="{FF2B5EF4-FFF2-40B4-BE49-F238E27FC236}">
+                <a16:creationId xmlns:a16="http://schemas.microsoft.com/office/drawing/2014/main" id="{220A6C34-6165-5A21-8D71-4AEBBCA78DD2}"/>
+              </a:ext>
+            </a:extLst>
+          </p:cNvPr>
+          <p:cNvSpPr>
+            <a:spLocks noGrp="1"/>
+          </p:cNvSpPr>
+          <p:nvPr>
+            <p:ph type="sldNum" sz="quarter" idx="12"/>
+          </p:nvPr>
+        </p:nvSpPr>
+        <p:spPr/>
+        <p:txBody>
+          <a:bodyPr/>
+          <a:lstStyle/>
+          <a:p>
+            <a:fld id="{ABC65B0B-110A-D646-808D-174EFAE956EB}" type="slidenum">
+              <a:rPr lang="en-CH" smtClean="0"/>
+              <a:t>8</a:t>
+            </a:fld>
+            <a:endParaRPr lang="en-CH"/>
           </a:p>
         </p:txBody>
       </p:sp>
@@ -15849,6 +16954,35 @@
           </a:graphicData>
         </a:graphic>
       </p:graphicFrame>
+      <p:sp>
+        <p:nvSpPr>
+          <p:cNvPr id="3" name="Slide Number Placeholder 2">
+            <a:extLst>
+              <a:ext uri="{FF2B5EF4-FFF2-40B4-BE49-F238E27FC236}">
+                <a16:creationId xmlns:a16="http://schemas.microsoft.com/office/drawing/2014/main" id="{9803F1F4-A57C-E60B-476E-9BC88922F942}"/>
+              </a:ext>
+            </a:extLst>
+          </p:cNvPr>
+          <p:cNvSpPr>
+            <a:spLocks noGrp="1"/>
+          </p:cNvSpPr>
+          <p:nvPr>
+            <p:ph type="sldNum" sz="quarter" idx="12"/>
+          </p:nvPr>
+        </p:nvSpPr>
+        <p:spPr/>
+        <p:txBody>
+          <a:bodyPr/>
+          <a:lstStyle/>
+          <a:p>
+            <a:fld id="{ABC65B0B-110A-D646-808D-174EFAE956EB}" type="slidenum">
+              <a:rPr lang="en-CH" smtClean="0"/>
+              <a:t>9</a:t>
+            </a:fld>
+            <a:endParaRPr lang="en-CH"/>
+          </a:p>
+        </p:txBody>
+      </p:sp>
     </p:spTree>
     <p:extLst>
       <p:ext uri="{BB962C8B-B14F-4D97-AF65-F5344CB8AC3E}">
